--- a/Docs/ProjectGantt.pptx
+++ b/Docs/ProjectGantt.pptx
@@ -5,7 +5,7 @@
     <p:sldMasterId id="2147483798" r:id="rId1"/>
   </p:sldMasterIdLst>
   <p:notesMasterIdLst>
-    <p:notesMasterId r:id="rId13"/>
+    <p:notesMasterId r:id="rId12"/>
   </p:notesMasterIdLst>
   <p:sldIdLst>
     <p:sldId id="268" r:id="rId2"/>
@@ -17,8 +17,7 @@
     <p:sldId id="279" r:id="rId8"/>
     <p:sldId id="283" r:id="rId9"/>
     <p:sldId id="276" r:id="rId10"/>
-    <p:sldId id="284" r:id="rId11"/>
-    <p:sldId id="285" r:id="rId12"/>
+    <p:sldId id="285" r:id="rId11"/>
   </p:sldIdLst>
   <p:sldSz cx="12192000" cy="6858000"/>
   <p:notesSz cx="6858000" cy="9144000"/>
@@ -207,7 +206,7 @@
           <a:p>
             <a:fld id="{75E34E56-B615-49A0-8EF1-E9F65D11ACC1}" type="datetimeFigureOut">
               <a:rPr lang="he-IL" smtClean="0"/>
-              <a:t>כ"ד/אדר/תשפ"ג</a:t>
+              <a:t>י"ט/ניסן/תשפ"ג</a:t>
             </a:fld>
             <a:endParaRPr lang="he-IL"/>
           </a:p>
@@ -793,90 +792,6 @@
             <a:fld id="{FC649559-08F2-40F4-8484-938B1CB3A569}" type="slidenum">
               <a:rPr lang="he-IL" smtClean="0"/>
               <a:t>10</a:t>
-            </a:fld>
-            <a:endParaRPr lang="he-IL"/>
-          </a:p>
-        </p:txBody>
-      </p:sp>
-    </p:spTree>
-    <p:extLst>
-      <p:ext uri="{BB962C8B-B14F-4D97-AF65-F5344CB8AC3E}">
-        <p14:creationId xmlns:p14="http://schemas.microsoft.com/office/powerpoint/2010/main" val="1925498828"/>
-      </p:ext>
-    </p:extLst>
-  </p:cSld>
-  <p:clrMapOvr>
-    <a:masterClrMapping/>
-  </p:clrMapOvr>
-</p:notes>
-</file>
-
-<file path=ppt/notesSlides/notesSlide5.xml><?xml version="1.0" encoding="utf-8"?>
-<p:notes xmlns:a="http://schemas.openxmlformats.org/drawingml/2006/main" xmlns:r="http://schemas.openxmlformats.org/officeDocument/2006/relationships" xmlns:p="http://schemas.openxmlformats.org/presentationml/2006/main">
-  <p:cSld>
-    <p:spTree>
-      <p:nvGrpSpPr>
-        <p:cNvPr id="1" name=""/>
-        <p:cNvGrpSpPr/>
-        <p:nvPr/>
-      </p:nvGrpSpPr>
-      <p:grpSpPr>
-        <a:xfrm>
-          <a:off x="0" y="0"/>
-          <a:ext cx="0" cy="0"/>
-          <a:chOff x="0" y="0"/>
-          <a:chExt cx="0" cy="0"/>
-        </a:xfrm>
-      </p:grpSpPr>
-      <p:sp>
-        <p:nvSpPr>
-          <p:cNvPr id="2" name="מציין מיקום של תמונת שקופית 1"/>
-          <p:cNvSpPr>
-            <a:spLocks noGrp="1" noRot="1" noChangeAspect="1"/>
-          </p:cNvSpPr>
-          <p:nvPr>
-            <p:ph type="sldImg"/>
-          </p:nvPr>
-        </p:nvSpPr>
-        <p:spPr/>
-      </p:sp>
-      <p:sp>
-        <p:nvSpPr>
-          <p:cNvPr id="3" name="מציין מיקום של הערות 2"/>
-          <p:cNvSpPr>
-            <a:spLocks noGrp="1"/>
-          </p:cNvSpPr>
-          <p:nvPr>
-            <p:ph type="body" idx="1"/>
-          </p:nvPr>
-        </p:nvSpPr>
-        <p:spPr/>
-        <p:txBody>
-          <a:bodyPr/>
-          <a:lstStyle/>
-          <a:p>
-            <a:endParaRPr lang="he-IL"/>
-          </a:p>
-        </p:txBody>
-      </p:sp>
-      <p:sp>
-        <p:nvSpPr>
-          <p:cNvPr id="4" name="מציין מיקום של מספר שקופית 3"/>
-          <p:cNvSpPr>
-            <a:spLocks noGrp="1"/>
-          </p:cNvSpPr>
-          <p:nvPr>
-            <p:ph type="sldNum" sz="quarter" idx="10"/>
-          </p:nvPr>
-        </p:nvSpPr>
-        <p:spPr/>
-        <p:txBody>
-          <a:bodyPr/>
-          <a:lstStyle/>
-          <a:p>
-            <a:fld id="{FC649559-08F2-40F4-8484-938B1CB3A569}" type="slidenum">
-              <a:rPr lang="he-IL" smtClean="0"/>
-              <a:t>11</a:t>
             </a:fld>
             <a:endParaRPr lang="he-IL"/>
           </a:p>
@@ -1617,7 +1532,7 @@
           <a:p>
             <a:fld id="{62679F71-E552-4891-A71A-015ADD22FDD3}" type="datetimeFigureOut">
               <a:rPr lang="he-IL" smtClean="0"/>
-              <a:t>כ"ד/אדר/תשפ"ג</a:t>
+              <a:t>י"ט/ניסן/תשפ"ג</a:t>
             </a:fld>
             <a:endParaRPr lang="he-IL"/>
           </a:p>
@@ -1868,7 +1783,7 @@
           <a:p>
             <a:fld id="{62679F71-E552-4891-A71A-015ADD22FDD3}" type="datetimeFigureOut">
               <a:rPr lang="he-IL" smtClean="0"/>
-              <a:t>כ"ד/אדר/תשפ"ג</a:t>
+              <a:t>י"ט/ניסן/תשפ"ג</a:t>
             </a:fld>
             <a:endParaRPr lang="he-IL"/>
           </a:p>
@@ -2182,7 +2097,7 @@
           <a:p>
             <a:fld id="{62679F71-E552-4891-A71A-015ADD22FDD3}" type="datetimeFigureOut">
               <a:rPr lang="he-IL" smtClean="0"/>
-              <a:t>כ"ד/אדר/תשפ"ג</a:t>
+              <a:t>י"ט/ניסן/תשפ"ג</a:t>
             </a:fld>
             <a:endParaRPr lang="he-IL"/>
           </a:p>
@@ -2523,7 +2438,7 @@
           <a:p>
             <a:fld id="{62679F71-E552-4891-A71A-015ADD22FDD3}" type="datetimeFigureOut">
               <a:rPr lang="he-IL" smtClean="0"/>
-              <a:t>כ"ד/אדר/תשפ"ג</a:t>
+              <a:t>י"ט/ניסן/תשפ"ג</a:t>
             </a:fld>
             <a:endParaRPr lang="he-IL"/>
           </a:p>
@@ -2837,7 +2752,7 @@
           <a:p>
             <a:fld id="{62679F71-E552-4891-A71A-015ADD22FDD3}" type="datetimeFigureOut">
               <a:rPr lang="he-IL" smtClean="0"/>
-              <a:t>כ"ד/אדר/תשפ"ג</a:t>
+              <a:t>י"ט/ניסן/תשפ"ג</a:t>
             </a:fld>
             <a:endParaRPr lang="he-IL"/>
           </a:p>
@@ -3230,7 +3145,7 @@
           <a:p>
             <a:fld id="{62679F71-E552-4891-A71A-015ADD22FDD3}" type="datetimeFigureOut">
               <a:rPr lang="he-IL" smtClean="0"/>
-              <a:t>כ"ד/אדר/תשפ"ג</a:t>
+              <a:t>י"ט/ניסן/תשפ"ג</a:t>
             </a:fld>
             <a:endParaRPr lang="he-IL"/>
           </a:p>
@@ -3400,7 +3315,7 @@
           <a:p>
             <a:fld id="{62679F71-E552-4891-A71A-015ADD22FDD3}" type="datetimeFigureOut">
               <a:rPr lang="he-IL" smtClean="0"/>
-              <a:t>כ"ד/אדר/תשפ"ג</a:t>
+              <a:t>י"ט/ניסן/תשפ"ג</a:t>
             </a:fld>
             <a:endParaRPr lang="he-IL"/>
           </a:p>
@@ -3580,7 +3495,7 @@
           <a:p>
             <a:fld id="{62679F71-E552-4891-A71A-015ADD22FDD3}" type="datetimeFigureOut">
               <a:rPr lang="he-IL" smtClean="0"/>
-              <a:t>כ"ד/אדר/תשפ"ג</a:t>
+              <a:t>י"ט/ניסן/תשפ"ג</a:t>
             </a:fld>
             <a:endParaRPr lang="he-IL"/>
           </a:p>
@@ -3756,7 +3671,7 @@
           <a:p>
             <a:fld id="{62679F71-E552-4891-A71A-015ADD22FDD3}" type="datetimeFigureOut">
               <a:rPr lang="he-IL" smtClean="0"/>
-              <a:t>כ"ד/אדר/תשפ"ג</a:t>
+              <a:t>י"ט/ניסן/תשפ"ג</a:t>
             </a:fld>
             <a:endParaRPr lang="he-IL"/>
           </a:p>
@@ -4003,7 +3918,7 @@
           <a:p>
             <a:fld id="{62679F71-E552-4891-A71A-015ADD22FDD3}" type="datetimeFigureOut">
               <a:rPr lang="he-IL" smtClean="0"/>
-              <a:t>כ"ד/אדר/תשפ"ג</a:t>
+              <a:t>י"ט/ניסן/תשפ"ג</a:t>
             </a:fld>
             <a:endParaRPr lang="he-IL"/>
           </a:p>
@@ -4235,7 +4150,7 @@
           <a:p>
             <a:fld id="{62679F71-E552-4891-A71A-015ADD22FDD3}" type="datetimeFigureOut">
               <a:rPr lang="he-IL" smtClean="0"/>
-              <a:t>כ"ד/אדר/תשפ"ג</a:t>
+              <a:t>י"ט/ניסן/תשפ"ג</a:t>
             </a:fld>
             <a:endParaRPr lang="he-IL"/>
           </a:p>
@@ -4609,7 +4524,7 @@
           <a:p>
             <a:fld id="{62679F71-E552-4891-A71A-015ADD22FDD3}" type="datetimeFigureOut">
               <a:rPr lang="he-IL" smtClean="0"/>
-              <a:t>כ"ד/אדר/תשפ"ג</a:t>
+              <a:t>י"ט/ניסן/תשפ"ג</a:t>
             </a:fld>
             <a:endParaRPr lang="he-IL"/>
           </a:p>
@@ -4732,7 +4647,7 @@
           <a:p>
             <a:fld id="{62679F71-E552-4891-A71A-015ADD22FDD3}" type="datetimeFigureOut">
               <a:rPr lang="he-IL" smtClean="0"/>
-              <a:t>כ"ד/אדר/תשפ"ג</a:t>
+              <a:t>י"ט/ניסן/תשפ"ג</a:t>
             </a:fld>
             <a:endParaRPr lang="he-IL"/>
           </a:p>
@@ -4827,7 +4742,7 @@
           <a:p>
             <a:fld id="{62679F71-E552-4891-A71A-015ADD22FDD3}" type="datetimeFigureOut">
               <a:rPr lang="he-IL" smtClean="0"/>
-              <a:t>כ"ד/אדר/תשפ"ג</a:t>
+              <a:t>י"ט/ניסן/תשפ"ג</a:t>
             </a:fld>
             <a:endParaRPr lang="he-IL"/>
           </a:p>
@@ -5082,7 +4997,7 @@
           <a:p>
             <a:fld id="{62679F71-E552-4891-A71A-015ADD22FDD3}" type="datetimeFigureOut">
               <a:rPr lang="he-IL" smtClean="0"/>
-              <a:t>כ"ד/אדר/תשפ"ג</a:t>
+              <a:t>י"ט/ניסן/תשפ"ג</a:t>
             </a:fld>
             <a:endParaRPr lang="he-IL"/>
           </a:p>
@@ -5345,7 +5260,7 @@
           <a:p>
             <a:fld id="{62679F71-E552-4891-A71A-015ADD22FDD3}" type="datetimeFigureOut">
               <a:rPr lang="he-IL" smtClean="0"/>
-              <a:t>כ"ד/אדר/תשפ"ג</a:t>
+              <a:t>י"ט/ניסן/תשפ"ג</a:t>
             </a:fld>
             <a:endParaRPr lang="he-IL"/>
           </a:p>
@@ -6088,7 +6003,7 @@
           <a:p>
             <a:fld id="{62679F71-E552-4891-A71A-015ADD22FDD3}" type="datetimeFigureOut">
               <a:rPr lang="he-IL" smtClean="0"/>
-              <a:t>כ"ד/אדר/תשפ"ג</a:t>
+              <a:t>י"ט/ניסן/תשפ"ג</a:t>
             </a:fld>
             <a:endParaRPr lang="he-IL"/>
           </a:p>
@@ -6698,944 +6613,10 @@
       </p:transition>
     </mc:Fallback>
   </mc:AlternateContent>
-  <p:timing>
-    <p:tnLst>
-      <p:par>
-        <p:cTn id="1" dur="indefinite" restart="never" nodeType="tmRoot"/>
-      </p:par>
-    </p:tnLst>
-  </p:timing>
 </p:sld>
 </file>
 
 <file path=ppt/slides/slide10.xml><?xml version="1.0" encoding="utf-8"?>
-<p:sld xmlns:a="http://schemas.openxmlformats.org/drawingml/2006/main" xmlns:r="http://schemas.openxmlformats.org/officeDocument/2006/relationships" xmlns:p="http://schemas.openxmlformats.org/presentationml/2006/main">
-  <p:cSld>
-    <p:spTree>
-      <p:nvGrpSpPr>
-        <p:cNvPr id="1" name=""/>
-        <p:cNvGrpSpPr/>
-        <p:nvPr/>
-      </p:nvGrpSpPr>
-      <p:grpSpPr>
-        <a:xfrm>
-          <a:off x="0" y="0"/>
-          <a:ext cx="0" cy="0"/>
-          <a:chOff x="0" y="0"/>
-          <a:chExt cx="0" cy="0"/>
-        </a:xfrm>
-      </p:grpSpPr>
-      <p:pic>
-        <p:nvPicPr>
-          <p:cNvPr id="2" name="Picture 2"/>
-          <p:cNvPicPr>
-            <a:picLocks noChangeAspect="1"/>
-          </p:cNvPicPr>
-          <p:nvPr/>
-        </p:nvPicPr>
-        <p:blipFill>
-          <a:blip r:embed="rId3"/>
-          <a:srcRect/>
-          <a:stretch>
-            <a:fillRect/>
-          </a:stretch>
-        </p:blipFill>
-        <p:spPr>
-          <a:xfrm>
-            <a:off x="0" y="0"/>
-            <a:ext cx="12192000" cy="6858000"/>
-          </a:xfrm>
-          <a:prstGeom prst="rect">
-            <a:avLst/>
-          </a:prstGeom>
-        </p:spPr>
-      </p:pic>
-      <p:sp>
-        <p:nvSpPr>
-          <p:cNvPr id="3" name="AutoShape 3"/>
-          <p:cNvSpPr/>
-          <p:nvPr/>
-        </p:nvSpPr>
-        <p:spPr>
-          <a:xfrm rot="12166">
-            <a:off x="111680" y="943791"/>
-            <a:ext cx="2412000" cy="0"/>
-          </a:xfrm>
-          <a:prstGeom prst="line">
-            <a:avLst/>
-          </a:prstGeom>
-          <a:ln w="47625" cap="rnd">
-            <a:solidFill>
-              <a:srgbClr val="008037"/>
-            </a:solidFill>
-            <a:prstDash val="solid"/>
-            <a:headEnd type="none" w="sm" len="sm"/>
-            <a:tailEnd type="triangle" w="lg" len="med"/>
-          </a:ln>
-        </p:spPr>
-      </p:sp>
-      <p:sp>
-        <p:nvSpPr>
-          <p:cNvPr id="12" name="TextBox 12"/>
-          <p:cNvSpPr txBox="1"/>
-          <p:nvPr/>
-        </p:nvSpPr>
-        <p:spPr>
-          <a:xfrm>
-            <a:off x="0" y="6723439"/>
-            <a:ext cx="3756752" cy="141064"/>
-          </a:xfrm>
-          <a:prstGeom prst="rect">
-            <a:avLst/>
-          </a:prstGeom>
-        </p:spPr>
-        <p:txBody>
-          <a:bodyPr wrap="square" lIns="0" tIns="0" rIns="0" bIns="0" rtlCol="0" anchor="t">
-            <a:spAutoFit/>
-          </a:bodyPr>
-          <a:lstStyle/>
-          <a:p>
-            <a:pPr algn="ctr">
-              <a:lnSpc>
-                <a:spcPts val="1119"/>
-              </a:lnSpc>
-            </a:pPr>
-            <a:r>
-              <a:rPr lang="en-US" sz="800" dirty="0">
-                <a:solidFill>
-                  <a:srgbClr val="000000"/>
-                </a:solidFill>
-                <a:latin typeface="Assistant Regular"/>
-              </a:rPr>
-              <a:t>Confidential and Proprietary. Copyright (c) by Gotcha. All Rights Reserved</a:t>
-            </a:r>
-          </a:p>
-        </p:txBody>
-      </p:sp>
-      <p:sp>
-        <p:nvSpPr>
-          <p:cNvPr id="13" name="TextBox 13"/>
-          <p:cNvSpPr txBox="1"/>
-          <p:nvPr/>
-        </p:nvSpPr>
-        <p:spPr>
-          <a:xfrm>
-            <a:off x="-1639498" y="113294"/>
-            <a:ext cx="5773562" cy="833562"/>
-          </a:xfrm>
-          <a:prstGeom prst="rect">
-            <a:avLst/>
-          </a:prstGeom>
-        </p:spPr>
-        <p:txBody>
-          <a:bodyPr wrap="square" lIns="0" tIns="0" rIns="0" bIns="0" rtlCol="0" anchor="t">
-            <a:spAutoFit/>
-          </a:bodyPr>
-          <a:lstStyle/>
-          <a:p>
-            <a:pPr algn="ctr">
-              <a:lnSpc>
-                <a:spcPts val="6512"/>
-              </a:lnSpc>
-            </a:pPr>
-            <a:r>
-              <a:rPr lang="en-US" sz="5662" dirty="0" smtClean="0">
-                <a:solidFill>
-                  <a:srgbClr val="008037"/>
-                </a:solidFill>
-                <a:latin typeface="Norwester"/>
-              </a:rPr>
-              <a:t>Issues</a:t>
-            </a:r>
-            <a:endParaRPr lang="en-US" sz="5662" dirty="0">
-              <a:solidFill>
-                <a:srgbClr val="008037"/>
-              </a:solidFill>
-              <a:latin typeface="Norwester"/>
-            </a:endParaRPr>
-          </a:p>
-        </p:txBody>
-      </p:sp>
-      <p:grpSp>
-        <p:nvGrpSpPr>
-          <p:cNvPr id="27" name="Group 37">
-            <a:extLst>
-              <a:ext uri="{FF2B5EF4-FFF2-40B4-BE49-F238E27FC236}">
-                <a16:creationId xmlns="" xmlns:a16="http://schemas.microsoft.com/office/drawing/2014/main" id="{3A1B1429-54EA-DE01-4A5C-E94E4F5C5B72}"/>
-              </a:ext>
-            </a:extLst>
-          </p:cNvPr>
-          <p:cNvGrpSpPr/>
-          <p:nvPr/>
-        </p:nvGrpSpPr>
-        <p:grpSpPr>
-          <a:xfrm>
-            <a:off x="11810293" y="16672"/>
-            <a:ext cx="381707" cy="495660"/>
-            <a:chOff x="0" y="0"/>
-            <a:chExt cx="763414" cy="991320"/>
-          </a:xfrm>
-        </p:grpSpPr>
-        <p:grpSp>
-          <p:nvGrpSpPr>
-            <p:cNvPr id="28" name="Group 38">
-              <a:extLst>
-                <a:ext uri="{FF2B5EF4-FFF2-40B4-BE49-F238E27FC236}">
-                  <a16:creationId xmlns="" xmlns:a16="http://schemas.microsoft.com/office/drawing/2014/main" id="{BC57A493-060F-544E-8BD0-E8584440AF6E}"/>
-                </a:ext>
-              </a:extLst>
-            </p:cNvPr>
-            <p:cNvGrpSpPr/>
-            <p:nvPr/>
-          </p:nvGrpSpPr>
-          <p:grpSpPr>
-            <a:xfrm>
-              <a:off x="0" y="0"/>
-              <a:ext cx="763414" cy="763414"/>
-              <a:chOff x="0" y="0"/>
-              <a:chExt cx="812800" cy="812800"/>
-            </a:xfrm>
-          </p:grpSpPr>
-          <p:sp>
-            <p:nvSpPr>
-              <p:cNvPr id="43" name="Freeform 39">
-                <a:extLst>
-                  <a:ext uri="{FF2B5EF4-FFF2-40B4-BE49-F238E27FC236}">
-                    <a16:creationId xmlns="" xmlns:a16="http://schemas.microsoft.com/office/drawing/2014/main" id="{D441E0B9-ECBB-0AD9-34C9-2789BBB1FC81}"/>
-                  </a:ext>
-                </a:extLst>
-              </p:cNvPr>
-              <p:cNvSpPr/>
-              <p:nvPr/>
-            </p:nvSpPr>
-            <p:spPr>
-              <a:xfrm>
-                <a:off x="1813" y="0"/>
-                <a:ext cx="809173" cy="812800"/>
-              </a:xfrm>
-              <a:custGeom>
-                <a:avLst/>
-                <a:gdLst/>
-                <a:ahLst/>
-                <a:cxnLst/>
-                <a:rect l="l" t="t" r="r" b="b"/>
-                <a:pathLst>
-                  <a:path w="809173" h="812800">
-                    <a:moveTo>
-                      <a:pt x="404587" y="0"/>
-                    </a:moveTo>
-                    <a:cubicBezTo>
-                      <a:pt x="628326" y="1001"/>
-                      <a:pt x="809174" y="182659"/>
-                      <a:pt x="809174" y="406400"/>
-                    </a:cubicBezTo>
-                    <a:cubicBezTo>
-                      <a:pt x="809174" y="630141"/>
-                      <a:pt x="628326" y="811799"/>
-                      <a:pt x="404587" y="812800"/>
-                    </a:cubicBezTo>
-                    <a:cubicBezTo>
-                      <a:pt x="180848" y="811799"/>
-                      <a:pt x="0" y="630141"/>
-                      <a:pt x="0" y="406400"/>
-                    </a:cubicBezTo>
-                    <a:cubicBezTo>
-                      <a:pt x="0" y="182659"/>
-                      <a:pt x="180848" y="1001"/>
-                      <a:pt x="404587" y="0"/>
-                    </a:cubicBezTo>
-                    <a:close/>
-                  </a:path>
-                </a:pathLst>
-              </a:custGeom>
-              <a:solidFill>
-                <a:srgbClr val="060605"/>
-              </a:solidFill>
-            </p:spPr>
-          </p:sp>
-          <p:sp>
-            <p:nvSpPr>
-              <p:cNvPr id="44" name="TextBox 40">
-                <a:extLst>
-                  <a:ext uri="{FF2B5EF4-FFF2-40B4-BE49-F238E27FC236}">
-                    <a16:creationId xmlns="" xmlns:a16="http://schemas.microsoft.com/office/drawing/2014/main" id="{086322A3-E42B-AF7F-6B1A-4E3DBA7BDA90}"/>
-                  </a:ext>
-                </a:extLst>
-              </p:cNvPr>
-              <p:cNvSpPr txBox="1"/>
-              <p:nvPr/>
-            </p:nvSpPr>
-            <p:spPr>
-              <a:xfrm>
-                <a:off x="76200" y="66675"/>
-                <a:ext cx="660400" cy="669925"/>
-              </a:xfrm>
-              <a:prstGeom prst="rect">
-                <a:avLst/>
-              </a:prstGeom>
-            </p:spPr>
-            <p:txBody>
-              <a:bodyPr lIns="33867" tIns="33867" rIns="33867" bIns="33867" rtlCol="0" anchor="ctr"/>
-              <a:lstStyle/>
-              <a:p>
-                <a:pPr algn="ctr">
-                  <a:lnSpc>
-                    <a:spcPts val="489"/>
-                  </a:lnSpc>
-                  <a:spcBef>
-                    <a:spcPct val="0"/>
-                  </a:spcBef>
-                </a:pPr>
-                <a:endParaRPr sz="1200"/>
-              </a:p>
-            </p:txBody>
-          </p:sp>
-        </p:grpSp>
-        <p:grpSp>
-          <p:nvGrpSpPr>
-            <p:cNvPr id="29" name="Group 41">
-              <a:extLst>
-                <a:ext uri="{FF2B5EF4-FFF2-40B4-BE49-F238E27FC236}">
-                  <a16:creationId xmlns="" xmlns:a16="http://schemas.microsoft.com/office/drawing/2014/main" id="{BDBE4C74-8E19-8B20-6D74-2AE3898BB4E5}"/>
-                </a:ext>
-              </a:extLst>
-            </p:cNvPr>
-            <p:cNvGrpSpPr/>
-            <p:nvPr/>
-          </p:nvGrpSpPr>
-          <p:grpSpPr>
-            <a:xfrm>
-              <a:off x="97891" y="99946"/>
-              <a:ext cx="567632" cy="567632"/>
-              <a:chOff x="0" y="0"/>
-              <a:chExt cx="812800" cy="812800"/>
-            </a:xfrm>
-          </p:grpSpPr>
-          <p:sp>
-            <p:nvSpPr>
-              <p:cNvPr id="41" name="Freeform 42">
-                <a:extLst>
-                  <a:ext uri="{FF2B5EF4-FFF2-40B4-BE49-F238E27FC236}">
-                    <a16:creationId xmlns="" xmlns:a16="http://schemas.microsoft.com/office/drawing/2014/main" id="{632889DE-6FDD-35E4-AD8C-D88A0F2A6E65}"/>
-                  </a:ext>
-                </a:extLst>
-              </p:cNvPr>
-              <p:cNvSpPr/>
-              <p:nvPr/>
-            </p:nvSpPr>
-            <p:spPr>
-              <a:xfrm>
-                <a:off x="1813" y="0"/>
-                <a:ext cx="809173" cy="812800"/>
-              </a:xfrm>
-              <a:custGeom>
-                <a:avLst/>
-                <a:gdLst/>
-                <a:ahLst/>
-                <a:cxnLst/>
-                <a:rect l="l" t="t" r="r" b="b"/>
-                <a:pathLst>
-                  <a:path w="809173" h="812800">
-                    <a:moveTo>
-                      <a:pt x="404587" y="0"/>
-                    </a:moveTo>
-                    <a:cubicBezTo>
-                      <a:pt x="628326" y="1001"/>
-                      <a:pt x="809174" y="182659"/>
-                      <a:pt x="809174" y="406400"/>
-                    </a:cubicBezTo>
-                    <a:cubicBezTo>
-                      <a:pt x="809174" y="630141"/>
-                      <a:pt x="628326" y="811799"/>
-                      <a:pt x="404587" y="812800"/>
-                    </a:cubicBezTo>
-                    <a:cubicBezTo>
-                      <a:pt x="180848" y="811799"/>
-                      <a:pt x="0" y="630141"/>
-                      <a:pt x="0" y="406400"/>
-                    </a:cubicBezTo>
-                    <a:cubicBezTo>
-                      <a:pt x="0" y="182659"/>
-                      <a:pt x="180848" y="1001"/>
-                      <a:pt x="404587" y="0"/>
-                    </a:cubicBezTo>
-                    <a:close/>
-                  </a:path>
-                </a:pathLst>
-              </a:custGeom>
-              <a:solidFill>
-                <a:srgbClr val="F2F8FF"/>
-              </a:solidFill>
-            </p:spPr>
-          </p:sp>
-          <p:sp>
-            <p:nvSpPr>
-              <p:cNvPr id="42" name="TextBox 43">
-                <a:extLst>
-                  <a:ext uri="{FF2B5EF4-FFF2-40B4-BE49-F238E27FC236}">
-                    <a16:creationId xmlns="" xmlns:a16="http://schemas.microsoft.com/office/drawing/2014/main" id="{8D7DBB68-594B-F5D2-B7FA-0D3120DAB80F}"/>
-                  </a:ext>
-                </a:extLst>
-              </p:cNvPr>
-              <p:cNvSpPr txBox="1"/>
-              <p:nvPr/>
-            </p:nvSpPr>
-            <p:spPr>
-              <a:xfrm>
-                <a:off x="76200" y="66675"/>
-                <a:ext cx="660400" cy="669925"/>
-              </a:xfrm>
-              <a:prstGeom prst="rect">
-                <a:avLst/>
-              </a:prstGeom>
-            </p:spPr>
-            <p:txBody>
-              <a:bodyPr lIns="33867" tIns="33867" rIns="33867" bIns="33867" rtlCol="0" anchor="ctr"/>
-              <a:lstStyle/>
-              <a:p>
-                <a:pPr algn="ctr">
-                  <a:lnSpc>
-                    <a:spcPts val="489"/>
-                  </a:lnSpc>
-                  <a:spcBef>
-                    <a:spcPct val="0"/>
-                  </a:spcBef>
-                </a:pPr>
-                <a:endParaRPr sz="1200"/>
-              </a:p>
-            </p:txBody>
-          </p:sp>
-        </p:grpSp>
-        <p:grpSp>
-          <p:nvGrpSpPr>
-            <p:cNvPr id="30" name="Group 44">
-              <a:extLst>
-                <a:ext uri="{FF2B5EF4-FFF2-40B4-BE49-F238E27FC236}">
-                  <a16:creationId xmlns="" xmlns:a16="http://schemas.microsoft.com/office/drawing/2014/main" id="{9F8DD0D9-1518-0966-A925-A6AA7188C5BD}"/>
-                </a:ext>
-              </a:extLst>
-            </p:cNvPr>
-            <p:cNvGrpSpPr/>
-            <p:nvPr/>
-          </p:nvGrpSpPr>
-          <p:grpSpPr>
-            <a:xfrm>
-              <a:off x="68644" y="32917"/>
-              <a:ext cx="622016" cy="544264"/>
-              <a:chOff x="0" y="0"/>
-              <a:chExt cx="812800" cy="711200"/>
-            </a:xfrm>
-          </p:grpSpPr>
-          <p:sp>
-            <p:nvSpPr>
-              <p:cNvPr id="39" name="Freeform 45">
-                <a:extLst>
-                  <a:ext uri="{FF2B5EF4-FFF2-40B4-BE49-F238E27FC236}">
-                    <a16:creationId xmlns="" xmlns:a16="http://schemas.microsoft.com/office/drawing/2014/main" id="{EF9CC67E-2026-046F-2465-618DF1F705B9}"/>
-                  </a:ext>
-                </a:extLst>
-              </p:cNvPr>
-              <p:cNvSpPr/>
-              <p:nvPr/>
-            </p:nvSpPr>
-            <p:spPr>
-              <a:xfrm>
-                <a:off x="0" y="0"/>
-                <a:ext cx="812800" cy="711200"/>
-              </a:xfrm>
-              <a:custGeom>
-                <a:avLst/>
-                <a:gdLst/>
-                <a:ahLst/>
-                <a:cxnLst/>
-                <a:rect l="l" t="t" r="r" b="b"/>
-                <a:pathLst>
-                  <a:path w="812800" h="711200">
-                    <a:moveTo>
-                      <a:pt x="406400" y="0"/>
-                    </a:moveTo>
-                    <a:lnTo>
-                      <a:pt x="812800" y="711200"/>
-                    </a:lnTo>
-                    <a:lnTo>
-                      <a:pt x="0" y="711200"/>
-                    </a:lnTo>
-                    <a:lnTo>
-                      <a:pt x="406400" y="0"/>
-                    </a:lnTo>
-                    <a:close/>
-                  </a:path>
-                </a:pathLst>
-              </a:custGeom>
-              <a:solidFill>
-                <a:srgbClr val="2C6031"/>
-              </a:solidFill>
-            </p:spPr>
-          </p:sp>
-          <p:sp>
-            <p:nvSpPr>
-              <p:cNvPr id="40" name="TextBox 46">
-                <a:extLst>
-                  <a:ext uri="{FF2B5EF4-FFF2-40B4-BE49-F238E27FC236}">
-                    <a16:creationId xmlns="" xmlns:a16="http://schemas.microsoft.com/office/drawing/2014/main" id="{CC925E18-10C9-A5A8-A858-423648EDD81B}"/>
-                  </a:ext>
-                </a:extLst>
-              </p:cNvPr>
-              <p:cNvSpPr txBox="1"/>
-              <p:nvPr/>
-            </p:nvSpPr>
-            <p:spPr>
-              <a:xfrm>
-                <a:off x="127000" y="320675"/>
-                <a:ext cx="558800" cy="339725"/>
-              </a:xfrm>
-              <a:prstGeom prst="rect">
-                <a:avLst/>
-              </a:prstGeom>
-            </p:spPr>
-            <p:txBody>
-              <a:bodyPr lIns="33867" tIns="33867" rIns="33867" bIns="33867" rtlCol="0" anchor="ctr"/>
-              <a:lstStyle/>
-              <a:p>
-                <a:pPr algn="ctr">
-                  <a:lnSpc>
-                    <a:spcPts val="489"/>
-                  </a:lnSpc>
-                  <a:spcBef>
-                    <a:spcPct val="0"/>
-                  </a:spcBef>
-                </a:pPr>
-                <a:endParaRPr sz="1200"/>
-              </a:p>
-            </p:txBody>
-          </p:sp>
-        </p:grpSp>
-        <p:grpSp>
-          <p:nvGrpSpPr>
-            <p:cNvPr id="31" name="Group 47">
-              <a:extLst>
-                <a:ext uri="{FF2B5EF4-FFF2-40B4-BE49-F238E27FC236}">
-                  <a16:creationId xmlns="" xmlns:a16="http://schemas.microsoft.com/office/drawing/2014/main" id="{6745063D-6EA9-5A29-B4CF-AB1D4C6E356D}"/>
-                </a:ext>
-              </a:extLst>
-            </p:cNvPr>
-            <p:cNvGrpSpPr/>
-            <p:nvPr/>
-          </p:nvGrpSpPr>
-          <p:grpSpPr>
-            <a:xfrm>
-              <a:off x="126952" y="133119"/>
-              <a:ext cx="509509" cy="509509"/>
-              <a:chOff x="0" y="0"/>
-              <a:chExt cx="812800" cy="812800"/>
-            </a:xfrm>
-          </p:grpSpPr>
-          <p:sp>
-            <p:nvSpPr>
-              <p:cNvPr id="37" name="Freeform 48">
-                <a:extLst>
-                  <a:ext uri="{FF2B5EF4-FFF2-40B4-BE49-F238E27FC236}">
-                    <a16:creationId xmlns="" xmlns:a16="http://schemas.microsoft.com/office/drawing/2014/main" id="{71B77278-6E78-EA59-45AC-65F73A374224}"/>
-                  </a:ext>
-                </a:extLst>
-              </p:cNvPr>
-              <p:cNvSpPr/>
-              <p:nvPr/>
-            </p:nvSpPr>
-            <p:spPr>
-              <a:xfrm>
-                <a:off x="1813" y="0"/>
-                <a:ext cx="809173" cy="812800"/>
-              </a:xfrm>
-              <a:custGeom>
-                <a:avLst/>
-                <a:gdLst/>
-                <a:ahLst/>
-                <a:cxnLst/>
-                <a:rect l="l" t="t" r="r" b="b"/>
-                <a:pathLst>
-                  <a:path w="809173" h="812800">
-                    <a:moveTo>
-                      <a:pt x="404587" y="0"/>
-                    </a:moveTo>
-                    <a:cubicBezTo>
-                      <a:pt x="628326" y="1001"/>
-                      <a:pt x="809174" y="182659"/>
-                      <a:pt x="809174" y="406400"/>
-                    </a:cubicBezTo>
-                    <a:cubicBezTo>
-                      <a:pt x="809174" y="630141"/>
-                      <a:pt x="628326" y="811799"/>
-                      <a:pt x="404587" y="812800"/>
-                    </a:cubicBezTo>
-                    <a:cubicBezTo>
-                      <a:pt x="180848" y="811799"/>
-                      <a:pt x="0" y="630141"/>
-                      <a:pt x="0" y="406400"/>
-                    </a:cubicBezTo>
-                    <a:cubicBezTo>
-                      <a:pt x="0" y="182659"/>
-                      <a:pt x="180848" y="1001"/>
-                      <a:pt x="404587" y="0"/>
-                    </a:cubicBezTo>
-                    <a:close/>
-                  </a:path>
-                </a:pathLst>
-              </a:custGeom>
-              <a:solidFill>
-                <a:srgbClr val="F2F8FF"/>
-              </a:solidFill>
-            </p:spPr>
-          </p:sp>
-          <p:sp>
-            <p:nvSpPr>
-              <p:cNvPr id="38" name="TextBox 49">
-                <a:extLst>
-                  <a:ext uri="{FF2B5EF4-FFF2-40B4-BE49-F238E27FC236}">
-                    <a16:creationId xmlns="" xmlns:a16="http://schemas.microsoft.com/office/drawing/2014/main" id="{29DF2333-9DB1-9180-4E42-D35FF732F474}"/>
-                  </a:ext>
-                </a:extLst>
-              </p:cNvPr>
-              <p:cNvSpPr txBox="1"/>
-              <p:nvPr/>
-            </p:nvSpPr>
-            <p:spPr>
-              <a:xfrm>
-                <a:off x="76200" y="66675"/>
-                <a:ext cx="660400" cy="669925"/>
-              </a:xfrm>
-              <a:prstGeom prst="rect">
-                <a:avLst/>
-              </a:prstGeom>
-            </p:spPr>
-            <p:txBody>
-              <a:bodyPr lIns="33867" tIns="33867" rIns="33867" bIns="33867" rtlCol="0" anchor="ctr"/>
-              <a:lstStyle/>
-              <a:p>
-                <a:pPr algn="ctr">
-                  <a:lnSpc>
-                    <a:spcPts val="489"/>
-                  </a:lnSpc>
-                  <a:spcBef>
-                    <a:spcPct val="0"/>
-                  </a:spcBef>
-                </a:pPr>
-                <a:endParaRPr sz="1200"/>
-              </a:p>
-            </p:txBody>
-          </p:sp>
-        </p:grpSp>
-        <p:grpSp>
-          <p:nvGrpSpPr>
-            <p:cNvPr id="32" name="Group 50">
-              <a:extLst>
-                <a:ext uri="{FF2B5EF4-FFF2-40B4-BE49-F238E27FC236}">
-                  <a16:creationId xmlns="" xmlns:a16="http://schemas.microsoft.com/office/drawing/2014/main" id="{401F4EB3-7E82-D282-2397-74F2596E43DC}"/>
-                </a:ext>
-              </a:extLst>
-            </p:cNvPr>
-            <p:cNvGrpSpPr/>
-            <p:nvPr/>
-          </p:nvGrpSpPr>
-          <p:grpSpPr>
-            <a:xfrm>
-              <a:off x="229042" y="235208"/>
-              <a:ext cx="305330" cy="305330"/>
-              <a:chOff x="0" y="0"/>
-              <a:chExt cx="812800" cy="812800"/>
-            </a:xfrm>
-          </p:grpSpPr>
-          <p:sp>
-            <p:nvSpPr>
-              <p:cNvPr id="35" name="Freeform 51">
-                <a:extLst>
-                  <a:ext uri="{FF2B5EF4-FFF2-40B4-BE49-F238E27FC236}">
-                    <a16:creationId xmlns="" xmlns:a16="http://schemas.microsoft.com/office/drawing/2014/main" id="{AE19A60F-F7CF-668A-1892-66D6507AE0EB}"/>
-                  </a:ext>
-                </a:extLst>
-              </p:cNvPr>
-              <p:cNvSpPr/>
-              <p:nvPr/>
-            </p:nvSpPr>
-            <p:spPr>
-              <a:xfrm>
-                <a:off x="1813" y="0"/>
-                <a:ext cx="809173" cy="812800"/>
-              </a:xfrm>
-              <a:custGeom>
-                <a:avLst/>
-                <a:gdLst/>
-                <a:ahLst/>
-                <a:cxnLst/>
-                <a:rect l="l" t="t" r="r" b="b"/>
-                <a:pathLst>
-                  <a:path w="809173" h="812800">
-                    <a:moveTo>
-                      <a:pt x="404587" y="0"/>
-                    </a:moveTo>
-                    <a:cubicBezTo>
-                      <a:pt x="628326" y="1001"/>
-                      <a:pt x="809174" y="182659"/>
-                      <a:pt x="809174" y="406400"/>
-                    </a:cubicBezTo>
-                    <a:cubicBezTo>
-                      <a:pt x="809174" y="630141"/>
-                      <a:pt x="628326" y="811799"/>
-                      <a:pt x="404587" y="812800"/>
-                    </a:cubicBezTo>
-                    <a:cubicBezTo>
-                      <a:pt x="180848" y="811799"/>
-                      <a:pt x="0" y="630141"/>
-                      <a:pt x="0" y="406400"/>
-                    </a:cubicBezTo>
-                    <a:cubicBezTo>
-                      <a:pt x="0" y="182659"/>
-                      <a:pt x="180848" y="1001"/>
-                      <a:pt x="404587" y="0"/>
-                    </a:cubicBezTo>
-                    <a:close/>
-                  </a:path>
-                </a:pathLst>
-              </a:custGeom>
-              <a:solidFill>
-                <a:srgbClr val="2C6031"/>
-              </a:solidFill>
-            </p:spPr>
-          </p:sp>
-          <p:sp>
-            <p:nvSpPr>
-              <p:cNvPr id="36" name="TextBox 52">
-                <a:extLst>
-                  <a:ext uri="{FF2B5EF4-FFF2-40B4-BE49-F238E27FC236}">
-                    <a16:creationId xmlns="" xmlns:a16="http://schemas.microsoft.com/office/drawing/2014/main" id="{2BDDECC9-17F8-15A3-17B8-DBB8AE5FD9AF}"/>
-                  </a:ext>
-                </a:extLst>
-              </p:cNvPr>
-              <p:cNvSpPr txBox="1"/>
-              <p:nvPr/>
-            </p:nvSpPr>
-            <p:spPr>
-              <a:xfrm>
-                <a:off x="76200" y="66675"/>
-                <a:ext cx="660400" cy="669925"/>
-              </a:xfrm>
-              <a:prstGeom prst="rect">
-                <a:avLst/>
-              </a:prstGeom>
-            </p:spPr>
-            <p:txBody>
-              <a:bodyPr lIns="33867" tIns="33867" rIns="33867" bIns="33867" rtlCol="0" anchor="ctr"/>
-              <a:lstStyle/>
-              <a:p>
-                <a:pPr algn="ctr">
-                  <a:lnSpc>
-                    <a:spcPts val="489"/>
-                  </a:lnSpc>
-                  <a:spcBef>
-                    <a:spcPct val="0"/>
-                  </a:spcBef>
-                </a:pPr>
-                <a:endParaRPr sz="1200"/>
-              </a:p>
-            </p:txBody>
-          </p:sp>
-        </p:grpSp>
-        <p:sp>
-          <p:nvSpPr>
-            <p:cNvPr id="33" name="TextBox 53">
-              <a:extLst>
-                <a:ext uri="{FF2B5EF4-FFF2-40B4-BE49-F238E27FC236}">
-                  <a16:creationId xmlns="" xmlns:a16="http://schemas.microsoft.com/office/drawing/2014/main" id="{2C2792B5-BDC3-A31B-DD00-EF83B137EF0E}"/>
-                </a:ext>
-              </a:extLst>
-            </p:cNvPr>
-            <p:cNvSpPr txBox="1"/>
-            <p:nvPr/>
-          </p:nvSpPr>
-          <p:spPr>
-            <a:xfrm>
-              <a:off x="317082" y="245332"/>
-              <a:ext cx="129252" cy="256480"/>
-            </a:xfrm>
-            <a:prstGeom prst="rect">
-              <a:avLst/>
-            </a:prstGeom>
-          </p:spPr>
-          <p:txBody>
-            <a:bodyPr lIns="0" tIns="0" rIns="0" bIns="0" rtlCol="0" anchor="t">
-              <a:spAutoFit/>
-            </a:bodyPr>
-            <a:lstStyle/>
-            <a:p>
-              <a:pPr algn="ctr">
-                <a:lnSpc>
-                  <a:spcPts val="1047"/>
-                </a:lnSpc>
-              </a:pPr>
-              <a:r>
-                <a:rPr lang="en-US" sz="747" dirty="0">
-                  <a:solidFill>
-                    <a:srgbClr val="FDFEFD"/>
-                  </a:solidFill>
-                  <a:latin typeface="atlas light AAA Bold"/>
-                </a:rPr>
-                <a:t>G</a:t>
-              </a:r>
-            </a:p>
-          </p:txBody>
-        </p:sp>
-        <p:sp>
-          <p:nvSpPr>
-            <p:cNvPr id="34" name="TextBox 54">
-              <a:extLst>
-                <a:ext uri="{FF2B5EF4-FFF2-40B4-BE49-F238E27FC236}">
-                  <a16:creationId xmlns="" xmlns:a16="http://schemas.microsoft.com/office/drawing/2014/main" id="{1B6C4880-A844-E813-ABC4-C0DDD91DD990}"/>
-                </a:ext>
-              </a:extLst>
-            </p:cNvPr>
-            <p:cNvSpPr txBox="1"/>
-            <p:nvPr/>
-          </p:nvSpPr>
-          <p:spPr>
-            <a:xfrm>
-              <a:off x="71644" y="734840"/>
-              <a:ext cx="677446" cy="256480"/>
-            </a:xfrm>
-            <a:prstGeom prst="rect">
-              <a:avLst/>
-            </a:prstGeom>
-          </p:spPr>
-          <p:txBody>
-            <a:bodyPr lIns="0" tIns="0" rIns="0" bIns="0" rtlCol="0" anchor="t">
-              <a:spAutoFit/>
-            </a:bodyPr>
-            <a:lstStyle/>
-            <a:p>
-              <a:pPr algn="ctr">
-                <a:lnSpc>
-                  <a:spcPts val="1047"/>
-                </a:lnSpc>
-              </a:pPr>
-              <a:r>
-                <a:rPr lang="en-US" sz="747">
-                  <a:solidFill>
-                    <a:srgbClr val="060605"/>
-                  </a:solidFill>
-                  <a:latin typeface="atlas light AAA Bold"/>
-                </a:rPr>
-                <a:t>Gotcha </a:t>
-              </a:r>
-            </a:p>
-          </p:txBody>
-        </p:sp>
-      </p:grpSp>
-      <p:sp>
-        <p:nvSpPr>
-          <p:cNvPr id="45" name="TextBox 44"/>
-          <p:cNvSpPr txBox="1"/>
-          <p:nvPr/>
-        </p:nvSpPr>
-        <p:spPr>
-          <a:xfrm>
-            <a:off x="9174794" y="2939983"/>
-            <a:ext cx="473206" cy="307777"/>
-          </a:xfrm>
-          <a:prstGeom prst="rect">
-            <a:avLst/>
-          </a:prstGeom>
-          <a:noFill/>
-        </p:spPr>
-        <p:txBody>
-          <a:bodyPr wrap="none" rtlCol="1">
-            <a:spAutoFit/>
-          </a:bodyPr>
-          <a:lstStyle/>
-          <a:p>
-            <a:pPr marL="285750" indent="-285750">
-              <a:buFont typeface="Arial" panose="020B0604020202020204" pitchFamily="34" charset="0"/>
-              <a:buChar char="•"/>
-            </a:pPr>
-            <a:endParaRPr lang="he-IL" sz="1400" dirty="0"/>
-          </a:p>
-        </p:txBody>
-      </p:sp>
-      <p:sp>
-        <p:nvSpPr>
-          <p:cNvPr id="5" name="מלבן 4"/>
-          <p:cNvSpPr/>
-          <p:nvPr/>
-        </p:nvSpPr>
-        <p:spPr>
-          <a:xfrm>
-            <a:off x="719374" y="1577780"/>
-            <a:ext cx="3307316" cy="923330"/>
-          </a:xfrm>
-          <a:prstGeom prst="rect">
-            <a:avLst/>
-          </a:prstGeom>
-        </p:spPr>
-        <p:txBody>
-          <a:bodyPr wrap="none">
-            <a:spAutoFit/>
-          </a:bodyPr>
-          <a:lstStyle/>
-          <a:p>
-            <a:pPr marL="342900" indent="-342900">
-              <a:buFont typeface="+mj-lt"/>
-              <a:buAutoNum type="arabicPeriod"/>
-            </a:pPr>
-            <a:r>
-              <a:rPr lang="en-US" dirty="0" smtClean="0"/>
-              <a:t>Design acceptance tests</a:t>
-            </a:r>
-          </a:p>
-          <a:p>
-            <a:pPr marL="342900" indent="-342900">
-              <a:buFont typeface="+mj-lt"/>
-              <a:buAutoNum type="arabicPeriod"/>
-            </a:pPr>
-            <a:r>
-              <a:rPr lang="en-US" dirty="0"/>
-              <a:t>Poster </a:t>
-            </a:r>
-            <a:r>
-              <a:rPr lang="en-US" dirty="0" smtClean="0"/>
-              <a:t>day</a:t>
-            </a:r>
-          </a:p>
-          <a:p>
-            <a:pPr marL="342900" indent="-342900">
-              <a:buFont typeface="+mj-lt"/>
-              <a:buAutoNum type="arabicPeriod"/>
-            </a:pPr>
-            <a:r>
-              <a:rPr lang="en-US" dirty="0" smtClean="0"/>
-              <a:t>GUI manual tests / cypress</a:t>
-            </a:r>
-          </a:p>
-        </p:txBody>
-      </p:sp>
-    </p:spTree>
-    <p:extLst>
-      <p:ext uri="{BB962C8B-B14F-4D97-AF65-F5344CB8AC3E}">
-        <p14:creationId xmlns:p14="http://schemas.microsoft.com/office/powerpoint/2010/main" val="2307259682"/>
-      </p:ext>
-    </p:extLst>
-  </p:cSld>
-  <p:clrMapOvr>
-    <a:masterClrMapping/>
-  </p:clrMapOvr>
-  <p:timing>
-    <p:tnLst>
-      <p:par>
-        <p:cTn id="1" dur="indefinite" restart="never" nodeType="tmRoot"/>
-      </p:par>
-    </p:tnLst>
-  </p:timing>
-</p:sld>
-</file>
-
-<file path=ppt/slides/slide11.xml><?xml version="1.0" encoding="utf-8"?>
 <p:sld xmlns:a="http://schemas.openxmlformats.org/drawingml/2006/main" xmlns:r="http://schemas.openxmlformats.org/officeDocument/2006/relationships" xmlns:p="http://schemas.openxmlformats.org/presentationml/2006/main">
   <p:cSld>
     <p:spTree>
@@ -7766,7 +6747,7 @@
               </a:lnSpc>
             </a:pPr>
             <a:r>
-              <a:rPr lang="en-US" sz="5662" dirty="0" smtClean="0">
+              <a:rPr lang="en-US" sz="5662" dirty="0">
                 <a:solidFill>
                   <a:srgbClr val="008037"/>
                 </a:solidFill>
@@ -7774,12 +6755,6 @@
               </a:rPr>
               <a:t>Marathon Goals</a:t>
             </a:r>
-            <a:endParaRPr lang="en-US" sz="5662" dirty="0">
-              <a:solidFill>
-                <a:srgbClr val="008037"/>
-              </a:solidFill>
-              <a:latin typeface="Norwester"/>
-            </a:endParaRPr>
           </a:p>
         </p:txBody>
       </p:sp>
@@ -7788,7 +6763,7 @@
           <p:cNvPr id="27" name="Group 37">
             <a:extLst>
               <a:ext uri="{FF2B5EF4-FFF2-40B4-BE49-F238E27FC236}">
-                <a16:creationId xmlns="" xmlns:a16="http://schemas.microsoft.com/office/drawing/2014/main" id="{3A1B1429-54EA-DE01-4A5C-E94E4F5C5B72}"/>
+                <a16:creationId xmlns:a16="http://schemas.microsoft.com/office/drawing/2014/main" id="{3A1B1429-54EA-DE01-4A5C-E94E4F5C5B72}"/>
               </a:ext>
             </a:extLst>
           </p:cNvPr>
@@ -7808,7 +6783,7 @@
             <p:cNvPr id="28" name="Group 38">
               <a:extLst>
                 <a:ext uri="{FF2B5EF4-FFF2-40B4-BE49-F238E27FC236}">
-                  <a16:creationId xmlns="" xmlns:a16="http://schemas.microsoft.com/office/drawing/2014/main" id="{BC57A493-060F-544E-8BD0-E8584440AF6E}"/>
+                  <a16:creationId xmlns:a16="http://schemas.microsoft.com/office/drawing/2014/main" id="{BC57A493-060F-544E-8BD0-E8584440AF6E}"/>
                 </a:ext>
               </a:extLst>
             </p:cNvPr>
@@ -7828,7 +6803,7 @@
               <p:cNvPr id="43" name="Freeform 39">
                 <a:extLst>
                   <a:ext uri="{FF2B5EF4-FFF2-40B4-BE49-F238E27FC236}">
-                    <a16:creationId xmlns="" xmlns:a16="http://schemas.microsoft.com/office/drawing/2014/main" id="{D441E0B9-ECBB-0AD9-34C9-2789BBB1FC81}"/>
+                    <a16:creationId xmlns:a16="http://schemas.microsoft.com/office/drawing/2014/main" id="{D441E0B9-ECBB-0AD9-34C9-2789BBB1FC81}"/>
                   </a:ext>
                 </a:extLst>
               </p:cNvPr>
@@ -7885,7 +6860,7 @@
               <p:cNvPr id="44" name="TextBox 40">
                 <a:extLst>
                   <a:ext uri="{FF2B5EF4-FFF2-40B4-BE49-F238E27FC236}">
-                    <a16:creationId xmlns="" xmlns:a16="http://schemas.microsoft.com/office/drawing/2014/main" id="{086322A3-E42B-AF7F-6B1A-4E3DBA7BDA90}"/>
+                    <a16:creationId xmlns:a16="http://schemas.microsoft.com/office/drawing/2014/main" id="{086322A3-E42B-AF7F-6B1A-4E3DBA7BDA90}"/>
                   </a:ext>
                 </a:extLst>
               </p:cNvPr>
@@ -7923,7 +6898,7 @@
             <p:cNvPr id="29" name="Group 41">
               <a:extLst>
                 <a:ext uri="{FF2B5EF4-FFF2-40B4-BE49-F238E27FC236}">
-                  <a16:creationId xmlns="" xmlns:a16="http://schemas.microsoft.com/office/drawing/2014/main" id="{BDBE4C74-8E19-8B20-6D74-2AE3898BB4E5}"/>
+                  <a16:creationId xmlns:a16="http://schemas.microsoft.com/office/drawing/2014/main" id="{BDBE4C74-8E19-8B20-6D74-2AE3898BB4E5}"/>
                 </a:ext>
               </a:extLst>
             </p:cNvPr>
@@ -7943,7 +6918,7 @@
               <p:cNvPr id="41" name="Freeform 42">
                 <a:extLst>
                   <a:ext uri="{FF2B5EF4-FFF2-40B4-BE49-F238E27FC236}">
-                    <a16:creationId xmlns="" xmlns:a16="http://schemas.microsoft.com/office/drawing/2014/main" id="{632889DE-6FDD-35E4-AD8C-D88A0F2A6E65}"/>
+                    <a16:creationId xmlns:a16="http://schemas.microsoft.com/office/drawing/2014/main" id="{632889DE-6FDD-35E4-AD8C-D88A0F2A6E65}"/>
                   </a:ext>
                 </a:extLst>
               </p:cNvPr>
@@ -8000,7 +6975,7 @@
               <p:cNvPr id="42" name="TextBox 43">
                 <a:extLst>
                   <a:ext uri="{FF2B5EF4-FFF2-40B4-BE49-F238E27FC236}">
-                    <a16:creationId xmlns="" xmlns:a16="http://schemas.microsoft.com/office/drawing/2014/main" id="{8D7DBB68-594B-F5D2-B7FA-0D3120DAB80F}"/>
+                    <a16:creationId xmlns:a16="http://schemas.microsoft.com/office/drawing/2014/main" id="{8D7DBB68-594B-F5D2-B7FA-0D3120DAB80F}"/>
                   </a:ext>
                 </a:extLst>
               </p:cNvPr>
@@ -8038,7 +7013,7 @@
             <p:cNvPr id="30" name="Group 44">
               <a:extLst>
                 <a:ext uri="{FF2B5EF4-FFF2-40B4-BE49-F238E27FC236}">
-                  <a16:creationId xmlns="" xmlns:a16="http://schemas.microsoft.com/office/drawing/2014/main" id="{9F8DD0D9-1518-0966-A925-A6AA7188C5BD}"/>
+                  <a16:creationId xmlns:a16="http://schemas.microsoft.com/office/drawing/2014/main" id="{9F8DD0D9-1518-0966-A925-A6AA7188C5BD}"/>
                 </a:ext>
               </a:extLst>
             </p:cNvPr>
@@ -8058,7 +7033,7 @@
               <p:cNvPr id="39" name="Freeform 45">
                 <a:extLst>
                   <a:ext uri="{FF2B5EF4-FFF2-40B4-BE49-F238E27FC236}">
-                    <a16:creationId xmlns="" xmlns:a16="http://schemas.microsoft.com/office/drawing/2014/main" id="{EF9CC67E-2026-046F-2465-618DF1F705B9}"/>
+                    <a16:creationId xmlns:a16="http://schemas.microsoft.com/office/drawing/2014/main" id="{EF9CC67E-2026-046F-2465-618DF1F705B9}"/>
                   </a:ext>
                 </a:extLst>
               </p:cNvPr>
@@ -8104,7 +7079,7 @@
               <p:cNvPr id="40" name="TextBox 46">
                 <a:extLst>
                   <a:ext uri="{FF2B5EF4-FFF2-40B4-BE49-F238E27FC236}">
-                    <a16:creationId xmlns="" xmlns:a16="http://schemas.microsoft.com/office/drawing/2014/main" id="{CC925E18-10C9-A5A8-A858-423648EDD81B}"/>
+                    <a16:creationId xmlns:a16="http://schemas.microsoft.com/office/drawing/2014/main" id="{CC925E18-10C9-A5A8-A858-423648EDD81B}"/>
                   </a:ext>
                 </a:extLst>
               </p:cNvPr>
@@ -8142,7 +7117,7 @@
             <p:cNvPr id="31" name="Group 47">
               <a:extLst>
                 <a:ext uri="{FF2B5EF4-FFF2-40B4-BE49-F238E27FC236}">
-                  <a16:creationId xmlns="" xmlns:a16="http://schemas.microsoft.com/office/drawing/2014/main" id="{6745063D-6EA9-5A29-B4CF-AB1D4C6E356D}"/>
+                  <a16:creationId xmlns:a16="http://schemas.microsoft.com/office/drawing/2014/main" id="{6745063D-6EA9-5A29-B4CF-AB1D4C6E356D}"/>
                 </a:ext>
               </a:extLst>
             </p:cNvPr>
@@ -8162,7 +7137,7 @@
               <p:cNvPr id="37" name="Freeform 48">
                 <a:extLst>
                   <a:ext uri="{FF2B5EF4-FFF2-40B4-BE49-F238E27FC236}">
-                    <a16:creationId xmlns="" xmlns:a16="http://schemas.microsoft.com/office/drawing/2014/main" id="{71B77278-6E78-EA59-45AC-65F73A374224}"/>
+                    <a16:creationId xmlns:a16="http://schemas.microsoft.com/office/drawing/2014/main" id="{71B77278-6E78-EA59-45AC-65F73A374224}"/>
                   </a:ext>
                 </a:extLst>
               </p:cNvPr>
@@ -8219,7 +7194,7 @@
               <p:cNvPr id="38" name="TextBox 49">
                 <a:extLst>
                   <a:ext uri="{FF2B5EF4-FFF2-40B4-BE49-F238E27FC236}">
-                    <a16:creationId xmlns="" xmlns:a16="http://schemas.microsoft.com/office/drawing/2014/main" id="{29DF2333-9DB1-9180-4E42-D35FF732F474}"/>
+                    <a16:creationId xmlns:a16="http://schemas.microsoft.com/office/drawing/2014/main" id="{29DF2333-9DB1-9180-4E42-D35FF732F474}"/>
                   </a:ext>
                 </a:extLst>
               </p:cNvPr>
@@ -8257,7 +7232,7 @@
             <p:cNvPr id="32" name="Group 50">
               <a:extLst>
                 <a:ext uri="{FF2B5EF4-FFF2-40B4-BE49-F238E27FC236}">
-                  <a16:creationId xmlns="" xmlns:a16="http://schemas.microsoft.com/office/drawing/2014/main" id="{401F4EB3-7E82-D282-2397-74F2596E43DC}"/>
+                  <a16:creationId xmlns:a16="http://schemas.microsoft.com/office/drawing/2014/main" id="{401F4EB3-7E82-D282-2397-74F2596E43DC}"/>
                 </a:ext>
               </a:extLst>
             </p:cNvPr>
@@ -8277,7 +7252,7 @@
               <p:cNvPr id="35" name="Freeform 51">
                 <a:extLst>
                   <a:ext uri="{FF2B5EF4-FFF2-40B4-BE49-F238E27FC236}">
-                    <a16:creationId xmlns="" xmlns:a16="http://schemas.microsoft.com/office/drawing/2014/main" id="{AE19A60F-F7CF-668A-1892-66D6507AE0EB}"/>
+                    <a16:creationId xmlns:a16="http://schemas.microsoft.com/office/drawing/2014/main" id="{AE19A60F-F7CF-668A-1892-66D6507AE0EB}"/>
                   </a:ext>
                 </a:extLst>
               </p:cNvPr>
@@ -8334,7 +7309,7 @@
               <p:cNvPr id="36" name="TextBox 52">
                 <a:extLst>
                   <a:ext uri="{FF2B5EF4-FFF2-40B4-BE49-F238E27FC236}">
-                    <a16:creationId xmlns="" xmlns:a16="http://schemas.microsoft.com/office/drawing/2014/main" id="{2BDDECC9-17F8-15A3-17B8-DBB8AE5FD9AF}"/>
+                    <a16:creationId xmlns:a16="http://schemas.microsoft.com/office/drawing/2014/main" id="{2BDDECC9-17F8-15A3-17B8-DBB8AE5FD9AF}"/>
                   </a:ext>
                 </a:extLst>
               </p:cNvPr>
@@ -8372,7 +7347,7 @@
             <p:cNvPr id="33" name="TextBox 53">
               <a:extLst>
                 <a:ext uri="{FF2B5EF4-FFF2-40B4-BE49-F238E27FC236}">
-                  <a16:creationId xmlns="" xmlns:a16="http://schemas.microsoft.com/office/drawing/2014/main" id="{2C2792B5-BDC3-A31B-DD00-EF83B137EF0E}"/>
+                  <a16:creationId xmlns:a16="http://schemas.microsoft.com/office/drawing/2014/main" id="{2C2792B5-BDC3-A31B-DD00-EF83B137EF0E}"/>
                 </a:ext>
               </a:extLst>
             </p:cNvPr>
@@ -8416,7 +7391,7 @@
             <p:cNvPr id="34" name="TextBox 54">
               <a:extLst>
                 <a:ext uri="{FF2B5EF4-FFF2-40B4-BE49-F238E27FC236}">
-                  <a16:creationId xmlns="" xmlns:a16="http://schemas.microsoft.com/office/drawing/2014/main" id="{1B6C4880-A844-E813-ABC4-C0DDD91DD990}"/>
+                  <a16:creationId xmlns:a16="http://schemas.microsoft.com/office/drawing/2014/main" id="{1B6C4880-A844-E813-ABC4-C0DDD91DD990}"/>
                 </a:ext>
               </a:extLst>
             </p:cNvPr>
@@ -8508,7 +7483,7 @@
           <a:lstStyle/>
           <a:p>
             <a:r>
-              <a:rPr lang="en-US" sz="1600" u="sng" dirty="0" smtClean="0"/>
+              <a:rPr lang="en-US" sz="1600" u="sng" dirty="0"/>
               <a:t>Tests:</a:t>
             </a:r>
           </a:p>
@@ -8518,7 +7493,7 @@
               <a:buAutoNum type="arabicPeriod"/>
             </a:pPr>
             <a:r>
-              <a:rPr lang="en-US" sz="1600" dirty="0" smtClean="0"/>
+              <a:rPr lang="en-US" sz="1600" dirty="0"/>
               <a:t>Acceptance tests design</a:t>
             </a:r>
           </a:p>
@@ -8528,7 +7503,7 @@
               <a:buAutoNum type="arabicPeriod"/>
             </a:pPr>
             <a:r>
-              <a:rPr lang="en-US" sz="1600" dirty="0" smtClean="0"/>
+              <a:rPr lang="en-US" sz="1600" dirty="0"/>
               <a:t>Implement all tests</a:t>
             </a:r>
           </a:p>
@@ -8538,16 +7513,8 @@
               <a:buAutoNum type="arabicPeriod"/>
             </a:pPr>
             <a:r>
-              <a:rPr lang="en-US" sz="1600" dirty="0" smtClean="0"/>
-              <a:t>Tests </a:t>
-            </a:r>
-            <a:r>
               <a:rPr lang="en-US" sz="1600" dirty="0"/>
-              <a:t>report </a:t>
-            </a:r>
-            <a:r>
-              <a:rPr lang="en-US" sz="1600" dirty="0" smtClean="0"/>
-              <a:t>draft</a:t>
+              <a:t>Tests report draft</a:t>
             </a:r>
           </a:p>
           <a:p>
@@ -8555,11 +7522,11 @@
               <a:buFont typeface="+mj-lt"/>
               <a:buAutoNum type="arabicPeriod"/>
             </a:pPr>
-            <a:endParaRPr lang="en-US" sz="1600" dirty="0" smtClean="0"/>
+            <a:endParaRPr lang="en-US" sz="1600" dirty="0"/>
           </a:p>
           <a:p>
             <a:r>
-              <a:rPr lang="en-US" sz="1600" u="sng" dirty="0" smtClean="0"/>
+              <a:rPr lang="en-US" sz="1600" u="sng" dirty="0"/>
               <a:t>Raspberry Pi:</a:t>
             </a:r>
           </a:p>
@@ -8570,11 +7537,7 @@
             </a:pPr>
             <a:r>
               <a:rPr lang="en-US" sz="1600" dirty="0"/>
-              <a:t>RP – camera, GPS, </a:t>
-            </a:r>
-            <a:r>
-              <a:rPr lang="en-US" sz="1600" dirty="0" smtClean="0"/>
-              <a:t>communication</a:t>
+              <a:t>RP – camera, GPS, communication</a:t>
             </a:r>
           </a:p>
           <a:p>
@@ -8584,11 +7547,7 @@
             </a:pPr>
             <a:r>
               <a:rPr lang="en-US" sz="1600" dirty="0"/>
-              <a:t>Improve </a:t>
-            </a:r>
-            <a:r>
-              <a:rPr lang="en-US" sz="1600" dirty="0" smtClean="0"/>
-              <a:t>detection model + define required errors</a:t>
+              <a:t>Improve detection model + define required errors</a:t>
             </a:r>
           </a:p>
           <a:p>
@@ -8596,11 +7555,11 @@
               <a:buFont typeface="+mj-lt"/>
               <a:buAutoNum type="arabicPeriod"/>
             </a:pPr>
-            <a:endParaRPr lang="en-US" sz="1600" dirty="0" smtClean="0"/>
+            <a:endParaRPr lang="en-US" sz="1600" dirty="0"/>
           </a:p>
           <a:p>
             <a:r>
-              <a:rPr lang="en-US" sz="1600" u="sng" dirty="0" smtClean="0"/>
+              <a:rPr lang="en-US" sz="1600" u="sng" dirty="0"/>
               <a:t>Documents:</a:t>
             </a:r>
           </a:p>
@@ -8610,7 +7569,7 @@
               <a:buAutoNum type="arabicPeriod"/>
             </a:pPr>
             <a:r>
-              <a:rPr lang="en-US" sz="1600" dirty="0" smtClean="0"/>
+              <a:rPr lang="en-US" sz="1600" dirty="0"/>
               <a:t>ARD</a:t>
             </a:r>
           </a:p>
@@ -8620,7 +7579,7 @@
               <a:buAutoNum type="arabicPeriod"/>
             </a:pPr>
             <a:r>
-              <a:rPr lang="en-US" sz="1600" dirty="0" smtClean="0"/>
+              <a:rPr lang="en-US" sz="1600" dirty="0"/>
               <a:t>ADD Draft V2</a:t>
             </a:r>
           </a:p>
@@ -8631,11 +7590,7 @@
             </a:pPr>
             <a:r>
               <a:rPr lang="en-US" sz="1600" dirty="0"/>
-              <a:t>Demo Draft </a:t>
-            </a:r>
-            <a:r>
-              <a:rPr lang="en-US" sz="1600" dirty="0" smtClean="0"/>
-              <a:t>V2</a:t>
+              <a:t>Demo Draft V2</a:t>
             </a:r>
           </a:p>
           <a:p>
@@ -8643,11 +7598,11 @@
               <a:buFont typeface="+mj-lt"/>
               <a:buAutoNum type="arabicPeriod"/>
             </a:pPr>
-            <a:endParaRPr lang="en-US" sz="1600" dirty="0" smtClean="0"/>
+            <a:endParaRPr lang="en-US" sz="1600" dirty="0"/>
           </a:p>
           <a:p>
             <a:r>
-              <a:rPr lang="en-US" sz="1600" u="sng" dirty="0" smtClean="0"/>
+              <a:rPr lang="en-US" sz="1600" u="sng" dirty="0"/>
               <a:t>Client:</a:t>
             </a:r>
           </a:p>
@@ -8657,12 +7612,8 @@
               <a:buAutoNum type="arabicPeriod"/>
             </a:pPr>
             <a:r>
-              <a:rPr lang="en-US" sz="1600" dirty="0" smtClean="0"/>
-              <a:t>Finish </a:t>
-            </a:r>
-            <a:r>
               <a:rPr lang="en-US" sz="1600" dirty="0"/>
-              <a:t>Rider windows</a:t>
+              <a:t>Finish Rider windows</a:t>
             </a:r>
           </a:p>
           <a:p>
@@ -8672,11 +7623,7 @@
             </a:pPr>
             <a:r>
               <a:rPr lang="en-US" sz="1600" dirty="0"/>
-              <a:t>Finish Admin </a:t>
-            </a:r>
-            <a:r>
-              <a:rPr lang="en-US" sz="1600" dirty="0" smtClean="0"/>
-              <a:t>windows</a:t>
+              <a:t>Finish Admin windows</a:t>
             </a:r>
           </a:p>
           <a:p>
@@ -8684,11 +7631,11 @@
               <a:buFont typeface="+mj-lt"/>
               <a:buAutoNum type="arabicPeriod"/>
             </a:pPr>
-            <a:endParaRPr lang="en-US" sz="1600" dirty="0" smtClean="0"/>
+            <a:endParaRPr lang="en-US" sz="1600" dirty="0"/>
           </a:p>
           <a:p>
             <a:r>
-              <a:rPr lang="en-US" sz="1600" u="sng" dirty="0" smtClean="0"/>
+              <a:rPr lang="en-US" sz="1600" u="sng" dirty="0"/>
               <a:t>Server:</a:t>
             </a:r>
           </a:p>
@@ -8698,7 +7645,7 @@
               <a:buAutoNum type="arabicPeriod"/>
             </a:pPr>
             <a:r>
-              <a:rPr lang="en-US" sz="1600" dirty="0" smtClean="0"/>
+              <a:rPr lang="en-US" sz="1600" dirty="0"/>
               <a:t>User API</a:t>
             </a:r>
           </a:p>
@@ -8708,7 +7655,7 @@
               <a:buAutoNum type="arabicPeriod"/>
             </a:pPr>
             <a:r>
-              <a:rPr lang="en-US" sz="1600" dirty="0" smtClean="0"/>
+              <a:rPr lang="en-US" sz="1600" dirty="0"/>
               <a:t>Admin API</a:t>
             </a:r>
           </a:p>
@@ -8717,14 +7664,14 @@
               <a:buFont typeface="+mj-lt"/>
               <a:buAutoNum type="arabicPeriod"/>
             </a:pPr>
-            <a:endParaRPr lang="en-US" sz="1600" dirty="0" smtClean="0"/>
+            <a:endParaRPr lang="en-US" sz="1600" dirty="0"/>
           </a:p>
           <a:p>
             <a:pPr marL="342900" indent="-342900">
               <a:buFont typeface="+mj-lt"/>
               <a:buAutoNum type="arabicPeriod"/>
             </a:pPr>
-            <a:endParaRPr lang="en-US" sz="1600" dirty="0" smtClean="0"/>
+            <a:endParaRPr lang="en-US" sz="1600" dirty="0"/>
           </a:p>
         </p:txBody>
       </p:sp>
@@ -8738,13 +7685,6 @@
   <p:clrMapOvr>
     <a:masterClrMapping/>
   </p:clrMapOvr>
-  <p:timing>
-    <p:tnLst>
-      <p:par>
-        <p:cTn id="1" dur="indefinite" restart="never" nodeType="tmRoot"/>
-      </p:par>
-    </p:tnLst>
-  </p:timing>
 </p:sld>
 </file>
 
@@ -8879,7 +7819,7 @@
               </a:lnSpc>
             </a:pPr>
             <a:r>
-              <a:rPr lang="en-US" sz="5662" dirty="0" smtClean="0">
+              <a:rPr lang="en-US" sz="5662" dirty="0">
                 <a:solidFill>
                   <a:srgbClr val="008037"/>
                 </a:solidFill>
@@ -8887,12 +7827,6 @@
               </a:rPr>
               <a:t>Meeting Plan</a:t>
             </a:r>
-            <a:endParaRPr lang="en-US" sz="5662" dirty="0">
-              <a:solidFill>
-                <a:srgbClr val="008037"/>
-              </a:solidFill>
-              <a:latin typeface="Norwester"/>
-            </a:endParaRPr>
           </a:p>
         </p:txBody>
       </p:sp>
@@ -8901,7 +7835,7 @@
           <p:cNvPr id="27" name="Group 37">
             <a:extLst>
               <a:ext uri="{FF2B5EF4-FFF2-40B4-BE49-F238E27FC236}">
-                <a16:creationId xmlns="" xmlns:a16="http://schemas.microsoft.com/office/drawing/2014/main" id="{3A1B1429-54EA-DE01-4A5C-E94E4F5C5B72}"/>
+                <a16:creationId xmlns:a16="http://schemas.microsoft.com/office/drawing/2014/main" id="{3A1B1429-54EA-DE01-4A5C-E94E4F5C5B72}"/>
               </a:ext>
             </a:extLst>
           </p:cNvPr>
@@ -8921,7 +7855,7 @@
             <p:cNvPr id="28" name="Group 38">
               <a:extLst>
                 <a:ext uri="{FF2B5EF4-FFF2-40B4-BE49-F238E27FC236}">
-                  <a16:creationId xmlns="" xmlns:a16="http://schemas.microsoft.com/office/drawing/2014/main" id="{BC57A493-060F-544E-8BD0-E8584440AF6E}"/>
+                  <a16:creationId xmlns:a16="http://schemas.microsoft.com/office/drawing/2014/main" id="{BC57A493-060F-544E-8BD0-E8584440AF6E}"/>
                 </a:ext>
               </a:extLst>
             </p:cNvPr>
@@ -8941,7 +7875,7 @@
               <p:cNvPr id="43" name="Freeform 39">
                 <a:extLst>
                   <a:ext uri="{FF2B5EF4-FFF2-40B4-BE49-F238E27FC236}">
-                    <a16:creationId xmlns="" xmlns:a16="http://schemas.microsoft.com/office/drawing/2014/main" id="{D441E0B9-ECBB-0AD9-34C9-2789BBB1FC81}"/>
+                    <a16:creationId xmlns:a16="http://schemas.microsoft.com/office/drawing/2014/main" id="{D441E0B9-ECBB-0AD9-34C9-2789BBB1FC81}"/>
                   </a:ext>
                 </a:extLst>
               </p:cNvPr>
@@ -8998,7 +7932,7 @@
               <p:cNvPr id="44" name="TextBox 40">
                 <a:extLst>
                   <a:ext uri="{FF2B5EF4-FFF2-40B4-BE49-F238E27FC236}">
-                    <a16:creationId xmlns="" xmlns:a16="http://schemas.microsoft.com/office/drawing/2014/main" id="{086322A3-E42B-AF7F-6B1A-4E3DBA7BDA90}"/>
+                    <a16:creationId xmlns:a16="http://schemas.microsoft.com/office/drawing/2014/main" id="{086322A3-E42B-AF7F-6B1A-4E3DBA7BDA90}"/>
                   </a:ext>
                 </a:extLst>
               </p:cNvPr>
@@ -9036,7 +7970,7 @@
             <p:cNvPr id="29" name="Group 41">
               <a:extLst>
                 <a:ext uri="{FF2B5EF4-FFF2-40B4-BE49-F238E27FC236}">
-                  <a16:creationId xmlns="" xmlns:a16="http://schemas.microsoft.com/office/drawing/2014/main" id="{BDBE4C74-8E19-8B20-6D74-2AE3898BB4E5}"/>
+                  <a16:creationId xmlns:a16="http://schemas.microsoft.com/office/drawing/2014/main" id="{BDBE4C74-8E19-8B20-6D74-2AE3898BB4E5}"/>
                 </a:ext>
               </a:extLst>
             </p:cNvPr>
@@ -9056,7 +7990,7 @@
               <p:cNvPr id="41" name="Freeform 42">
                 <a:extLst>
                   <a:ext uri="{FF2B5EF4-FFF2-40B4-BE49-F238E27FC236}">
-                    <a16:creationId xmlns="" xmlns:a16="http://schemas.microsoft.com/office/drawing/2014/main" id="{632889DE-6FDD-35E4-AD8C-D88A0F2A6E65}"/>
+                    <a16:creationId xmlns:a16="http://schemas.microsoft.com/office/drawing/2014/main" id="{632889DE-6FDD-35E4-AD8C-D88A0F2A6E65}"/>
                   </a:ext>
                 </a:extLst>
               </p:cNvPr>
@@ -9113,7 +8047,7 @@
               <p:cNvPr id="42" name="TextBox 43">
                 <a:extLst>
                   <a:ext uri="{FF2B5EF4-FFF2-40B4-BE49-F238E27FC236}">
-                    <a16:creationId xmlns="" xmlns:a16="http://schemas.microsoft.com/office/drawing/2014/main" id="{8D7DBB68-594B-F5D2-B7FA-0D3120DAB80F}"/>
+                    <a16:creationId xmlns:a16="http://schemas.microsoft.com/office/drawing/2014/main" id="{8D7DBB68-594B-F5D2-B7FA-0D3120DAB80F}"/>
                   </a:ext>
                 </a:extLst>
               </p:cNvPr>
@@ -9151,7 +8085,7 @@
             <p:cNvPr id="30" name="Group 44">
               <a:extLst>
                 <a:ext uri="{FF2B5EF4-FFF2-40B4-BE49-F238E27FC236}">
-                  <a16:creationId xmlns="" xmlns:a16="http://schemas.microsoft.com/office/drawing/2014/main" id="{9F8DD0D9-1518-0966-A925-A6AA7188C5BD}"/>
+                  <a16:creationId xmlns:a16="http://schemas.microsoft.com/office/drawing/2014/main" id="{9F8DD0D9-1518-0966-A925-A6AA7188C5BD}"/>
                 </a:ext>
               </a:extLst>
             </p:cNvPr>
@@ -9171,7 +8105,7 @@
               <p:cNvPr id="39" name="Freeform 45">
                 <a:extLst>
                   <a:ext uri="{FF2B5EF4-FFF2-40B4-BE49-F238E27FC236}">
-                    <a16:creationId xmlns="" xmlns:a16="http://schemas.microsoft.com/office/drawing/2014/main" id="{EF9CC67E-2026-046F-2465-618DF1F705B9}"/>
+                    <a16:creationId xmlns:a16="http://schemas.microsoft.com/office/drawing/2014/main" id="{EF9CC67E-2026-046F-2465-618DF1F705B9}"/>
                   </a:ext>
                 </a:extLst>
               </p:cNvPr>
@@ -9217,7 +8151,7 @@
               <p:cNvPr id="40" name="TextBox 46">
                 <a:extLst>
                   <a:ext uri="{FF2B5EF4-FFF2-40B4-BE49-F238E27FC236}">
-                    <a16:creationId xmlns="" xmlns:a16="http://schemas.microsoft.com/office/drawing/2014/main" id="{CC925E18-10C9-A5A8-A858-423648EDD81B}"/>
+                    <a16:creationId xmlns:a16="http://schemas.microsoft.com/office/drawing/2014/main" id="{CC925E18-10C9-A5A8-A858-423648EDD81B}"/>
                   </a:ext>
                 </a:extLst>
               </p:cNvPr>
@@ -9255,7 +8189,7 @@
             <p:cNvPr id="31" name="Group 47">
               <a:extLst>
                 <a:ext uri="{FF2B5EF4-FFF2-40B4-BE49-F238E27FC236}">
-                  <a16:creationId xmlns="" xmlns:a16="http://schemas.microsoft.com/office/drawing/2014/main" id="{6745063D-6EA9-5A29-B4CF-AB1D4C6E356D}"/>
+                  <a16:creationId xmlns:a16="http://schemas.microsoft.com/office/drawing/2014/main" id="{6745063D-6EA9-5A29-B4CF-AB1D4C6E356D}"/>
                 </a:ext>
               </a:extLst>
             </p:cNvPr>
@@ -9275,7 +8209,7 @@
               <p:cNvPr id="37" name="Freeform 48">
                 <a:extLst>
                   <a:ext uri="{FF2B5EF4-FFF2-40B4-BE49-F238E27FC236}">
-                    <a16:creationId xmlns="" xmlns:a16="http://schemas.microsoft.com/office/drawing/2014/main" id="{71B77278-6E78-EA59-45AC-65F73A374224}"/>
+                    <a16:creationId xmlns:a16="http://schemas.microsoft.com/office/drawing/2014/main" id="{71B77278-6E78-EA59-45AC-65F73A374224}"/>
                   </a:ext>
                 </a:extLst>
               </p:cNvPr>
@@ -9332,7 +8266,7 @@
               <p:cNvPr id="38" name="TextBox 49">
                 <a:extLst>
                   <a:ext uri="{FF2B5EF4-FFF2-40B4-BE49-F238E27FC236}">
-                    <a16:creationId xmlns="" xmlns:a16="http://schemas.microsoft.com/office/drawing/2014/main" id="{29DF2333-9DB1-9180-4E42-D35FF732F474}"/>
+                    <a16:creationId xmlns:a16="http://schemas.microsoft.com/office/drawing/2014/main" id="{29DF2333-9DB1-9180-4E42-D35FF732F474}"/>
                   </a:ext>
                 </a:extLst>
               </p:cNvPr>
@@ -9370,7 +8304,7 @@
             <p:cNvPr id="32" name="Group 50">
               <a:extLst>
                 <a:ext uri="{FF2B5EF4-FFF2-40B4-BE49-F238E27FC236}">
-                  <a16:creationId xmlns="" xmlns:a16="http://schemas.microsoft.com/office/drawing/2014/main" id="{401F4EB3-7E82-D282-2397-74F2596E43DC}"/>
+                  <a16:creationId xmlns:a16="http://schemas.microsoft.com/office/drawing/2014/main" id="{401F4EB3-7E82-D282-2397-74F2596E43DC}"/>
                 </a:ext>
               </a:extLst>
             </p:cNvPr>
@@ -9390,7 +8324,7 @@
               <p:cNvPr id="35" name="Freeform 51">
                 <a:extLst>
                   <a:ext uri="{FF2B5EF4-FFF2-40B4-BE49-F238E27FC236}">
-                    <a16:creationId xmlns="" xmlns:a16="http://schemas.microsoft.com/office/drawing/2014/main" id="{AE19A60F-F7CF-668A-1892-66D6507AE0EB}"/>
+                    <a16:creationId xmlns:a16="http://schemas.microsoft.com/office/drawing/2014/main" id="{AE19A60F-F7CF-668A-1892-66D6507AE0EB}"/>
                   </a:ext>
                 </a:extLst>
               </p:cNvPr>
@@ -9447,7 +8381,7 @@
               <p:cNvPr id="36" name="TextBox 52">
                 <a:extLst>
                   <a:ext uri="{FF2B5EF4-FFF2-40B4-BE49-F238E27FC236}">
-                    <a16:creationId xmlns="" xmlns:a16="http://schemas.microsoft.com/office/drawing/2014/main" id="{2BDDECC9-17F8-15A3-17B8-DBB8AE5FD9AF}"/>
+                    <a16:creationId xmlns:a16="http://schemas.microsoft.com/office/drawing/2014/main" id="{2BDDECC9-17F8-15A3-17B8-DBB8AE5FD9AF}"/>
                   </a:ext>
                 </a:extLst>
               </p:cNvPr>
@@ -9485,7 +8419,7 @@
             <p:cNvPr id="33" name="TextBox 53">
               <a:extLst>
                 <a:ext uri="{FF2B5EF4-FFF2-40B4-BE49-F238E27FC236}">
-                  <a16:creationId xmlns="" xmlns:a16="http://schemas.microsoft.com/office/drawing/2014/main" id="{2C2792B5-BDC3-A31B-DD00-EF83B137EF0E}"/>
+                  <a16:creationId xmlns:a16="http://schemas.microsoft.com/office/drawing/2014/main" id="{2C2792B5-BDC3-A31B-DD00-EF83B137EF0E}"/>
                 </a:ext>
               </a:extLst>
             </p:cNvPr>
@@ -9529,7 +8463,7 @@
             <p:cNvPr id="34" name="TextBox 54">
               <a:extLst>
                 <a:ext uri="{FF2B5EF4-FFF2-40B4-BE49-F238E27FC236}">
-                  <a16:creationId xmlns="" xmlns:a16="http://schemas.microsoft.com/office/drawing/2014/main" id="{1B6C4880-A844-E813-ABC4-C0DDD91DD990}"/>
+                  <a16:creationId xmlns:a16="http://schemas.microsoft.com/office/drawing/2014/main" id="{1B6C4880-A844-E813-ABC4-C0DDD91DD990}"/>
                 </a:ext>
               </a:extLst>
             </p:cNvPr>
@@ -9625,7 +8559,7 @@
               <a:buAutoNum type="arabicPeriod"/>
             </a:pPr>
             <a:r>
-              <a:rPr lang="en-US" dirty="0" smtClean="0"/>
+              <a:rPr lang="en-US" dirty="0"/>
               <a:t>Timeline</a:t>
             </a:r>
           </a:p>
@@ -9635,7 +8569,7 @@
               <a:buAutoNum type="arabicPeriod"/>
             </a:pPr>
             <a:r>
-              <a:rPr lang="en-US" dirty="0" smtClean="0"/>
+              <a:rPr lang="en-US" dirty="0"/>
               <a:t>Gantt</a:t>
             </a:r>
           </a:p>
@@ -9696,11 +8630,7 @@
             </a:pPr>
             <a:r>
               <a:rPr lang="en-US" dirty="0"/>
-              <a:t>Rider </a:t>
-            </a:r>
-            <a:r>
-              <a:rPr lang="en-US" dirty="0" smtClean="0"/>
-              <a:t>application</a:t>
+              <a:t>Rider application</a:t>
             </a:r>
           </a:p>
           <a:p>
@@ -9709,7 +8639,7 @@
               <a:buAutoNum type="arabicPeriod"/>
             </a:pPr>
             <a:r>
-              <a:rPr lang="en-US" dirty="0" smtClean="0"/>
+              <a:rPr lang="en-US" dirty="0"/>
               <a:t>Issues</a:t>
             </a:r>
           </a:p>
@@ -9719,12 +8649,8 @@
               <a:buAutoNum type="arabicPeriod"/>
             </a:pPr>
             <a:r>
-              <a:rPr lang="en-US" dirty="0" smtClean="0"/>
-              <a:t>Marathon </a:t>
-            </a:r>
-            <a:r>
               <a:rPr lang="en-US" dirty="0"/>
-              <a:t>Goals</a:t>
+              <a:t>Marathon Goals</a:t>
             </a:r>
           </a:p>
           <a:p>
@@ -9732,35 +8658,35 @@
               <a:buFont typeface="+mj-lt"/>
               <a:buAutoNum type="arabicPeriod"/>
             </a:pPr>
-            <a:endParaRPr lang="en-US" dirty="0" smtClean="0"/>
+            <a:endParaRPr lang="en-US" dirty="0"/>
           </a:p>
           <a:p>
             <a:pPr marL="857250" lvl="1" indent="-400050">
               <a:buFont typeface="+mj-lt"/>
               <a:buAutoNum type="arabicParenR"/>
             </a:pPr>
-            <a:endParaRPr lang="en-US" dirty="0" smtClean="0"/>
+            <a:endParaRPr lang="en-US" dirty="0"/>
           </a:p>
           <a:p>
             <a:pPr marL="800100" lvl="1" indent="-342900">
               <a:buFont typeface="+mj-lt"/>
               <a:buAutoNum type="arabicParenR"/>
             </a:pPr>
-            <a:endParaRPr lang="en-US" dirty="0" smtClean="0"/>
+            <a:endParaRPr lang="en-US" dirty="0"/>
           </a:p>
           <a:p>
             <a:pPr marL="342900" indent="-342900">
               <a:buFont typeface="+mj-lt"/>
               <a:buAutoNum type="arabicPeriod"/>
             </a:pPr>
-            <a:endParaRPr lang="en-US" dirty="0" smtClean="0"/>
+            <a:endParaRPr lang="en-US" dirty="0"/>
           </a:p>
           <a:p>
             <a:pPr marL="342900" indent="-342900">
               <a:buFont typeface="+mj-lt"/>
               <a:buAutoNum type="arabicPeriod"/>
             </a:pPr>
-            <a:endParaRPr lang="en-US" dirty="0" smtClean="0"/>
+            <a:endParaRPr lang="en-US" dirty="0"/>
           </a:p>
         </p:txBody>
       </p:sp>
@@ -9774,13 +8700,6 @@
   <p:clrMapOvr>
     <a:masterClrMapping/>
   </p:clrMapOvr>
-  <p:timing>
-    <p:tnLst>
-      <p:par>
-        <p:cTn id="1" dur="indefinite" restart="never" nodeType="tmRoot"/>
-      </p:par>
-    </p:tnLst>
-  </p:timing>
 </p:sld>
 </file>
 
@@ -9915,7 +8834,7 @@
               </a:lnSpc>
             </a:pPr>
             <a:r>
-              <a:rPr lang="en-US" sz="5662" dirty="0" smtClean="0">
+              <a:rPr lang="en-US" sz="5662" dirty="0">
                 <a:solidFill>
                   <a:srgbClr val="008037"/>
                 </a:solidFill>
@@ -9923,12 +8842,6 @@
               </a:rPr>
               <a:t>Timeline</a:t>
             </a:r>
-            <a:endParaRPr lang="en-US" sz="5662" dirty="0">
-              <a:solidFill>
-                <a:srgbClr val="008037"/>
-              </a:solidFill>
-              <a:latin typeface="Norwester"/>
-            </a:endParaRPr>
           </a:p>
         </p:txBody>
       </p:sp>
@@ -9937,7 +8850,7 @@
           <p:cNvPr id="27" name="Group 37">
             <a:extLst>
               <a:ext uri="{FF2B5EF4-FFF2-40B4-BE49-F238E27FC236}">
-                <a16:creationId xmlns="" xmlns:a16="http://schemas.microsoft.com/office/drawing/2014/main" id="{3A1B1429-54EA-DE01-4A5C-E94E4F5C5B72}"/>
+                <a16:creationId xmlns:a16="http://schemas.microsoft.com/office/drawing/2014/main" id="{3A1B1429-54EA-DE01-4A5C-E94E4F5C5B72}"/>
               </a:ext>
             </a:extLst>
           </p:cNvPr>
@@ -9957,7 +8870,7 @@
             <p:cNvPr id="28" name="Group 38">
               <a:extLst>
                 <a:ext uri="{FF2B5EF4-FFF2-40B4-BE49-F238E27FC236}">
-                  <a16:creationId xmlns="" xmlns:a16="http://schemas.microsoft.com/office/drawing/2014/main" id="{BC57A493-060F-544E-8BD0-E8584440AF6E}"/>
+                  <a16:creationId xmlns:a16="http://schemas.microsoft.com/office/drawing/2014/main" id="{BC57A493-060F-544E-8BD0-E8584440AF6E}"/>
                 </a:ext>
               </a:extLst>
             </p:cNvPr>
@@ -9977,7 +8890,7 @@
               <p:cNvPr id="43" name="Freeform 39">
                 <a:extLst>
                   <a:ext uri="{FF2B5EF4-FFF2-40B4-BE49-F238E27FC236}">
-                    <a16:creationId xmlns="" xmlns:a16="http://schemas.microsoft.com/office/drawing/2014/main" id="{D441E0B9-ECBB-0AD9-34C9-2789BBB1FC81}"/>
+                    <a16:creationId xmlns:a16="http://schemas.microsoft.com/office/drawing/2014/main" id="{D441E0B9-ECBB-0AD9-34C9-2789BBB1FC81}"/>
                   </a:ext>
                 </a:extLst>
               </p:cNvPr>
@@ -10034,7 +8947,7 @@
               <p:cNvPr id="44" name="TextBox 40">
                 <a:extLst>
                   <a:ext uri="{FF2B5EF4-FFF2-40B4-BE49-F238E27FC236}">
-                    <a16:creationId xmlns="" xmlns:a16="http://schemas.microsoft.com/office/drawing/2014/main" id="{086322A3-E42B-AF7F-6B1A-4E3DBA7BDA90}"/>
+                    <a16:creationId xmlns:a16="http://schemas.microsoft.com/office/drawing/2014/main" id="{086322A3-E42B-AF7F-6B1A-4E3DBA7BDA90}"/>
                   </a:ext>
                 </a:extLst>
               </p:cNvPr>
@@ -10072,7 +8985,7 @@
             <p:cNvPr id="29" name="Group 41">
               <a:extLst>
                 <a:ext uri="{FF2B5EF4-FFF2-40B4-BE49-F238E27FC236}">
-                  <a16:creationId xmlns="" xmlns:a16="http://schemas.microsoft.com/office/drawing/2014/main" id="{BDBE4C74-8E19-8B20-6D74-2AE3898BB4E5}"/>
+                  <a16:creationId xmlns:a16="http://schemas.microsoft.com/office/drawing/2014/main" id="{BDBE4C74-8E19-8B20-6D74-2AE3898BB4E5}"/>
                 </a:ext>
               </a:extLst>
             </p:cNvPr>
@@ -10092,7 +9005,7 @@
               <p:cNvPr id="41" name="Freeform 42">
                 <a:extLst>
                   <a:ext uri="{FF2B5EF4-FFF2-40B4-BE49-F238E27FC236}">
-                    <a16:creationId xmlns="" xmlns:a16="http://schemas.microsoft.com/office/drawing/2014/main" id="{632889DE-6FDD-35E4-AD8C-D88A0F2A6E65}"/>
+                    <a16:creationId xmlns:a16="http://schemas.microsoft.com/office/drawing/2014/main" id="{632889DE-6FDD-35E4-AD8C-D88A0F2A6E65}"/>
                   </a:ext>
                 </a:extLst>
               </p:cNvPr>
@@ -10149,7 +9062,7 @@
               <p:cNvPr id="42" name="TextBox 43">
                 <a:extLst>
                   <a:ext uri="{FF2B5EF4-FFF2-40B4-BE49-F238E27FC236}">
-                    <a16:creationId xmlns="" xmlns:a16="http://schemas.microsoft.com/office/drawing/2014/main" id="{8D7DBB68-594B-F5D2-B7FA-0D3120DAB80F}"/>
+                    <a16:creationId xmlns:a16="http://schemas.microsoft.com/office/drawing/2014/main" id="{8D7DBB68-594B-F5D2-B7FA-0D3120DAB80F}"/>
                   </a:ext>
                 </a:extLst>
               </p:cNvPr>
@@ -10187,7 +9100,7 @@
             <p:cNvPr id="30" name="Group 44">
               <a:extLst>
                 <a:ext uri="{FF2B5EF4-FFF2-40B4-BE49-F238E27FC236}">
-                  <a16:creationId xmlns="" xmlns:a16="http://schemas.microsoft.com/office/drawing/2014/main" id="{9F8DD0D9-1518-0966-A925-A6AA7188C5BD}"/>
+                  <a16:creationId xmlns:a16="http://schemas.microsoft.com/office/drawing/2014/main" id="{9F8DD0D9-1518-0966-A925-A6AA7188C5BD}"/>
                 </a:ext>
               </a:extLst>
             </p:cNvPr>
@@ -10207,7 +9120,7 @@
               <p:cNvPr id="39" name="Freeform 45">
                 <a:extLst>
                   <a:ext uri="{FF2B5EF4-FFF2-40B4-BE49-F238E27FC236}">
-                    <a16:creationId xmlns="" xmlns:a16="http://schemas.microsoft.com/office/drawing/2014/main" id="{EF9CC67E-2026-046F-2465-618DF1F705B9}"/>
+                    <a16:creationId xmlns:a16="http://schemas.microsoft.com/office/drawing/2014/main" id="{EF9CC67E-2026-046F-2465-618DF1F705B9}"/>
                   </a:ext>
                 </a:extLst>
               </p:cNvPr>
@@ -10253,7 +9166,7 @@
               <p:cNvPr id="40" name="TextBox 46">
                 <a:extLst>
                   <a:ext uri="{FF2B5EF4-FFF2-40B4-BE49-F238E27FC236}">
-                    <a16:creationId xmlns="" xmlns:a16="http://schemas.microsoft.com/office/drawing/2014/main" id="{CC925E18-10C9-A5A8-A858-423648EDD81B}"/>
+                    <a16:creationId xmlns:a16="http://schemas.microsoft.com/office/drawing/2014/main" id="{CC925E18-10C9-A5A8-A858-423648EDD81B}"/>
                   </a:ext>
                 </a:extLst>
               </p:cNvPr>
@@ -10291,7 +9204,7 @@
             <p:cNvPr id="31" name="Group 47">
               <a:extLst>
                 <a:ext uri="{FF2B5EF4-FFF2-40B4-BE49-F238E27FC236}">
-                  <a16:creationId xmlns="" xmlns:a16="http://schemas.microsoft.com/office/drawing/2014/main" id="{6745063D-6EA9-5A29-B4CF-AB1D4C6E356D}"/>
+                  <a16:creationId xmlns:a16="http://schemas.microsoft.com/office/drawing/2014/main" id="{6745063D-6EA9-5A29-B4CF-AB1D4C6E356D}"/>
                 </a:ext>
               </a:extLst>
             </p:cNvPr>
@@ -10311,7 +9224,7 @@
               <p:cNvPr id="37" name="Freeform 48">
                 <a:extLst>
                   <a:ext uri="{FF2B5EF4-FFF2-40B4-BE49-F238E27FC236}">
-                    <a16:creationId xmlns="" xmlns:a16="http://schemas.microsoft.com/office/drawing/2014/main" id="{71B77278-6E78-EA59-45AC-65F73A374224}"/>
+                    <a16:creationId xmlns:a16="http://schemas.microsoft.com/office/drawing/2014/main" id="{71B77278-6E78-EA59-45AC-65F73A374224}"/>
                   </a:ext>
                 </a:extLst>
               </p:cNvPr>
@@ -10368,7 +9281,7 @@
               <p:cNvPr id="38" name="TextBox 49">
                 <a:extLst>
                   <a:ext uri="{FF2B5EF4-FFF2-40B4-BE49-F238E27FC236}">
-                    <a16:creationId xmlns="" xmlns:a16="http://schemas.microsoft.com/office/drawing/2014/main" id="{29DF2333-9DB1-9180-4E42-D35FF732F474}"/>
+                    <a16:creationId xmlns:a16="http://schemas.microsoft.com/office/drawing/2014/main" id="{29DF2333-9DB1-9180-4E42-D35FF732F474}"/>
                   </a:ext>
                 </a:extLst>
               </p:cNvPr>
@@ -10406,7 +9319,7 @@
             <p:cNvPr id="32" name="Group 50">
               <a:extLst>
                 <a:ext uri="{FF2B5EF4-FFF2-40B4-BE49-F238E27FC236}">
-                  <a16:creationId xmlns="" xmlns:a16="http://schemas.microsoft.com/office/drawing/2014/main" id="{401F4EB3-7E82-D282-2397-74F2596E43DC}"/>
+                  <a16:creationId xmlns:a16="http://schemas.microsoft.com/office/drawing/2014/main" id="{401F4EB3-7E82-D282-2397-74F2596E43DC}"/>
                 </a:ext>
               </a:extLst>
             </p:cNvPr>
@@ -10426,7 +9339,7 @@
               <p:cNvPr id="35" name="Freeform 51">
                 <a:extLst>
                   <a:ext uri="{FF2B5EF4-FFF2-40B4-BE49-F238E27FC236}">
-                    <a16:creationId xmlns="" xmlns:a16="http://schemas.microsoft.com/office/drawing/2014/main" id="{AE19A60F-F7CF-668A-1892-66D6507AE0EB}"/>
+                    <a16:creationId xmlns:a16="http://schemas.microsoft.com/office/drawing/2014/main" id="{AE19A60F-F7CF-668A-1892-66D6507AE0EB}"/>
                   </a:ext>
                 </a:extLst>
               </p:cNvPr>
@@ -10483,7 +9396,7 @@
               <p:cNvPr id="36" name="TextBox 52">
                 <a:extLst>
                   <a:ext uri="{FF2B5EF4-FFF2-40B4-BE49-F238E27FC236}">
-                    <a16:creationId xmlns="" xmlns:a16="http://schemas.microsoft.com/office/drawing/2014/main" id="{2BDDECC9-17F8-15A3-17B8-DBB8AE5FD9AF}"/>
+                    <a16:creationId xmlns:a16="http://schemas.microsoft.com/office/drawing/2014/main" id="{2BDDECC9-17F8-15A3-17B8-DBB8AE5FD9AF}"/>
                   </a:ext>
                 </a:extLst>
               </p:cNvPr>
@@ -10521,7 +9434,7 @@
             <p:cNvPr id="33" name="TextBox 53">
               <a:extLst>
                 <a:ext uri="{FF2B5EF4-FFF2-40B4-BE49-F238E27FC236}">
-                  <a16:creationId xmlns="" xmlns:a16="http://schemas.microsoft.com/office/drawing/2014/main" id="{2C2792B5-BDC3-A31B-DD00-EF83B137EF0E}"/>
+                  <a16:creationId xmlns:a16="http://schemas.microsoft.com/office/drawing/2014/main" id="{2C2792B5-BDC3-A31B-DD00-EF83B137EF0E}"/>
                 </a:ext>
               </a:extLst>
             </p:cNvPr>
@@ -10565,7 +9478,7 @@
             <p:cNvPr id="34" name="TextBox 54">
               <a:extLst>
                 <a:ext uri="{FF2B5EF4-FFF2-40B4-BE49-F238E27FC236}">
-                  <a16:creationId xmlns="" xmlns:a16="http://schemas.microsoft.com/office/drawing/2014/main" id="{1B6C4880-A844-E813-ABC4-C0DDD91DD990}"/>
+                  <a16:creationId xmlns:a16="http://schemas.microsoft.com/office/drawing/2014/main" id="{1B6C4880-A844-E813-ABC4-C0DDD91DD990}"/>
                 </a:ext>
               </a:extLst>
             </p:cNvPr>
@@ -10644,7 +9557,7 @@
           <p:nvPr>
             <p:extLst>
               <p:ext uri="{D42A27DB-BD31-4B8C-83A1-F6EECF244321}">
-                <p14:modId xmlns:p14="http://schemas.microsoft.com/office/powerpoint/2010/main" val="2122928840"/>
+                <p14:modId xmlns:p14="http://schemas.microsoft.com/office/powerpoint/2010/main" val="1661929707"/>
               </p:ext>
             </p:extLst>
           </p:nvPr>
@@ -10660,11 +9573,41 @@
                 <a:tableStyleId>{5C22544A-7EE6-4342-B048-85BDC9FD1C3A}</a:tableStyleId>
               </a:tblPr>
               <a:tblGrid>
-                <a:gridCol w="2406770"/>
-                <a:gridCol w="2432649"/>
-                <a:gridCol w="2208362"/>
-                <a:gridCol w="2363638"/>
-                <a:gridCol w="1915064"/>
+                <a:gridCol w="2406770">
+                  <a:extLst>
+                    <a:ext uri="{9D8B030D-6E8A-4147-A177-3AD203B41FA5}">
+                      <a16:colId xmlns:a16="http://schemas.microsoft.com/office/drawing/2014/main" val="20000"/>
+                    </a:ext>
+                  </a:extLst>
+                </a:gridCol>
+                <a:gridCol w="2432649">
+                  <a:extLst>
+                    <a:ext uri="{9D8B030D-6E8A-4147-A177-3AD203B41FA5}">
+                      <a16:colId xmlns:a16="http://schemas.microsoft.com/office/drawing/2014/main" val="20001"/>
+                    </a:ext>
+                  </a:extLst>
+                </a:gridCol>
+                <a:gridCol w="2208362">
+                  <a:extLst>
+                    <a:ext uri="{9D8B030D-6E8A-4147-A177-3AD203B41FA5}">
+                      <a16:colId xmlns:a16="http://schemas.microsoft.com/office/drawing/2014/main" val="20002"/>
+                    </a:ext>
+                  </a:extLst>
+                </a:gridCol>
+                <a:gridCol w="2363638">
+                  <a:extLst>
+                    <a:ext uri="{9D8B030D-6E8A-4147-A177-3AD203B41FA5}">
+                      <a16:colId xmlns:a16="http://schemas.microsoft.com/office/drawing/2014/main" val="20003"/>
+                    </a:ext>
+                  </a:extLst>
+                </a:gridCol>
+                <a:gridCol w="1915064">
+                  <a:extLst>
+                    <a:ext uri="{9D8B030D-6E8A-4147-A177-3AD203B41FA5}">
+                      <a16:colId xmlns:a16="http://schemas.microsoft.com/office/drawing/2014/main" val="20004"/>
+                    </a:ext>
+                  </a:extLst>
+                </a:gridCol>
               </a:tblGrid>
               <a:tr h="370840">
                 <a:tc>
@@ -10677,7 +9620,7 @@
                         <a:buNone/>
                       </a:pPr>
                       <a:r>
-                        <a:rPr lang="en-US" sz="1800" b="1" u="none" kern="1200" dirty="0" smtClean="0">
+                        <a:rPr lang="en-US" sz="1800" b="1" u="none" kern="1200" dirty="0">
                           <a:solidFill>
                             <a:schemeClr val="tx1"/>
                           </a:solidFill>
@@ -10747,7 +9690,7 @@
                         <a:buNone/>
                       </a:pPr>
                       <a:r>
-                        <a:rPr lang="en-US" sz="1800" b="1" u="none" kern="1200" dirty="0" smtClean="0">
+                        <a:rPr lang="en-US" sz="1800" b="1" u="none" kern="1200" dirty="0">
                           <a:solidFill>
                             <a:schemeClr val="tx1"/>
                           </a:solidFill>
@@ -10817,7 +9760,7 @@
                         <a:buNone/>
                       </a:pPr>
                       <a:r>
-                        <a:rPr lang="en-US" sz="1800" b="1" u="none" kern="1200" dirty="0" smtClean="0">
+                        <a:rPr lang="en-US" sz="1800" b="1" u="none" kern="1200" dirty="0">
                           <a:solidFill>
                             <a:schemeClr val="tx1"/>
                           </a:solidFill>
@@ -10887,9 +9830,9 @@
                         <a:buNone/>
                       </a:pPr>
                       <a:r>
-                        <a:rPr lang="en-US" sz="1800" b="1" u="none" kern="1200" dirty="0" smtClean="0">
+                        <a:rPr lang="en-US" sz="1800" b="1" u="none" kern="1200" dirty="0">
                           <a:solidFill>
-                            <a:schemeClr val="tx1"/>
+                            <a:srgbClr val="7030A0"/>
                           </a:solidFill>
                           <a:latin typeface="+mn-lt"/>
                           <a:ea typeface="+mn-ea"/>
@@ -10899,7 +9842,7 @@
                       </a:r>
                       <a:endParaRPr lang="he-IL" sz="1800" b="1" u="none" kern="1200" dirty="0">
                         <a:solidFill>
-                          <a:schemeClr val="tx1"/>
+                          <a:srgbClr val="7030A0"/>
                         </a:solidFill>
                         <a:latin typeface="+mn-lt"/>
                         <a:ea typeface="+mn-ea"/>
@@ -10957,11 +9900,9 @@
                         <a:buNone/>
                       </a:pPr>
                       <a:r>
-                        <a:rPr lang="en-US" sz="1800" b="1" u="none" kern="1200" dirty="0" smtClean="0">
+                        <a:rPr lang="en-US" sz="1800" b="1" u="none" kern="1200" dirty="0">
                           <a:solidFill>
-                            <a:schemeClr val="accent5">
-                              <a:lumMod val="75000"/>
-                            </a:schemeClr>
+                            <a:schemeClr val="tx1"/>
                           </a:solidFill>
                           <a:latin typeface="+mn-lt"/>
                           <a:ea typeface="+mn-ea"/>
@@ -10971,9 +9912,7 @@
                       </a:r>
                       <a:endParaRPr lang="he-IL" sz="1800" b="1" u="none" kern="1200" dirty="0">
                         <a:solidFill>
-                          <a:schemeClr val="accent5">
-                            <a:lumMod val="75000"/>
-                          </a:schemeClr>
+                          <a:schemeClr val="tx1"/>
                         </a:solidFill>
                         <a:latin typeface="+mn-lt"/>
                         <a:ea typeface="+mn-ea"/>
@@ -11021,6 +9960,11 @@
                     <a:noFill/>
                   </a:tcPr>
                 </a:tc>
+                <a:extLst>
+                  <a:ext uri="{0D108BD9-81ED-4DB2-BD59-A6C34878D82A}">
+                    <a16:rowId xmlns:a16="http://schemas.microsoft.com/office/drawing/2014/main" val="10000"/>
+                  </a:ext>
+                </a:extLst>
               </a:tr>
               <a:tr h="348656">
                 <a:tc>
@@ -11033,7 +9977,7 @@
                         <a:buNone/>
                       </a:pPr>
                       <a:r>
-                        <a:rPr lang="en-US" sz="1400" dirty="0" smtClean="0">
+                        <a:rPr lang="en-US" sz="1400" dirty="0">
                           <a:solidFill>
                             <a:schemeClr val="tx1"/>
                           </a:solidFill>
@@ -11097,7 +10041,7 @@
                         <a:buNone/>
                       </a:pPr>
                       <a:r>
-                        <a:rPr lang="en-US" sz="1400" dirty="0" smtClean="0">
+                        <a:rPr lang="en-US" sz="1400" dirty="0">
                           <a:solidFill>
                             <a:schemeClr val="tx1"/>
                           </a:solidFill>
@@ -11161,7 +10105,7 @@
                         <a:buNone/>
                       </a:pPr>
                       <a:r>
-                        <a:rPr lang="en-US" sz="1400" dirty="0" smtClean="0">
+                        <a:rPr lang="en-US" sz="1400" dirty="0">
                           <a:solidFill>
                             <a:schemeClr val="tx1"/>
                           </a:solidFill>
@@ -11225,16 +10169,16 @@
                         <a:buNone/>
                       </a:pPr>
                       <a:r>
-                        <a:rPr lang="en-US" sz="1400" dirty="0" smtClean="0">
+                        <a:rPr lang="en-US" sz="1400" dirty="0">
                           <a:solidFill>
-                            <a:schemeClr val="tx1"/>
+                            <a:srgbClr val="7030A0"/>
                           </a:solidFill>
                         </a:rPr>
                         <a:t>Marathon</a:t>
                       </a:r>
                       <a:endParaRPr lang="he-IL" sz="1400" dirty="0">
                         <a:solidFill>
-                          <a:schemeClr val="tx1"/>
+                          <a:srgbClr val="7030A0"/>
                         </a:solidFill>
                       </a:endParaRPr>
                     </a:p>
@@ -11289,20 +10233,16 @@
                         <a:buNone/>
                       </a:pPr>
                       <a:r>
-                        <a:rPr lang="en-US" sz="1400" dirty="0" smtClean="0">
+                        <a:rPr lang="en-US" sz="1400" dirty="0">
                           <a:solidFill>
-                            <a:schemeClr val="accent5">
-                              <a:lumMod val="75000"/>
-                            </a:schemeClr>
+                            <a:schemeClr val="tx1"/>
                           </a:solidFill>
                         </a:rPr>
                         <a:t>Today Meeting</a:t>
                       </a:r>
                       <a:endParaRPr lang="he-IL" sz="1400" dirty="0">
                         <a:solidFill>
-                          <a:schemeClr val="accent5">
-                            <a:lumMod val="75000"/>
-                          </a:schemeClr>
+                          <a:schemeClr val="tx1"/>
                         </a:solidFill>
                       </a:endParaRPr>
                     </a:p>
@@ -11347,6 +10287,11 @@
                     <a:noFill/>
                   </a:tcPr>
                 </a:tc>
+                <a:extLst>
+                  <a:ext uri="{0D108BD9-81ED-4DB2-BD59-A6C34878D82A}">
+                    <a16:rowId xmlns:a16="http://schemas.microsoft.com/office/drawing/2014/main" val="10001"/>
+                  </a:ext>
+                </a:extLst>
               </a:tr>
             </a:tbl>
           </a:graphicData>
@@ -11386,13 +10331,6 @@
   <p:clrMapOvr>
     <a:masterClrMapping/>
   </p:clrMapOvr>
-  <p:timing>
-    <p:tnLst>
-      <p:par>
-        <p:cTn id="1" dur="indefinite" restart="never" nodeType="tmRoot"/>
-      </p:par>
-    </p:tnLst>
-  </p:timing>
 </p:sld>
 </file>
 
@@ -11527,7 +10465,7 @@
               </a:lnSpc>
             </a:pPr>
             <a:r>
-              <a:rPr lang="en-US" sz="5662" dirty="0" smtClean="0">
+              <a:rPr lang="en-US" sz="5662" dirty="0">
                 <a:solidFill>
                   <a:srgbClr val="008037"/>
                 </a:solidFill>
@@ -11535,12 +10473,6 @@
               </a:rPr>
               <a:t> Raspberry Pi</a:t>
             </a:r>
-            <a:endParaRPr lang="en-US" sz="5662" dirty="0">
-              <a:solidFill>
-                <a:srgbClr val="008037"/>
-              </a:solidFill>
-              <a:latin typeface="Norwester"/>
-            </a:endParaRPr>
           </a:p>
         </p:txBody>
       </p:sp>
@@ -11549,7 +10481,7 @@
           <p:cNvPr id="27" name="Group 37">
             <a:extLst>
               <a:ext uri="{FF2B5EF4-FFF2-40B4-BE49-F238E27FC236}">
-                <a16:creationId xmlns="" xmlns:a16="http://schemas.microsoft.com/office/drawing/2014/main" id="{3A1B1429-54EA-DE01-4A5C-E94E4F5C5B72}"/>
+                <a16:creationId xmlns:a16="http://schemas.microsoft.com/office/drawing/2014/main" id="{3A1B1429-54EA-DE01-4A5C-E94E4F5C5B72}"/>
               </a:ext>
             </a:extLst>
           </p:cNvPr>
@@ -11569,7 +10501,7 @@
             <p:cNvPr id="28" name="Group 38">
               <a:extLst>
                 <a:ext uri="{FF2B5EF4-FFF2-40B4-BE49-F238E27FC236}">
-                  <a16:creationId xmlns="" xmlns:a16="http://schemas.microsoft.com/office/drawing/2014/main" id="{BC57A493-060F-544E-8BD0-E8584440AF6E}"/>
+                  <a16:creationId xmlns:a16="http://schemas.microsoft.com/office/drawing/2014/main" id="{BC57A493-060F-544E-8BD0-E8584440AF6E}"/>
                 </a:ext>
               </a:extLst>
             </p:cNvPr>
@@ -11589,7 +10521,7 @@
               <p:cNvPr id="43" name="Freeform 39">
                 <a:extLst>
                   <a:ext uri="{FF2B5EF4-FFF2-40B4-BE49-F238E27FC236}">
-                    <a16:creationId xmlns="" xmlns:a16="http://schemas.microsoft.com/office/drawing/2014/main" id="{D441E0B9-ECBB-0AD9-34C9-2789BBB1FC81}"/>
+                    <a16:creationId xmlns:a16="http://schemas.microsoft.com/office/drawing/2014/main" id="{D441E0B9-ECBB-0AD9-34C9-2789BBB1FC81}"/>
                   </a:ext>
                 </a:extLst>
               </p:cNvPr>
@@ -11646,7 +10578,7 @@
               <p:cNvPr id="44" name="TextBox 40">
                 <a:extLst>
                   <a:ext uri="{FF2B5EF4-FFF2-40B4-BE49-F238E27FC236}">
-                    <a16:creationId xmlns="" xmlns:a16="http://schemas.microsoft.com/office/drawing/2014/main" id="{086322A3-E42B-AF7F-6B1A-4E3DBA7BDA90}"/>
+                    <a16:creationId xmlns:a16="http://schemas.microsoft.com/office/drawing/2014/main" id="{086322A3-E42B-AF7F-6B1A-4E3DBA7BDA90}"/>
                   </a:ext>
                 </a:extLst>
               </p:cNvPr>
@@ -11684,7 +10616,7 @@
             <p:cNvPr id="29" name="Group 41">
               <a:extLst>
                 <a:ext uri="{FF2B5EF4-FFF2-40B4-BE49-F238E27FC236}">
-                  <a16:creationId xmlns="" xmlns:a16="http://schemas.microsoft.com/office/drawing/2014/main" id="{BDBE4C74-8E19-8B20-6D74-2AE3898BB4E5}"/>
+                  <a16:creationId xmlns:a16="http://schemas.microsoft.com/office/drawing/2014/main" id="{BDBE4C74-8E19-8B20-6D74-2AE3898BB4E5}"/>
                 </a:ext>
               </a:extLst>
             </p:cNvPr>
@@ -11704,7 +10636,7 @@
               <p:cNvPr id="41" name="Freeform 42">
                 <a:extLst>
                   <a:ext uri="{FF2B5EF4-FFF2-40B4-BE49-F238E27FC236}">
-                    <a16:creationId xmlns="" xmlns:a16="http://schemas.microsoft.com/office/drawing/2014/main" id="{632889DE-6FDD-35E4-AD8C-D88A0F2A6E65}"/>
+                    <a16:creationId xmlns:a16="http://schemas.microsoft.com/office/drawing/2014/main" id="{632889DE-6FDD-35E4-AD8C-D88A0F2A6E65}"/>
                   </a:ext>
                 </a:extLst>
               </p:cNvPr>
@@ -11761,7 +10693,7 @@
               <p:cNvPr id="42" name="TextBox 43">
                 <a:extLst>
                   <a:ext uri="{FF2B5EF4-FFF2-40B4-BE49-F238E27FC236}">
-                    <a16:creationId xmlns="" xmlns:a16="http://schemas.microsoft.com/office/drawing/2014/main" id="{8D7DBB68-594B-F5D2-B7FA-0D3120DAB80F}"/>
+                    <a16:creationId xmlns:a16="http://schemas.microsoft.com/office/drawing/2014/main" id="{8D7DBB68-594B-F5D2-B7FA-0D3120DAB80F}"/>
                   </a:ext>
                 </a:extLst>
               </p:cNvPr>
@@ -11799,7 +10731,7 @@
             <p:cNvPr id="30" name="Group 44">
               <a:extLst>
                 <a:ext uri="{FF2B5EF4-FFF2-40B4-BE49-F238E27FC236}">
-                  <a16:creationId xmlns="" xmlns:a16="http://schemas.microsoft.com/office/drawing/2014/main" id="{9F8DD0D9-1518-0966-A925-A6AA7188C5BD}"/>
+                  <a16:creationId xmlns:a16="http://schemas.microsoft.com/office/drawing/2014/main" id="{9F8DD0D9-1518-0966-A925-A6AA7188C5BD}"/>
                 </a:ext>
               </a:extLst>
             </p:cNvPr>
@@ -11819,7 +10751,7 @@
               <p:cNvPr id="39" name="Freeform 45">
                 <a:extLst>
                   <a:ext uri="{FF2B5EF4-FFF2-40B4-BE49-F238E27FC236}">
-                    <a16:creationId xmlns="" xmlns:a16="http://schemas.microsoft.com/office/drawing/2014/main" id="{EF9CC67E-2026-046F-2465-618DF1F705B9}"/>
+                    <a16:creationId xmlns:a16="http://schemas.microsoft.com/office/drawing/2014/main" id="{EF9CC67E-2026-046F-2465-618DF1F705B9}"/>
                   </a:ext>
                 </a:extLst>
               </p:cNvPr>
@@ -11865,7 +10797,7 @@
               <p:cNvPr id="40" name="TextBox 46">
                 <a:extLst>
                   <a:ext uri="{FF2B5EF4-FFF2-40B4-BE49-F238E27FC236}">
-                    <a16:creationId xmlns="" xmlns:a16="http://schemas.microsoft.com/office/drawing/2014/main" id="{CC925E18-10C9-A5A8-A858-423648EDD81B}"/>
+                    <a16:creationId xmlns:a16="http://schemas.microsoft.com/office/drawing/2014/main" id="{CC925E18-10C9-A5A8-A858-423648EDD81B}"/>
                   </a:ext>
                 </a:extLst>
               </p:cNvPr>
@@ -11903,7 +10835,7 @@
             <p:cNvPr id="31" name="Group 47">
               <a:extLst>
                 <a:ext uri="{FF2B5EF4-FFF2-40B4-BE49-F238E27FC236}">
-                  <a16:creationId xmlns="" xmlns:a16="http://schemas.microsoft.com/office/drawing/2014/main" id="{6745063D-6EA9-5A29-B4CF-AB1D4C6E356D}"/>
+                  <a16:creationId xmlns:a16="http://schemas.microsoft.com/office/drawing/2014/main" id="{6745063D-6EA9-5A29-B4CF-AB1D4C6E356D}"/>
                 </a:ext>
               </a:extLst>
             </p:cNvPr>
@@ -11923,7 +10855,7 @@
               <p:cNvPr id="37" name="Freeform 48">
                 <a:extLst>
                   <a:ext uri="{FF2B5EF4-FFF2-40B4-BE49-F238E27FC236}">
-                    <a16:creationId xmlns="" xmlns:a16="http://schemas.microsoft.com/office/drawing/2014/main" id="{71B77278-6E78-EA59-45AC-65F73A374224}"/>
+                    <a16:creationId xmlns:a16="http://schemas.microsoft.com/office/drawing/2014/main" id="{71B77278-6E78-EA59-45AC-65F73A374224}"/>
                   </a:ext>
                 </a:extLst>
               </p:cNvPr>
@@ -11980,7 +10912,7 @@
               <p:cNvPr id="38" name="TextBox 49">
                 <a:extLst>
                   <a:ext uri="{FF2B5EF4-FFF2-40B4-BE49-F238E27FC236}">
-                    <a16:creationId xmlns="" xmlns:a16="http://schemas.microsoft.com/office/drawing/2014/main" id="{29DF2333-9DB1-9180-4E42-D35FF732F474}"/>
+                    <a16:creationId xmlns:a16="http://schemas.microsoft.com/office/drawing/2014/main" id="{29DF2333-9DB1-9180-4E42-D35FF732F474}"/>
                   </a:ext>
                 </a:extLst>
               </p:cNvPr>
@@ -12018,7 +10950,7 @@
             <p:cNvPr id="32" name="Group 50">
               <a:extLst>
                 <a:ext uri="{FF2B5EF4-FFF2-40B4-BE49-F238E27FC236}">
-                  <a16:creationId xmlns="" xmlns:a16="http://schemas.microsoft.com/office/drawing/2014/main" id="{401F4EB3-7E82-D282-2397-74F2596E43DC}"/>
+                  <a16:creationId xmlns:a16="http://schemas.microsoft.com/office/drawing/2014/main" id="{401F4EB3-7E82-D282-2397-74F2596E43DC}"/>
                 </a:ext>
               </a:extLst>
             </p:cNvPr>
@@ -12038,7 +10970,7 @@
               <p:cNvPr id="35" name="Freeform 51">
                 <a:extLst>
                   <a:ext uri="{FF2B5EF4-FFF2-40B4-BE49-F238E27FC236}">
-                    <a16:creationId xmlns="" xmlns:a16="http://schemas.microsoft.com/office/drawing/2014/main" id="{AE19A60F-F7CF-668A-1892-66D6507AE0EB}"/>
+                    <a16:creationId xmlns:a16="http://schemas.microsoft.com/office/drawing/2014/main" id="{AE19A60F-F7CF-668A-1892-66D6507AE0EB}"/>
                   </a:ext>
                 </a:extLst>
               </p:cNvPr>
@@ -12095,7 +11027,7 @@
               <p:cNvPr id="36" name="TextBox 52">
                 <a:extLst>
                   <a:ext uri="{FF2B5EF4-FFF2-40B4-BE49-F238E27FC236}">
-                    <a16:creationId xmlns="" xmlns:a16="http://schemas.microsoft.com/office/drawing/2014/main" id="{2BDDECC9-17F8-15A3-17B8-DBB8AE5FD9AF}"/>
+                    <a16:creationId xmlns:a16="http://schemas.microsoft.com/office/drawing/2014/main" id="{2BDDECC9-17F8-15A3-17B8-DBB8AE5FD9AF}"/>
                   </a:ext>
                 </a:extLst>
               </p:cNvPr>
@@ -12133,7 +11065,7 @@
             <p:cNvPr id="33" name="TextBox 53">
               <a:extLst>
                 <a:ext uri="{FF2B5EF4-FFF2-40B4-BE49-F238E27FC236}">
-                  <a16:creationId xmlns="" xmlns:a16="http://schemas.microsoft.com/office/drawing/2014/main" id="{2C2792B5-BDC3-A31B-DD00-EF83B137EF0E}"/>
+                  <a16:creationId xmlns:a16="http://schemas.microsoft.com/office/drawing/2014/main" id="{2C2792B5-BDC3-A31B-DD00-EF83B137EF0E}"/>
                 </a:ext>
               </a:extLst>
             </p:cNvPr>
@@ -12177,7 +11109,7 @@
             <p:cNvPr id="34" name="TextBox 54">
               <a:extLst>
                 <a:ext uri="{FF2B5EF4-FFF2-40B4-BE49-F238E27FC236}">
-                  <a16:creationId xmlns="" xmlns:a16="http://schemas.microsoft.com/office/drawing/2014/main" id="{1B6C4880-A844-E813-ABC4-C0DDD91DD990}"/>
+                  <a16:creationId xmlns:a16="http://schemas.microsoft.com/office/drawing/2014/main" id="{1B6C4880-A844-E813-ABC4-C0DDD91DD990}"/>
                 </a:ext>
               </a:extLst>
             </p:cNvPr>
@@ -12226,7 +11158,7 @@
           <p:nvPr>
             <p:extLst>
               <p:ext uri="{D42A27DB-BD31-4B8C-83A1-F6EECF244321}">
-                <p14:modId xmlns:p14="http://schemas.microsoft.com/office/powerpoint/2010/main" val="2579669163"/>
+                <p14:modId xmlns:p14="http://schemas.microsoft.com/office/powerpoint/2010/main" val="133941429"/>
               </p:ext>
             </p:extLst>
           </p:nvPr>
@@ -12242,12 +11174,48 @@
                 <a:tableStyleId>{5C22544A-7EE6-4342-B048-85BDC9FD1C3A}</a:tableStyleId>
               </a:tblPr>
               <a:tblGrid>
-                <a:gridCol w="1801568"/>
-                <a:gridCol w="1880558"/>
-                <a:gridCol w="1923691"/>
-                <a:gridCol w="1820173"/>
-                <a:gridCol w="1837427"/>
-                <a:gridCol w="2355339"/>
+                <a:gridCol w="1801568">
+                  <a:extLst>
+                    <a:ext uri="{9D8B030D-6E8A-4147-A177-3AD203B41FA5}">
+                      <a16:colId xmlns:a16="http://schemas.microsoft.com/office/drawing/2014/main" val="20000"/>
+                    </a:ext>
+                  </a:extLst>
+                </a:gridCol>
+                <a:gridCol w="1880558">
+                  <a:extLst>
+                    <a:ext uri="{9D8B030D-6E8A-4147-A177-3AD203B41FA5}">
+                      <a16:colId xmlns:a16="http://schemas.microsoft.com/office/drawing/2014/main" val="20001"/>
+                    </a:ext>
+                  </a:extLst>
+                </a:gridCol>
+                <a:gridCol w="1923691">
+                  <a:extLst>
+                    <a:ext uri="{9D8B030D-6E8A-4147-A177-3AD203B41FA5}">
+                      <a16:colId xmlns:a16="http://schemas.microsoft.com/office/drawing/2014/main" val="20002"/>
+                    </a:ext>
+                  </a:extLst>
+                </a:gridCol>
+                <a:gridCol w="1820173">
+                  <a:extLst>
+                    <a:ext uri="{9D8B030D-6E8A-4147-A177-3AD203B41FA5}">
+                      <a16:colId xmlns:a16="http://schemas.microsoft.com/office/drawing/2014/main" val="20003"/>
+                    </a:ext>
+                  </a:extLst>
+                </a:gridCol>
+                <a:gridCol w="1837427">
+                  <a:extLst>
+                    <a:ext uri="{9D8B030D-6E8A-4147-A177-3AD203B41FA5}">
+                      <a16:colId xmlns:a16="http://schemas.microsoft.com/office/drawing/2014/main" val="20004"/>
+                    </a:ext>
+                  </a:extLst>
+                </a:gridCol>
+                <a:gridCol w="2355339">
+                  <a:extLst>
+                    <a:ext uri="{9D8B030D-6E8A-4147-A177-3AD203B41FA5}">
+                      <a16:colId xmlns:a16="http://schemas.microsoft.com/office/drawing/2014/main" val="20005"/>
+                    </a:ext>
+                  </a:extLst>
+                </a:gridCol>
               </a:tblGrid>
               <a:tr h="370840">
                 <a:tc>
@@ -12257,7 +11225,7 @@
                     <a:p>
                       <a:pPr algn="ctr" rtl="0"/>
                       <a:r>
-                        <a:rPr lang="en-US" sz="1800" b="1" u="none" kern="1200" dirty="0" smtClean="0">
+                        <a:rPr lang="en-US" sz="1800" b="1" u="none" kern="1200" dirty="0">
                           <a:solidFill>
                             <a:schemeClr val="tx1"/>
                           </a:solidFill>
@@ -12324,7 +11292,7 @@
                     <a:p>
                       <a:pPr algn="ctr" rtl="0"/>
                       <a:r>
-                        <a:rPr lang="en-US" sz="1800" b="1" u="none" kern="1200" dirty="0" smtClean="0">
+                        <a:rPr lang="en-US" sz="1800" b="1" u="none" kern="1200" dirty="0">
                           <a:solidFill>
                             <a:schemeClr val="tx1"/>
                           </a:solidFill>
@@ -12391,7 +11359,7 @@
                     <a:p>
                       <a:pPr algn="ctr" rtl="0"/>
                       <a:r>
-                        <a:rPr lang="en-US" sz="1800" b="1" u="none" kern="1200" dirty="0" smtClean="0">
+                        <a:rPr lang="en-US" sz="1800" b="1" u="none" kern="1200" dirty="0">
                           <a:solidFill>
                             <a:schemeClr val="tx1"/>
                           </a:solidFill>
@@ -12458,7 +11426,7 @@
                     <a:p>
                       <a:pPr algn="ctr" rtl="0"/>
                       <a:r>
-                        <a:rPr lang="en-US" sz="1800" b="1" u="none" kern="1200" dirty="0" smtClean="0">
+                        <a:rPr lang="en-US" sz="1800" b="1" u="none" kern="1200" dirty="0">
                           <a:solidFill>
                             <a:schemeClr val="tx1"/>
                           </a:solidFill>
@@ -12525,7 +11493,7 @@
                     <a:p>
                       <a:pPr algn="ctr" rtl="0"/>
                       <a:r>
-                        <a:rPr lang="en-US" sz="1800" b="1" u="none" kern="1200" dirty="0" smtClean="0">
+                        <a:rPr lang="en-US" sz="1800" b="1" u="none" kern="1200" dirty="0">
                           <a:solidFill>
                             <a:schemeClr val="tx1"/>
                           </a:solidFill>
@@ -12641,6 +11609,11 @@
                     <a:noFill/>
                   </a:tcPr>
                 </a:tc>
+                <a:extLst>
+                  <a:ext uri="{0D108BD9-81ED-4DB2-BD59-A6C34878D82A}">
+                    <a16:rowId xmlns:a16="http://schemas.microsoft.com/office/drawing/2014/main" val="10000"/>
+                  </a:ext>
+                </a:extLst>
               </a:tr>
               <a:tr h="348656">
                 <a:tc>
@@ -12665,7 +11638,7 @@
                         <a:tabLst/>
                         <a:defRPr/>
                       </a:pPr>
-                      <a:endParaRPr lang="he-IL" sz="1400" kern="1200" dirty="0" smtClean="0">
+                      <a:endParaRPr lang="he-IL" sz="1400" kern="1200" dirty="0">
                         <a:solidFill>
                           <a:schemeClr val="tx1"/>
                         </a:solidFill>
@@ -12899,7 +11872,7 @@
                     <a:p>
                       <a:pPr algn="ctr" rtl="0"/>
                       <a:r>
-                        <a:rPr lang="en-US" sz="1400" dirty="0" smtClean="0"/>
+                        <a:rPr lang="en-US" sz="1400" dirty="0"/>
                         <a:t>Done</a:t>
                       </a:r>
                       <a:endParaRPr lang="he-IL" sz="1400" dirty="0"/>
@@ -12973,7 +11946,7 @@
                         <a:defRPr/>
                       </a:pPr>
                       <a:r>
-                        <a:rPr lang="en-US" sz="1400" b="1" kern="1200" dirty="0" smtClean="0">
+                        <a:rPr lang="en-US" sz="1400" b="1" kern="1200" dirty="0">
                           <a:solidFill>
                             <a:schemeClr val="tx1"/>
                           </a:solidFill>
@@ -12983,7 +11956,7 @@
                         </a:rPr>
                         <a:t>Configuration</a:t>
                       </a:r>
-                      <a:endParaRPr lang="he-IL" sz="1400" b="1" kern="1200" dirty="0" smtClean="0">
+                      <a:endParaRPr lang="he-IL" sz="1400" b="1" kern="1200" dirty="0">
                         <a:solidFill>
                           <a:schemeClr val="tx1"/>
                         </a:solidFill>
@@ -13033,6 +12006,11 @@
                     <a:noFill/>
                   </a:tcPr>
                 </a:tc>
+                <a:extLst>
+                  <a:ext uri="{0D108BD9-81ED-4DB2-BD59-A6C34878D82A}">
+                    <a16:rowId xmlns:a16="http://schemas.microsoft.com/office/drawing/2014/main" val="10001"/>
+                  </a:ext>
+                </a:extLst>
               </a:tr>
               <a:tr h="348656">
                 <a:tc>
@@ -13057,7 +12035,7 @@
                         <a:tabLst/>
                         <a:defRPr/>
                       </a:pPr>
-                      <a:endParaRPr lang="he-IL" sz="1400" kern="1200" dirty="0" smtClean="0">
+                      <a:endParaRPr lang="he-IL" sz="1400" kern="1200" dirty="0">
                         <a:solidFill>
                           <a:schemeClr val="tx1"/>
                         </a:solidFill>
@@ -13291,7 +12269,7 @@
                     <a:p>
                       <a:pPr algn="ctr" rtl="0"/>
                       <a:r>
-                        <a:rPr lang="en-US" sz="1400" smtClean="0"/>
+                        <a:rPr lang="en-US" sz="1400"/>
                         <a:t>Done</a:t>
                       </a:r>
                       <a:endParaRPr lang="he-IL" sz="1400" dirty="0"/>
@@ -13349,7 +12327,7 @@
                     <a:p>
                       <a:pPr marL="0" algn="l" defTabSz="457200" rtl="0" eaLnBrk="1" latinLnBrk="0" hangingPunct="1"/>
                       <a:r>
-                        <a:rPr lang="en-US" sz="1400" b="1" kern="1200" dirty="0" smtClean="0">
+                        <a:rPr lang="en-US" sz="1400" b="1" kern="1200" dirty="0">
                           <a:solidFill>
                             <a:schemeClr val="tx1"/>
                           </a:solidFill>
@@ -13360,7 +12338,7 @@
                         <a:t>Interfaces</a:t>
                       </a:r>
                       <a:r>
-                        <a:rPr lang="en-US" sz="1400" b="1" kern="1200" baseline="0" dirty="0" smtClean="0">
+                        <a:rPr lang="en-US" sz="1400" b="1" kern="1200" baseline="0" dirty="0">
                           <a:solidFill>
                             <a:schemeClr val="tx1"/>
                           </a:solidFill>
@@ -13420,6 +12398,11 @@
                     <a:noFill/>
                   </a:tcPr>
                 </a:tc>
+                <a:extLst>
+                  <a:ext uri="{0D108BD9-81ED-4DB2-BD59-A6C34878D82A}">
+                    <a16:rowId xmlns:a16="http://schemas.microsoft.com/office/drawing/2014/main" val="10002"/>
+                  </a:ext>
+                </a:extLst>
               </a:tr>
               <a:tr h="370840">
                 <a:tc>
@@ -13444,7 +12427,7 @@
                         <a:tabLst/>
                         <a:defRPr/>
                       </a:pPr>
-                      <a:endParaRPr lang="he-IL" sz="1400" kern="1200" dirty="0" smtClean="0">
+                      <a:endParaRPr lang="he-IL" sz="1400" kern="1200" dirty="0">
                         <a:solidFill>
                           <a:schemeClr val="tx1"/>
                         </a:solidFill>
@@ -13521,7 +12504,7 @@
                         <a:tabLst/>
                         <a:defRPr/>
                       </a:pPr>
-                      <a:endParaRPr lang="he-IL" sz="1400" dirty="0" smtClean="0">
+                      <a:endParaRPr lang="he-IL" sz="1400" dirty="0">
                         <a:solidFill>
                           <a:schemeClr val="tx1"/>
                         </a:solidFill>
@@ -13688,7 +12671,7 @@
                     <a:p>
                       <a:pPr algn="ctr" rtl="0"/>
                       <a:r>
-                        <a:rPr lang="en-US" sz="1400" dirty="0" smtClean="0"/>
+                        <a:rPr lang="en-US" sz="1400" dirty="0"/>
                         <a:t>Done</a:t>
                       </a:r>
                       <a:endParaRPr lang="he-IL" sz="1400" dirty="0"/>
@@ -13746,7 +12729,7 @@
                     <a:p>
                       <a:pPr marL="0" algn="l" defTabSz="457200" rtl="0" eaLnBrk="1" latinLnBrk="0" hangingPunct="1"/>
                       <a:r>
-                        <a:rPr lang="en-US" sz="1400" b="1" kern="1200" dirty="0" smtClean="0">
+                        <a:rPr lang="en-US" sz="1400" b="1" kern="1200" dirty="0">
                           <a:solidFill>
                             <a:schemeClr val="tx1"/>
                           </a:solidFill>
@@ -13757,7 +12740,7 @@
                         <a:t>Detection</a:t>
                       </a:r>
                       <a:r>
-                        <a:rPr lang="en-US" sz="1400" b="1" kern="1200" baseline="0" dirty="0" smtClean="0">
+                        <a:rPr lang="en-US" sz="1400" b="1" kern="1200" baseline="0" dirty="0">
                           <a:solidFill>
                             <a:schemeClr val="tx1"/>
                           </a:solidFill>
@@ -13768,7 +12751,7 @@
                         <a:t> </a:t>
                       </a:r>
                       <a:r>
-                        <a:rPr lang="en-US" sz="1400" b="1" kern="1200" dirty="0" smtClean="0">
+                        <a:rPr lang="en-US" sz="1400" b="1" kern="1200" dirty="0">
                           <a:solidFill>
                             <a:schemeClr val="tx1"/>
                           </a:solidFill>
@@ -13828,6 +12811,11 @@
                     <a:noFill/>
                   </a:tcPr>
                 </a:tc>
+                <a:extLst>
+                  <a:ext uri="{0D108BD9-81ED-4DB2-BD59-A6C34878D82A}">
+                    <a16:rowId xmlns:a16="http://schemas.microsoft.com/office/drawing/2014/main" val="10003"/>
+                  </a:ext>
+                </a:extLst>
               </a:tr>
               <a:tr h="370840">
                 <a:tc>
@@ -13852,7 +12840,7 @@
                         <a:tabLst/>
                         <a:defRPr/>
                       </a:pPr>
-                      <a:endParaRPr lang="he-IL" sz="1400" kern="1200" dirty="0" smtClean="0">
+                      <a:endParaRPr lang="he-IL" sz="1400" kern="1200" dirty="0">
                         <a:solidFill>
                           <a:schemeClr val="tx1"/>
                         </a:solidFill>
@@ -13929,65 +12917,11 @@
                         <a:tabLst/>
                         <a:defRPr/>
                       </a:pPr>
-                      <a:endParaRPr lang="he-IL" sz="1400" dirty="0" smtClean="0">
+                      <a:endParaRPr lang="he-IL" sz="1400" dirty="0">
                         <a:solidFill>
                           <a:schemeClr val="tx1"/>
                         </a:solidFill>
                       </a:endParaRPr>
-                    </a:p>
-                  </a:txBody>
-                  <a:tcPr>
-                    <a:lnL w="12700" cap="flat" cmpd="sng" algn="ctr">
-                      <a:noFill/>
-                      <a:prstDash val="solid"/>
-                      <a:round/>
-                      <a:headEnd type="none" w="med" len="med"/>
-                      <a:tailEnd type="none" w="med" len="med"/>
-                    </a:lnL>
-                    <a:lnR w="12700" cap="flat" cmpd="sng" algn="ctr">
-                      <a:noFill/>
-                      <a:prstDash val="solid"/>
-                      <a:round/>
-                      <a:headEnd type="none" w="med" len="med"/>
-                      <a:tailEnd type="none" w="med" len="med"/>
-                    </a:lnR>
-                    <a:lnT w="12700" cap="flat" cmpd="sng" algn="ctr">
-                      <a:noFill/>
-                      <a:prstDash val="solid"/>
-                      <a:round/>
-                      <a:headEnd type="none" w="med" len="med"/>
-                      <a:tailEnd type="none" w="med" len="med"/>
-                    </a:lnT>
-                    <a:lnB w="12700" cap="flat" cmpd="sng" algn="ctr">
-                      <a:noFill/>
-                      <a:prstDash val="solid"/>
-                      <a:round/>
-                      <a:headEnd type="none" w="med" len="med"/>
-                      <a:tailEnd type="none" w="med" len="med"/>
-                    </a:lnB>
-                    <a:lnTlToBr w="12700" cmpd="sng">
-                      <a:noFill/>
-                      <a:prstDash val="solid"/>
-                    </a:lnTlToBr>
-                    <a:lnBlToTr w="12700" cmpd="sng">
-                      <a:noFill/>
-                      <a:prstDash val="solid"/>
-                    </a:lnBlToTr>
-                    <a:solidFill>
-                      <a:schemeClr val="accent1">
-                        <a:lumMod val="40000"/>
-                        <a:lumOff val="60000"/>
-                      </a:schemeClr>
-                    </a:solidFill>
-                  </a:tcPr>
-                </a:tc>
-                <a:tc>
-                  <a:txBody>
-                    <a:bodyPr/>
-                    <a:lstStyle/>
-                    <a:p>
-                      <a:pPr algn="ctr" rtl="0"/>
-                      <a:endParaRPr lang="he-IL" sz="1400" dirty="0"/>
                     </a:p>
                   </a:txBody>
                   <a:tcPr>
@@ -14042,7 +12976,7 @@
                     <a:p>
                       <a:pPr algn="ctr" rtl="0"/>
                       <a:r>
-                        <a:rPr lang="en-US" sz="1400" dirty="0" smtClean="0"/>
+                        <a:rPr lang="en-US" sz="1400" dirty="0"/>
                         <a:t>Tom</a:t>
                       </a:r>
                       <a:endParaRPr lang="he-IL" sz="1400" dirty="0"/>
@@ -14087,6 +13021,67 @@
                     </a:lnBlToTr>
                     <a:solidFill>
                       <a:schemeClr val="accent1">
+                        <a:lumMod val="40000"/>
+                        <a:lumOff val="60000"/>
+                      </a:schemeClr>
+                    </a:solidFill>
+                  </a:tcPr>
+                </a:tc>
+                <a:tc>
+                  <a:txBody>
+                    <a:bodyPr/>
+                    <a:lstStyle/>
+                    <a:p>
+                      <a:pPr marL="0" algn="ctr" defTabSz="457200" rtl="1" eaLnBrk="1" latinLnBrk="0" hangingPunct="1"/>
+                      <a:endParaRPr lang="he-IL" sz="1400" kern="1200" dirty="0">
+                        <a:solidFill>
+                          <a:schemeClr val="dk1"/>
+                        </a:solidFill>
+                        <a:latin typeface="+mn-lt"/>
+                        <a:ea typeface="+mn-ea"/>
+                        <a:cs typeface="+mn-cs"/>
+                      </a:endParaRPr>
+                    </a:p>
+                  </a:txBody>
+                  <a:tcPr>
+                    <a:lnL w="12700" cap="flat" cmpd="sng" algn="ctr">
+                      <a:noFill/>
+                      <a:prstDash val="solid"/>
+                      <a:round/>
+                      <a:headEnd type="none" w="med" len="med"/>
+                      <a:tailEnd type="none" w="med" len="med"/>
+                    </a:lnL>
+                    <a:lnR w="12700" cap="flat" cmpd="sng" algn="ctr">
+                      <a:noFill/>
+                      <a:prstDash val="solid"/>
+                      <a:round/>
+                      <a:headEnd type="none" w="med" len="med"/>
+                      <a:tailEnd type="none" w="med" len="med"/>
+                    </a:lnR>
+                    <a:lnT w="12700" cap="flat" cmpd="sng" algn="ctr">
+                      <a:noFill/>
+                      <a:prstDash val="solid"/>
+                      <a:round/>
+                      <a:headEnd type="none" w="med" len="med"/>
+                      <a:tailEnd type="none" w="med" len="med"/>
+                    </a:lnT>
+                    <a:lnB w="12700" cap="flat" cmpd="sng" algn="ctr">
+                      <a:noFill/>
+                      <a:prstDash val="solid"/>
+                      <a:round/>
+                      <a:headEnd type="none" w="med" len="med"/>
+                      <a:tailEnd type="none" w="med" len="med"/>
+                    </a:lnB>
+                    <a:lnTlToBr w="12700" cmpd="sng">
+                      <a:noFill/>
+                      <a:prstDash val="solid"/>
+                    </a:lnTlToBr>
+                    <a:lnBlToTr w="12700" cmpd="sng">
+                      <a:noFill/>
+                      <a:prstDash val="solid"/>
+                    </a:lnBlToTr>
+                    <a:solidFill>
+                      <a:schemeClr val="accent3">
                         <a:lumMod val="40000"/>
                         <a:lumOff val="60000"/>
                       </a:schemeClr>
@@ -14154,7 +13149,7 @@
                     <a:p>
                       <a:pPr marL="0" algn="l" defTabSz="457200" rtl="0" eaLnBrk="1" latinLnBrk="0" hangingPunct="1"/>
                       <a:r>
-                        <a:rPr lang="en-US" sz="1400" b="1" kern="1200" dirty="0" smtClean="0">
+                        <a:rPr lang="en-US" sz="1400" b="1" kern="1200" dirty="0">
                           <a:solidFill>
                             <a:schemeClr val="tx1"/>
                           </a:solidFill>
@@ -14214,6 +13209,11 @@
                     <a:noFill/>
                   </a:tcPr>
                 </a:tc>
+                <a:extLst>
+                  <a:ext uri="{0D108BD9-81ED-4DB2-BD59-A6C34878D82A}">
+                    <a16:rowId xmlns:a16="http://schemas.microsoft.com/office/drawing/2014/main" val="10004"/>
+                  </a:ext>
+                </a:extLst>
               </a:tr>
               <a:tr h="370840">
                 <a:tc>
@@ -14238,7 +13238,7 @@
                         <a:tabLst/>
                         <a:defRPr/>
                       </a:pPr>
-                      <a:endParaRPr lang="he-IL" sz="1400" kern="1200" dirty="0" smtClean="0">
+                      <a:endParaRPr lang="he-IL" sz="1400" kern="1200" dirty="0">
                         <a:solidFill>
                           <a:schemeClr val="tx1"/>
                         </a:solidFill>
@@ -14363,6 +13363,10 @@
                     <a:lstStyle/>
                     <a:p>
                       <a:pPr algn="ctr" rtl="0"/>
+                      <a:r>
+                        <a:rPr lang="en-US" sz="1400" dirty="0"/>
+                        <a:t>Tom</a:t>
+                      </a:r>
                       <a:endParaRPr lang="he-IL" sz="1400" dirty="0"/>
                     </a:p>
                   </a:txBody>
@@ -14416,12 +13420,15 @@
                     <a:bodyPr/>
                     <a:lstStyle/>
                     <a:p>
-                      <a:pPr algn="ctr" rtl="0"/>
-                      <a:r>
-                        <a:rPr lang="en-US" sz="1400" dirty="0" smtClean="0"/>
-                        <a:t>Tom</a:t>
-                      </a:r>
-                      <a:endParaRPr lang="he-IL" sz="1400" dirty="0"/>
+                      <a:pPr marL="0" algn="r" defTabSz="457200" rtl="1" eaLnBrk="1" latinLnBrk="0" hangingPunct="1"/>
+                      <a:endParaRPr lang="he-IL" sz="1800" kern="1200" dirty="0">
+                        <a:solidFill>
+                          <a:schemeClr val="dk1"/>
+                        </a:solidFill>
+                        <a:latin typeface="+mn-lt"/>
+                        <a:ea typeface="+mn-ea"/>
+                        <a:cs typeface="+mn-cs"/>
+                      </a:endParaRPr>
                     </a:p>
                   </a:txBody>
                   <a:tcPr>
@@ -14462,7 +13469,7 @@
                       <a:prstDash val="solid"/>
                     </a:lnBlToTr>
                     <a:solidFill>
-                      <a:schemeClr val="accent1">
+                      <a:schemeClr val="accent3">
                         <a:lumMod val="40000"/>
                         <a:lumOff val="60000"/>
                       </a:schemeClr>
@@ -14530,7 +13537,7 @@
                     <a:p>
                       <a:pPr marL="0" algn="l" defTabSz="457200" rtl="0" eaLnBrk="1" latinLnBrk="0" hangingPunct="1"/>
                       <a:r>
-                        <a:rPr lang="en-US" sz="1400" b="1" kern="1200" dirty="0" smtClean="0">
+                        <a:rPr lang="en-US" sz="1400" b="1" kern="1200" dirty="0">
                           <a:solidFill>
                             <a:schemeClr val="tx1"/>
                           </a:solidFill>
@@ -14541,7 +13548,7 @@
                         <a:t>GPS</a:t>
                       </a:r>
                       <a:r>
-                        <a:rPr lang="en-US" sz="1400" b="1" kern="1200" baseline="0" dirty="0" smtClean="0">
+                        <a:rPr lang="en-US" sz="1400" b="1" kern="1200" baseline="0" dirty="0">
                           <a:solidFill>
                             <a:schemeClr val="tx1"/>
                           </a:solidFill>
@@ -14601,6 +13608,11 @@
                     <a:noFill/>
                   </a:tcPr>
                 </a:tc>
+                <a:extLst>
+                  <a:ext uri="{0D108BD9-81ED-4DB2-BD59-A6C34878D82A}">
+                    <a16:rowId xmlns:a16="http://schemas.microsoft.com/office/drawing/2014/main" val="10005"/>
+                  </a:ext>
+                </a:extLst>
               </a:tr>
               <a:tr h="370840">
                 <a:tc>
@@ -14625,7 +13637,7 @@
                         <a:tabLst/>
                         <a:defRPr/>
                       </a:pPr>
-                      <a:endParaRPr lang="he-IL" sz="1400" kern="1200" dirty="0" smtClean="0">
+                      <a:endParaRPr lang="he-IL" sz="1400" kern="1200" dirty="0">
                         <a:solidFill>
                           <a:schemeClr val="tx1"/>
                         </a:solidFill>
@@ -14750,6 +13762,10 @@
                     <a:lstStyle/>
                     <a:p>
                       <a:pPr algn="ctr" rtl="0"/>
+                      <a:r>
+                        <a:rPr lang="en-US" sz="1400" dirty="0"/>
+                        <a:t>Tom</a:t>
+                      </a:r>
                       <a:endParaRPr lang="he-IL" sz="1400" dirty="0"/>
                     </a:p>
                   </a:txBody>
@@ -14803,12 +13819,15 @@
                     <a:bodyPr/>
                     <a:lstStyle/>
                     <a:p>
-                      <a:pPr algn="ctr" rtl="0"/>
-                      <a:r>
-                        <a:rPr lang="en-US" sz="1400" dirty="0" smtClean="0"/>
-                        <a:t>Tom</a:t>
-                      </a:r>
-                      <a:endParaRPr lang="he-IL" sz="1400" dirty="0"/>
+                      <a:pPr marL="0" algn="r" defTabSz="457200" rtl="1" eaLnBrk="1" latinLnBrk="0" hangingPunct="1"/>
+                      <a:endParaRPr lang="he-IL" sz="1800" kern="1200" dirty="0">
+                        <a:solidFill>
+                          <a:schemeClr val="dk1"/>
+                        </a:solidFill>
+                        <a:latin typeface="+mn-lt"/>
+                        <a:ea typeface="+mn-ea"/>
+                        <a:cs typeface="+mn-cs"/>
+                      </a:endParaRPr>
                     </a:p>
                   </a:txBody>
                   <a:tcPr>
@@ -14849,7 +13868,7 @@
                       <a:prstDash val="solid"/>
                     </a:lnBlToTr>
                     <a:solidFill>
-                      <a:schemeClr val="accent1">
+                      <a:schemeClr val="accent3">
                         <a:lumMod val="40000"/>
                         <a:lumOff val="60000"/>
                       </a:schemeClr>
@@ -14878,7 +13897,7 @@
                         <a:tabLst/>
                         <a:defRPr/>
                       </a:pPr>
-                      <a:endParaRPr lang="he-IL" sz="1400" dirty="0" smtClean="0"/>
+                      <a:endParaRPr lang="he-IL" sz="1400" dirty="0"/>
                     </a:p>
                   </a:txBody>
                   <a:tcPr>
@@ -14949,7 +13968,7 @@
                         <a:defRPr/>
                       </a:pPr>
                       <a:r>
-                        <a:rPr lang="en-US" sz="1400" b="1" kern="1200" dirty="0" smtClean="0">
+                        <a:rPr lang="en-US" sz="1400" b="1" kern="1200" dirty="0">
                           <a:solidFill>
                             <a:schemeClr val="tx1"/>
                           </a:solidFill>
@@ -14960,7 +13979,7 @@
                         <a:t>Communication</a:t>
                       </a:r>
                       <a:r>
-                        <a:rPr lang="en-US" sz="1400" b="1" kern="1200" baseline="0" dirty="0" smtClean="0">
+                        <a:rPr lang="en-US" sz="1400" b="1" kern="1200" baseline="0" dirty="0">
                           <a:solidFill>
                             <a:schemeClr val="tx1"/>
                           </a:solidFill>
@@ -14970,7 +13989,7 @@
                         </a:rPr>
                         <a:t> Module</a:t>
                       </a:r>
-                      <a:endParaRPr lang="he-IL" sz="1400" b="1" kern="1200" dirty="0" smtClean="0">
+                      <a:endParaRPr lang="he-IL" sz="1400" b="1" kern="1200" dirty="0">
                         <a:solidFill>
                           <a:schemeClr val="tx1"/>
                         </a:solidFill>
@@ -15020,6 +14039,11 @@
                     <a:noFill/>
                   </a:tcPr>
                 </a:tc>
+                <a:extLst>
+                  <a:ext uri="{0D108BD9-81ED-4DB2-BD59-A6C34878D82A}">
+                    <a16:rowId xmlns:a16="http://schemas.microsoft.com/office/drawing/2014/main" val="10006"/>
+                  </a:ext>
+                </a:extLst>
               </a:tr>
               <a:tr h="370840">
                 <a:tc>
@@ -15044,7 +14068,7 @@
                         <a:tabLst/>
                         <a:defRPr/>
                       </a:pPr>
-                      <a:endParaRPr lang="he-IL" sz="1400" kern="1200" dirty="0" smtClean="0">
+                      <a:endParaRPr lang="he-IL" sz="1400" kern="1200" dirty="0">
                         <a:solidFill>
                           <a:schemeClr val="tx1"/>
                         </a:solidFill>
@@ -15121,7 +14145,7 @@
                         <a:tabLst/>
                         <a:defRPr/>
                       </a:pPr>
-                      <a:endParaRPr lang="he-IL" sz="1400" dirty="0" smtClean="0"/>
+                      <a:endParaRPr lang="he-IL" sz="1400" dirty="0"/>
                     </a:p>
                   </a:txBody>
                   <a:tcPr>
@@ -15192,10 +14216,10 @@
                         <a:defRPr/>
                       </a:pPr>
                       <a:r>
-                        <a:rPr lang="en-US" sz="1400" dirty="0" smtClean="0"/>
-                        <a:t>Team (TBA)</a:t>
+                        <a:rPr lang="en-US" sz="1400" dirty="0"/>
+                        <a:t>Team</a:t>
                       </a:r>
-                      <a:endParaRPr lang="he-IL" sz="1400" dirty="0" smtClean="0"/>
+                      <a:endParaRPr lang="he-IL" sz="1400" dirty="0"/>
                     </a:p>
                   </a:txBody>
                   <a:tcPr>
@@ -15373,7 +14397,7 @@
                         <a:defRPr/>
                       </a:pPr>
                       <a:r>
-                        <a:rPr lang="en-US" sz="1400" b="1" kern="1200" dirty="0" smtClean="0">
+                        <a:rPr lang="en-US" sz="1400" b="1" kern="1200" dirty="0">
                           <a:solidFill>
                             <a:schemeClr val="tx1"/>
                           </a:solidFill>
@@ -15383,7 +14407,7 @@
                         </a:rPr>
                         <a:t>Deployment</a:t>
                       </a:r>
-                      <a:endParaRPr lang="he-IL" sz="1400" b="1" kern="1200" dirty="0" smtClean="0">
+                      <a:endParaRPr lang="he-IL" sz="1400" b="1" kern="1200" dirty="0">
                         <a:solidFill>
                           <a:schemeClr val="tx1"/>
                         </a:solidFill>
@@ -15433,6 +14457,11 @@
                     <a:noFill/>
                   </a:tcPr>
                 </a:tc>
+                <a:extLst>
+                  <a:ext uri="{0D108BD9-81ED-4DB2-BD59-A6C34878D82A}">
+                    <a16:rowId xmlns:a16="http://schemas.microsoft.com/office/drawing/2014/main" val="10007"/>
+                  </a:ext>
+                </a:extLst>
               </a:tr>
             </a:tbl>
           </a:graphicData>
@@ -15448,13 +14477,6 @@
   <p:clrMapOvr>
     <a:masterClrMapping/>
   </p:clrMapOvr>
-  <p:timing>
-    <p:tnLst>
-      <p:par>
-        <p:cTn id="1" dur="indefinite" restart="never" nodeType="tmRoot"/>
-      </p:par>
-    </p:tnLst>
-  </p:timing>
 </p:sld>
 </file>
 
@@ -15589,7 +14611,7 @@
               </a:lnSpc>
             </a:pPr>
             <a:r>
-              <a:rPr lang="en-US" sz="5662" dirty="0" smtClean="0">
+              <a:rPr lang="en-US" sz="5662" dirty="0">
                 <a:solidFill>
                   <a:srgbClr val="008037"/>
                 </a:solidFill>
@@ -15597,12 +14619,6 @@
               </a:rPr>
               <a:t>Server</a:t>
             </a:r>
-            <a:endParaRPr lang="en-US" sz="5662" dirty="0">
-              <a:solidFill>
-                <a:srgbClr val="008037"/>
-              </a:solidFill>
-              <a:latin typeface="Norwester"/>
-            </a:endParaRPr>
           </a:p>
         </p:txBody>
       </p:sp>
@@ -15611,7 +14627,7 @@
           <p:cNvPr id="27" name="Group 37">
             <a:extLst>
               <a:ext uri="{FF2B5EF4-FFF2-40B4-BE49-F238E27FC236}">
-                <a16:creationId xmlns="" xmlns:a16="http://schemas.microsoft.com/office/drawing/2014/main" id="{3A1B1429-54EA-DE01-4A5C-E94E4F5C5B72}"/>
+                <a16:creationId xmlns:a16="http://schemas.microsoft.com/office/drawing/2014/main" id="{3A1B1429-54EA-DE01-4A5C-E94E4F5C5B72}"/>
               </a:ext>
             </a:extLst>
           </p:cNvPr>
@@ -15631,7 +14647,7 @@
             <p:cNvPr id="28" name="Group 38">
               <a:extLst>
                 <a:ext uri="{FF2B5EF4-FFF2-40B4-BE49-F238E27FC236}">
-                  <a16:creationId xmlns="" xmlns:a16="http://schemas.microsoft.com/office/drawing/2014/main" id="{BC57A493-060F-544E-8BD0-E8584440AF6E}"/>
+                  <a16:creationId xmlns:a16="http://schemas.microsoft.com/office/drawing/2014/main" id="{BC57A493-060F-544E-8BD0-E8584440AF6E}"/>
                 </a:ext>
               </a:extLst>
             </p:cNvPr>
@@ -15651,7 +14667,7 @@
               <p:cNvPr id="43" name="Freeform 39">
                 <a:extLst>
                   <a:ext uri="{FF2B5EF4-FFF2-40B4-BE49-F238E27FC236}">
-                    <a16:creationId xmlns="" xmlns:a16="http://schemas.microsoft.com/office/drawing/2014/main" id="{D441E0B9-ECBB-0AD9-34C9-2789BBB1FC81}"/>
+                    <a16:creationId xmlns:a16="http://schemas.microsoft.com/office/drawing/2014/main" id="{D441E0B9-ECBB-0AD9-34C9-2789BBB1FC81}"/>
                   </a:ext>
                 </a:extLst>
               </p:cNvPr>
@@ -15708,7 +14724,7 @@
               <p:cNvPr id="44" name="TextBox 40">
                 <a:extLst>
                   <a:ext uri="{FF2B5EF4-FFF2-40B4-BE49-F238E27FC236}">
-                    <a16:creationId xmlns="" xmlns:a16="http://schemas.microsoft.com/office/drawing/2014/main" id="{086322A3-E42B-AF7F-6B1A-4E3DBA7BDA90}"/>
+                    <a16:creationId xmlns:a16="http://schemas.microsoft.com/office/drawing/2014/main" id="{086322A3-E42B-AF7F-6B1A-4E3DBA7BDA90}"/>
                   </a:ext>
                 </a:extLst>
               </p:cNvPr>
@@ -15746,7 +14762,7 @@
             <p:cNvPr id="29" name="Group 41">
               <a:extLst>
                 <a:ext uri="{FF2B5EF4-FFF2-40B4-BE49-F238E27FC236}">
-                  <a16:creationId xmlns="" xmlns:a16="http://schemas.microsoft.com/office/drawing/2014/main" id="{BDBE4C74-8E19-8B20-6D74-2AE3898BB4E5}"/>
+                  <a16:creationId xmlns:a16="http://schemas.microsoft.com/office/drawing/2014/main" id="{BDBE4C74-8E19-8B20-6D74-2AE3898BB4E5}"/>
                 </a:ext>
               </a:extLst>
             </p:cNvPr>
@@ -15766,7 +14782,7 @@
               <p:cNvPr id="41" name="Freeform 42">
                 <a:extLst>
                   <a:ext uri="{FF2B5EF4-FFF2-40B4-BE49-F238E27FC236}">
-                    <a16:creationId xmlns="" xmlns:a16="http://schemas.microsoft.com/office/drawing/2014/main" id="{632889DE-6FDD-35E4-AD8C-D88A0F2A6E65}"/>
+                    <a16:creationId xmlns:a16="http://schemas.microsoft.com/office/drawing/2014/main" id="{632889DE-6FDD-35E4-AD8C-D88A0F2A6E65}"/>
                   </a:ext>
                 </a:extLst>
               </p:cNvPr>
@@ -15823,7 +14839,7 @@
               <p:cNvPr id="42" name="TextBox 43">
                 <a:extLst>
                   <a:ext uri="{FF2B5EF4-FFF2-40B4-BE49-F238E27FC236}">
-                    <a16:creationId xmlns="" xmlns:a16="http://schemas.microsoft.com/office/drawing/2014/main" id="{8D7DBB68-594B-F5D2-B7FA-0D3120DAB80F}"/>
+                    <a16:creationId xmlns:a16="http://schemas.microsoft.com/office/drawing/2014/main" id="{8D7DBB68-594B-F5D2-B7FA-0D3120DAB80F}"/>
                   </a:ext>
                 </a:extLst>
               </p:cNvPr>
@@ -15861,7 +14877,7 @@
             <p:cNvPr id="30" name="Group 44">
               <a:extLst>
                 <a:ext uri="{FF2B5EF4-FFF2-40B4-BE49-F238E27FC236}">
-                  <a16:creationId xmlns="" xmlns:a16="http://schemas.microsoft.com/office/drawing/2014/main" id="{9F8DD0D9-1518-0966-A925-A6AA7188C5BD}"/>
+                  <a16:creationId xmlns:a16="http://schemas.microsoft.com/office/drawing/2014/main" id="{9F8DD0D9-1518-0966-A925-A6AA7188C5BD}"/>
                 </a:ext>
               </a:extLst>
             </p:cNvPr>
@@ -15881,7 +14897,7 @@
               <p:cNvPr id="39" name="Freeform 45">
                 <a:extLst>
                   <a:ext uri="{FF2B5EF4-FFF2-40B4-BE49-F238E27FC236}">
-                    <a16:creationId xmlns="" xmlns:a16="http://schemas.microsoft.com/office/drawing/2014/main" id="{EF9CC67E-2026-046F-2465-618DF1F705B9}"/>
+                    <a16:creationId xmlns:a16="http://schemas.microsoft.com/office/drawing/2014/main" id="{EF9CC67E-2026-046F-2465-618DF1F705B9}"/>
                   </a:ext>
                 </a:extLst>
               </p:cNvPr>
@@ -15927,7 +14943,7 @@
               <p:cNvPr id="40" name="TextBox 46">
                 <a:extLst>
                   <a:ext uri="{FF2B5EF4-FFF2-40B4-BE49-F238E27FC236}">
-                    <a16:creationId xmlns="" xmlns:a16="http://schemas.microsoft.com/office/drawing/2014/main" id="{CC925E18-10C9-A5A8-A858-423648EDD81B}"/>
+                    <a16:creationId xmlns:a16="http://schemas.microsoft.com/office/drawing/2014/main" id="{CC925E18-10C9-A5A8-A858-423648EDD81B}"/>
                   </a:ext>
                 </a:extLst>
               </p:cNvPr>
@@ -15965,7 +14981,7 @@
             <p:cNvPr id="31" name="Group 47">
               <a:extLst>
                 <a:ext uri="{FF2B5EF4-FFF2-40B4-BE49-F238E27FC236}">
-                  <a16:creationId xmlns="" xmlns:a16="http://schemas.microsoft.com/office/drawing/2014/main" id="{6745063D-6EA9-5A29-B4CF-AB1D4C6E356D}"/>
+                  <a16:creationId xmlns:a16="http://schemas.microsoft.com/office/drawing/2014/main" id="{6745063D-6EA9-5A29-B4CF-AB1D4C6E356D}"/>
                 </a:ext>
               </a:extLst>
             </p:cNvPr>
@@ -15985,7 +15001,7 @@
               <p:cNvPr id="37" name="Freeform 48">
                 <a:extLst>
                   <a:ext uri="{FF2B5EF4-FFF2-40B4-BE49-F238E27FC236}">
-                    <a16:creationId xmlns="" xmlns:a16="http://schemas.microsoft.com/office/drawing/2014/main" id="{71B77278-6E78-EA59-45AC-65F73A374224}"/>
+                    <a16:creationId xmlns:a16="http://schemas.microsoft.com/office/drawing/2014/main" id="{71B77278-6E78-EA59-45AC-65F73A374224}"/>
                   </a:ext>
                 </a:extLst>
               </p:cNvPr>
@@ -16042,7 +15058,7 @@
               <p:cNvPr id="38" name="TextBox 49">
                 <a:extLst>
                   <a:ext uri="{FF2B5EF4-FFF2-40B4-BE49-F238E27FC236}">
-                    <a16:creationId xmlns="" xmlns:a16="http://schemas.microsoft.com/office/drawing/2014/main" id="{29DF2333-9DB1-9180-4E42-D35FF732F474}"/>
+                    <a16:creationId xmlns:a16="http://schemas.microsoft.com/office/drawing/2014/main" id="{29DF2333-9DB1-9180-4E42-D35FF732F474}"/>
                   </a:ext>
                 </a:extLst>
               </p:cNvPr>
@@ -16080,7 +15096,7 @@
             <p:cNvPr id="32" name="Group 50">
               <a:extLst>
                 <a:ext uri="{FF2B5EF4-FFF2-40B4-BE49-F238E27FC236}">
-                  <a16:creationId xmlns="" xmlns:a16="http://schemas.microsoft.com/office/drawing/2014/main" id="{401F4EB3-7E82-D282-2397-74F2596E43DC}"/>
+                  <a16:creationId xmlns:a16="http://schemas.microsoft.com/office/drawing/2014/main" id="{401F4EB3-7E82-D282-2397-74F2596E43DC}"/>
                 </a:ext>
               </a:extLst>
             </p:cNvPr>
@@ -16100,7 +15116,7 @@
               <p:cNvPr id="35" name="Freeform 51">
                 <a:extLst>
                   <a:ext uri="{FF2B5EF4-FFF2-40B4-BE49-F238E27FC236}">
-                    <a16:creationId xmlns="" xmlns:a16="http://schemas.microsoft.com/office/drawing/2014/main" id="{AE19A60F-F7CF-668A-1892-66D6507AE0EB}"/>
+                    <a16:creationId xmlns:a16="http://schemas.microsoft.com/office/drawing/2014/main" id="{AE19A60F-F7CF-668A-1892-66D6507AE0EB}"/>
                   </a:ext>
                 </a:extLst>
               </p:cNvPr>
@@ -16157,7 +15173,7 @@
               <p:cNvPr id="36" name="TextBox 52">
                 <a:extLst>
                   <a:ext uri="{FF2B5EF4-FFF2-40B4-BE49-F238E27FC236}">
-                    <a16:creationId xmlns="" xmlns:a16="http://schemas.microsoft.com/office/drawing/2014/main" id="{2BDDECC9-17F8-15A3-17B8-DBB8AE5FD9AF}"/>
+                    <a16:creationId xmlns:a16="http://schemas.microsoft.com/office/drawing/2014/main" id="{2BDDECC9-17F8-15A3-17B8-DBB8AE5FD9AF}"/>
                   </a:ext>
                 </a:extLst>
               </p:cNvPr>
@@ -16195,7 +15211,7 @@
             <p:cNvPr id="33" name="TextBox 53">
               <a:extLst>
                 <a:ext uri="{FF2B5EF4-FFF2-40B4-BE49-F238E27FC236}">
-                  <a16:creationId xmlns="" xmlns:a16="http://schemas.microsoft.com/office/drawing/2014/main" id="{2C2792B5-BDC3-A31B-DD00-EF83B137EF0E}"/>
+                  <a16:creationId xmlns:a16="http://schemas.microsoft.com/office/drawing/2014/main" id="{2C2792B5-BDC3-A31B-DD00-EF83B137EF0E}"/>
                 </a:ext>
               </a:extLst>
             </p:cNvPr>
@@ -16239,7 +15255,7 @@
             <p:cNvPr id="34" name="TextBox 54">
               <a:extLst>
                 <a:ext uri="{FF2B5EF4-FFF2-40B4-BE49-F238E27FC236}">
-                  <a16:creationId xmlns="" xmlns:a16="http://schemas.microsoft.com/office/drawing/2014/main" id="{1B6C4880-A844-E813-ABC4-C0DDD91DD990}"/>
+                  <a16:creationId xmlns:a16="http://schemas.microsoft.com/office/drawing/2014/main" id="{1B6C4880-A844-E813-ABC4-C0DDD91DD990}"/>
                 </a:ext>
               </a:extLst>
             </p:cNvPr>
@@ -16288,14 +15304,14 @@
           <p:nvPr>
             <p:extLst>
               <p:ext uri="{D42A27DB-BD31-4B8C-83A1-F6EECF244321}">
-                <p14:modId xmlns:p14="http://schemas.microsoft.com/office/powerpoint/2010/main" val="3951193270"/>
+                <p14:modId xmlns:p14="http://schemas.microsoft.com/office/powerpoint/2010/main" val="1690527499"/>
               </p:ext>
             </p:extLst>
           </p:nvPr>
         </p:nvGraphicFramePr>
         <p:xfrm>
           <a:off x="274454" y="1610869"/>
-          <a:ext cx="11618756" cy="2922352"/>
+          <a:ext cx="11618756" cy="2551512"/>
         </p:xfrm>
         <a:graphic>
           <a:graphicData uri="http://schemas.openxmlformats.org/drawingml/2006/table">
@@ -16304,12 +15320,48 @@
                 <a:tableStyleId>{5C22544A-7EE6-4342-B048-85BDC9FD1C3A}</a:tableStyleId>
               </a:tblPr>
               <a:tblGrid>
-                <a:gridCol w="1801568"/>
-                <a:gridCol w="1880558"/>
-                <a:gridCol w="1923691"/>
-                <a:gridCol w="1820173"/>
-                <a:gridCol w="1837427"/>
-                <a:gridCol w="2355339"/>
+                <a:gridCol w="1801568">
+                  <a:extLst>
+                    <a:ext uri="{9D8B030D-6E8A-4147-A177-3AD203B41FA5}">
+                      <a16:colId xmlns:a16="http://schemas.microsoft.com/office/drawing/2014/main" val="20000"/>
+                    </a:ext>
+                  </a:extLst>
+                </a:gridCol>
+                <a:gridCol w="1880558">
+                  <a:extLst>
+                    <a:ext uri="{9D8B030D-6E8A-4147-A177-3AD203B41FA5}">
+                      <a16:colId xmlns:a16="http://schemas.microsoft.com/office/drawing/2014/main" val="20001"/>
+                    </a:ext>
+                  </a:extLst>
+                </a:gridCol>
+                <a:gridCol w="1923691">
+                  <a:extLst>
+                    <a:ext uri="{9D8B030D-6E8A-4147-A177-3AD203B41FA5}">
+                      <a16:colId xmlns:a16="http://schemas.microsoft.com/office/drawing/2014/main" val="20002"/>
+                    </a:ext>
+                  </a:extLst>
+                </a:gridCol>
+                <a:gridCol w="1820173">
+                  <a:extLst>
+                    <a:ext uri="{9D8B030D-6E8A-4147-A177-3AD203B41FA5}">
+                      <a16:colId xmlns:a16="http://schemas.microsoft.com/office/drawing/2014/main" val="20003"/>
+                    </a:ext>
+                  </a:extLst>
+                </a:gridCol>
+                <a:gridCol w="1837427">
+                  <a:extLst>
+                    <a:ext uri="{9D8B030D-6E8A-4147-A177-3AD203B41FA5}">
+                      <a16:colId xmlns:a16="http://schemas.microsoft.com/office/drawing/2014/main" val="20004"/>
+                    </a:ext>
+                  </a:extLst>
+                </a:gridCol>
+                <a:gridCol w="2355339">
+                  <a:extLst>
+                    <a:ext uri="{9D8B030D-6E8A-4147-A177-3AD203B41FA5}">
+                      <a16:colId xmlns:a16="http://schemas.microsoft.com/office/drawing/2014/main" val="20005"/>
+                    </a:ext>
+                  </a:extLst>
+                </a:gridCol>
               </a:tblGrid>
               <a:tr h="370840">
                 <a:tc>
@@ -16319,7 +15371,7 @@
                     <a:p>
                       <a:pPr algn="ctr" rtl="0"/>
                       <a:r>
-                        <a:rPr lang="en-US" sz="1800" b="1" u="none" kern="1200" dirty="0" smtClean="0">
+                        <a:rPr lang="en-US" sz="1800" b="1" u="none" kern="1200" dirty="0">
                           <a:solidFill>
                             <a:schemeClr val="tx1"/>
                           </a:solidFill>
@@ -16386,7 +15438,7 @@
                     <a:p>
                       <a:pPr algn="ctr" rtl="0"/>
                       <a:r>
-                        <a:rPr lang="en-US" sz="1800" b="1" u="none" kern="1200" dirty="0" smtClean="0">
+                        <a:rPr lang="en-US" sz="1800" b="1" u="none" kern="1200" dirty="0">
                           <a:solidFill>
                             <a:schemeClr val="tx1"/>
                           </a:solidFill>
@@ -16453,7 +15505,7 @@
                     <a:p>
                       <a:pPr algn="ctr" rtl="0"/>
                       <a:r>
-                        <a:rPr lang="en-US" sz="1800" b="1" u="none" kern="1200" dirty="0" smtClean="0">
+                        <a:rPr lang="en-US" sz="1800" b="1" u="none" kern="1200" dirty="0">
                           <a:solidFill>
                             <a:schemeClr val="tx1"/>
                           </a:solidFill>
@@ -16520,7 +15572,7 @@
                     <a:p>
                       <a:pPr algn="ctr" rtl="0"/>
                       <a:r>
-                        <a:rPr lang="en-US" sz="1800" b="1" u="none" kern="1200" dirty="0" smtClean="0">
+                        <a:rPr lang="en-US" sz="1800" b="1" u="none" kern="1200" dirty="0">
                           <a:solidFill>
                             <a:schemeClr val="tx1"/>
                           </a:solidFill>
@@ -16587,7 +15639,7 @@
                     <a:p>
                       <a:pPr algn="ctr" rtl="0"/>
                       <a:r>
-                        <a:rPr lang="en-US" sz="1800" b="1" u="none" kern="1200" dirty="0" smtClean="0">
+                        <a:rPr lang="en-US" sz="1800" b="1" u="none" kern="1200" dirty="0">
                           <a:solidFill>
                             <a:schemeClr val="tx1"/>
                           </a:solidFill>
@@ -16703,6 +15755,11 @@
                     <a:noFill/>
                   </a:tcPr>
                 </a:tc>
+                <a:extLst>
+                  <a:ext uri="{0D108BD9-81ED-4DB2-BD59-A6C34878D82A}">
+                    <a16:rowId xmlns:a16="http://schemas.microsoft.com/office/drawing/2014/main" val="10000"/>
+                  </a:ext>
+                </a:extLst>
               </a:tr>
               <a:tr h="348656">
                 <a:tc>
@@ -16727,7 +15784,7 @@
                         <a:tabLst/>
                         <a:defRPr/>
                       </a:pPr>
-                      <a:endParaRPr lang="he-IL" sz="1400" kern="1200" dirty="0" smtClean="0">
+                      <a:endParaRPr lang="he-IL" sz="1400" kern="1200" dirty="0">
                         <a:solidFill>
                           <a:schemeClr val="tx1"/>
                         </a:solidFill>
@@ -16961,7 +16018,7 @@
                     <a:p>
                       <a:pPr algn="ctr" rtl="0"/>
                       <a:r>
-                        <a:rPr lang="en-US" sz="1400" dirty="0" smtClean="0"/>
+                        <a:rPr lang="en-US" sz="1400" dirty="0"/>
                         <a:t>Done</a:t>
                       </a:r>
                       <a:endParaRPr lang="he-IL" sz="1400" dirty="0"/>
@@ -17035,7 +16092,7 @@
                         <a:defRPr/>
                       </a:pPr>
                       <a:r>
-                        <a:rPr lang="en-US" sz="1400" b="1" kern="1200" dirty="0" smtClean="0">
+                        <a:rPr lang="en-US" sz="1400" b="1" kern="1200" dirty="0">
                           <a:solidFill>
                             <a:schemeClr val="tx1"/>
                           </a:solidFill>
@@ -17045,7 +16102,7 @@
                         </a:rPr>
                         <a:t>Configuration</a:t>
                       </a:r>
-                      <a:endParaRPr lang="he-IL" sz="1400" b="1" kern="1200" dirty="0" smtClean="0">
+                      <a:endParaRPr lang="he-IL" sz="1400" b="1" kern="1200" dirty="0">
                         <a:solidFill>
                           <a:schemeClr val="tx1"/>
                         </a:solidFill>
@@ -17095,6 +16152,11 @@
                     <a:noFill/>
                   </a:tcPr>
                 </a:tc>
+                <a:extLst>
+                  <a:ext uri="{0D108BD9-81ED-4DB2-BD59-A6C34878D82A}">
+                    <a16:rowId xmlns:a16="http://schemas.microsoft.com/office/drawing/2014/main" val="10001"/>
+                  </a:ext>
+                </a:extLst>
               </a:tr>
               <a:tr h="348656">
                 <a:tc>
@@ -17119,7 +16181,7 @@
                         <a:tabLst/>
                         <a:defRPr/>
                       </a:pPr>
-                      <a:endParaRPr lang="he-IL" sz="1400" kern="1200" dirty="0" smtClean="0">
+                      <a:endParaRPr lang="he-IL" sz="1400" kern="1200" dirty="0">
                         <a:solidFill>
                           <a:schemeClr val="tx1"/>
                         </a:solidFill>
@@ -17299,8 +16361,8 @@
                     <a:p>
                       <a:pPr algn="ctr" rtl="0"/>
                       <a:r>
-                        <a:rPr lang="en-US" sz="1400" dirty="0" smtClean="0"/>
-                        <a:t>Sasha</a:t>
+                        <a:rPr lang="en-US" sz="1400" dirty="0"/>
+                        <a:t>Done</a:t>
                       </a:r>
                       <a:endParaRPr lang="he-IL" sz="1400" dirty="0"/>
                     </a:p>
@@ -17411,7 +16473,7 @@
                     <a:p>
                       <a:pPr marL="0" algn="l" defTabSz="457200" rtl="0" eaLnBrk="1" latinLnBrk="0" hangingPunct="1"/>
                       <a:r>
-                        <a:rPr lang="en-US" sz="1400" b="1" kern="1200" dirty="0" smtClean="0">
+                        <a:rPr lang="en-US" sz="1400" b="1" kern="1200" dirty="0">
                           <a:solidFill>
                             <a:schemeClr val="tx1"/>
                           </a:solidFill>
@@ -17422,7 +16484,7 @@
                         <a:t>User</a:t>
                       </a:r>
                       <a:r>
-                        <a:rPr lang="en-US" sz="1400" b="1" kern="1200" baseline="0" dirty="0" smtClean="0">
+                        <a:rPr lang="en-US" sz="1400" b="1" kern="1200" baseline="0" dirty="0">
                           <a:solidFill>
                             <a:schemeClr val="tx1"/>
                           </a:solidFill>
@@ -17433,7 +16495,7 @@
                         <a:t> </a:t>
                       </a:r>
                       <a:r>
-                        <a:rPr lang="en-US" sz="1400" b="1" kern="1200" dirty="0" smtClean="0">
+                        <a:rPr lang="en-US" sz="1400" b="1" kern="1200" dirty="0">
                           <a:solidFill>
                             <a:schemeClr val="tx1"/>
                           </a:solidFill>
@@ -17493,6 +16555,11 @@
                     <a:noFill/>
                   </a:tcPr>
                 </a:tc>
+                <a:extLst>
+                  <a:ext uri="{0D108BD9-81ED-4DB2-BD59-A6C34878D82A}">
+                    <a16:rowId xmlns:a16="http://schemas.microsoft.com/office/drawing/2014/main" val="10002"/>
+                  </a:ext>
+                </a:extLst>
               </a:tr>
               <a:tr h="370840">
                 <a:tc>
@@ -17517,7 +16584,7 @@
                         <a:tabLst/>
                         <a:defRPr/>
                       </a:pPr>
-                      <a:endParaRPr lang="he-IL" sz="1400" kern="1200" dirty="0" smtClean="0">
+                      <a:endParaRPr lang="he-IL" sz="1400" kern="1200" dirty="0">
                         <a:solidFill>
                           <a:schemeClr val="tx1"/>
                         </a:solidFill>
@@ -17594,7 +16661,7 @@
                         <a:tabLst/>
                         <a:defRPr/>
                       </a:pPr>
-                      <a:endParaRPr lang="he-IL" sz="1400" dirty="0" smtClean="0">
+                      <a:endParaRPr lang="he-IL" sz="1400" dirty="0">
                         <a:solidFill>
                           <a:schemeClr val="tx1"/>
                         </a:solidFill>
@@ -17707,8 +16774,8 @@
                     <a:p>
                       <a:pPr algn="ctr" rtl="0"/>
                       <a:r>
-                        <a:rPr lang="en-US" sz="1400" dirty="0" smtClean="0"/>
-                        <a:t>Amit</a:t>
+                        <a:rPr lang="en-US" sz="1400" dirty="0"/>
+                        <a:t>Done</a:t>
                       </a:r>
                       <a:endParaRPr lang="he-IL" sz="1400" dirty="0"/>
                     </a:p>
@@ -17819,7 +16886,7 @@
                     <a:p>
                       <a:pPr marL="0" algn="l" defTabSz="457200" rtl="0" eaLnBrk="1" latinLnBrk="0" hangingPunct="1"/>
                       <a:r>
-                        <a:rPr lang="en-US" sz="1400" b="1" kern="1200" dirty="0" smtClean="0">
+                        <a:rPr lang="en-US" sz="1400" b="1" kern="1200" dirty="0">
                           <a:solidFill>
                             <a:schemeClr val="tx1"/>
                           </a:solidFill>
@@ -17879,6 +16946,11 @@
                     <a:noFill/>
                   </a:tcPr>
                 </a:tc>
+                <a:extLst>
+                  <a:ext uri="{0D108BD9-81ED-4DB2-BD59-A6C34878D82A}">
+                    <a16:rowId xmlns:a16="http://schemas.microsoft.com/office/drawing/2014/main" val="10003"/>
+                  </a:ext>
+                </a:extLst>
               </a:tr>
               <a:tr h="370840">
                 <a:tc>
@@ -17903,393 +16975,7 @@
                         <a:tabLst/>
                         <a:defRPr/>
                       </a:pPr>
-                      <a:endParaRPr lang="he-IL" sz="1400" kern="1200" dirty="0" smtClean="0">
-                        <a:solidFill>
-                          <a:schemeClr val="tx1"/>
-                        </a:solidFill>
-                        <a:latin typeface="+mn-lt"/>
-                        <a:ea typeface="+mn-ea"/>
-                        <a:cs typeface="+mn-cs"/>
-                      </a:endParaRPr>
-                    </a:p>
-                  </a:txBody>
-                  <a:tcPr>
-                    <a:lnL w="12700" cap="flat" cmpd="sng" algn="ctr">
-                      <a:noFill/>
-                      <a:prstDash val="solid"/>
-                      <a:round/>
-                      <a:headEnd type="none" w="med" len="med"/>
-                      <a:tailEnd type="none" w="med" len="med"/>
-                    </a:lnL>
-                    <a:lnR w="12700" cap="flat" cmpd="sng" algn="ctr">
-                      <a:noFill/>
-                      <a:prstDash val="solid"/>
-                      <a:round/>
-                      <a:headEnd type="none" w="med" len="med"/>
-                      <a:tailEnd type="none" w="med" len="med"/>
-                    </a:lnR>
-                    <a:lnT w="12700" cap="flat" cmpd="sng" algn="ctr">
-                      <a:noFill/>
-                      <a:prstDash val="solid"/>
-                      <a:round/>
-                      <a:headEnd type="none" w="med" len="med"/>
-                      <a:tailEnd type="none" w="med" len="med"/>
-                    </a:lnT>
-                    <a:lnB w="12700" cap="flat" cmpd="sng" algn="ctr">
-                      <a:noFill/>
-                      <a:prstDash val="solid"/>
-                      <a:round/>
-                      <a:headEnd type="none" w="med" len="med"/>
-                      <a:tailEnd type="none" w="med" len="med"/>
-                    </a:lnB>
-                    <a:lnTlToBr w="12700" cmpd="sng">
-                      <a:noFill/>
-                      <a:prstDash val="solid"/>
-                    </a:lnTlToBr>
-                    <a:lnBlToTr w="12700" cmpd="sng">
-                      <a:noFill/>
-                      <a:prstDash val="solid"/>
-                    </a:lnBlToTr>
-                    <a:solidFill>
-                      <a:schemeClr val="accent1">
-                        <a:lumMod val="40000"/>
-                        <a:lumOff val="60000"/>
-                      </a:schemeClr>
-                    </a:solidFill>
-                  </a:tcPr>
-                </a:tc>
-                <a:tc>
-                  <a:txBody>
-                    <a:bodyPr/>
-                    <a:lstStyle/>
-                    <a:p>
-                      <a:pPr marL="0" marR="0" indent="0" algn="ctr" defTabSz="457200" rtl="0" eaLnBrk="1" fontAlgn="auto" latinLnBrk="0" hangingPunct="1">
-                        <a:lnSpc>
-                          <a:spcPct val="100000"/>
-                        </a:lnSpc>
-                        <a:spcBef>
-                          <a:spcPts val="0"/>
-                        </a:spcBef>
-                        <a:spcAft>
-                          <a:spcPts val="0"/>
-                        </a:spcAft>
-                        <a:buClrTx/>
-                        <a:buSzTx/>
-                        <a:buFont typeface="Arial" panose="020B0604020202020204" pitchFamily="34" charset="0"/>
-                        <a:buNone/>
-                        <a:tabLst/>
-                        <a:defRPr/>
-                      </a:pPr>
-                      <a:endParaRPr lang="he-IL" sz="1400" dirty="0" smtClean="0">
-                        <a:solidFill>
-                          <a:schemeClr val="tx1"/>
-                        </a:solidFill>
-                      </a:endParaRPr>
-                    </a:p>
-                  </a:txBody>
-                  <a:tcPr>
-                    <a:lnL w="12700" cap="flat" cmpd="sng" algn="ctr">
-                      <a:noFill/>
-                      <a:prstDash val="solid"/>
-                      <a:round/>
-                      <a:headEnd type="none" w="med" len="med"/>
-                      <a:tailEnd type="none" w="med" len="med"/>
-                    </a:lnL>
-                    <a:lnR w="12700" cap="flat" cmpd="sng" algn="ctr">
-                      <a:noFill/>
-                      <a:prstDash val="solid"/>
-                      <a:round/>
-                      <a:headEnd type="none" w="med" len="med"/>
-                      <a:tailEnd type="none" w="med" len="med"/>
-                    </a:lnR>
-                    <a:lnT w="12700" cap="flat" cmpd="sng" algn="ctr">
-                      <a:noFill/>
-                      <a:prstDash val="solid"/>
-                      <a:round/>
-                      <a:headEnd type="none" w="med" len="med"/>
-                      <a:tailEnd type="none" w="med" len="med"/>
-                    </a:lnT>
-                    <a:lnB w="12700" cap="flat" cmpd="sng" algn="ctr">
-                      <a:noFill/>
-                      <a:prstDash val="solid"/>
-                      <a:round/>
-                      <a:headEnd type="none" w="med" len="med"/>
-                      <a:tailEnd type="none" w="med" len="med"/>
-                    </a:lnB>
-                    <a:lnTlToBr w="12700" cmpd="sng">
-                      <a:noFill/>
-                      <a:prstDash val="solid"/>
-                    </a:lnTlToBr>
-                    <a:lnBlToTr w="12700" cmpd="sng">
-                      <a:noFill/>
-                      <a:prstDash val="solid"/>
-                    </a:lnBlToTr>
-                    <a:solidFill>
-                      <a:schemeClr val="accent1">
-                        <a:lumMod val="40000"/>
-                        <a:lumOff val="60000"/>
-                      </a:schemeClr>
-                    </a:solidFill>
-                  </a:tcPr>
-                </a:tc>
-                <a:tc>
-                  <a:txBody>
-                    <a:bodyPr/>
-                    <a:lstStyle/>
-                    <a:p>
-                      <a:pPr algn="ctr" rtl="0"/>
-                      <a:r>
-                        <a:rPr lang="en-US" sz="1400" dirty="0" smtClean="0"/>
-                        <a:t>Amit</a:t>
-                      </a:r>
-                      <a:endParaRPr lang="he-IL" sz="1400" dirty="0"/>
-                    </a:p>
-                  </a:txBody>
-                  <a:tcPr>
-                    <a:lnL w="12700" cap="flat" cmpd="sng" algn="ctr">
-                      <a:noFill/>
-                      <a:prstDash val="solid"/>
-                      <a:round/>
-                      <a:headEnd type="none" w="med" len="med"/>
-                      <a:tailEnd type="none" w="med" len="med"/>
-                    </a:lnL>
-                    <a:lnR w="12700" cap="flat" cmpd="sng" algn="ctr">
-                      <a:noFill/>
-                      <a:prstDash val="solid"/>
-                      <a:round/>
-                      <a:headEnd type="none" w="med" len="med"/>
-                      <a:tailEnd type="none" w="med" len="med"/>
-                    </a:lnR>
-                    <a:lnT w="12700" cap="flat" cmpd="sng" algn="ctr">
-                      <a:noFill/>
-                      <a:prstDash val="solid"/>
-                      <a:round/>
-                      <a:headEnd type="none" w="med" len="med"/>
-                      <a:tailEnd type="none" w="med" len="med"/>
-                    </a:lnT>
-                    <a:lnB w="12700" cap="flat" cmpd="sng" algn="ctr">
-                      <a:noFill/>
-                      <a:prstDash val="solid"/>
-                      <a:round/>
-                      <a:headEnd type="none" w="med" len="med"/>
-                      <a:tailEnd type="none" w="med" len="med"/>
-                    </a:lnB>
-                    <a:lnTlToBr w="12700" cmpd="sng">
-                      <a:noFill/>
-                      <a:prstDash val="solid"/>
-                    </a:lnTlToBr>
-                    <a:lnBlToTr w="12700" cmpd="sng">
-                      <a:noFill/>
-                      <a:prstDash val="solid"/>
-                    </a:lnBlToTr>
-                    <a:solidFill>
-                      <a:schemeClr val="accent1">
-                        <a:lumMod val="40000"/>
-                        <a:lumOff val="60000"/>
-                      </a:schemeClr>
-                    </a:solidFill>
-                  </a:tcPr>
-                </a:tc>
-                <a:tc>
-                  <a:txBody>
-                    <a:bodyPr/>
-                    <a:lstStyle/>
-                    <a:p>
-                      <a:pPr algn="ctr"/>
-                      <a:endParaRPr lang="he-IL" sz="1400" dirty="0"/>
-                    </a:p>
-                  </a:txBody>
-                  <a:tcPr>
-                    <a:lnL w="12700" cap="flat" cmpd="sng" algn="ctr">
-                      <a:noFill/>
-                      <a:prstDash val="solid"/>
-                      <a:round/>
-                      <a:headEnd type="none" w="med" len="med"/>
-                      <a:tailEnd type="none" w="med" len="med"/>
-                    </a:lnL>
-                    <a:lnR w="12700" cap="flat" cmpd="sng" algn="ctr">
-                      <a:noFill/>
-                      <a:prstDash val="solid"/>
-                      <a:round/>
-                      <a:headEnd type="none" w="med" len="med"/>
-                      <a:tailEnd type="none" w="med" len="med"/>
-                    </a:lnR>
-                    <a:lnT w="12700" cap="flat" cmpd="sng" algn="ctr">
-                      <a:noFill/>
-                      <a:prstDash val="solid"/>
-                      <a:round/>
-                      <a:headEnd type="none" w="med" len="med"/>
-                      <a:tailEnd type="none" w="med" len="med"/>
-                    </a:lnT>
-                    <a:lnB w="12700" cap="flat" cmpd="sng" algn="ctr">
-                      <a:noFill/>
-                      <a:prstDash val="solid"/>
-                      <a:round/>
-                      <a:headEnd type="none" w="med" len="med"/>
-                      <a:tailEnd type="none" w="med" len="med"/>
-                    </a:lnB>
-                    <a:lnTlToBr w="12700" cmpd="sng">
-                      <a:noFill/>
-                      <a:prstDash val="solid"/>
-                    </a:lnTlToBr>
-                    <a:lnBlToTr w="12700" cmpd="sng">
-                      <a:noFill/>
-                      <a:prstDash val="solid"/>
-                    </a:lnBlToTr>
-                    <a:solidFill>
-                      <a:schemeClr val="accent3">
-                        <a:lumMod val="40000"/>
-                        <a:lumOff val="60000"/>
-                      </a:schemeClr>
-                    </a:solidFill>
-                  </a:tcPr>
-                </a:tc>
-                <a:tc>
-                  <a:txBody>
-                    <a:bodyPr/>
-                    <a:lstStyle/>
-                    <a:p>
-                      <a:pPr algn="ctr"/>
-                      <a:endParaRPr lang="he-IL" sz="1400" dirty="0"/>
-                    </a:p>
-                  </a:txBody>
-                  <a:tcPr>
-                    <a:lnL w="12700" cap="flat" cmpd="sng" algn="ctr">
-                      <a:noFill/>
-                      <a:prstDash val="solid"/>
-                      <a:round/>
-                      <a:headEnd type="none" w="med" len="med"/>
-                      <a:tailEnd type="none" w="med" len="med"/>
-                    </a:lnL>
-                    <a:lnR w="12700" cap="flat" cmpd="sng" algn="ctr">
-                      <a:noFill/>
-                      <a:prstDash val="solid"/>
-                      <a:round/>
-                      <a:headEnd type="none" w="med" len="med"/>
-                      <a:tailEnd type="none" w="med" len="med"/>
-                    </a:lnR>
-                    <a:lnT w="12700" cap="flat" cmpd="sng" algn="ctr">
-                      <a:noFill/>
-                      <a:prstDash val="solid"/>
-                      <a:round/>
-                      <a:headEnd type="none" w="med" len="med"/>
-                      <a:tailEnd type="none" w="med" len="med"/>
-                    </a:lnT>
-                    <a:lnB w="12700" cap="flat" cmpd="sng" algn="ctr">
-                      <a:noFill/>
-                      <a:prstDash val="solid"/>
-                      <a:round/>
-                      <a:headEnd type="none" w="med" len="med"/>
-                      <a:tailEnd type="none" w="med" len="med"/>
-                    </a:lnB>
-                    <a:lnTlToBr w="12700" cmpd="sng">
-                      <a:noFill/>
-                      <a:prstDash val="solid"/>
-                    </a:lnTlToBr>
-                    <a:lnBlToTr w="12700" cmpd="sng">
-                      <a:noFill/>
-                      <a:prstDash val="solid"/>
-                    </a:lnBlToTr>
-                    <a:solidFill>
-                      <a:schemeClr val="accent3">
-                        <a:lumMod val="40000"/>
-                        <a:lumOff val="60000"/>
-                      </a:schemeClr>
-                    </a:solidFill>
-                  </a:tcPr>
-                </a:tc>
-                <a:tc>
-                  <a:txBody>
-                    <a:bodyPr/>
-                    <a:lstStyle/>
-                    <a:p>
-                      <a:pPr marL="0" algn="l" defTabSz="457200" rtl="0" eaLnBrk="1" latinLnBrk="0" hangingPunct="1"/>
-                      <a:r>
-                        <a:rPr lang="en-US" sz="1400" b="1" kern="1200" dirty="0" smtClean="0">
-                          <a:solidFill>
-                            <a:schemeClr val="tx1"/>
-                          </a:solidFill>
-                          <a:latin typeface="+mn-lt"/>
-                          <a:ea typeface="+mn-ea"/>
-                          <a:cs typeface="+mn-cs"/>
-                        </a:rPr>
-                        <a:t>Programmer API</a:t>
-                      </a:r>
-                      <a:endParaRPr lang="he-IL" sz="1400" b="1" kern="1200" dirty="0">
-                        <a:solidFill>
-                          <a:schemeClr val="tx1"/>
-                        </a:solidFill>
-                        <a:latin typeface="+mn-lt"/>
-                        <a:ea typeface="+mn-ea"/>
-                        <a:cs typeface="+mn-cs"/>
-                      </a:endParaRPr>
-                    </a:p>
-                  </a:txBody>
-                  <a:tcPr>
-                    <a:lnL w="12700" cap="flat" cmpd="sng" algn="ctr">
-                      <a:noFill/>
-                      <a:prstDash val="solid"/>
-                      <a:round/>
-                      <a:headEnd type="none" w="med" len="med"/>
-                      <a:tailEnd type="none" w="med" len="med"/>
-                    </a:lnL>
-                    <a:lnR w="12700" cap="flat" cmpd="sng" algn="ctr">
-                      <a:noFill/>
-                      <a:prstDash val="solid"/>
-                      <a:round/>
-                      <a:headEnd type="none" w="med" len="med"/>
-                      <a:tailEnd type="none" w="med" len="med"/>
-                    </a:lnR>
-                    <a:lnT w="12700" cap="flat" cmpd="sng" algn="ctr">
-                      <a:noFill/>
-                      <a:prstDash val="solid"/>
-                      <a:round/>
-                      <a:headEnd type="none" w="med" len="med"/>
-                      <a:tailEnd type="none" w="med" len="med"/>
-                    </a:lnT>
-                    <a:lnB w="12700" cap="flat" cmpd="sng" algn="ctr">
-                      <a:noFill/>
-                      <a:prstDash val="solid"/>
-                      <a:round/>
-                      <a:headEnd type="none" w="med" len="med"/>
-                      <a:tailEnd type="none" w="med" len="med"/>
-                    </a:lnB>
-                    <a:lnTlToBr w="12700" cmpd="sng">
-                      <a:noFill/>
-                      <a:prstDash val="solid"/>
-                    </a:lnTlToBr>
-                    <a:lnBlToTr w="12700" cmpd="sng">
-                      <a:noFill/>
-                      <a:prstDash val="solid"/>
-                    </a:lnBlToTr>
-                    <a:noFill/>
-                  </a:tcPr>
-                </a:tc>
-              </a:tr>
-              <a:tr h="370840">
-                <a:tc>
-                  <a:txBody>
-                    <a:bodyPr/>
-                    <a:lstStyle/>
-                    <a:p>
-                      <a:pPr marL="0" marR="0" indent="0" algn="ctr" defTabSz="457200" rtl="0" eaLnBrk="1" fontAlgn="auto" latinLnBrk="0" hangingPunct="1">
-                        <a:lnSpc>
-                          <a:spcPct val="100000"/>
-                        </a:lnSpc>
-                        <a:spcBef>
-                          <a:spcPts val="0"/>
-                        </a:spcBef>
-                        <a:spcAft>
-                          <a:spcPts val="0"/>
-                        </a:spcAft>
-                        <a:buClrTx/>
-                        <a:buSzTx/>
-                        <a:buFont typeface="Arial" panose="020B0604020202020204" pitchFamily="34" charset="0"/>
-                        <a:buNone/>
-                        <a:tabLst/>
-                        <a:defRPr/>
-                      </a:pPr>
-                      <a:endParaRPr lang="he-IL" sz="1400" kern="1200" dirty="0" smtClean="0">
+                      <a:endParaRPr lang="he-IL" sz="1400" kern="1200" dirty="0">
                         <a:solidFill>
                           <a:schemeClr val="tx1"/>
                         </a:solidFill>
@@ -18415,7 +17101,7 @@
                     <a:p>
                       <a:pPr algn="ctr" rtl="0"/>
                       <a:r>
-                        <a:rPr lang="en-US" sz="1400" dirty="0" smtClean="0"/>
+                        <a:rPr lang="en-US" sz="1400" dirty="0"/>
                         <a:t>Sasha</a:t>
                       </a:r>
                       <a:endParaRPr lang="he-IL" sz="1400" dirty="0"/>
@@ -18581,7 +17267,7 @@
                     <a:p>
                       <a:pPr marL="0" algn="l" defTabSz="457200" rtl="0" eaLnBrk="1" latinLnBrk="0" hangingPunct="1"/>
                       <a:r>
-                        <a:rPr lang="en-US" sz="1400" b="1" kern="1200" dirty="0" smtClean="0">
+                        <a:rPr lang="en-US" sz="1400" b="1" kern="1200" dirty="0">
                           <a:solidFill>
                             <a:schemeClr val="tx1"/>
                           </a:solidFill>
@@ -18641,6 +17327,11 @@
                     <a:noFill/>
                   </a:tcPr>
                 </a:tc>
+                <a:extLst>
+                  <a:ext uri="{0D108BD9-81ED-4DB2-BD59-A6C34878D82A}">
+                    <a16:rowId xmlns:a16="http://schemas.microsoft.com/office/drawing/2014/main" val="10005"/>
+                  </a:ext>
+                </a:extLst>
               </a:tr>
               <a:tr h="370840">
                 <a:tc>
@@ -18665,7 +17356,7 @@
                         <a:tabLst/>
                         <a:defRPr/>
                       </a:pPr>
-                      <a:endParaRPr lang="he-IL" sz="1400" kern="1200" dirty="0" smtClean="0">
+                      <a:endParaRPr lang="he-IL" sz="1400" kern="1200" dirty="0">
                         <a:solidFill>
                           <a:schemeClr val="tx1"/>
                         </a:solidFill>
@@ -18845,8 +17536,8 @@
                     <a:p>
                       <a:pPr algn="ctr"/>
                       <a:r>
-                        <a:rPr lang="en-US" sz="1400" dirty="0" smtClean="0"/>
-                        <a:t>Tom</a:t>
+                        <a:rPr lang="en-US" sz="1400" dirty="0"/>
+                        <a:t>Done</a:t>
                       </a:r>
                       <a:endParaRPr lang="he-IL" sz="1400" dirty="0"/>
                     </a:p>
@@ -18918,7 +17609,7 @@
                         <a:tabLst/>
                         <a:defRPr/>
                       </a:pPr>
-                      <a:endParaRPr lang="he-IL" sz="1400" dirty="0" smtClean="0"/>
+                      <a:endParaRPr lang="he-IL" sz="1400" dirty="0"/>
                     </a:p>
                   </a:txBody>
                   <a:tcPr>
@@ -18989,7 +17680,7 @@
                         <a:defRPr/>
                       </a:pPr>
                       <a:r>
-                        <a:rPr lang="en-US" sz="1400" b="1" kern="1200" dirty="0" smtClean="0">
+                        <a:rPr lang="en-US" sz="1400" b="1" kern="1200" dirty="0">
                           <a:solidFill>
                             <a:schemeClr val="tx1"/>
                           </a:solidFill>
@@ -18999,7 +17690,7 @@
                         </a:rPr>
                         <a:t>Google maps</a:t>
                       </a:r>
-                      <a:endParaRPr lang="he-IL" sz="1400" b="1" kern="1200" dirty="0" smtClean="0">
+                      <a:endParaRPr lang="he-IL" sz="1400" b="1" kern="1200" dirty="0">
                         <a:solidFill>
                           <a:schemeClr val="tx1"/>
                         </a:solidFill>
@@ -19049,6 +17740,11 @@
                     <a:noFill/>
                   </a:tcPr>
                 </a:tc>
+                <a:extLst>
+                  <a:ext uri="{0D108BD9-81ED-4DB2-BD59-A6C34878D82A}">
+                    <a16:rowId xmlns:a16="http://schemas.microsoft.com/office/drawing/2014/main" val="10006"/>
+                  </a:ext>
+                </a:extLst>
               </a:tr>
               <a:tr h="370840">
                 <a:tc>
@@ -19073,7 +17769,7 @@
                         <a:tabLst/>
                         <a:defRPr/>
                       </a:pPr>
-                      <a:endParaRPr lang="he-IL" sz="1400" kern="1200" dirty="0" smtClean="0">
+                      <a:endParaRPr lang="he-IL" sz="1400" kern="1200" dirty="0">
                         <a:solidFill>
                           <a:schemeClr val="tx1"/>
                         </a:solidFill>
@@ -19151,14 +17847,14 @@
                         <a:defRPr/>
                       </a:pPr>
                       <a:r>
-                        <a:rPr lang="en-US" sz="1400" dirty="0" smtClean="0"/>
+                        <a:rPr lang="en-US" sz="1400" dirty="0"/>
                         <a:t>Team</a:t>
                       </a:r>
                       <a:r>
-                        <a:rPr lang="en-US" sz="1400" baseline="0" dirty="0" smtClean="0"/>
+                        <a:rPr lang="en-US" sz="1400" baseline="0" dirty="0"/>
                         <a:t> (TBA)</a:t>
                       </a:r>
-                      <a:endParaRPr lang="he-IL" sz="1400" dirty="0" smtClean="0"/>
+                      <a:endParaRPr lang="he-IL" sz="1400" dirty="0"/>
                     </a:p>
                   </a:txBody>
                   <a:tcPr>
@@ -19390,7 +18086,7 @@
                         <a:defRPr/>
                       </a:pPr>
                       <a:r>
-                        <a:rPr lang="en-US" sz="1400" b="1" kern="1200" dirty="0" smtClean="0">
+                        <a:rPr lang="en-US" sz="1400" b="1" kern="1200" dirty="0">
                           <a:solidFill>
                             <a:schemeClr val="tx1"/>
                           </a:solidFill>
@@ -19400,7 +18096,7 @@
                         </a:rPr>
                         <a:t>Deployment</a:t>
                       </a:r>
-                      <a:endParaRPr lang="he-IL" sz="1400" b="1" kern="1200" dirty="0" smtClean="0">
+                      <a:endParaRPr lang="he-IL" sz="1400" b="1" kern="1200" dirty="0">
                         <a:solidFill>
                           <a:schemeClr val="tx1"/>
                         </a:solidFill>
@@ -19450,6 +18146,11 @@
                     <a:noFill/>
                   </a:tcPr>
                 </a:tc>
+                <a:extLst>
+                  <a:ext uri="{0D108BD9-81ED-4DB2-BD59-A6C34878D82A}">
+                    <a16:rowId xmlns:a16="http://schemas.microsoft.com/office/drawing/2014/main" val="10007"/>
+                  </a:ext>
+                </a:extLst>
               </a:tr>
             </a:tbl>
           </a:graphicData>
@@ -19465,13 +18166,6 @@
   <p:clrMapOvr>
     <a:masterClrMapping/>
   </p:clrMapOvr>
-  <p:timing>
-    <p:tnLst>
-      <p:par>
-        <p:cTn id="1" dur="indefinite" restart="never" nodeType="tmRoot"/>
-      </p:par>
-    </p:tnLst>
-  </p:timing>
 </p:sld>
 </file>
 
@@ -19606,7 +18300,7 @@
               </a:lnSpc>
             </a:pPr>
             <a:r>
-              <a:rPr lang="en-US" sz="5662" dirty="0" smtClean="0">
+              <a:rPr lang="en-US" sz="5662" dirty="0">
                 <a:solidFill>
                   <a:srgbClr val="008037"/>
                 </a:solidFill>
@@ -19614,12 +18308,6 @@
               </a:rPr>
               <a:t>Tests</a:t>
             </a:r>
-            <a:endParaRPr lang="en-US" sz="5662" dirty="0">
-              <a:solidFill>
-                <a:srgbClr val="008037"/>
-              </a:solidFill>
-              <a:latin typeface="Norwester"/>
-            </a:endParaRPr>
           </a:p>
         </p:txBody>
       </p:sp>
@@ -19628,7 +18316,7 @@
           <p:cNvPr id="27" name="Group 37">
             <a:extLst>
               <a:ext uri="{FF2B5EF4-FFF2-40B4-BE49-F238E27FC236}">
-                <a16:creationId xmlns="" xmlns:a16="http://schemas.microsoft.com/office/drawing/2014/main" id="{3A1B1429-54EA-DE01-4A5C-E94E4F5C5B72}"/>
+                <a16:creationId xmlns:a16="http://schemas.microsoft.com/office/drawing/2014/main" id="{3A1B1429-54EA-DE01-4A5C-E94E4F5C5B72}"/>
               </a:ext>
             </a:extLst>
           </p:cNvPr>
@@ -19648,7 +18336,7 @@
             <p:cNvPr id="28" name="Group 38">
               <a:extLst>
                 <a:ext uri="{FF2B5EF4-FFF2-40B4-BE49-F238E27FC236}">
-                  <a16:creationId xmlns="" xmlns:a16="http://schemas.microsoft.com/office/drawing/2014/main" id="{BC57A493-060F-544E-8BD0-E8584440AF6E}"/>
+                  <a16:creationId xmlns:a16="http://schemas.microsoft.com/office/drawing/2014/main" id="{BC57A493-060F-544E-8BD0-E8584440AF6E}"/>
                 </a:ext>
               </a:extLst>
             </p:cNvPr>
@@ -19668,7 +18356,7 @@
               <p:cNvPr id="43" name="Freeform 39">
                 <a:extLst>
                   <a:ext uri="{FF2B5EF4-FFF2-40B4-BE49-F238E27FC236}">
-                    <a16:creationId xmlns="" xmlns:a16="http://schemas.microsoft.com/office/drawing/2014/main" id="{D441E0B9-ECBB-0AD9-34C9-2789BBB1FC81}"/>
+                    <a16:creationId xmlns:a16="http://schemas.microsoft.com/office/drawing/2014/main" id="{D441E0B9-ECBB-0AD9-34C9-2789BBB1FC81}"/>
                   </a:ext>
                 </a:extLst>
               </p:cNvPr>
@@ -19725,7 +18413,7 @@
               <p:cNvPr id="44" name="TextBox 40">
                 <a:extLst>
                   <a:ext uri="{FF2B5EF4-FFF2-40B4-BE49-F238E27FC236}">
-                    <a16:creationId xmlns="" xmlns:a16="http://schemas.microsoft.com/office/drawing/2014/main" id="{086322A3-E42B-AF7F-6B1A-4E3DBA7BDA90}"/>
+                    <a16:creationId xmlns:a16="http://schemas.microsoft.com/office/drawing/2014/main" id="{086322A3-E42B-AF7F-6B1A-4E3DBA7BDA90}"/>
                   </a:ext>
                 </a:extLst>
               </p:cNvPr>
@@ -19763,7 +18451,7 @@
             <p:cNvPr id="29" name="Group 41">
               <a:extLst>
                 <a:ext uri="{FF2B5EF4-FFF2-40B4-BE49-F238E27FC236}">
-                  <a16:creationId xmlns="" xmlns:a16="http://schemas.microsoft.com/office/drawing/2014/main" id="{BDBE4C74-8E19-8B20-6D74-2AE3898BB4E5}"/>
+                  <a16:creationId xmlns:a16="http://schemas.microsoft.com/office/drawing/2014/main" id="{BDBE4C74-8E19-8B20-6D74-2AE3898BB4E5}"/>
                 </a:ext>
               </a:extLst>
             </p:cNvPr>
@@ -19783,7 +18471,7 @@
               <p:cNvPr id="41" name="Freeform 42">
                 <a:extLst>
                   <a:ext uri="{FF2B5EF4-FFF2-40B4-BE49-F238E27FC236}">
-                    <a16:creationId xmlns="" xmlns:a16="http://schemas.microsoft.com/office/drawing/2014/main" id="{632889DE-6FDD-35E4-AD8C-D88A0F2A6E65}"/>
+                    <a16:creationId xmlns:a16="http://schemas.microsoft.com/office/drawing/2014/main" id="{632889DE-6FDD-35E4-AD8C-D88A0F2A6E65}"/>
                   </a:ext>
                 </a:extLst>
               </p:cNvPr>
@@ -19840,7 +18528,7 @@
               <p:cNvPr id="42" name="TextBox 43">
                 <a:extLst>
                   <a:ext uri="{FF2B5EF4-FFF2-40B4-BE49-F238E27FC236}">
-                    <a16:creationId xmlns="" xmlns:a16="http://schemas.microsoft.com/office/drawing/2014/main" id="{8D7DBB68-594B-F5D2-B7FA-0D3120DAB80F}"/>
+                    <a16:creationId xmlns:a16="http://schemas.microsoft.com/office/drawing/2014/main" id="{8D7DBB68-594B-F5D2-B7FA-0D3120DAB80F}"/>
                   </a:ext>
                 </a:extLst>
               </p:cNvPr>
@@ -19878,7 +18566,7 @@
             <p:cNvPr id="30" name="Group 44">
               <a:extLst>
                 <a:ext uri="{FF2B5EF4-FFF2-40B4-BE49-F238E27FC236}">
-                  <a16:creationId xmlns="" xmlns:a16="http://schemas.microsoft.com/office/drawing/2014/main" id="{9F8DD0D9-1518-0966-A925-A6AA7188C5BD}"/>
+                  <a16:creationId xmlns:a16="http://schemas.microsoft.com/office/drawing/2014/main" id="{9F8DD0D9-1518-0966-A925-A6AA7188C5BD}"/>
                 </a:ext>
               </a:extLst>
             </p:cNvPr>
@@ -19898,7 +18586,7 @@
               <p:cNvPr id="39" name="Freeform 45">
                 <a:extLst>
                   <a:ext uri="{FF2B5EF4-FFF2-40B4-BE49-F238E27FC236}">
-                    <a16:creationId xmlns="" xmlns:a16="http://schemas.microsoft.com/office/drawing/2014/main" id="{EF9CC67E-2026-046F-2465-618DF1F705B9}"/>
+                    <a16:creationId xmlns:a16="http://schemas.microsoft.com/office/drawing/2014/main" id="{EF9CC67E-2026-046F-2465-618DF1F705B9}"/>
                   </a:ext>
                 </a:extLst>
               </p:cNvPr>
@@ -19944,7 +18632,7 @@
               <p:cNvPr id="40" name="TextBox 46">
                 <a:extLst>
                   <a:ext uri="{FF2B5EF4-FFF2-40B4-BE49-F238E27FC236}">
-                    <a16:creationId xmlns="" xmlns:a16="http://schemas.microsoft.com/office/drawing/2014/main" id="{CC925E18-10C9-A5A8-A858-423648EDD81B}"/>
+                    <a16:creationId xmlns:a16="http://schemas.microsoft.com/office/drawing/2014/main" id="{CC925E18-10C9-A5A8-A858-423648EDD81B}"/>
                   </a:ext>
                 </a:extLst>
               </p:cNvPr>
@@ -19982,7 +18670,7 @@
             <p:cNvPr id="31" name="Group 47">
               <a:extLst>
                 <a:ext uri="{FF2B5EF4-FFF2-40B4-BE49-F238E27FC236}">
-                  <a16:creationId xmlns="" xmlns:a16="http://schemas.microsoft.com/office/drawing/2014/main" id="{6745063D-6EA9-5A29-B4CF-AB1D4C6E356D}"/>
+                  <a16:creationId xmlns:a16="http://schemas.microsoft.com/office/drawing/2014/main" id="{6745063D-6EA9-5A29-B4CF-AB1D4C6E356D}"/>
                 </a:ext>
               </a:extLst>
             </p:cNvPr>
@@ -20002,7 +18690,7 @@
               <p:cNvPr id="37" name="Freeform 48">
                 <a:extLst>
                   <a:ext uri="{FF2B5EF4-FFF2-40B4-BE49-F238E27FC236}">
-                    <a16:creationId xmlns="" xmlns:a16="http://schemas.microsoft.com/office/drawing/2014/main" id="{71B77278-6E78-EA59-45AC-65F73A374224}"/>
+                    <a16:creationId xmlns:a16="http://schemas.microsoft.com/office/drawing/2014/main" id="{71B77278-6E78-EA59-45AC-65F73A374224}"/>
                   </a:ext>
                 </a:extLst>
               </p:cNvPr>
@@ -20059,7 +18747,7 @@
               <p:cNvPr id="38" name="TextBox 49">
                 <a:extLst>
                   <a:ext uri="{FF2B5EF4-FFF2-40B4-BE49-F238E27FC236}">
-                    <a16:creationId xmlns="" xmlns:a16="http://schemas.microsoft.com/office/drawing/2014/main" id="{29DF2333-9DB1-9180-4E42-D35FF732F474}"/>
+                    <a16:creationId xmlns:a16="http://schemas.microsoft.com/office/drawing/2014/main" id="{29DF2333-9DB1-9180-4E42-D35FF732F474}"/>
                   </a:ext>
                 </a:extLst>
               </p:cNvPr>
@@ -20097,7 +18785,7 @@
             <p:cNvPr id="32" name="Group 50">
               <a:extLst>
                 <a:ext uri="{FF2B5EF4-FFF2-40B4-BE49-F238E27FC236}">
-                  <a16:creationId xmlns="" xmlns:a16="http://schemas.microsoft.com/office/drawing/2014/main" id="{401F4EB3-7E82-D282-2397-74F2596E43DC}"/>
+                  <a16:creationId xmlns:a16="http://schemas.microsoft.com/office/drawing/2014/main" id="{401F4EB3-7E82-D282-2397-74F2596E43DC}"/>
                 </a:ext>
               </a:extLst>
             </p:cNvPr>
@@ -20117,7 +18805,7 @@
               <p:cNvPr id="35" name="Freeform 51">
                 <a:extLst>
                   <a:ext uri="{FF2B5EF4-FFF2-40B4-BE49-F238E27FC236}">
-                    <a16:creationId xmlns="" xmlns:a16="http://schemas.microsoft.com/office/drawing/2014/main" id="{AE19A60F-F7CF-668A-1892-66D6507AE0EB}"/>
+                    <a16:creationId xmlns:a16="http://schemas.microsoft.com/office/drawing/2014/main" id="{AE19A60F-F7CF-668A-1892-66D6507AE0EB}"/>
                   </a:ext>
                 </a:extLst>
               </p:cNvPr>
@@ -20174,7 +18862,7 @@
               <p:cNvPr id="36" name="TextBox 52">
                 <a:extLst>
                   <a:ext uri="{FF2B5EF4-FFF2-40B4-BE49-F238E27FC236}">
-                    <a16:creationId xmlns="" xmlns:a16="http://schemas.microsoft.com/office/drawing/2014/main" id="{2BDDECC9-17F8-15A3-17B8-DBB8AE5FD9AF}"/>
+                    <a16:creationId xmlns:a16="http://schemas.microsoft.com/office/drawing/2014/main" id="{2BDDECC9-17F8-15A3-17B8-DBB8AE5FD9AF}"/>
                   </a:ext>
                 </a:extLst>
               </p:cNvPr>
@@ -20212,7 +18900,7 @@
             <p:cNvPr id="33" name="TextBox 53">
               <a:extLst>
                 <a:ext uri="{FF2B5EF4-FFF2-40B4-BE49-F238E27FC236}">
-                  <a16:creationId xmlns="" xmlns:a16="http://schemas.microsoft.com/office/drawing/2014/main" id="{2C2792B5-BDC3-A31B-DD00-EF83B137EF0E}"/>
+                  <a16:creationId xmlns:a16="http://schemas.microsoft.com/office/drawing/2014/main" id="{2C2792B5-BDC3-A31B-DD00-EF83B137EF0E}"/>
                 </a:ext>
               </a:extLst>
             </p:cNvPr>
@@ -20256,7 +18944,7 @@
             <p:cNvPr id="34" name="TextBox 54">
               <a:extLst>
                 <a:ext uri="{FF2B5EF4-FFF2-40B4-BE49-F238E27FC236}">
-                  <a16:creationId xmlns="" xmlns:a16="http://schemas.microsoft.com/office/drawing/2014/main" id="{1B6C4880-A844-E813-ABC4-C0DDD91DD990}"/>
+                  <a16:creationId xmlns:a16="http://schemas.microsoft.com/office/drawing/2014/main" id="{1B6C4880-A844-E813-ABC4-C0DDD91DD990}"/>
                 </a:ext>
               </a:extLst>
             </p:cNvPr>
@@ -20321,12 +19009,48 @@
                 <a:tableStyleId>{5C22544A-7EE6-4342-B048-85BDC9FD1C3A}</a:tableStyleId>
               </a:tblPr>
               <a:tblGrid>
-                <a:gridCol w="2299889"/>
-                <a:gridCol w="2381469"/>
-                <a:gridCol w="1901276"/>
-                <a:gridCol w="1861830"/>
-                <a:gridCol w="1587146"/>
-                <a:gridCol w="1587146"/>
+                <a:gridCol w="2299889">
+                  <a:extLst>
+                    <a:ext uri="{9D8B030D-6E8A-4147-A177-3AD203B41FA5}">
+                      <a16:colId xmlns:a16="http://schemas.microsoft.com/office/drawing/2014/main" val="20000"/>
+                    </a:ext>
+                  </a:extLst>
+                </a:gridCol>
+                <a:gridCol w="2381469">
+                  <a:extLst>
+                    <a:ext uri="{9D8B030D-6E8A-4147-A177-3AD203B41FA5}">
+                      <a16:colId xmlns:a16="http://schemas.microsoft.com/office/drawing/2014/main" val="20001"/>
+                    </a:ext>
+                  </a:extLst>
+                </a:gridCol>
+                <a:gridCol w="1901276">
+                  <a:extLst>
+                    <a:ext uri="{9D8B030D-6E8A-4147-A177-3AD203B41FA5}">
+                      <a16:colId xmlns:a16="http://schemas.microsoft.com/office/drawing/2014/main" val="20002"/>
+                    </a:ext>
+                  </a:extLst>
+                </a:gridCol>
+                <a:gridCol w="1861830">
+                  <a:extLst>
+                    <a:ext uri="{9D8B030D-6E8A-4147-A177-3AD203B41FA5}">
+                      <a16:colId xmlns:a16="http://schemas.microsoft.com/office/drawing/2014/main" val="20003"/>
+                    </a:ext>
+                  </a:extLst>
+                </a:gridCol>
+                <a:gridCol w="1587146">
+                  <a:extLst>
+                    <a:ext uri="{9D8B030D-6E8A-4147-A177-3AD203B41FA5}">
+                      <a16:colId xmlns:a16="http://schemas.microsoft.com/office/drawing/2014/main" val="20004"/>
+                    </a:ext>
+                  </a:extLst>
+                </a:gridCol>
+                <a:gridCol w="1587146">
+                  <a:extLst>
+                    <a:ext uri="{9D8B030D-6E8A-4147-A177-3AD203B41FA5}">
+                      <a16:colId xmlns:a16="http://schemas.microsoft.com/office/drawing/2014/main" val="20005"/>
+                    </a:ext>
+                  </a:extLst>
+                </a:gridCol>
               </a:tblGrid>
               <a:tr h="370840">
                 <a:tc>
@@ -20336,7 +19060,7 @@
                     <a:p>
                       <a:pPr algn="ctr" rtl="0"/>
                       <a:r>
-                        <a:rPr lang="en-US" sz="1800" b="1" u="none" kern="1200" dirty="0" smtClean="0">
+                        <a:rPr lang="en-US" sz="1800" b="1" u="none" kern="1200" dirty="0">
                           <a:solidFill>
                             <a:schemeClr val="tx1"/>
                           </a:solidFill>
@@ -20403,7 +19127,7 @@
                     <a:p>
                       <a:pPr algn="ctr" rtl="0"/>
                       <a:r>
-                        <a:rPr lang="en-US" sz="1800" b="1" u="none" kern="1200" dirty="0" smtClean="0">
+                        <a:rPr lang="en-US" sz="1800" b="1" u="none" kern="1200" dirty="0">
                           <a:solidFill>
                             <a:schemeClr val="tx1"/>
                           </a:solidFill>
@@ -20470,7 +19194,7 @@
                     <a:p>
                       <a:pPr algn="ctr" rtl="0"/>
                       <a:r>
-                        <a:rPr lang="en-US" sz="1800" b="1" u="none" kern="1200" dirty="0" smtClean="0">
+                        <a:rPr lang="en-US" sz="1800" b="1" u="none" kern="1200" dirty="0">
                           <a:solidFill>
                             <a:schemeClr val="tx1"/>
                           </a:solidFill>
@@ -20537,7 +19261,7 @@
                     <a:p>
                       <a:pPr algn="ctr" rtl="0"/>
                       <a:r>
-                        <a:rPr lang="en-US" sz="1800" b="1" u="none" kern="1200" dirty="0" smtClean="0">
+                        <a:rPr lang="en-US" sz="1800" b="1" u="none" kern="1200" dirty="0">
                           <a:solidFill>
                             <a:schemeClr val="tx1"/>
                           </a:solidFill>
@@ -20604,7 +19328,7 @@
                     <a:p>
                       <a:pPr algn="ctr" rtl="0"/>
                       <a:r>
-                        <a:rPr lang="en-US" sz="1800" b="1" u="none" kern="1200" dirty="0" smtClean="0">
+                        <a:rPr lang="en-US" sz="1800" b="1" u="none" kern="1200" dirty="0">
                           <a:solidFill>
                             <a:schemeClr val="tx1"/>
                           </a:solidFill>
@@ -20720,6 +19444,11 @@
                     <a:noFill/>
                   </a:tcPr>
                 </a:tc>
+                <a:extLst>
+                  <a:ext uri="{0D108BD9-81ED-4DB2-BD59-A6C34878D82A}">
+                    <a16:rowId xmlns:a16="http://schemas.microsoft.com/office/drawing/2014/main" val="10000"/>
+                  </a:ext>
+                </a:extLst>
               </a:tr>
               <a:tr h="348656">
                 <a:tc>
@@ -20745,82 +19474,7 @@
                         <a:defRPr/>
                       </a:pPr>
                       <a:r>
-                        <a:rPr lang="en-US" sz="1400" kern="1200" smtClean="0">
-                          <a:solidFill>
-                            <a:schemeClr val="tx1"/>
-                          </a:solidFill>
-                          <a:latin typeface="+mn-lt"/>
-                          <a:ea typeface="+mn-ea"/>
-                          <a:cs typeface="+mn-cs"/>
-                        </a:rPr>
-                        <a:t>100%</a:t>
-                      </a:r>
-                      <a:endParaRPr lang="he-IL" sz="1400" kern="1200" dirty="0" smtClean="0">
-                        <a:solidFill>
-                          <a:schemeClr val="tx1"/>
-                        </a:solidFill>
-                        <a:latin typeface="+mn-lt"/>
-                        <a:ea typeface="+mn-ea"/>
-                        <a:cs typeface="+mn-cs"/>
-                      </a:endParaRPr>
-                    </a:p>
-                  </a:txBody>
-                  <a:tcPr>
-                    <a:lnL w="12700" cap="flat" cmpd="sng" algn="ctr">
-                      <a:noFill/>
-                      <a:prstDash val="solid"/>
-                      <a:round/>
-                      <a:headEnd type="none" w="med" len="med"/>
-                      <a:tailEnd type="none" w="med" len="med"/>
-                    </a:lnL>
-                    <a:lnR w="12700" cap="flat" cmpd="sng" algn="ctr">
-                      <a:noFill/>
-                      <a:prstDash val="solid"/>
-                      <a:round/>
-                      <a:headEnd type="none" w="med" len="med"/>
-                      <a:tailEnd type="none" w="med" len="med"/>
-                    </a:lnR>
-                    <a:lnT w="12700" cap="flat" cmpd="sng" algn="ctr">
-                      <a:noFill/>
-                      <a:prstDash val="solid"/>
-                      <a:round/>
-                      <a:headEnd type="none" w="med" len="med"/>
-                      <a:tailEnd type="none" w="med" len="med"/>
-                    </a:lnT>
-                    <a:lnB w="12700" cap="flat" cmpd="sng" algn="ctr">
-                      <a:noFill/>
-                      <a:prstDash val="solid"/>
-                      <a:round/>
-                      <a:headEnd type="none" w="med" len="med"/>
-                      <a:tailEnd type="none" w="med" len="med"/>
-                    </a:lnB>
-                    <a:lnTlToBr w="12700" cmpd="sng">
-                      <a:noFill/>
-                      <a:prstDash val="solid"/>
-                    </a:lnTlToBr>
-                    <a:lnBlToTr w="12700" cmpd="sng">
-                      <a:noFill/>
-                      <a:prstDash val="solid"/>
-                    </a:lnBlToTr>
-                    <a:solidFill>
-                      <a:schemeClr val="accent1">
-                        <a:lumMod val="40000"/>
-                        <a:lumOff val="60000"/>
-                      </a:schemeClr>
-                    </a:solidFill>
-                  </a:tcPr>
-                </a:tc>
-                <a:tc>
-                  <a:txBody>
-                    <a:bodyPr/>
-                    <a:lstStyle/>
-                    <a:p>
-                      <a:pPr marL="0" indent="0" algn="ctr" defTabSz="457200" rtl="0" eaLnBrk="1" latinLnBrk="0" hangingPunct="1">
-                        <a:buFont typeface="Arial" panose="020B0604020202020204" pitchFamily="34" charset="0"/>
-                        <a:buNone/>
-                      </a:pPr>
-                      <a:r>
-                        <a:rPr lang="en-US" sz="1400" kern="1200" dirty="0" smtClean="0">
+                        <a:rPr lang="en-US" sz="1400" kern="1200">
                           <a:solidFill>
                             <a:schemeClr val="tx1"/>
                           </a:solidFill>
@@ -20890,12 +19544,87 @@
                     <a:bodyPr/>
                     <a:lstStyle/>
                     <a:p>
+                      <a:pPr marL="0" indent="0" algn="ctr" defTabSz="457200" rtl="0" eaLnBrk="1" latinLnBrk="0" hangingPunct="1">
+                        <a:buFont typeface="Arial" panose="020B0604020202020204" pitchFamily="34" charset="0"/>
+                        <a:buNone/>
+                      </a:pPr>
+                      <a:r>
+                        <a:rPr lang="en-US" sz="1400" kern="1200" dirty="0">
+                          <a:solidFill>
+                            <a:schemeClr val="tx1"/>
+                          </a:solidFill>
+                          <a:latin typeface="+mn-lt"/>
+                          <a:ea typeface="+mn-ea"/>
+                          <a:cs typeface="+mn-cs"/>
+                        </a:rPr>
+                        <a:t>100%</a:t>
+                      </a:r>
+                      <a:endParaRPr lang="he-IL" sz="1400" kern="1200" dirty="0">
+                        <a:solidFill>
+                          <a:schemeClr val="tx1"/>
+                        </a:solidFill>
+                        <a:latin typeface="+mn-lt"/>
+                        <a:ea typeface="+mn-ea"/>
+                        <a:cs typeface="+mn-cs"/>
+                      </a:endParaRPr>
+                    </a:p>
+                  </a:txBody>
+                  <a:tcPr>
+                    <a:lnL w="12700" cap="flat" cmpd="sng" algn="ctr">
+                      <a:noFill/>
+                      <a:prstDash val="solid"/>
+                      <a:round/>
+                      <a:headEnd type="none" w="med" len="med"/>
+                      <a:tailEnd type="none" w="med" len="med"/>
+                    </a:lnL>
+                    <a:lnR w="12700" cap="flat" cmpd="sng" algn="ctr">
+                      <a:noFill/>
+                      <a:prstDash val="solid"/>
+                      <a:round/>
+                      <a:headEnd type="none" w="med" len="med"/>
+                      <a:tailEnd type="none" w="med" len="med"/>
+                    </a:lnR>
+                    <a:lnT w="12700" cap="flat" cmpd="sng" algn="ctr">
+                      <a:noFill/>
+                      <a:prstDash val="solid"/>
+                      <a:round/>
+                      <a:headEnd type="none" w="med" len="med"/>
+                      <a:tailEnd type="none" w="med" len="med"/>
+                    </a:lnT>
+                    <a:lnB w="12700" cap="flat" cmpd="sng" algn="ctr">
+                      <a:noFill/>
+                      <a:prstDash val="solid"/>
+                      <a:round/>
+                      <a:headEnd type="none" w="med" len="med"/>
+                      <a:tailEnd type="none" w="med" len="med"/>
+                    </a:lnB>
+                    <a:lnTlToBr w="12700" cmpd="sng">
+                      <a:noFill/>
+                      <a:prstDash val="solid"/>
+                    </a:lnTlToBr>
+                    <a:lnBlToTr w="12700" cmpd="sng">
+                      <a:noFill/>
+                      <a:prstDash val="solid"/>
+                    </a:lnBlToTr>
+                    <a:solidFill>
+                      <a:schemeClr val="accent1">
+                        <a:lumMod val="40000"/>
+                        <a:lumOff val="60000"/>
+                      </a:schemeClr>
+                    </a:solidFill>
+                  </a:tcPr>
+                </a:tc>
+                <a:tc>
+                  <a:txBody>
+                    <a:bodyPr/>
+                    <a:lstStyle/>
+                    <a:p>
                       <a:pPr marL="0" indent="0" algn="ctr" rtl="0">
                         <a:buFont typeface="Arial" panose="020B0604020202020204" pitchFamily="34" charset="0"/>
                         <a:buNone/>
                       </a:pPr>
                       <a:r>
-                        <a:rPr lang="en-US" sz="1400" dirty="0" smtClean="0">
+                        <a:rPr lang="en-US" sz="1400" dirty="0">
                           <a:solidFill>
                             <a:schemeClr val="tx1"/>
                           </a:solidFill>
@@ -20961,7 +19690,7 @@
                     <a:p>
                       <a:pPr algn="ctr"/>
                       <a:r>
-                        <a:rPr lang="en-US" sz="1400" dirty="0" smtClean="0"/>
+                        <a:rPr lang="en-US" sz="1400" dirty="0"/>
                         <a:t>Implement</a:t>
                       </a:r>
                       <a:endParaRPr lang="he-IL" sz="1400" dirty="0"/>
@@ -21019,7 +19748,7 @@
                     <a:p>
                       <a:pPr algn="ctr" rtl="0"/>
                       <a:r>
-                        <a:rPr lang="en-US" sz="1400" dirty="0" smtClean="0"/>
+                        <a:rPr lang="en-US" sz="1400" dirty="0"/>
                         <a:t>Design</a:t>
                       </a:r>
                       <a:endParaRPr lang="he-IL" sz="1400" dirty="0"/>
@@ -21077,7 +19806,7 @@
                     <a:p>
                       <a:pPr algn="l" rtl="0"/>
                       <a:r>
-                        <a:rPr lang="en-US" sz="1400" b="1" dirty="0" smtClean="0"/>
+                        <a:rPr lang="en-US" sz="1400" b="1" dirty="0"/>
                         <a:t>Unit</a:t>
                       </a:r>
                       <a:endParaRPr lang="he-IL" sz="1400" b="1" dirty="0"/>
@@ -21123,6 +19852,11 @@
                     <a:noFill/>
                   </a:tcPr>
                 </a:tc>
+                <a:extLst>
+                  <a:ext uri="{0D108BD9-81ED-4DB2-BD59-A6C34878D82A}">
+                    <a16:rowId xmlns:a16="http://schemas.microsoft.com/office/drawing/2014/main" val="10001"/>
+                  </a:ext>
+                </a:extLst>
               </a:tr>
               <a:tr h="370840">
                 <a:tc>
@@ -21148,7 +19882,7 @@
                         <a:defRPr/>
                       </a:pPr>
                       <a:r>
-                        <a:rPr lang="en-US" sz="1400" kern="1200" smtClean="0">
+                        <a:rPr lang="en-US" sz="1400" kern="1200">
                           <a:solidFill>
                             <a:schemeClr val="tx1"/>
                           </a:solidFill>
@@ -21158,7 +19892,7 @@
                         </a:rPr>
                         <a:t>100%</a:t>
                       </a:r>
-                      <a:endParaRPr lang="he-IL" sz="1400" kern="1200" dirty="0" smtClean="0">
+                      <a:endParaRPr lang="he-IL" sz="1400" kern="1200" dirty="0">
                         <a:solidFill>
                           <a:schemeClr val="tx1"/>
                         </a:solidFill>
@@ -21236,7 +19970,7 @@
                         <a:defRPr/>
                       </a:pPr>
                       <a:r>
-                        <a:rPr lang="en-US" sz="1400" kern="1200" smtClean="0">
+                        <a:rPr lang="en-US" sz="1400" kern="1200">
                           <a:solidFill>
                             <a:schemeClr val="tx1"/>
                           </a:solidFill>
@@ -21246,7 +19980,7 @@
                         </a:rPr>
                         <a:t>100%</a:t>
                       </a:r>
-                      <a:endParaRPr lang="he-IL" sz="1400" kern="1200" dirty="0" smtClean="0">
+                      <a:endParaRPr lang="he-IL" sz="1400" kern="1200" dirty="0">
                         <a:solidFill>
                           <a:schemeClr val="tx1"/>
                         </a:solidFill>
@@ -21311,7 +20045,7 @@
                         <a:buNone/>
                       </a:pPr>
                       <a:r>
-                        <a:rPr lang="en-US" sz="1400" dirty="0" smtClean="0">
+                        <a:rPr lang="en-US" sz="1400" dirty="0">
                           <a:solidFill>
                             <a:schemeClr val="tx1"/>
                           </a:solidFill>
@@ -21377,7 +20111,7 @@
                     <a:p>
                       <a:pPr algn="ctr"/>
                       <a:r>
-                        <a:rPr lang="en-US" sz="1400" dirty="0" smtClean="0"/>
+                        <a:rPr lang="en-US" sz="1400" dirty="0"/>
                         <a:t>Implement</a:t>
                       </a:r>
                       <a:endParaRPr lang="he-IL" sz="1400" dirty="0"/>
@@ -21435,7 +20169,7 @@
                     <a:p>
                       <a:pPr algn="ctr" rtl="0"/>
                       <a:r>
-                        <a:rPr lang="en-US" sz="1400" smtClean="0"/>
+                        <a:rPr lang="en-US" sz="1400"/>
                         <a:t>Design</a:t>
                       </a:r>
                       <a:endParaRPr lang="he-IL" sz="1400" dirty="0"/>
@@ -21493,7 +20227,7 @@
                     <a:p>
                       <a:pPr algn="l" rtl="0"/>
                       <a:r>
-                        <a:rPr lang="en-US" sz="1400" b="1" dirty="0" smtClean="0">
+                        <a:rPr lang="en-US" sz="1400" b="1" dirty="0">
                           <a:solidFill>
                             <a:schemeClr val="tx1"/>
                           </a:solidFill>
@@ -21543,6 +20277,11 @@
                     <a:noFill/>
                   </a:tcPr>
                 </a:tc>
+                <a:extLst>
+                  <a:ext uri="{0D108BD9-81ED-4DB2-BD59-A6C34878D82A}">
+                    <a16:rowId xmlns:a16="http://schemas.microsoft.com/office/drawing/2014/main" val="10002"/>
+                  </a:ext>
+                </a:extLst>
               </a:tr>
               <a:tr h="370840">
                 <a:tc>
@@ -21568,7 +20307,7 @@
                         <a:defRPr/>
                       </a:pPr>
                       <a:r>
-                        <a:rPr lang="en-US" sz="1400" kern="1200" smtClean="0">
+                        <a:rPr lang="en-US" sz="1400" kern="1200">
                           <a:solidFill>
                             <a:schemeClr val="tx1"/>
                           </a:solidFill>
@@ -21578,7 +20317,7 @@
                         </a:rPr>
                         <a:t>100%</a:t>
                       </a:r>
-                      <a:endParaRPr lang="he-IL" sz="1400" kern="1200" dirty="0" smtClean="0">
+                      <a:endParaRPr lang="he-IL" sz="1400" kern="1200" dirty="0">
                         <a:solidFill>
                           <a:schemeClr val="tx1"/>
                         </a:solidFill>
@@ -21656,7 +20395,7 @@
                         <a:defRPr/>
                       </a:pPr>
                       <a:r>
-                        <a:rPr lang="en-US" sz="1400" kern="1200" smtClean="0">
+                        <a:rPr lang="en-US" sz="1400" kern="1200">
                           <a:solidFill>
                             <a:schemeClr val="tx1"/>
                           </a:solidFill>
@@ -21666,7 +20405,7 @@
                         </a:rPr>
                         <a:t>100%</a:t>
                       </a:r>
-                      <a:endParaRPr lang="he-IL" sz="1400" kern="1200" dirty="0" smtClean="0">
+                      <a:endParaRPr lang="he-IL" sz="1400" kern="1200" dirty="0">
                         <a:solidFill>
                           <a:schemeClr val="tx1"/>
                         </a:solidFill>
@@ -21731,7 +20470,7 @@
                         <a:buNone/>
                       </a:pPr>
                       <a:r>
-                        <a:rPr lang="en-US" sz="1400" dirty="0" smtClean="0">
+                        <a:rPr lang="en-US" sz="1400" dirty="0">
                           <a:solidFill>
                             <a:schemeClr val="tx1"/>
                           </a:solidFill>
@@ -21797,7 +20536,7 @@
                     <a:p>
                       <a:pPr algn="ctr"/>
                       <a:r>
-                        <a:rPr lang="en-US" sz="1400" dirty="0" smtClean="0"/>
+                        <a:rPr lang="en-US" sz="1400" dirty="0"/>
                         <a:t>Implement</a:t>
                       </a:r>
                       <a:endParaRPr lang="he-IL" sz="1400" dirty="0"/>
@@ -21855,7 +20594,7 @@
                     <a:p>
                       <a:pPr algn="ctr" rtl="0"/>
                       <a:r>
-                        <a:rPr lang="en-US" sz="1400" smtClean="0"/>
+                        <a:rPr lang="en-US" sz="1400"/>
                         <a:t>Design</a:t>
                       </a:r>
                       <a:endParaRPr lang="he-IL" sz="1400" dirty="0"/>
@@ -21913,7 +20652,7 @@
                     <a:p>
                       <a:pPr algn="l" rtl="0"/>
                       <a:r>
-                        <a:rPr lang="en-US" sz="1400" b="1" dirty="0" smtClean="0">
+                        <a:rPr lang="en-US" sz="1400" b="1" dirty="0">
                           <a:solidFill>
                             <a:schemeClr val="tx1"/>
                           </a:solidFill>
@@ -21963,6 +20702,11 @@
                     <a:noFill/>
                   </a:tcPr>
                 </a:tc>
+                <a:extLst>
+                  <a:ext uri="{0D108BD9-81ED-4DB2-BD59-A6C34878D82A}">
+                    <a16:rowId xmlns:a16="http://schemas.microsoft.com/office/drawing/2014/main" val="10003"/>
+                  </a:ext>
+                </a:extLst>
               </a:tr>
               <a:tr h="370840">
                 <a:tc>
@@ -21988,7 +20732,7 @@
                         <a:defRPr/>
                       </a:pPr>
                       <a:r>
-                        <a:rPr lang="en-US" sz="1400" kern="1200" dirty="0" smtClean="0">
+                        <a:rPr lang="en-US" sz="1400" kern="1200" dirty="0">
                           <a:solidFill>
                             <a:schemeClr val="tx1"/>
                           </a:solidFill>
@@ -21998,7 +20742,7 @@
                         </a:rPr>
                         <a:t>100%</a:t>
                       </a:r>
-                      <a:endParaRPr lang="he-IL" sz="1400" kern="1200" dirty="0" smtClean="0">
+                      <a:endParaRPr lang="he-IL" sz="1400" kern="1200" dirty="0">
                         <a:solidFill>
                           <a:schemeClr val="tx1"/>
                         </a:solidFill>
@@ -22076,7 +20820,7 @@
                         <a:defRPr/>
                       </a:pPr>
                       <a:r>
-                        <a:rPr lang="en-US" sz="1400" kern="1200" dirty="0" smtClean="0">
+                        <a:rPr lang="en-US" sz="1400" kern="1200" dirty="0">
                           <a:solidFill>
                             <a:schemeClr val="tx1"/>
                           </a:solidFill>
@@ -22086,7 +20830,7 @@
                         </a:rPr>
                         <a:t>100%</a:t>
                       </a:r>
-                      <a:endParaRPr lang="he-IL" sz="1400" kern="1200" dirty="0" smtClean="0">
+                      <a:endParaRPr lang="he-IL" sz="1400" kern="1200" dirty="0">
                         <a:solidFill>
                           <a:schemeClr val="tx1"/>
                         </a:solidFill>
@@ -22148,7 +20892,7 @@
                     <a:p>
                       <a:pPr algn="ctr"/>
                       <a:r>
-                        <a:rPr lang="en-US" sz="1400" smtClean="0"/>
+                        <a:rPr lang="en-US" sz="1400"/>
                         <a:t>Implement</a:t>
                       </a:r>
                       <a:endParaRPr lang="he-IL" sz="1400" dirty="0"/>
@@ -22206,7 +20950,7 @@
                     <a:p>
                       <a:pPr algn="ctr"/>
                       <a:r>
-                        <a:rPr lang="en-US" sz="1400" dirty="0" smtClean="0"/>
+                        <a:rPr lang="en-US" sz="1400" dirty="0"/>
                         <a:t>Implement</a:t>
                       </a:r>
                       <a:endParaRPr lang="he-IL" sz="1400" dirty="0"/>
@@ -22264,7 +21008,7 @@
                     <a:p>
                       <a:pPr algn="ctr" rtl="0"/>
                       <a:r>
-                        <a:rPr lang="en-US" sz="1400" smtClean="0"/>
+                        <a:rPr lang="en-US" sz="1400"/>
                         <a:t>Design</a:t>
                       </a:r>
                       <a:endParaRPr lang="he-IL" sz="1400" dirty="0"/>
@@ -22322,7 +21066,7 @@
                     <a:p>
                       <a:pPr algn="l" rtl="0"/>
                       <a:r>
-                        <a:rPr lang="en-US" sz="1400" b="1" kern="1200" dirty="0" smtClean="0">
+                        <a:rPr lang="en-US" sz="1400" b="1" kern="1200" dirty="0">
                           <a:solidFill>
                             <a:schemeClr val="tx1"/>
                           </a:solidFill>
@@ -22382,6 +21126,11 @@
                     <a:noFill/>
                   </a:tcPr>
                 </a:tc>
+                <a:extLst>
+                  <a:ext uri="{0D108BD9-81ED-4DB2-BD59-A6C34878D82A}">
+                    <a16:rowId xmlns:a16="http://schemas.microsoft.com/office/drawing/2014/main" val="10004"/>
+                  </a:ext>
+                </a:extLst>
               </a:tr>
               <a:tr h="370840">
                 <a:tc>
@@ -22407,7 +21156,7 @@
                         <a:defRPr/>
                       </a:pPr>
                       <a:r>
-                        <a:rPr lang="en-US" sz="1400" kern="1200" dirty="0" smtClean="0">
+                        <a:rPr lang="en-US" sz="1400" kern="1200" dirty="0">
                           <a:solidFill>
                             <a:schemeClr val="tx1"/>
                           </a:solidFill>
@@ -22417,7 +21166,7 @@
                         </a:rPr>
                         <a:t>100%</a:t>
                       </a:r>
-                      <a:endParaRPr lang="he-IL" sz="1400" kern="1200" dirty="0" smtClean="0">
+                      <a:endParaRPr lang="he-IL" sz="1400" kern="1200" dirty="0">
                         <a:solidFill>
                           <a:schemeClr val="tx1"/>
                         </a:solidFill>
@@ -22482,7 +21231,7 @@
                         <a:buNone/>
                       </a:pPr>
                       <a:r>
-                        <a:rPr lang="en-US" sz="1400" kern="1200" dirty="0" smtClean="0">
+                        <a:rPr lang="en-US" sz="1400" kern="1200" dirty="0">
                           <a:solidFill>
                             <a:schemeClr val="tx1"/>
                           </a:solidFill>
@@ -22554,7 +21303,7 @@
                     <a:p>
                       <a:pPr algn="ctr"/>
                       <a:r>
-                        <a:rPr lang="en-US" sz="1400" dirty="0" smtClean="0"/>
+                        <a:rPr lang="en-US" sz="1400" dirty="0"/>
                         <a:t>Implement</a:t>
                       </a:r>
                       <a:endParaRPr lang="he-IL" sz="1400" dirty="0"/>
@@ -22612,7 +21361,7 @@
                     <a:p>
                       <a:pPr algn="ctr" rtl="0"/>
                       <a:r>
-                        <a:rPr lang="en-US" sz="1400" dirty="0" smtClean="0"/>
+                        <a:rPr lang="en-US" sz="1400" dirty="0"/>
                         <a:t>Design</a:t>
                       </a:r>
                       <a:endParaRPr lang="he-IL" sz="1400" dirty="0"/>
@@ -22670,7 +21419,7 @@
                     <a:p>
                       <a:pPr algn="ctr" rtl="0"/>
                       <a:r>
-                        <a:rPr lang="en-US" sz="1400" dirty="0" smtClean="0"/>
+                        <a:rPr lang="en-US" sz="1400" dirty="0"/>
                         <a:t>Design</a:t>
                       </a:r>
                       <a:endParaRPr lang="he-IL" sz="1400" dirty="0"/>
@@ -22728,7 +21477,7 @@
                     <a:p>
                       <a:pPr algn="l" rtl="0"/>
                       <a:r>
-                        <a:rPr lang="en-US" sz="1400" b="1" kern="1200" dirty="0" smtClean="0">
+                        <a:rPr lang="en-US" sz="1400" b="1" kern="1200" dirty="0">
                           <a:solidFill>
                             <a:schemeClr val="tx1"/>
                           </a:solidFill>
@@ -22788,6 +21537,11 @@
                     <a:noFill/>
                   </a:tcPr>
                 </a:tc>
+                <a:extLst>
+                  <a:ext uri="{0D108BD9-81ED-4DB2-BD59-A6C34878D82A}">
+                    <a16:rowId xmlns:a16="http://schemas.microsoft.com/office/drawing/2014/main" val="10005"/>
+                  </a:ext>
+                </a:extLst>
               </a:tr>
             </a:tbl>
           </a:graphicData>
@@ -22803,13 +21557,6 @@
   <p:clrMapOvr>
     <a:masterClrMapping/>
   </p:clrMapOvr>
-  <p:timing>
-    <p:tnLst>
-      <p:par>
-        <p:cTn id="1" dur="indefinite" restart="never" nodeType="tmRoot"/>
-      </p:par>
-    </p:tnLst>
-  </p:timing>
 </p:sld>
 </file>
 
@@ -22944,7 +21691,7 @@
               </a:lnSpc>
             </a:pPr>
             <a:r>
-              <a:rPr lang="en-US" sz="5662" dirty="0" smtClean="0">
+              <a:rPr lang="en-US" sz="5662" dirty="0">
                 <a:solidFill>
                   <a:srgbClr val="008037"/>
                 </a:solidFill>
@@ -22952,12 +21699,6 @@
               </a:rPr>
               <a:t>Client</a:t>
             </a:r>
-            <a:endParaRPr lang="en-US" sz="5662" dirty="0">
-              <a:solidFill>
-                <a:srgbClr val="008037"/>
-              </a:solidFill>
-              <a:latin typeface="Norwester"/>
-            </a:endParaRPr>
           </a:p>
         </p:txBody>
       </p:sp>
@@ -22966,7 +21707,7 @@
           <p:cNvPr id="27" name="Group 37">
             <a:extLst>
               <a:ext uri="{FF2B5EF4-FFF2-40B4-BE49-F238E27FC236}">
-                <a16:creationId xmlns="" xmlns:a16="http://schemas.microsoft.com/office/drawing/2014/main" id="{3A1B1429-54EA-DE01-4A5C-E94E4F5C5B72}"/>
+                <a16:creationId xmlns:a16="http://schemas.microsoft.com/office/drawing/2014/main" id="{3A1B1429-54EA-DE01-4A5C-E94E4F5C5B72}"/>
               </a:ext>
             </a:extLst>
           </p:cNvPr>
@@ -22986,7 +21727,7 @@
             <p:cNvPr id="28" name="Group 38">
               <a:extLst>
                 <a:ext uri="{FF2B5EF4-FFF2-40B4-BE49-F238E27FC236}">
-                  <a16:creationId xmlns="" xmlns:a16="http://schemas.microsoft.com/office/drawing/2014/main" id="{BC57A493-060F-544E-8BD0-E8584440AF6E}"/>
+                  <a16:creationId xmlns:a16="http://schemas.microsoft.com/office/drawing/2014/main" id="{BC57A493-060F-544E-8BD0-E8584440AF6E}"/>
                 </a:ext>
               </a:extLst>
             </p:cNvPr>
@@ -23006,7 +21747,7 @@
               <p:cNvPr id="43" name="Freeform 39">
                 <a:extLst>
                   <a:ext uri="{FF2B5EF4-FFF2-40B4-BE49-F238E27FC236}">
-                    <a16:creationId xmlns="" xmlns:a16="http://schemas.microsoft.com/office/drawing/2014/main" id="{D441E0B9-ECBB-0AD9-34C9-2789BBB1FC81}"/>
+                    <a16:creationId xmlns:a16="http://schemas.microsoft.com/office/drawing/2014/main" id="{D441E0B9-ECBB-0AD9-34C9-2789BBB1FC81}"/>
                   </a:ext>
                 </a:extLst>
               </p:cNvPr>
@@ -23063,7 +21804,7 @@
               <p:cNvPr id="44" name="TextBox 40">
                 <a:extLst>
                   <a:ext uri="{FF2B5EF4-FFF2-40B4-BE49-F238E27FC236}">
-                    <a16:creationId xmlns="" xmlns:a16="http://schemas.microsoft.com/office/drawing/2014/main" id="{086322A3-E42B-AF7F-6B1A-4E3DBA7BDA90}"/>
+                    <a16:creationId xmlns:a16="http://schemas.microsoft.com/office/drawing/2014/main" id="{086322A3-E42B-AF7F-6B1A-4E3DBA7BDA90}"/>
                   </a:ext>
                 </a:extLst>
               </p:cNvPr>
@@ -23101,7 +21842,7 @@
             <p:cNvPr id="29" name="Group 41">
               <a:extLst>
                 <a:ext uri="{FF2B5EF4-FFF2-40B4-BE49-F238E27FC236}">
-                  <a16:creationId xmlns="" xmlns:a16="http://schemas.microsoft.com/office/drawing/2014/main" id="{BDBE4C74-8E19-8B20-6D74-2AE3898BB4E5}"/>
+                  <a16:creationId xmlns:a16="http://schemas.microsoft.com/office/drawing/2014/main" id="{BDBE4C74-8E19-8B20-6D74-2AE3898BB4E5}"/>
                 </a:ext>
               </a:extLst>
             </p:cNvPr>
@@ -23121,7 +21862,7 @@
               <p:cNvPr id="41" name="Freeform 42">
                 <a:extLst>
                   <a:ext uri="{FF2B5EF4-FFF2-40B4-BE49-F238E27FC236}">
-                    <a16:creationId xmlns="" xmlns:a16="http://schemas.microsoft.com/office/drawing/2014/main" id="{632889DE-6FDD-35E4-AD8C-D88A0F2A6E65}"/>
+                    <a16:creationId xmlns:a16="http://schemas.microsoft.com/office/drawing/2014/main" id="{632889DE-6FDD-35E4-AD8C-D88A0F2A6E65}"/>
                   </a:ext>
                 </a:extLst>
               </p:cNvPr>
@@ -23178,7 +21919,7 @@
               <p:cNvPr id="42" name="TextBox 43">
                 <a:extLst>
                   <a:ext uri="{FF2B5EF4-FFF2-40B4-BE49-F238E27FC236}">
-                    <a16:creationId xmlns="" xmlns:a16="http://schemas.microsoft.com/office/drawing/2014/main" id="{8D7DBB68-594B-F5D2-B7FA-0D3120DAB80F}"/>
+                    <a16:creationId xmlns:a16="http://schemas.microsoft.com/office/drawing/2014/main" id="{8D7DBB68-594B-F5D2-B7FA-0D3120DAB80F}"/>
                   </a:ext>
                 </a:extLst>
               </p:cNvPr>
@@ -23216,7 +21957,7 @@
             <p:cNvPr id="30" name="Group 44">
               <a:extLst>
                 <a:ext uri="{FF2B5EF4-FFF2-40B4-BE49-F238E27FC236}">
-                  <a16:creationId xmlns="" xmlns:a16="http://schemas.microsoft.com/office/drawing/2014/main" id="{9F8DD0D9-1518-0966-A925-A6AA7188C5BD}"/>
+                  <a16:creationId xmlns:a16="http://schemas.microsoft.com/office/drawing/2014/main" id="{9F8DD0D9-1518-0966-A925-A6AA7188C5BD}"/>
                 </a:ext>
               </a:extLst>
             </p:cNvPr>
@@ -23236,7 +21977,7 @@
               <p:cNvPr id="39" name="Freeform 45">
                 <a:extLst>
                   <a:ext uri="{FF2B5EF4-FFF2-40B4-BE49-F238E27FC236}">
-                    <a16:creationId xmlns="" xmlns:a16="http://schemas.microsoft.com/office/drawing/2014/main" id="{EF9CC67E-2026-046F-2465-618DF1F705B9}"/>
+                    <a16:creationId xmlns:a16="http://schemas.microsoft.com/office/drawing/2014/main" id="{EF9CC67E-2026-046F-2465-618DF1F705B9}"/>
                   </a:ext>
                 </a:extLst>
               </p:cNvPr>
@@ -23282,7 +22023,7 @@
               <p:cNvPr id="40" name="TextBox 46">
                 <a:extLst>
                   <a:ext uri="{FF2B5EF4-FFF2-40B4-BE49-F238E27FC236}">
-                    <a16:creationId xmlns="" xmlns:a16="http://schemas.microsoft.com/office/drawing/2014/main" id="{CC925E18-10C9-A5A8-A858-423648EDD81B}"/>
+                    <a16:creationId xmlns:a16="http://schemas.microsoft.com/office/drawing/2014/main" id="{CC925E18-10C9-A5A8-A858-423648EDD81B}"/>
                   </a:ext>
                 </a:extLst>
               </p:cNvPr>
@@ -23320,7 +22061,7 @@
             <p:cNvPr id="31" name="Group 47">
               <a:extLst>
                 <a:ext uri="{FF2B5EF4-FFF2-40B4-BE49-F238E27FC236}">
-                  <a16:creationId xmlns="" xmlns:a16="http://schemas.microsoft.com/office/drawing/2014/main" id="{6745063D-6EA9-5A29-B4CF-AB1D4C6E356D}"/>
+                  <a16:creationId xmlns:a16="http://schemas.microsoft.com/office/drawing/2014/main" id="{6745063D-6EA9-5A29-B4CF-AB1D4C6E356D}"/>
                 </a:ext>
               </a:extLst>
             </p:cNvPr>
@@ -23340,7 +22081,7 @@
               <p:cNvPr id="37" name="Freeform 48">
                 <a:extLst>
                   <a:ext uri="{FF2B5EF4-FFF2-40B4-BE49-F238E27FC236}">
-                    <a16:creationId xmlns="" xmlns:a16="http://schemas.microsoft.com/office/drawing/2014/main" id="{71B77278-6E78-EA59-45AC-65F73A374224}"/>
+                    <a16:creationId xmlns:a16="http://schemas.microsoft.com/office/drawing/2014/main" id="{71B77278-6E78-EA59-45AC-65F73A374224}"/>
                   </a:ext>
                 </a:extLst>
               </p:cNvPr>
@@ -23397,7 +22138,7 @@
               <p:cNvPr id="38" name="TextBox 49">
                 <a:extLst>
                   <a:ext uri="{FF2B5EF4-FFF2-40B4-BE49-F238E27FC236}">
-                    <a16:creationId xmlns="" xmlns:a16="http://schemas.microsoft.com/office/drawing/2014/main" id="{29DF2333-9DB1-9180-4E42-D35FF732F474}"/>
+                    <a16:creationId xmlns:a16="http://schemas.microsoft.com/office/drawing/2014/main" id="{29DF2333-9DB1-9180-4E42-D35FF732F474}"/>
                   </a:ext>
                 </a:extLst>
               </p:cNvPr>
@@ -23435,7 +22176,7 @@
             <p:cNvPr id="32" name="Group 50">
               <a:extLst>
                 <a:ext uri="{FF2B5EF4-FFF2-40B4-BE49-F238E27FC236}">
-                  <a16:creationId xmlns="" xmlns:a16="http://schemas.microsoft.com/office/drawing/2014/main" id="{401F4EB3-7E82-D282-2397-74F2596E43DC}"/>
+                  <a16:creationId xmlns:a16="http://schemas.microsoft.com/office/drawing/2014/main" id="{401F4EB3-7E82-D282-2397-74F2596E43DC}"/>
                 </a:ext>
               </a:extLst>
             </p:cNvPr>
@@ -23455,7 +22196,7 @@
               <p:cNvPr id="35" name="Freeform 51">
                 <a:extLst>
                   <a:ext uri="{FF2B5EF4-FFF2-40B4-BE49-F238E27FC236}">
-                    <a16:creationId xmlns="" xmlns:a16="http://schemas.microsoft.com/office/drawing/2014/main" id="{AE19A60F-F7CF-668A-1892-66D6507AE0EB}"/>
+                    <a16:creationId xmlns:a16="http://schemas.microsoft.com/office/drawing/2014/main" id="{AE19A60F-F7CF-668A-1892-66D6507AE0EB}"/>
                   </a:ext>
                 </a:extLst>
               </p:cNvPr>
@@ -23512,7 +22253,7 @@
               <p:cNvPr id="36" name="TextBox 52">
                 <a:extLst>
                   <a:ext uri="{FF2B5EF4-FFF2-40B4-BE49-F238E27FC236}">
-                    <a16:creationId xmlns="" xmlns:a16="http://schemas.microsoft.com/office/drawing/2014/main" id="{2BDDECC9-17F8-15A3-17B8-DBB8AE5FD9AF}"/>
+                    <a16:creationId xmlns:a16="http://schemas.microsoft.com/office/drawing/2014/main" id="{2BDDECC9-17F8-15A3-17B8-DBB8AE5FD9AF}"/>
                   </a:ext>
                 </a:extLst>
               </p:cNvPr>
@@ -23550,7 +22291,7 @@
             <p:cNvPr id="33" name="TextBox 53">
               <a:extLst>
                 <a:ext uri="{FF2B5EF4-FFF2-40B4-BE49-F238E27FC236}">
-                  <a16:creationId xmlns="" xmlns:a16="http://schemas.microsoft.com/office/drawing/2014/main" id="{2C2792B5-BDC3-A31B-DD00-EF83B137EF0E}"/>
+                  <a16:creationId xmlns:a16="http://schemas.microsoft.com/office/drawing/2014/main" id="{2C2792B5-BDC3-A31B-DD00-EF83B137EF0E}"/>
                 </a:ext>
               </a:extLst>
             </p:cNvPr>
@@ -23594,7 +22335,7 @@
             <p:cNvPr id="34" name="TextBox 54">
               <a:extLst>
                 <a:ext uri="{FF2B5EF4-FFF2-40B4-BE49-F238E27FC236}">
-                  <a16:creationId xmlns="" xmlns:a16="http://schemas.microsoft.com/office/drawing/2014/main" id="{1B6C4880-A844-E813-ABC4-C0DDD91DD990}"/>
+                  <a16:creationId xmlns:a16="http://schemas.microsoft.com/office/drawing/2014/main" id="{1B6C4880-A844-E813-ABC4-C0DDD91DD990}"/>
                 </a:ext>
               </a:extLst>
             </p:cNvPr>
@@ -23677,7 +22418,7 @@
           <a:p>
             <a:pPr algn="ctr"/>
             <a:r>
-              <a:rPr lang="en-US" sz="1400" dirty="0" smtClean="0">
+              <a:rPr lang="en-US" sz="1400" dirty="0">
                 <a:solidFill>
                   <a:schemeClr val="accent2"/>
                 </a:solidFill>
@@ -23701,14 +22442,14 @@
           <p:nvPr>
             <p:extLst>
               <p:ext uri="{D42A27DB-BD31-4B8C-83A1-F6EECF244321}">
-                <p14:modId xmlns:p14="http://schemas.microsoft.com/office/powerpoint/2010/main" val="106788265"/>
+                <p14:modId xmlns:p14="http://schemas.microsoft.com/office/powerpoint/2010/main" val="3990310909"/>
               </p:ext>
             </p:extLst>
           </p:nvPr>
         </p:nvGraphicFramePr>
         <p:xfrm>
           <a:off x="350078" y="1853070"/>
-          <a:ext cx="11618756" cy="4405712"/>
+          <a:ext cx="11618756" cy="4034872"/>
         </p:xfrm>
         <a:graphic>
           <a:graphicData uri="http://schemas.openxmlformats.org/drawingml/2006/table">
@@ -23717,12 +22458,48 @@
                 <a:tableStyleId>{5C22544A-7EE6-4342-B048-85BDC9FD1C3A}</a:tableStyleId>
               </a:tblPr>
               <a:tblGrid>
-                <a:gridCol w="1801568"/>
-                <a:gridCol w="1880558"/>
-                <a:gridCol w="1923691"/>
-                <a:gridCol w="1820173"/>
-                <a:gridCol w="1837427"/>
-                <a:gridCol w="2355339"/>
+                <a:gridCol w="1801568">
+                  <a:extLst>
+                    <a:ext uri="{9D8B030D-6E8A-4147-A177-3AD203B41FA5}">
+                      <a16:colId xmlns:a16="http://schemas.microsoft.com/office/drawing/2014/main" val="20000"/>
+                    </a:ext>
+                  </a:extLst>
+                </a:gridCol>
+                <a:gridCol w="1880558">
+                  <a:extLst>
+                    <a:ext uri="{9D8B030D-6E8A-4147-A177-3AD203B41FA5}">
+                      <a16:colId xmlns:a16="http://schemas.microsoft.com/office/drawing/2014/main" val="20001"/>
+                    </a:ext>
+                  </a:extLst>
+                </a:gridCol>
+                <a:gridCol w="1923691">
+                  <a:extLst>
+                    <a:ext uri="{9D8B030D-6E8A-4147-A177-3AD203B41FA5}">
+                      <a16:colId xmlns:a16="http://schemas.microsoft.com/office/drawing/2014/main" val="20002"/>
+                    </a:ext>
+                  </a:extLst>
+                </a:gridCol>
+                <a:gridCol w="1820173">
+                  <a:extLst>
+                    <a:ext uri="{9D8B030D-6E8A-4147-A177-3AD203B41FA5}">
+                      <a16:colId xmlns:a16="http://schemas.microsoft.com/office/drawing/2014/main" val="20003"/>
+                    </a:ext>
+                  </a:extLst>
+                </a:gridCol>
+                <a:gridCol w="1837427">
+                  <a:extLst>
+                    <a:ext uri="{9D8B030D-6E8A-4147-A177-3AD203B41FA5}">
+                      <a16:colId xmlns:a16="http://schemas.microsoft.com/office/drawing/2014/main" val="20004"/>
+                    </a:ext>
+                  </a:extLst>
+                </a:gridCol>
+                <a:gridCol w="2355339">
+                  <a:extLst>
+                    <a:ext uri="{9D8B030D-6E8A-4147-A177-3AD203B41FA5}">
+                      <a16:colId xmlns:a16="http://schemas.microsoft.com/office/drawing/2014/main" val="20005"/>
+                    </a:ext>
+                  </a:extLst>
+                </a:gridCol>
               </a:tblGrid>
               <a:tr h="370840">
                 <a:tc>
@@ -23732,7 +22509,7 @@
                     <a:p>
                       <a:pPr algn="ctr" rtl="0"/>
                       <a:r>
-                        <a:rPr lang="en-US" sz="1800" b="1" u="none" kern="1200" dirty="0" smtClean="0">
+                        <a:rPr lang="en-US" sz="1800" b="1" u="none" kern="1200" dirty="0">
                           <a:solidFill>
                             <a:schemeClr val="tx1"/>
                           </a:solidFill>
@@ -23799,7 +22576,7 @@
                     <a:p>
                       <a:pPr algn="ctr" rtl="0"/>
                       <a:r>
-                        <a:rPr lang="en-US" sz="1800" b="1" u="none" kern="1200" dirty="0" smtClean="0">
+                        <a:rPr lang="en-US" sz="1800" b="1" u="none" kern="1200" dirty="0">
                           <a:solidFill>
                             <a:schemeClr val="tx1"/>
                           </a:solidFill>
@@ -23866,7 +22643,7 @@
                     <a:p>
                       <a:pPr algn="ctr" rtl="0"/>
                       <a:r>
-                        <a:rPr lang="en-US" sz="1800" b="1" u="none" kern="1200" dirty="0" smtClean="0">
+                        <a:rPr lang="en-US" sz="1800" b="1" u="none" kern="1200" dirty="0">
                           <a:solidFill>
                             <a:schemeClr val="tx1"/>
                           </a:solidFill>
@@ -23933,7 +22710,7 @@
                     <a:p>
                       <a:pPr algn="ctr" rtl="0"/>
                       <a:r>
-                        <a:rPr lang="en-US" sz="1800" b="1" u="none" kern="1200" dirty="0" smtClean="0">
+                        <a:rPr lang="en-US" sz="1800" b="1" u="none" kern="1200" dirty="0">
                           <a:solidFill>
                             <a:schemeClr val="tx1"/>
                           </a:solidFill>
@@ -24000,7 +22777,7 @@
                     <a:p>
                       <a:pPr algn="ctr" rtl="0"/>
                       <a:r>
-                        <a:rPr lang="en-US" sz="1800" b="1" u="none" kern="1200" dirty="0" smtClean="0">
+                        <a:rPr lang="en-US" sz="1800" b="1" u="none" kern="1200" dirty="0">
                           <a:solidFill>
                             <a:schemeClr val="tx1"/>
                           </a:solidFill>
@@ -24116,6 +22893,11 @@
                     <a:noFill/>
                   </a:tcPr>
                 </a:tc>
+                <a:extLst>
+                  <a:ext uri="{0D108BD9-81ED-4DB2-BD59-A6C34878D82A}">
+                    <a16:rowId xmlns:a16="http://schemas.microsoft.com/office/drawing/2014/main" val="10000"/>
+                  </a:ext>
+                </a:extLst>
               </a:tr>
               <a:tr h="348656">
                 <a:tc>
@@ -24140,7 +22922,7 @@
                         <a:tabLst/>
                         <a:defRPr/>
                       </a:pPr>
-                      <a:endParaRPr lang="he-IL" sz="1400" kern="1200" dirty="0" smtClean="0">
+                      <a:endParaRPr lang="he-IL" sz="1400" kern="1200" dirty="0">
                         <a:solidFill>
                           <a:schemeClr val="tx1"/>
                         </a:solidFill>
@@ -24381,7 +23163,7 @@
                     <a:p>
                       <a:pPr algn="ctr"/>
                       <a:r>
-                        <a:rPr lang="en-US" sz="1400" dirty="0" smtClean="0"/>
+                        <a:rPr lang="en-US" sz="1400" dirty="0"/>
                         <a:t>Done</a:t>
                       </a:r>
                       <a:endParaRPr lang="he-IL" sz="1400" dirty="0"/>
@@ -24455,7 +23237,7 @@
                         <a:defRPr/>
                       </a:pPr>
                       <a:r>
-                        <a:rPr lang="en-US" sz="1400" b="1" kern="1200" dirty="0" smtClean="0">
+                        <a:rPr lang="en-US" sz="1400" b="1" kern="1200" dirty="0">
                           <a:solidFill>
                             <a:schemeClr val="tx1"/>
                           </a:solidFill>
@@ -24465,7 +23247,7 @@
                         </a:rPr>
                         <a:t>Login Window</a:t>
                       </a:r>
-                      <a:endParaRPr lang="he-IL" sz="1400" b="1" kern="1200" dirty="0" smtClean="0">
+                      <a:endParaRPr lang="he-IL" sz="1400" b="1" kern="1200" dirty="0">
                         <a:solidFill>
                           <a:schemeClr val="tx1"/>
                         </a:solidFill>
@@ -24515,6 +23297,11 @@
                     <a:noFill/>
                   </a:tcPr>
                 </a:tc>
+                <a:extLst>
+                  <a:ext uri="{0D108BD9-81ED-4DB2-BD59-A6C34878D82A}">
+                    <a16:rowId xmlns:a16="http://schemas.microsoft.com/office/drawing/2014/main" val="10001"/>
+                  </a:ext>
+                </a:extLst>
               </a:tr>
               <a:tr h="348656">
                 <a:tc>
@@ -24539,7 +23326,7 @@
                         <a:tabLst/>
                         <a:defRPr/>
                       </a:pPr>
-                      <a:endParaRPr lang="he-IL" sz="1400" kern="1200" dirty="0" smtClean="0">
+                      <a:endParaRPr lang="he-IL" sz="1400" kern="1200" dirty="0">
                         <a:solidFill>
                           <a:schemeClr val="tx1"/>
                         </a:solidFill>
@@ -24780,7 +23567,7 @@
                     <a:p>
                       <a:pPr algn="ctr"/>
                       <a:r>
-                        <a:rPr lang="en-US" sz="1400" smtClean="0"/>
+                        <a:rPr lang="en-US" sz="1400"/>
                         <a:t>Done</a:t>
                       </a:r>
                       <a:endParaRPr lang="he-IL" sz="1400" dirty="0"/>
@@ -24838,7 +23625,7 @@
                     <a:p>
                       <a:pPr marL="0" algn="l" defTabSz="457200" rtl="0" eaLnBrk="1" latinLnBrk="0" hangingPunct="1"/>
                       <a:r>
-                        <a:rPr lang="en-US" sz="1400" b="1" kern="1200" dirty="0" smtClean="0">
+                        <a:rPr lang="en-US" sz="1400" b="1" kern="1200" dirty="0">
                           <a:solidFill>
                             <a:schemeClr val="tx1"/>
                           </a:solidFill>
@@ -24898,6 +23685,11 @@
                     <a:noFill/>
                   </a:tcPr>
                 </a:tc>
+                <a:extLst>
+                  <a:ext uri="{0D108BD9-81ED-4DB2-BD59-A6C34878D82A}">
+                    <a16:rowId xmlns:a16="http://schemas.microsoft.com/office/drawing/2014/main" val="10002"/>
+                  </a:ext>
+                </a:extLst>
               </a:tr>
               <a:tr h="370840">
                 <a:tc>
@@ -24922,7 +23714,7 @@
                         <a:tabLst/>
                         <a:defRPr/>
                       </a:pPr>
-                      <a:endParaRPr lang="he-IL" sz="1400" kern="1200" dirty="0" smtClean="0">
+                      <a:endParaRPr lang="he-IL" sz="1400" kern="1200" dirty="0">
                         <a:solidFill>
                           <a:schemeClr val="tx1"/>
                         </a:solidFill>
@@ -24999,7 +23791,7 @@
                         <a:tabLst/>
                         <a:defRPr/>
                       </a:pPr>
-                      <a:endParaRPr lang="he-IL" sz="1400" dirty="0" smtClean="0">
+                      <a:endParaRPr lang="he-IL" sz="1400" dirty="0">
                         <a:solidFill>
                           <a:schemeClr val="tx1"/>
                         </a:solidFill>
@@ -25173,7 +23965,7 @@
                     <a:p>
                       <a:pPr algn="ctr"/>
                       <a:r>
-                        <a:rPr lang="en-US" sz="1400" smtClean="0"/>
+                        <a:rPr lang="en-US" sz="1400"/>
                         <a:t>Done</a:t>
                       </a:r>
                       <a:endParaRPr lang="he-IL" sz="1400" dirty="0"/>
@@ -25231,7 +24023,7 @@
                     <a:p>
                       <a:pPr marL="0" algn="l" defTabSz="457200" rtl="0" eaLnBrk="1" latinLnBrk="0" hangingPunct="1"/>
                       <a:r>
-                        <a:rPr lang="en-US" sz="1400" b="1" kern="1200" dirty="0" smtClean="0">
+                        <a:rPr lang="en-US" sz="1400" b="1" kern="1200" dirty="0">
                           <a:solidFill>
                             <a:schemeClr val="tx1"/>
                           </a:solidFill>
@@ -25291,6 +24083,11 @@
                     <a:noFill/>
                   </a:tcPr>
                 </a:tc>
+                <a:extLst>
+                  <a:ext uri="{0D108BD9-81ED-4DB2-BD59-A6C34878D82A}">
+                    <a16:rowId xmlns:a16="http://schemas.microsoft.com/office/drawing/2014/main" val="10003"/>
+                  </a:ext>
+                </a:extLst>
               </a:tr>
               <a:tr h="370840">
                 <a:tc>
@@ -25315,7 +24112,7 @@
                         <a:tabLst/>
                         <a:defRPr/>
                       </a:pPr>
-                      <a:endParaRPr lang="he-IL" sz="1400" kern="1200" dirty="0" smtClean="0">
+                      <a:endParaRPr lang="he-IL" sz="1400" kern="1200" dirty="0">
                         <a:solidFill>
                           <a:schemeClr val="tx1"/>
                         </a:solidFill>
@@ -25392,7 +24189,7 @@
                         <a:tabLst/>
                         <a:defRPr/>
                       </a:pPr>
-                      <a:endParaRPr lang="he-IL" sz="1400" dirty="0" smtClean="0">
+                      <a:endParaRPr lang="he-IL" sz="1400" dirty="0">
                         <a:solidFill>
                           <a:schemeClr val="tx1"/>
                         </a:solidFill>
@@ -25566,7 +24363,7 @@
                     <a:p>
                       <a:pPr algn="ctr"/>
                       <a:r>
-                        <a:rPr lang="en-US" sz="1400" dirty="0" smtClean="0"/>
+                        <a:rPr lang="en-US" sz="1400" dirty="0"/>
                         <a:t>Done</a:t>
                       </a:r>
                       <a:endParaRPr lang="he-IL" sz="1400" dirty="0"/>
@@ -25624,7 +24421,7 @@
                     <a:p>
                       <a:pPr marL="0" algn="l" defTabSz="457200" rtl="0" eaLnBrk="1" latinLnBrk="0" hangingPunct="1"/>
                       <a:r>
-                        <a:rPr lang="en-US" sz="1400" b="1" kern="1200" dirty="0" smtClean="0">
+                        <a:rPr lang="en-US" sz="1400" b="1" kern="1200" dirty="0">
                           <a:solidFill>
                             <a:schemeClr val="tx1"/>
                           </a:solidFill>
@@ -25684,6 +24481,11 @@
                     <a:noFill/>
                   </a:tcPr>
                 </a:tc>
+                <a:extLst>
+                  <a:ext uri="{0D108BD9-81ED-4DB2-BD59-A6C34878D82A}">
+                    <a16:rowId xmlns:a16="http://schemas.microsoft.com/office/drawing/2014/main" val="10004"/>
+                  </a:ext>
+                </a:extLst>
               </a:tr>
               <a:tr h="370840">
                 <a:tc>
@@ -25708,7 +24510,7 @@
                         <a:tabLst/>
                         <a:defRPr/>
                       </a:pPr>
-                      <a:endParaRPr lang="he-IL" sz="1400" kern="1200" dirty="0" smtClean="0">
+                      <a:endParaRPr lang="he-IL" sz="1400" kern="1200" dirty="0">
                         <a:solidFill>
                           <a:schemeClr val="tx1"/>
                         </a:solidFill>
@@ -25942,7 +24744,7 @@
                     <a:p>
                       <a:pPr algn="ctr"/>
                       <a:r>
-                        <a:rPr lang="en-US" sz="1400" smtClean="0"/>
+                        <a:rPr lang="en-US" sz="1400"/>
                         <a:t>Done</a:t>
                       </a:r>
                       <a:endParaRPr lang="he-IL" sz="1400" dirty="0"/>
@@ -26000,7 +24802,7 @@
                     <a:p>
                       <a:pPr marL="0" algn="l" defTabSz="457200" rtl="0" eaLnBrk="1" latinLnBrk="0" hangingPunct="1"/>
                       <a:r>
-                        <a:rPr lang="en-US" sz="1400" b="1" kern="1200" dirty="0" smtClean="0">
+                        <a:rPr lang="en-US" sz="1400" b="1" kern="1200" dirty="0">
                           <a:solidFill>
                             <a:schemeClr val="tx1"/>
                           </a:solidFill>
@@ -26060,6 +24862,11 @@
                     <a:noFill/>
                   </a:tcPr>
                 </a:tc>
+                <a:extLst>
+                  <a:ext uri="{0D108BD9-81ED-4DB2-BD59-A6C34878D82A}">
+                    <a16:rowId xmlns:a16="http://schemas.microsoft.com/office/drawing/2014/main" val="10005"/>
+                  </a:ext>
+                </a:extLst>
               </a:tr>
               <a:tr h="370840">
                 <a:tc>
@@ -26084,7 +24891,7 @@
                         <a:tabLst/>
                         <a:defRPr/>
                       </a:pPr>
-                      <a:endParaRPr lang="he-IL" sz="1400" kern="1200" dirty="0" smtClean="0">
+                      <a:endParaRPr lang="he-IL" sz="1400" kern="1200" dirty="0">
                         <a:solidFill>
                           <a:schemeClr val="tx1"/>
                         </a:solidFill>
@@ -26318,7 +25125,7 @@
                     <a:p>
                       <a:pPr algn="ctr"/>
                       <a:r>
-                        <a:rPr lang="en-US" sz="1400" dirty="0" smtClean="0"/>
+                        <a:rPr lang="en-US" sz="1400" dirty="0"/>
                         <a:t>Done</a:t>
                       </a:r>
                       <a:endParaRPr lang="he-IL" sz="1400" dirty="0"/>
@@ -26392,7 +25199,7 @@
                         <a:defRPr/>
                       </a:pPr>
                       <a:r>
-                        <a:rPr lang="en-US" sz="1400" b="1" kern="1200" dirty="0" smtClean="0">
+                        <a:rPr lang="en-US" sz="1400" b="1" kern="1200" dirty="0">
                           <a:solidFill>
                             <a:schemeClr val="tx1"/>
                           </a:solidFill>
@@ -26402,7 +25209,7 @@
                         </a:rPr>
                         <a:t>Questions Window</a:t>
                       </a:r>
-                      <a:endParaRPr lang="he-IL" sz="1400" b="1" kern="1200" dirty="0" smtClean="0">
+                      <a:endParaRPr lang="he-IL" sz="1400" b="1" kern="1200" dirty="0">
                         <a:solidFill>
                           <a:schemeClr val="tx1"/>
                         </a:solidFill>
@@ -26452,6 +25259,11 @@
                     <a:noFill/>
                   </a:tcPr>
                 </a:tc>
+                <a:extLst>
+                  <a:ext uri="{0D108BD9-81ED-4DB2-BD59-A6C34878D82A}">
+                    <a16:rowId xmlns:a16="http://schemas.microsoft.com/office/drawing/2014/main" val="10006"/>
+                  </a:ext>
+                </a:extLst>
               </a:tr>
               <a:tr h="370840">
                 <a:tc>
@@ -26476,7 +25288,7 @@
                         <a:tabLst/>
                         <a:defRPr/>
                       </a:pPr>
-                      <a:endParaRPr lang="he-IL" sz="1400" kern="1200" dirty="0" smtClean="0">
+                      <a:endParaRPr lang="he-IL" sz="1400" kern="1200" dirty="0">
                         <a:solidFill>
                           <a:schemeClr val="tx1"/>
                         </a:solidFill>
@@ -26656,8 +25468,8 @@
                     <a:p>
                       <a:pPr algn="ctr" rtl="0"/>
                       <a:r>
-                        <a:rPr lang="en-US" sz="1400" dirty="0" smtClean="0"/>
-                        <a:t>Amit</a:t>
+                        <a:rPr lang="en-US" sz="1400" dirty="0"/>
+                        <a:t>Done</a:t>
                       </a:r>
                       <a:endParaRPr lang="he-IL" sz="1400" dirty="0"/>
                     </a:p>
@@ -26784,7 +25596,7 @@
                         <a:defRPr/>
                       </a:pPr>
                       <a:r>
-                        <a:rPr lang="en-US" sz="1400" b="1" kern="1200" dirty="0" smtClean="0">
+                        <a:rPr lang="en-US" sz="1400" b="1" kern="1200" dirty="0">
                           <a:solidFill>
                             <a:schemeClr val="tx1"/>
                           </a:solidFill>
@@ -26794,7 +25606,7 @@
                         </a:rPr>
                         <a:t>Hazards Window</a:t>
                       </a:r>
-                      <a:endParaRPr lang="he-IL" sz="1400" b="1" kern="1200" dirty="0" smtClean="0">
+                      <a:endParaRPr lang="he-IL" sz="1400" b="1" kern="1200" dirty="0">
                         <a:solidFill>
                           <a:schemeClr val="tx1"/>
                         </a:solidFill>
@@ -26844,6 +25656,11 @@
                     <a:noFill/>
                   </a:tcPr>
                 </a:tc>
+                <a:extLst>
+                  <a:ext uri="{0D108BD9-81ED-4DB2-BD59-A6C34878D82A}">
+                    <a16:rowId xmlns:a16="http://schemas.microsoft.com/office/drawing/2014/main" val="10007"/>
+                  </a:ext>
+                </a:extLst>
               </a:tr>
               <a:tr h="370840">
                 <a:tc>
@@ -26868,7 +25685,7 @@
                         <a:tabLst/>
                         <a:defRPr/>
                       </a:pPr>
-                      <a:endParaRPr lang="he-IL" sz="1400" kern="1200" dirty="0" smtClean="0">
+                      <a:endParaRPr lang="he-IL" sz="1400" kern="1200" dirty="0">
                         <a:solidFill>
                           <a:schemeClr val="tx1"/>
                         </a:solidFill>
@@ -27048,7 +25865,7 @@
                     <a:p>
                       <a:pPr algn="ctr" rtl="0"/>
                       <a:r>
-                        <a:rPr lang="en-US" sz="1400" smtClean="0"/>
+                        <a:rPr lang="en-US" sz="1400" dirty="0"/>
                         <a:t>Amit</a:t>
                       </a:r>
                       <a:endParaRPr lang="he-IL" sz="1400" dirty="0"/>
@@ -27160,7 +25977,7 @@
                     <a:p>
                       <a:pPr algn="l" rtl="0"/>
                       <a:r>
-                        <a:rPr lang="en-US" sz="1400" b="1" kern="1200" dirty="0" smtClean="0">
+                        <a:rPr lang="en-US" sz="1400" b="1" kern="1200" dirty="0">
                           <a:solidFill>
                             <a:schemeClr val="tx1"/>
                           </a:solidFill>
@@ -27171,7 +25988,7 @@
                         <a:t>Rides</a:t>
                       </a:r>
                       <a:r>
-                        <a:rPr lang="en-US" sz="1400" b="1" kern="1200" baseline="0" dirty="0" smtClean="0">
+                        <a:rPr lang="en-US" sz="1400" b="1" kern="1200" baseline="0" dirty="0">
                           <a:solidFill>
                             <a:schemeClr val="tx1"/>
                           </a:solidFill>
@@ -27231,6 +26048,11 @@
                     <a:noFill/>
                   </a:tcPr>
                 </a:tc>
+                <a:extLst>
+                  <a:ext uri="{0D108BD9-81ED-4DB2-BD59-A6C34878D82A}">
+                    <a16:rowId xmlns:a16="http://schemas.microsoft.com/office/drawing/2014/main" val="10008"/>
+                  </a:ext>
+                </a:extLst>
               </a:tr>
               <a:tr h="370840">
                 <a:tc>
@@ -27255,7 +26077,7 @@
                         <a:tabLst/>
                         <a:defRPr/>
                       </a:pPr>
-                      <a:endParaRPr lang="he-IL" sz="1400" kern="1200" dirty="0" smtClean="0">
+                      <a:endParaRPr lang="he-IL" sz="1400" kern="1200" dirty="0">
                         <a:solidFill>
                           <a:schemeClr val="tx1"/>
                         </a:solidFill>
@@ -27435,7 +26257,7 @@
                     <a:p>
                       <a:pPr algn="ctr" rtl="0"/>
                       <a:r>
-                        <a:rPr lang="en-US" sz="1400" smtClean="0"/>
+                        <a:rPr lang="en-US" sz="1400" dirty="0"/>
                         <a:t>Amit</a:t>
                       </a:r>
                       <a:endParaRPr lang="he-IL" sz="1400" dirty="0"/>
@@ -27546,7 +26368,7 @@
                     <a:p>
                       <a:pPr algn="l" rtl="0"/>
                       <a:r>
-                        <a:rPr lang="en-US" sz="1400" b="1" kern="1200" dirty="0" smtClean="0">
+                        <a:rPr lang="en-US" sz="1400" b="1" kern="1200" dirty="0">
                           <a:solidFill>
                             <a:schemeClr val="tx1"/>
                           </a:solidFill>
@@ -27557,7 +26379,7 @@
                         <a:t>Statistics</a:t>
                       </a:r>
                       <a:r>
-                        <a:rPr lang="en-US" sz="1400" b="1" kern="1200" baseline="0" dirty="0" smtClean="0">
+                        <a:rPr lang="en-US" sz="1400" b="1" kern="1200" baseline="0" dirty="0">
                           <a:solidFill>
                             <a:schemeClr val="tx1"/>
                           </a:solidFill>
@@ -27617,6 +26439,11 @@
                     <a:noFill/>
                   </a:tcPr>
                 </a:tc>
+                <a:extLst>
+                  <a:ext uri="{0D108BD9-81ED-4DB2-BD59-A6C34878D82A}">
+                    <a16:rowId xmlns:a16="http://schemas.microsoft.com/office/drawing/2014/main" val="10009"/>
+                  </a:ext>
+                </a:extLst>
               </a:tr>
               <a:tr h="370840">
                 <a:tc>
@@ -27641,7 +26468,7 @@
                         <a:tabLst/>
                         <a:defRPr/>
                       </a:pPr>
-                      <a:endParaRPr lang="he-IL" sz="1400" kern="1200" dirty="0" smtClean="0">
+                      <a:endParaRPr lang="he-IL" sz="1400" kern="1200" dirty="0">
                         <a:solidFill>
                           <a:schemeClr val="tx1"/>
                         </a:solidFill>
@@ -27821,7 +26648,7 @@
                     <a:p>
                       <a:pPr algn="ctr" rtl="0"/>
                       <a:r>
-                        <a:rPr lang="en-US" sz="1400" dirty="0" smtClean="0"/>
+                        <a:rPr lang="en-US" sz="1400" dirty="0"/>
                         <a:t>Amit</a:t>
                       </a:r>
                       <a:endParaRPr lang="he-IL" sz="1400" dirty="0"/>
@@ -27932,7 +26759,7 @@
                     <a:p>
                       <a:pPr algn="l" rtl="0"/>
                       <a:r>
-                        <a:rPr lang="en-US" sz="1400" b="1" kern="1200" dirty="0" smtClean="0">
+                        <a:rPr lang="en-US" sz="1400" b="1" kern="1200" dirty="0">
                           <a:solidFill>
                             <a:schemeClr val="tx1"/>
                           </a:solidFill>
@@ -27943,7 +26770,7 @@
                         <a:t>System</a:t>
                       </a:r>
                       <a:r>
-                        <a:rPr lang="en-US" sz="1400" b="1" kern="1200" baseline="0" dirty="0" smtClean="0">
+                        <a:rPr lang="en-US" sz="1400" b="1" kern="1200" baseline="0" dirty="0">
                           <a:solidFill>
                             <a:schemeClr val="tx1"/>
                           </a:solidFill>
@@ -28003,388 +26830,11 @@
                     <a:noFill/>
                   </a:tcPr>
                 </a:tc>
-              </a:tr>
-              <a:tr h="370840">
-                <a:tc>
-                  <a:txBody>
-                    <a:bodyPr/>
-                    <a:lstStyle/>
-                    <a:p>
-                      <a:pPr marL="0" marR="0" indent="0" algn="ctr" defTabSz="457200" rtl="0" eaLnBrk="1" fontAlgn="auto" latinLnBrk="0" hangingPunct="1">
-                        <a:lnSpc>
-                          <a:spcPct val="100000"/>
-                        </a:lnSpc>
-                        <a:spcBef>
-                          <a:spcPts val="0"/>
-                        </a:spcBef>
-                        <a:spcAft>
-                          <a:spcPts val="0"/>
-                        </a:spcAft>
-                        <a:buClrTx/>
-                        <a:buSzTx/>
-                        <a:buFont typeface="Arial" panose="020B0604020202020204" pitchFamily="34" charset="0"/>
-                        <a:buNone/>
-                        <a:tabLst/>
-                        <a:defRPr/>
-                      </a:pPr>
-                      <a:r>
-                        <a:rPr lang="en-US" sz="1400" kern="1200" dirty="0" smtClean="0">
-                          <a:solidFill>
-                            <a:schemeClr val="tx1"/>
-                          </a:solidFill>
-                          <a:latin typeface="+mn-lt"/>
-                          <a:ea typeface="+mn-ea"/>
-                          <a:cs typeface="+mn-cs"/>
-                        </a:rPr>
-                        <a:t>Amit</a:t>
-                      </a:r>
-                      <a:endParaRPr lang="he-IL" sz="1400" kern="1200" dirty="0" smtClean="0">
-                        <a:solidFill>
-                          <a:schemeClr val="tx1"/>
-                        </a:solidFill>
-                        <a:latin typeface="+mn-lt"/>
-                        <a:ea typeface="+mn-ea"/>
-                        <a:cs typeface="+mn-cs"/>
-                      </a:endParaRPr>
-                    </a:p>
-                  </a:txBody>
-                  <a:tcPr>
-                    <a:lnL w="12700" cap="flat" cmpd="sng" algn="ctr">
-                      <a:noFill/>
-                      <a:prstDash val="solid"/>
-                      <a:round/>
-                      <a:headEnd type="none" w="med" len="med"/>
-                      <a:tailEnd type="none" w="med" len="med"/>
-                    </a:lnL>
-                    <a:lnR w="12700" cap="flat" cmpd="sng" algn="ctr">
-                      <a:noFill/>
-                      <a:prstDash val="solid"/>
-                      <a:round/>
-                      <a:headEnd type="none" w="med" len="med"/>
-                      <a:tailEnd type="none" w="med" len="med"/>
-                    </a:lnR>
-                    <a:lnT w="12700" cap="flat" cmpd="sng" algn="ctr">
-                      <a:noFill/>
-                      <a:prstDash val="solid"/>
-                      <a:round/>
-                      <a:headEnd type="none" w="med" len="med"/>
-                      <a:tailEnd type="none" w="med" len="med"/>
-                    </a:lnT>
-                    <a:lnB w="12700" cap="flat" cmpd="sng" algn="ctr">
-                      <a:noFill/>
-                      <a:prstDash val="solid"/>
-                      <a:round/>
-                      <a:headEnd type="none" w="med" len="med"/>
-                      <a:tailEnd type="none" w="med" len="med"/>
-                    </a:lnB>
-                    <a:lnTlToBr w="12700" cmpd="sng">
-                      <a:noFill/>
-                      <a:prstDash val="solid"/>
-                    </a:lnTlToBr>
-                    <a:lnBlToTr w="12700" cmpd="sng">
-                      <a:noFill/>
-                      <a:prstDash val="solid"/>
-                    </a:lnBlToTr>
-                    <a:solidFill>
-                      <a:schemeClr val="accent1">
-                        <a:lumMod val="40000"/>
-                        <a:lumOff val="60000"/>
-                      </a:schemeClr>
-                    </a:solidFill>
-                  </a:tcPr>
-                </a:tc>
-                <a:tc>
-                  <a:txBody>
-                    <a:bodyPr/>
-                    <a:lstStyle/>
-                    <a:p>
-                      <a:pPr marL="0" indent="0" algn="ctr" defTabSz="457200" rtl="0" eaLnBrk="1" latinLnBrk="0" hangingPunct="1">
-                        <a:buFont typeface="Arial" panose="020B0604020202020204" pitchFamily="34" charset="0"/>
-                        <a:buNone/>
-                      </a:pPr>
-                      <a:endParaRPr lang="he-IL" sz="1400" kern="1200" dirty="0">
-                        <a:solidFill>
-                          <a:schemeClr val="tx1"/>
-                        </a:solidFill>
-                        <a:latin typeface="+mn-lt"/>
-                        <a:ea typeface="+mn-ea"/>
-                        <a:cs typeface="+mn-cs"/>
-                      </a:endParaRPr>
-                    </a:p>
-                  </a:txBody>
-                  <a:tcPr>
-                    <a:lnL w="12700" cap="flat" cmpd="sng" algn="ctr">
-                      <a:noFill/>
-                      <a:prstDash val="solid"/>
-                      <a:round/>
-                      <a:headEnd type="none" w="med" len="med"/>
-                      <a:tailEnd type="none" w="med" len="med"/>
-                    </a:lnL>
-                    <a:lnR w="12700" cap="flat" cmpd="sng" algn="ctr">
-                      <a:noFill/>
-                      <a:prstDash val="solid"/>
-                      <a:round/>
-                      <a:headEnd type="none" w="med" len="med"/>
-                      <a:tailEnd type="none" w="med" len="med"/>
-                    </a:lnR>
-                    <a:lnT w="12700" cap="flat" cmpd="sng" algn="ctr">
-                      <a:noFill/>
-                      <a:prstDash val="solid"/>
-                      <a:round/>
-                      <a:headEnd type="none" w="med" len="med"/>
-                      <a:tailEnd type="none" w="med" len="med"/>
-                    </a:lnT>
-                    <a:lnB w="12700" cap="flat" cmpd="sng" algn="ctr">
-                      <a:noFill/>
-                      <a:prstDash val="solid"/>
-                      <a:round/>
-                      <a:headEnd type="none" w="med" len="med"/>
-                      <a:tailEnd type="none" w="med" len="med"/>
-                    </a:lnB>
-                    <a:lnTlToBr w="12700" cmpd="sng">
-                      <a:noFill/>
-                      <a:prstDash val="solid"/>
-                    </a:lnTlToBr>
-                    <a:lnBlToTr w="12700" cmpd="sng">
-                      <a:noFill/>
-                      <a:prstDash val="solid"/>
-                    </a:lnBlToTr>
-                    <a:solidFill>
-                      <a:schemeClr val="accent3">
-                        <a:lumMod val="40000"/>
-                        <a:lumOff val="60000"/>
-                      </a:schemeClr>
-                    </a:solidFill>
-                  </a:tcPr>
-                </a:tc>
-                <a:tc>
-                  <a:txBody>
-                    <a:bodyPr/>
-                    <a:lstStyle/>
-                    <a:p>
-                      <a:pPr algn="ctr"/>
-                      <a:endParaRPr lang="he-IL" sz="1400" dirty="0"/>
-                    </a:p>
-                  </a:txBody>
-                  <a:tcPr>
-                    <a:lnL w="12700" cap="flat" cmpd="sng" algn="ctr">
-                      <a:noFill/>
-                      <a:prstDash val="solid"/>
-                      <a:round/>
-                      <a:headEnd type="none" w="med" len="med"/>
-                      <a:tailEnd type="none" w="med" len="med"/>
-                    </a:lnL>
-                    <a:lnR w="12700" cap="flat" cmpd="sng" algn="ctr">
-                      <a:noFill/>
-                      <a:prstDash val="solid"/>
-                      <a:round/>
-                      <a:headEnd type="none" w="med" len="med"/>
-                      <a:tailEnd type="none" w="med" len="med"/>
-                    </a:lnR>
-                    <a:lnT w="12700" cap="flat" cmpd="sng" algn="ctr">
-                      <a:noFill/>
-                      <a:prstDash val="solid"/>
-                      <a:round/>
-                      <a:headEnd type="none" w="med" len="med"/>
-                      <a:tailEnd type="none" w="med" len="med"/>
-                    </a:lnT>
-                    <a:lnB w="12700" cap="flat" cmpd="sng" algn="ctr">
-                      <a:noFill/>
-                      <a:prstDash val="solid"/>
-                      <a:round/>
-                      <a:headEnd type="none" w="med" len="med"/>
-                      <a:tailEnd type="none" w="med" len="med"/>
-                    </a:lnB>
-                    <a:lnTlToBr w="12700" cmpd="sng">
-                      <a:noFill/>
-                      <a:prstDash val="solid"/>
-                    </a:lnTlToBr>
-                    <a:lnBlToTr w="12700" cmpd="sng">
-                      <a:noFill/>
-                      <a:prstDash val="solid"/>
-                    </a:lnBlToTr>
-                    <a:solidFill>
-                      <a:schemeClr val="accent3">
-                        <a:lumMod val="40000"/>
-                        <a:lumOff val="60000"/>
-                      </a:schemeClr>
-                    </a:solidFill>
-                  </a:tcPr>
-                </a:tc>
-                <a:tc>
-                  <a:txBody>
-                    <a:bodyPr/>
-                    <a:lstStyle/>
-                    <a:p>
-                      <a:pPr algn="ctr" rtl="0"/>
-                      <a:endParaRPr lang="he-IL" sz="1400" dirty="0"/>
-                    </a:p>
-                  </a:txBody>
-                  <a:tcPr>
-                    <a:lnL w="12700" cap="flat" cmpd="sng" algn="ctr">
-                      <a:noFill/>
-                      <a:prstDash val="solid"/>
-                      <a:round/>
-                      <a:headEnd type="none" w="med" len="med"/>
-                      <a:tailEnd type="none" w="med" len="med"/>
-                    </a:lnL>
-                    <a:lnR w="12700" cap="flat" cmpd="sng" algn="ctr">
-                      <a:noFill/>
-                      <a:prstDash val="solid"/>
-                      <a:round/>
-                      <a:headEnd type="none" w="med" len="med"/>
-                      <a:tailEnd type="none" w="med" len="med"/>
-                    </a:lnR>
-                    <a:lnT w="12700" cap="flat" cmpd="sng" algn="ctr">
-                      <a:noFill/>
-                      <a:prstDash val="solid"/>
-                      <a:round/>
-                      <a:headEnd type="none" w="med" len="med"/>
-                      <a:tailEnd type="none" w="med" len="med"/>
-                    </a:lnT>
-                    <a:lnB w="12700" cap="flat" cmpd="sng" algn="ctr">
-                      <a:noFill/>
-                      <a:prstDash val="solid"/>
-                      <a:round/>
-                      <a:headEnd type="none" w="med" len="med"/>
-                      <a:tailEnd type="none" w="med" len="med"/>
-                    </a:lnB>
-                    <a:lnTlToBr w="12700" cmpd="sng">
-                      <a:noFill/>
-                      <a:prstDash val="solid"/>
-                    </a:lnTlToBr>
-                    <a:lnBlToTr w="12700" cmpd="sng">
-                      <a:noFill/>
-                      <a:prstDash val="solid"/>
-                    </a:lnBlToTr>
-                    <a:solidFill>
-                      <a:schemeClr val="accent3">
-                        <a:lumMod val="40000"/>
-                        <a:lumOff val="60000"/>
-                      </a:schemeClr>
-                    </a:solidFill>
-                  </a:tcPr>
-                </a:tc>
-                <a:tc>
-                  <a:txBody>
-                    <a:bodyPr/>
-                    <a:lstStyle/>
-                    <a:p>
-                      <a:endParaRPr lang="he-IL" dirty="0"/>
-                    </a:p>
-                  </a:txBody>
-                  <a:tcPr>
-                    <a:lnL w="12700" cap="flat" cmpd="sng" algn="ctr">
-                      <a:noFill/>
-                      <a:prstDash val="solid"/>
-                      <a:round/>
-                      <a:headEnd type="none" w="med" len="med"/>
-                      <a:tailEnd type="none" w="med" len="med"/>
-                    </a:lnL>
-                    <a:lnR w="12700" cap="flat" cmpd="sng" algn="ctr">
-                      <a:noFill/>
-                      <a:prstDash val="solid"/>
-                      <a:round/>
-                      <a:headEnd type="none" w="med" len="med"/>
-                      <a:tailEnd type="none" w="med" len="med"/>
-                    </a:lnR>
-                    <a:lnT w="12700" cap="flat" cmpd="sng" algn="ctr">
-                      <a:noFill/>
-                      <a:prstDash val="solid"/>
-                      <a:round/>
-                      <a:headEnd type="none" w="med" len="med"/>
-                      <a:tailEnd type="none" w="med" len="med"/>
-                    </a:lnT>
-                    <a:lnB w="12700" cap="flat" cmpd="sng" algn="ctr">
-                      <a:noFill/>
-                      <a:prstDash val="solid"/>
-                      <a:round/>
-                      <a:headEnd type="none" w="med" len="med"/>
-                      <a:tailEnd type="none" w="med" len="med"/>
-                    </a:lnB>
-                    <a:lnTlToBr w="12700" cmpd="sng">
-                      <a:noFill/>
-                      <a:prstDash val="solid"/>
-                    </a:lnTlToBr>
-                    <a:lnBlToTr w="12700" cmpd="sng">
-                      <a:noFill/>
-                      <a:prstDash val="solid"/>
-                    </a:lnBlToTr>
-                    <a:solidFill>
-                      <a:schemeClr val="accent3">
-                        <a:lumMod val="40000"/>
-                        <a:lumOff val="60000"/>
-                      </a:schemeClr>
-                    </a:solidFill>
-                  </a:tcPr>
-                </a:tc>
-                <a:tc>
-                  <a:txBody>
-                    <a:bodyPr/>
-                    <a:lstStyle/>
-                    <a:p>
-                      <a:pPr algn="l" rtl="0"/>
-                      <a:r>
-                        <a:rPr lang="en-US" sz="1400" b="1" kern="1200" dirty="0" smtClean="0">
-                          <a:solidFill>
-                            <a:schemeClr val="tx1"/>
-                          </a:solidFill>
-                          <a:latin typeface="+mn-lt"/>
-                          <a:ea typeface="+mn-ea"/>
-                          <a:cs typeface="+mn-cs"/>
-                        </a:rPr>
-                        <a:t>Improve design</a:t>
-                      </a:r>
-                      <a:endParaRPr lang="he-IL" sz="1400" b="1" kern="1200" dirty="0">
-                        <a:solidFill>
-                          <a:schemeClr val="tx1"/>
-                        </a:solidFill>
-                        <a:latin typeface="+mn-lt"/>
-                        <a:ea typeface="+mn-ea"/>
-                        <a:cs typeface="+mn-cs"/>
-                      </a:endParaRPr>
-                    </a:p>
-                  </a:txBody>
-                  <a:tcPr>
-                    <a:lnL w="12700" cap="flat" cmpd="sng" algn="ctr">
-                      <a:noFill/>
-                      <a:prstDash val="solid"/>
-                      <a:round/>
-                      <a:headEnd type="none" w="med" len="med"/>
-                      <a:tailEnd type="none" w="med" len="med"/>
-                    </a:lnL>
-                    <a:lnR w="12700" cap="flat" cmpd="sng" algn="ctr">
-                      <a:noFill/>
-                      <a:prstDash val="solid"/>
-                      <a:round/>
-                      <a:headEnd type="none" w="med" len="med"/>
-                      <a:tailEnd type="none" w="med" len="med"/>
-                    </a:lnR>
-                    <a:lnT w="12700" cap="flat" cmpd="sng" algn="ctr">
-                      <a:noFill/>
-                      <a:prstDash val="solid"/>
-                      <a:round/>
-                      <a:headEnd type="none" w="med" len="med"/>
-                      <a:tailEnd type="none" w="med" len="med"/>
-                    </a:lnT>
-                    <a:lnB w="12700" cap="flat" cmpd="sng" algn="ctr">
-                      <a:noFill/>
-                      <a:prstDash val="solid"/>
-                      <a:round/>
-                      <a:headEnd type="none" w="med" len="med"/>
-                      <a:tailEnd type="none" w="med" len="med"/>
-                    </a:lnB>
-                    <a:lnTlToBr w="12700" cmpd="sng">
-                      <a:noFill/>
-                      <a:prstDash val="solid"/>
-                    </a:lnTlToBr>
-                    <a:lnBlToTr w="12700" cmpd="sng">
-                      <a:noFill/>
-                      <a:prstDash val="solid"/>
-                    </a:lnBlToTr>
-                    <a:noFill/>
-                  </a:tcPr>
-                </a:tc>
+                <a:extLst>
+                  <a:ext uri="{0D108BD9-81ED-4DB2-BD59-A6C34878D82A}">
+                    <a16:rowId xmlns:a16="http://schemas.microsoft.com/office/drawing/2014/main" val="10010"/>
+                  </a:ext>
+                </a:extLst>
               </a:tr>
             </a:tbl>
           </a:graphicData>
@@ -28400,13 +26850,6 @@
   <p:clrMapOvr>
     <a:masterClrMapping/>
   </p:clrMapOvr>
-  <p:timing>
-    <p:tnLst>
-      <p:par>
-        <p:cTn id="1" dur="indefinite" restart="never" nodeType="tmRoot"/>
-      </p:par>
-    </p:tnLst>
-  </p:timing>
 </p:sld>
 </file>
 
@@ -28557,7 +27000,7 @@
           <p:cNvPr id="27" name="Group 37">
             <a:extLst>
               <a:ext uri="{FF2B5EF4-FFF2-40B4-BE49-F238E27FC236}">
-                <a16:creationId xmlns="" xmlns:a16="http://schemas.microsoft.com/office/drawing/2014/main" id="{3A1B1429-54EA-DE01-4A5C-E94E4F5C5B72}"/>
+                <a16:creationId xmlns:a16="http://schemas.microsoft.com/office/drawing/2014/main" id="{3A1B1429-54EA-DE01-4A5C-E94E4F5C5B72}"/>
               </a:ext>
             </a:extLst>
           </p:cNvPr>
@@ -28577,7 +27020,7 @@
             <p:cNvPr id="28" name="Group 38">
               <a:extLst>
                 <a:ext uri="{FF2B5EF4-FFF2-40B4-BE49-F238E27FC236}">
-                  <a16:creationId xmlns="" xmlns:a16="http://schemas.microsoft.com/office/drawing/2014/main" id="{BC57A493-060F-544E-8BD0-E8584440AF6E}"/>
+                  <a16:creationId xmlns:a16="http://schemas.microsoft.com/office/drawing/2014/main" id="{BC57A493-060F-544E-8BD0-E8584440AF6E}"/>
                 </a:ext>
               </a:extLst>
             </p:cNvPr>
@@ -28597,7 +27040,7 @@
               <p:cNvPr id="43" name="Freeform 39">
                 <a:extLst>
                   <a:ext uri="{FF2B5EF4-FFF2-40B4-BE49-F238E27FC236}">
-                    <a16:creationId xmlns="" xmlns:a16="http://schemas.microsoft.com/office/drawing/2014/main" id="{D441E0B9-ECBB-0AD9-34C9-2789BBB1FC81}"/>
+                    <a16:creationId xmlns:a16="http://schemas.microsoft.com/office/drawing/2014/main" id="{D441E0B9-ECBB-0AD9-34C9-2789BBB1FC81}"/>
                   </a:ext>
                 </a:extLst>
               </p:cNvPr>
@@ -28654,7 +27097,7 @@
               <p:cNvPr id="44" name="TextBox 40">
                 <a:extLst>
                   <a:ext uri="{FF2B5EF4-FFF2-40B4-BE49-F238E27FC236}">
-                    <a16:creationId xmlns="" xmlns:a16="http://schemas.microsoft.com/office/drawing/2014/main" id="{086322A3-E42B-AF7F-6B1A-4E3DBA7BDA90}"/>
+                    <a16:creationId xmlns:a16="http://schemas.microsoft.com/office/drawing/2014/main" id="{086322A3-E42B-AF7F-6B1A-4E3DBA7BDA90}"/>
                   </a:ext>
                 </a:extLst>
               </p:cNvPr>
@@ -28692,7 +27135,7 @@
             <p:cNvPr id="29" name="Group 41">
               <a:extLst>
                 <a:ext uri="{FF2B5EF4-FFF2-40B4-BE49-F238E27FC236}">
-                  <a16:creationId xmlns="" xmlns:a16="http://schemas.microsoft.com/office/drawing/2014/main" id="{BDBE4C74-8E19-8B20-6D74-2AE3898BB4E5}"/>
+                  <a16:creationId xmlns:a16="http://schemas.microsoft.com/office/drawing/2014/main" id="{BDBE4C74-8E19-8B20-6D74-2AE3898BB4E5}"/>
                 </a:ext>
               </a:extLst>
             </p:cNvPr>
@@ -28712,7 +27155,7 @@
               <p:cNvPr id="41" name="Freeform 42">
                 <a:extLst>
                   <a:ext uri="{FF2B5EF4-FFF2-40B4-BE49-F238E27FC236}">
-                    <a16:creationId xmlns="" xmlns:a16="http://schemas.microsoft.com/office/drawing/2014/main" id="{632889DE-6FDD-35E4-AD8C-D88A0F2A6E65}"/>
+                    <a16:creationId xmlns:a16="http://schemas.microsoft.com/office/drawing/2014/main" id="{632889DE-6FDD-35E4-AD8C-D88A0F2A6E65}"/>
                   </a:ext>
                 </a:extLst>
               </p:cNvPr>
@@ -28769,7 +27212,7 @@
               <p:cNvPr id="42" name="TextBox 43">
                 <a:extLst>
                   <a:ext uri="{FF2B5EF4-FFF2-40B4-BE49-F238E27FC236}">
-                    <a16:creationId xmlns="" xmlns:a16="http://schemas.microsoft.com/office/drawing/2014/main" id="{8D7DBB68-594B-F5D2-B7FA-0D3120DAB80F}"/>
+                    <a16:creationId xmlns:a16="http://schemas.microsoft.com/office/drawing/2014/main" id="{8D7DBB68-594B-F5D2-B7FA-0D3120DAB80F}"/>
                   </a:ext>
                 </a:extLst>
               </p:cNvPr>
@@ -28807,7 +27250,7 @@
             <p:cNvPr id="30" name="Group 44">
               <a:extLst>
                 <a:ext uri="{FF2B5EF4-FFF2-40B4-BE49-F238E27FC236}">
-                  <a16:creationId xmlns="" xmlns:a16="http://schemas.microsoft.com/office/drawing/2014/main" id="{9F8DD0D9-1518-0966-A925-A6AA7188C5BD}"/>
+                  <a16:creationId xmlns:a16="http://schemas.microsoft.com/office/drawing/2014/main" id="{9F8DD0D9-1518-0966-A925-A6AA7188C5BD}"/>
                 </a:ext>
               </a:extLst>
             </p:cNvPr>
@@ -28827,7 +27270,7 @@
               <p:cNvPr id="39" name="Freeform 45">
                 <a:extLst>
                   <a:ext uri="{FF2B5EF4-FFF2-40B4-BE49-F238E27FC236}">
-                    <a16:creationId xmlns="" xmlns:a16="http://schemas.microsoft.com/office/drawing/2014/main" id="{EF9CC67E-2026-046F-2465-618DF1F705B9}"/>
+                    <a16:creationId xmlns:a16="http://schemas.microsoft.com/office/drawing/2014/main" id="{EF9CC67E-2026-046F-2465-618DF1F705B9}"/>
                   </a:ext>
                 </a:extLst>
               </p:cNvPr>
@@ -28873,7 +27316,7 @@
               <p:cNvPr id="40" name="TextBox 46">
                 <a:extLst>
                   <a:ext uri="{FF2B5EF4-FFF2-40B4-BE49-F238E27FC236}">
-                    <a16:creationId xmlns="" xmlns:a16="http://schemas.microsoft.com/office/drawing/2014/main" id="{CC925E18-10C9-A5A8-A858-423648EDD81B}"/>
+                    <a16:creationId xmlns:a16="http://schemas.microsoft.com/office/drawing/2014/main" id="{CC925E18-10C9-A5A8-A858-423648EDD81B}"/>
                   </a:ext>
                 </a:extLst>
               </p:cNvPr>
@@ -28911,7 +27354,7 @@
             <p:cNvPr id="31" name="Group 47">
               <a:extLst>
                 <a:ext uri="{FF2B5EF4-FFF2-40B4-BE49-F238E27FC236}">
-                  <a16:creationId xmlns="" xmlns:a16="http://schemas.microsoft.com/office/drawing/2014/main" id="{6745063D-6EA9-5A29-B4CF-AB1D4C6E356D}"/>
+                  <a16:creationId xmlns:a16="http://schemas.microsoft.com/office/drawing/2014/main" id="{6745063D-6EA9-5A29-B4CF-AB1D4C6E356D}"/>
                 </a:ext>
               </a:extLst>
             </p:cNvPr>
@@ -28931,7 +27374,7 @@
               <p:cNvPr id="37" name="Freeform 48">
                 <a:extLst>
                   <a:ext uri="{FF2B5EF4-FFF2-40B4-BE49-F238E27FC236}">
-                    <a16:creationId xmlns="" xmlns:a16="http://schemas.microsoft.com/office/drawing/2014/main" id="{71B77278-6E78-EA59-45AC-65F73A374224}"/>
+                    <a16:creationId xmlns:a16="http://schemas.microsoft.com/office/drawing/2014/main" id="{71B77278-6E78-EA59-45AC-65F73A374224}"/>
                   </a:ext>
                 </a:extLst>
               </p:cNvPr>
@@ -28988,7 +27431,7 @@
               <p:cNvPr id="38" name="TextBox 49">
                 <a:extLst>
                   <a:ext uri="{FF2B5EF4-FFF2-40B4-BE49-F238E27FC236}">
-                    <a16:creationId xmlns="" xmlns:a16="http://schemas.microsoft.com/office/drawing/2014/main" id="{29DF2333-9DB1-9180-4E42-D35FF732F474}"/>
+                    <a16:creationId xmlns:a16="http://schemas.microsoft.com/office/drawing/2014/main" id="{29DF2333-9DB1-9180-4E42-D35FF732F474}"/>
                   </a:ext>
                 </a:extLst>
               </p:cNvPr>
@@ -29026,7 +27469,7 @@
             <p:cNvPr id="32" name="Group 50">
               <a:extLst>
                 <a:ext uri="{FF2B5EF4-FFF2-40B4-BE49-F238E27FC236}">
-                  <a16:creationId xmlns="" xmlns:a16="http://schemas.microsoft.com/office/drawing/2014/main" id="{401F4EB3-7E82-D282-2397-74F2596E43DC}"/>
+                  <a16:creationId xmlns:a16="http://schemas.microsoft.com/office/drawing/2014/main" id="{401F4EB3-7E82-D282-2397-74F2596E43DC}"/>
                 </a:ext>
               </a:extLst>
             </p:cNvPr>
@@ -29046,7 +27489,7 @@
               <p:cNvPr id="35" name="Freeform 51">
                 <a:extLst>
                   <a:ext uri="{FF2B5EF4-FFF2-40B4-BE49-F238E27FC236}">
-                    <a16:creationId xmlns="" xmlns:a16="http://schemas.microsoft.com/office/drawing/2014/main" id="{AE19A60F-F7CF-668A-1892-66D6507AE0EB}"/>
+                    <a16:creationId xmlns:a16="http://schemas.microsoft.com/office/drawing/2014/main" id="{AE19A60F-F7CF-668A-1892-66D6507AE0EB}"/>
                   </a:ext>
                 </a:extLst>
               </p:cNvPr>
@@ -29103,7 +27546,7 @@
               <p:cNvPr id="36" name="TextBox 52">
                 <a:extLst>
                   <a:ext uri="{FF2B5EF4-FFF2-40B4-BE49-F238E27FC236}">
-                    <a16:creationId xmlns="" xmlns:a16="http://schemas.microsoft.com/office/drawing/2014/main" id="{2BDDECC9-17F8-15A3-17B8-DBB8AE5FD9AF}"/>
+                    <a16:creationId xmlns:a16="http://schemas.microsoft.com/office/drawing/2014/main" id="{2BDDECC9-17F8-15A3-17B8-DBB8AE5FD9AF}"/>
                   </a:ext>
                 </a:extLst>
               </p:cNvPr>
@@ -29141,7 +27584,7 @@
             <p:cNvPr id="33" name="TextBox 53">
               <a:extLst>
                 <a:ext uri="{FF2B5EF4-FFF2-40B4-BE49-F238E27FC236}">
-                  <a16:creationId xmlns="" xmlns:a16="http://schemas.microsoft.com/office/drawing/2014/main" id="{2C2792B5-BDC3-A31B-DD00-EF83B137EF0E}"/>
+                  <a16:creationId xmlns:a16="http://schemas.microsoft.com/office/drawing/2014/main" id="{2C2792B5-BDC3-A31B-DD00-EF83B137EF0E}"/>
                 </a:ext>
               </a:extLst>
             </p:cNvPr>
@@ -29185,7 +27628,7 @@
             <p:cNvPr id="34" name="TextBox 54">
               <a:extLst>
                 <a:ext uri="{FF2B5EF4-FFF2-40B4-BE49-F238E27FC236}">
-                  <a16:creationId xmlns="" xmlns:a16="http://schemas.microsoft.com/office/drawing/2014/main" id="{1B6C4880-A844-E813-ABC4-C0DDD91DD990}"/>
+                  <a16:creationId xmlns:a16="http://schemas.microsoft.com/office/drawing/2014/main" id="{1B6C4880-A844-E813-ABC4-C0DDD91DD990}"/>
                 </a:ext>
               </a:extLst>
             </p:cNvPr>
@@ -29311,42 +27754,42 @@
                 <a:gridCol w="1801568">
                   <a:extLst>
                     <a:ext uri="{9D8B030D-6E8A-4147-A177-3AD203B41FA5}">
-                      <a16:colId xmlns="" xmlns:a16="http://schemas.microsoft.com/office/drawing/2014/main" val="20000"/>
+                      <a16:colId xmlns:a16="http://schemas.microsoft.com/office/drawing/2014/main" val="20000"/>
                     </a:ext>
                   </a:extLst>
                 </a:gridCol>
                 <a:gridCol w="1880558">
                   <a:extLst>
                     <a:ext uri="{9D8B030D-6E8A-4147-A177-3AD203B41FA5}">
-                      <a16:colId xmlns="" xmlns:a16="http://schemas.microsoft.com/office/drawing/2014/main" val="20001"/>
+                      <a16:colId xmlns:a16="http://schemas.microsoft.com/office/drawing/2014/main" val="20001"/>
                     </a:ext>
                   </a:extLst>
                 </a:gridCol>
                 <a:gridCol w="1923691">
                   <a:extLst>
                     <a:ext uri="{9D8B030D-6E8A-4147-A177-3AD203B41FA5}">
-                      <a16:colId xmlns="" xmlns:a16="http://schemas.microsoft.com/office/drawing/2014/main" val="20002"/>
+                      <a16:colId xmlns:a16="http://schemas.microsoft.com/office/drawing/2014/main" val="20002"/>
                     </a:ext>
                   </a:extLst>
                 </a:gridCol>
                 <a:gridCol w="1820173">
                   <a:extLst>
                     <a:ext uri="{9D8B030D-6E8A-4147-A177-3AD203B41FA5}">
-                      <a16:colId xmlns="" xmlns:a16="http://schemas.microsoft.com/office/drawing/2014/main" val="20003"/>
+                      <a16:colId xmlns:a16="http://schemas.microsoft.com/office/drawing/2014/main" val="20003"/>
                     </a:ext>
                   </a:extLst>
                 </a:gridCol>
                 <a:gridCol w="1837427">
                   <a:extLst>
                     <a:ext uri="{9D8B030D-6E8A-4147-A177-3AD203B41FA5}">
-                      <a16:colId xmlns="" xmlns:a16="http://schemas.microsoft.com/office/drawing/2014/main" val="20004"/>
+                      <a16:colId xmlns:a16="http://schemas.microsoft.com/office/drawing/2014/main" val="20004"/>
                     </a:ext>
                   </a:extLst>
                 </a:gridCol>
                 <a:gridCol w="2355339">
                   <a:extLst>
                     <a:ext uri="{9D8B030D-6E8A-4147-A177-3AD203B41FA5}">
-                      <a16:colId xmlns="" xmlns:a16="http://schemas.microsoft.com/office/drawing/2014/main" val="20005"/>
+                      <a16:colId xmlns:a16="http://schemas.microsoft.com/office/drawing/2014/main" val="20005"/>
                     </a:ext>
                   </a:extLst>
                 </a:gridCol>
@@ -29745,7 +28188,7 @@
                 </a:tc>
                 <a:extLst>
                   <a:ext uri="{0D108BD9-81ED-4DB2-BD59-A6C34878D82A}">
-                    <a16:rowId xmlns="" xmlns:a16="http://schemas.microsoft.com/office/drawing/2014/main" val="10000"/>
+                    <a16:rowId xmlns:a16="http://schemas.microsoft.com/office/drawing/2014/main" val="10000"/>
                   </a:ext>
                 </a:extLst>
               </a:tr>
@@ -30142,7 +28585,7 @@
                 </a:tc>
                 <a:extLst>
                   <a:ext uri="{0D108BD9-81ED-4DB2-BD59-A6C34878D82A}">
-                    <a16:rowId xmlns="" xmlns:a16="http://schemas.microsoft.com/office/drawing/2014/main" val="10001"/>
+                    <a16:rowId xmlns:a16="http://schemas.microsoft.com/office/drawing/2014/main" val="10001"/>
                   </a:ext>
                 </a:extLst>
               </a:tr>
@@ -30539,7 +28982,7 @@
                 </a:tc>
                 <a:extLst>
                   <a:ext uri="{0D108BD9-81ED-4DB2-BD59-A6C34878D82A}">
-                    <a16:rowId xmlns="" xmlns:a16="http://schemas.microsoft.com/office/drawing/2014/main" val="10002"/>
+                    <a16:rowId xmlns:a16="http://schemas.microsoft.com/office/drawing/2014/main" val="10002"/>
                   </a:ext>
                 </a:extLst>
               </a:tr>
@@ -30936,7 +29379,7 @@
                 </a:tc>
                 <a:extLst>
                   <a:ext uri="{0D108BD9-81ED-4DB2-BD59-A6C34878D82A}">
-                    <a16:rowId xmlns="" xmlns:a16="http://schemas.microsoft.com/office/drawing/2014/main" val="1422144582"/>
+                    <a16:rowId xmlns:a16="http://schemas.microsoft.com/office/drawing/2014/main" val="1422144582"/>
                   </a:ext>
                 </a:extLst>
               </a:tr>
@@ -31153,7 +29596,7 @@
                     <a:p>
                       <a:pPr algn="ctr"/>
                       <a:r>
-                        <a:rPr lang="en-US" sz="1400" dirty="0" smtClean="0"/>
+                        <a:rPr lang="en-US" sz="1400" dirty="0"/>
                         <a:t>Tom</a:t>
                       </a:r>
                       <a:endParaRPr lang="he-IL" sz="1400" dirty="0"/>
@@ -31327,7 +29770,7 @@
                 </a:tc>
                 <a:extLst>
                   <a:ext uri="{0D108BD9-81ED-4DB2-BD59-A6C34878D82A}">
-                    <a16:rowId xmlns="" xmlns:a16="http://schemas.microsoft.com/office/drawing/2014/main" val="10003"/>
+                    <a16:rowId xmlns:a16="http://schemas.microsoft.com/office/drawing/2014/main" val="10003"/>
                   </a:ext>
                 </a:extLst>
               </a:tr>
@@ -31544,7 +29987,7 @@
                     <a:p>
                       <a:pPr algn="ctr"/>
                       <a:r>
-                        <a:rPr lang="en-US" sz="1400" smtClean="0"/>
+                        <a:rPr lang="en-US" sz="1400"/>
                         <a:t>Tom</a:t>
                       </a:r>
                       <a:endParaRPr lang="he-IL" sz="1400" dirty="0"/>
@@ -31718,7 +30161,7 @@
                 </a:tc>
                 <a:extLst>
                   <a:ext uri="{0D108BD9-81ED-4DB2-BD59-A6C34878D82A}">
-                    <a16:rowId xmlns="" xmlns:a16="http://schemas.microsoft.com/office/drawing/2014/main" val="10004"/>
+                    <a16:rowId xmlns:a16="http://schemas.microsoft.com/office/drawing/2014/main" val="10004"/>
                   </a:ext>
                 </a:extLst>
               </a:tr>
@@ -31925,7 +30368,7 @@
                     <a:p>
                       <a:pPr algn="ctr"/>
                       <a:r>
-                        <a:rPr lang="en-US" sz="1400" smtClean="0"/>
+                        <a:rPr lang="en-US" sz="1400"/>
                         <a:t>Tom</a:t>
                       </a:r>
                       <a:endParaRPr lang="he-IL" sz="1400" dirty="0"/>
@@ -32037,7 +30480,7 @@
                     <a:p>
                       <a:pPr marL="0" algn="l" defTabSz="457200" rtl="0" eaLnBrk="1" latinLnBrk="0" hangingPunct="1"/>
                       <a:r>
-                        <a:rPr lang="en-US" sz="1400" b="1" kern="1200" smtClean="0">
+                        <a:rPr lang="en-US" sz="1400" b="1" kern="1200">
                           <a:solidFill>
                             <a:schemeClr val="tx1"/>
                           </a:solidFill>
@@ -32048,7 +30491,7 @@
                         <a:t>User</a:t>
                       </a:r>
                       <a:r>
-                        <a:rPr lang="en-US" sz="1400" b="1" kern="1200" baseline="0" smtClean="0">
+                        <a:rPr lang="en-US" sz="1400" b="1" kern="1200" baseline="0">
                           <a:solidFill>
                             <a:schemeClr val="tx1"/>
                           </a:solidFill>
@@ -32059,7 +30502,7 @@
                         <a:t> </a:t>
                       </a:r>
                       <a:r>
-                        <a:rPr lang="en-US" sz="1400" b="1" kern="1200" smtClean="0">
+                        <a:rPr lang="en-US" sz="1400" b="1" kern="1200">
                           <a:solidFill>
                             <a:schemeClr val="tx1"/>
                           </a:solidFill>
@@ -32132,7 +30575,7 @@
                 </a:tc>
                 <a:extLst>
                   <a:ext uri="{0D108BD9-81ED-4DB2-BD59-A6C34878D82A}">
-                    <a16:rowId xmlns="" xmlns:a16="http://schemas.microsoft.com/office/drawing/2014/main" val="10005"/>
+                    <a16:rowId xmlns:a16="http://schemas.microsoft.com/office/drawing/2014/main" val="10005"/>
                   </a:ext>
                 </a:extLst>
               </a:tr>
@@ -32339,7 +30782,7 @@
                     <a:p>
                       <a:pPr algn="ctr"/>
                       <a:r>
-                        <a:rPr lang="en-US" sz="1400" smtClean="0"/>
+                        <a:rPr lang="en-US" sz="1400"/>
                         <a:t>Tom</a:t>
                       </a:r>
                       <a:endParaRPr lang="he-IL" sz="1400" dirty="0"/>
@@ -32529,7 +30972,7 @@
                 </a:tc>
                 <a:extLst>
                   <a:ext uri="{0D108BD9-81ED-4DB2-BD59-A6C34878D82A}">
-                    <a16:rowId xmlns="" xmlns:a16="http://schemas.microsoft.com/office/drawing/2014/main" val="3144397013"/>
+                    <a16:rowId xmlns:a16="http://schemas.microsoft.com/office/drawing/2014/main" val="3144397013"/>
                   </a:ext>
                 </a:extLst>
               </a:tr>
@@ -32736,7 +31179,7 @@
                     <a:p>
                       <a:pPr algn="ctr"/>
                       <a:r>
-                        <a:rPr lang="en-US" sz="1400" smtClean="0"/>
+                        <a:rPr lang="en-US" sz="1400"/>
                         <a:t>Tom</a:t>
                       </a:r>
                       <a:endParaRPr lang="he-IL" sz="1400" dirty="0"/>
@@ -32926,7 +31369,7 @@
                 </a:tc>
                 <a:extLst>
                   <a:ext uri="{0D108BD9-81ED-4DB2-BD59-A6C34878D82A}">
-                    <a16:rowId xmlns="" xmlns:a16="http://schemas.microsoft.com/office/drawing/2014/main" val="10006"/>
+                    <a16:rowId xmlns:a16="http://schemas.microsoft.com/office/drawing/2014/main" val="10006"/>
                   </a:ext>
                 </a:extLst>
               </a:tr>
@@ -33133,7 +31576,7 @@
                     <a:p>
                       <a:pPr algn="ctr"/>
                       <a:r>
-                        <a:rPr lang="en-US" sz="1400" smtClean="0"/>
+                        <a:rPr lang="en-US" sz="1400"/>
                         <a:t>Tom</a:t>
                       </a:r>
                       <a:endParaRPr lang="he-IL" sz="1400" dirty="0"/>
@@ -33323,7 +31766,7 @@
                 </a:tc>
                 <a:extLst>
                   <a:ext uri="{0D108BD9-81ED-4DB2-BD59-A6C34878D82A}">
-                    <a16:rowId xmlns="" xmlns:a16="http://schemas.microsoft.com/office/drawing/2014/main" val="10007"/>
+                    <a16:rowId xmlns:a16="http://schemas.microsoft.com/office/drawing/2014/main" val="10007"/>
                   </a:ext>
                 </a:extLst>
               </a:tr>
@@ -33530,7 +31973,7 @@
                     <a:p>
                       <a:pPr algn="ctr"/>
                       <a:r>
-                        <a:rPr lang="en-US" sz="1400" smtClean="0"/>
+                        <a:rPr lang="en-US" sz="1400"/>
                         <a:t>Tom</a:t>
                       </a:r>
                       <a:endParaRPr lang="he-IL" sz="1400" dirty="0"/>
@@ -33720,7 +32163,7 @@
                 </a:tc>
                 <a:extLst>
                   <a:ext uri="{0D108BD9-81ED-4DB2-BD59-A6C34878D82A}">
-                    <a16:rowId xmlns="" xmlns:a16="http://schemas.microsoft.com/office/drawing/2014/main" val="157152741"/>
+                    <a16:rowId xmlns:a16="http://schemas.microsoft.com/office/drawing/2014/main" val="157152741"/>
                   </a:ext>
                 </a:extLst>
               </a:tr>
@@ -33927,7 +32370,7 @@
                     <a:p>
                       <a:pPr algn="ctr"/>
                       <a:r>
-                        <a:rPr lang="en-US" sz="1400" smtClean="0"/>
+                        <a:rPr lang="en-US" sz="1400"/>
                         <a:t>Tom</a:t>
                       </a:r>
                       <a:endParaRPr lang="he-IL" sz="1400" dirty="0"/>
@@ -34101,7 +32544,7 @@
                 </a:tc>
                 <a:extLst>
                   <a:ext uri="{0D108BD9-81ED-4DB2-BD59-A6C34878D82A}">
-                    <a16:rowId xmlns="" xmlns:a16="http://schemas.microsoft.com/office/drawing/2014/main" val="10008"/>
+                    <a16:rowId xmlns:a16="http://schemas.microsoft.com/office/drawing/2014/main" val="10008"/>
                   </a:ext>
                 </a:extLst>
               </a:tr>
@@ -34308,7 +32751,7 @@
                     <a:p>
                       <a:pPr algn="ctr"/>
                       <a:r>
-                        <a:rPr lang="en-US" sz="1400" smtClean="0"/>
+                        <a:rPr lang="en-US" sz="1400"/>
                         <a:t>Tom</a:t>
                       </a:r>
                       <a:endParaRPr lang="he-IL" sz="1400" dirty="0"/>
@@ -34481,7 +32924,7 @@
                 </a:tc>
                 <a:extLst>
                   <a:ext uri="{0D108BD9-81ED-4DB2-BD59-A6C34878D82A}">
-                    <a16:rowId xmlns="" xmlns:a16="http://schemas.microsoft.com/office/drawing/2014/main" val="10009"/>
+                    <a16:rowId xmlns:a16="http://schemas.microsoft.com/office/drawing/2014/main" val="10009"/>
                   </a:ext>
                 </a:extLst>
               </a:tr>
@@ -34688,7 +33131,7 @@
                     <a:p>
                       <a:pPr algn="ctr"/>
                       <a:r>
-                        <a:rPr lang="en-US" sz="1400" dirty="0" smtClean="0"/>
+                        <a:rPr lang="en-US" sz="1400" dirty="0"/>
                         <a:t>Tom</a:t>
                       </a:r>
                       <a:endParaRPr lang="he-IL" sz="1400" dirty="0"/>
@@ -34861,7 +33304,7 @@
                 </a:tc>
                 <a:extLst>
                   <a:ext uri="{0D108BD9-81ED-4DB2-BD59-A6C34878D82A}">
-                    <a16:rowId xmlns="" xmlns:a16="http://schemas.microsoft.com/office/drawing/2014/main" val="10010"/>
+                    <a16:rowId xmlns:a16="http://schemas.microsoft.com/office/drawing/2014/main" val="10010"/>
                   </a:ext>
                 </a:extLst>
               </a:tr>
@@ -34879,13 +33322,6 @@
   <p:clrMapOvr>
     <a:masterClrMapping/>
   </p:clrMapOvr>
-  <p:timing>
-    <p:tnLst>
-      <p:par>
-        <p:cTn id="1" dur="indefinite" restart="never" nodeType="tmRoot"/>
-      </p:par>
-    </p:tnLst>
-  </p:timing>
 </p:sld>
 </file>
 
@@ -35020,7 +33456,7 @@
               </a:lnSpc>
             </a:pPr>
             <a:r>
-              <a:rPr lang="en-US" sz="5662" dirty="0" smtClean="0">
+              <a:rPr lang="en-US" sz="5662" dirty="0">
                 <a:solidFill>
                   <a:srgbClr val="008037"/>
                 </a:solidFill>
@@ -35028,12 +33464,6 @@
               </a:rPr>
               <a:t>Documents</a:t>
             </a:r>
-            <a:endParaRPr lang="en-US" sz="5662" dirty="0">
-              <a:solidFill>
-                <a:srgbClr val="008037"/>
-              </a:solidFill>
-              <a:latin typeface="Norwester"/>
-            </a:endParaRPr>
           </a:p>
         </p:txBody>
       </p:sp>
@@ -35042,7 +33472,7 @@
           <p:cNvPr id="27" name="Group 37">
             <a:extLst>
               <a:ext uri="{FF2B5EF4-FFF2-40B4-BE49-F238E27FC236}">
-                <a16:creationId xmlns="" xmlns:a16="http://schemas.microsoft.com/office/drawing/2014/main" id="{3A1B1429-54EA-DE01-4A5C-E94E4F5C5B72}"/>
+                <a16:creationId xmlns:a16="http://schemas.microsoft.com/office/drawing/2014/main" id="{3A1B1429-54EA-DE01-4A5C-E94E4F5C5B72}"/>
               </a:ext>
             </a:extLst>
           </p:cNvPr>
@@ -35062,7 +33492,7 @@
             <p:cNvPr id="28" name="Group 38">
               <a:extLst>
                 <a:ext uri="{FF2B5EF4-FFF2-40B4-BE49-F238E27FC236}">
-                  <a16:creationId xmlns="" xmlns:a16="http://schemas.microsoft.com/office/drawing/2014/main" id="{BC57A493-060F-544E-8BD0-E8584440AF6E}"/>
+                  <a16:creationId xmlns:a16="http://schemas.microsoft.com/office/drawing/2014/main" id="{BC57A493-060F-544E-8BD0-E8584440AF6E}"/>
                 </a:ext>
               </a:extLst>
             </p:cNvPr>
@@ -35082,7 +33512,7 @@
               <p:cNvPr id="43" name="Freeform 39">
                 <a:extLst>
                   <a:ext uri="{FF2B5EF4-FFF2-40B4-BE49-F238E27FC236}">
-                    <a16:creationId xmlns="" xmlns:a16="http://schemas.microsoft.com/office/drawing/2014/main" id="{D441E0B9-ECBB-0AD9-34C9-2789BBB1FC81}"/>
+                    <a16:creationId xmlns:a16="http://schemas.microsoft.com/office/drawing/2014/main" id="{D441E0B9-ECBB-0AD9-34C9-2789BBB1FC81}"/>
                   </a:ext>
                 </a:extLst>
               </p:cNvPr>
@@ -35139,7 +33569,7 @@
               <p:cNvPr id="44" name="TextBox 40">
                 <a:extLst>
                   <a:ext uri="{FF2B5EF4-FFF2-40B4-BE49-F238E27FC236}">
-                    <a16:creationId xmlns="" xmlns:a16="http://schemas.microsoft.com/office/drawing/2014/main" id="{086322A3-E42B-AF7F-6B1A-4E3DBA7BDA90}"/>
+                    <a16:creationId xmlns:a16="http://schemas.microsoft.com/office/drawing/2014/main" id="{086322A3-E42B-AF7F-6B1A-4E3DBA7BDA90}"/>
                   </a:ext>
                 </a:extLst>
               </p:cNvPr>
@@ -35177,7 +33607,7 @@
             <p:cNvPr id="29" name="Group 41">
               <a:extLst>
                 <a:ext uri="{FF2B5EF4-FFF2-40B4-BE49-F238E27FC236}">
-                  <a16:creationId xmlns="" xmlns:a16="http://schemas.microsoft.com/office/drawing/2014/main" id="{BDBE4C74-8E19-8B20-6D74-2AE3898BB4E5}"/>
+                  <a16:creationId xmlns:a16="http://schemas.microsoft.com/office/drawing/2014/main" id="{BDBE4C74-8E19-8B20-6D74-2AE3898BB4E5}"/>
                 </a:ext>
               </a:extLst>
             </p:cNvPr>
@@ -35197,7 +33627,7 @@
               <p:cNvPr id="41" name="Freeform 42">
                 <a:extLst>
                   <a:ext uri="{FF2B5EF4-FFF2-40B4-BE49-F238E27FC236}">
-                    <a16:creationId xmlns="" xmlns:a16="http://schemas.microsoft.com/office/drawing/2014/main" id="{632889DE-6FDD-35E4-AD8C-D88A0F2A6E65}"/>
+                    <a16:creationId xmlns:a16="http://schemas.microsoft.com/office/drawing/2014/main" id="{632889DE-6FDD-35E4-AD8C-D88A0F2A6E65}"/>
                   </a:ext>
                 </a:extLst>
               </p:cNvPr>
@@ -35254,7 +33684,7 @@
               <p:cNvPr id="42" name="TextBox 43">
                 <a:extLst>
                   <a:ext uri="{FF2B5EF4-FFF2-40B4-BE49-F238E27FC236}">
-                    <a16:creationId xmlns="" xmlns:a16="http://schemas.microsoft.com/office/drawing/2014/main" id="{8D7DBB68-594B-F5D2-B7FA-0D3120DAB80F}"/>
+                    <a16:creationId xmlns:a16="http://schemas.microsoft.com/office/drawing/2014/main" id="{8D7DBB68-594B-F5D2-B7FA-0D3120DAB80F}"/>
                   </a:ext>
                 </a:extLst>
               </p:cNvPr>
@@ -35292,7 +33722,7 @@
             <p:cNvPr id="30" name="Group 44">
               <a:extLst>
                 <a:ext uri="{FF2B5EF4-FFF2-40B4-BE49-F238E27FC236}">
-                  <a16:creationId xmlns="" xmlns:a16="http://schemas.microsoft.com/office/drawing/2014/main" id="{9F8DD0D9-1518-0966-A925-A6AA7188C5BD}"/>
+                  <a16:creationId xmlns:a16="http://schemas.microsoft.com/office/drawing/2014/main" id="{9F8DD0D9-1518-0966-A925-A6AA7188C5BD}"/>
                 </a:ext>
               </a:extLst>
             </p:cNvPr>
@@ -35312,7 +33742,7 @@
               <p:cNvPr id="39" name="Freeform 45">
                 <a:extLst>
                   <a:ext uri="{FF2B5EF4-FFF2-40B4-BE49-F238E27FC236}">
-                    <a16:creationId xmlns="" xmlns:a16="http://schemas.microsoft.com/office/drawing/2014/main" id="{EF9CC67E-2026-046F-2465-618DF1F705B9}"/>
+                    <a16:creationId xmlns:a16="http://schemas.microsoft.com/office/drawing/2014/main" id="{EF9CC67E-2026-046F-2465-618DF1F705B9}"/>
                   </a:ext>
                 </a:extLst>
               </p:cNvPr>
@@ -35358,7 +33788,7 @@
               <p:cNvPr id="40" name="TextBox 46">
                 <a:extLst>
                   <a:ext uri="{FF2B5EF4-FFF2-40B4-BE49-F238E27FC236}">
-                    <a16:creationId xmlns="" xmlns:a16="http://schemas.microsoft.com/office/drawing/2014/main" id="{CC925E18-10C9-A5A8-A858-423648EDD81B}"/>
+                    <a16:creationId xmlns:a16="http://schemas.microsoft.com/office/drawing/2014/main" id="{CC925E18-10C9-A5A8-A858-423648EDD81B}"/>
                   </a:ext>
                 </a:extLst>
               </p:cNvPr>
@@ -35396,7 +33826,7 @@
             <p:cNvPr id="31" name="Group 47">
               <a:extLst>
                 <a:ext uri="{FF2B5EF4-FFF2-40B4-BE49-F238E27FC236}">
-                  <a16:creationId xmlns="" xmlns:a16="http://schemas.microsoft.com/office/drawing/2014/main" id="{6745063D-6EA9-5A29-B4CF-AB1D4C6E356D}"/>
+                  <a16:creationId xmlns:a16="http://schemas.microsoft.com/office/drawing/2014/main" id="{6745063D-6EA9-5A29-B4CF-AB1D4C6E356D}"/>
                 </a:ext>
               </a:extLst>
             </p:cNvPr>
@@ -35416,7 +33846,7 @@
               <p:cNvPr id="37" name="Freeform 48">
                 <a:extLst>
                   <a:ext uri="{FF2B5EF4-FFF2-40B4-BE49-F238E27FC236}">
-                    <a16:creationId xmlns="" xmlns:a16="http://schemas.microsoft.com/office/drawing/2014/main" id="{71B77278-6E78-EA59-45AC-65F73A374224}"/>
+                    <a16:creationId xmlns:a16="http://schemas.microsoft.com/office/drawing/2014/main" id="{71B77278-6E78-EA59-45AC-65F73A374224}"/>
                   </a:ext>
                 </a:extLst>
               </p:cNvPr>
@@ -35473,7 +33903,7 @@
               <p:cNvPr id="38" name="TextBox 49">
                 <a:extLst>
                   <a:ext uri="{FF2B5EF4-FFF2-40B4-BE49-F238E27FC236}">
-                    <a16:creationId xmlns="" xmlns:a16="http://schemas.microsoft.com/office/drawing/2014/main" id="{29DF2333-9DB1-9180-4E42-D35FF732F474}"/>
+                    <a16:creationId xmlns:a16="http://schemas.microsoft.com/office/drawing/2014/main" id="{29DF2333-9DB1-9180-4E42-D35FF732F474}"/>
                   </a:ext>
                 </a:extLst>
               </p:cNvPr>
@@ -35511,7 +33941,7 @@
             <p:cNvPr id="32" name="Group 50">
               <a:extLst>
                 <a:ext uri="{FF2B5EF4-FFF2-40B4-BE49-F238E27FC236}">
-                  <a16:creationId xmlns="" xmlns:a16="http://schemas.microsoft.com/office/drawing/2014/main" id="{401F4EB3-7E82-D282-2397-74F2596E43DC}"/>
+                  <a16:creationId xmlns:a16="http://schemas.microsoft.com/office/drawing/2014/main" id="{401F4EB3-7E82-D282-2397-74F2596E43DC}"/>
                 </a:ext>
               </a:extLst>
             </p:cNvPr>
@@ -35531,7 +33961,7 @@
               <p:cNvPr id="35" name="Freeform 51">
                 <a:extLst>
                   <a:ext uri="{FF2B5EF4-FFF2-40B4-BE49-F238E27FC236}">
-                    <a16:creationId xmlns="" xmlns:a16="http://schemas.microsoft.com/office/drawing/2014/main" id="{AE19A60F-F7CF-668A-1892-66D6507AE0EB}"/>
+                    <a16:creationId xmlns:a16="http://schemas.microsoft.com/office/drawing/2014/main" id="{AE19A60F-F7CF-668A-1892-66D6507AE0EB}"/>
                   </a:ext>
                 </a:extLst>
               </p:cNvPr>
@@ -35588,7 +34018,7 @@
               <p:cNvPr id="36" name="TextBox 52">
                 <a:extLst>
                   <a:ext uri="{FF2B5EF4-FFF2-40B4-BE49-F238E27FC236}">
-                    <a16:creationId xmlns="" xmlns:a16="http://schemas.microsoft.com/office/drawing/2014/main" id="{2BDDECC9-17F8-15A3-17B8-DBB8AE5FD9AF}"/>
+                    <a16:creationId xmlns:a16="http://schemas.microsoft.com/office/drawing/2014/main" id="{2BDDECC9-17F8-15A3-17B8-DBB8AE5FD9AF}"/>
                   </a:ext>
                 </a:extLst>
               </p:cNvPr>
@@ -35626,7 +34056,7 @@
             <p:cNvPr id="33" name="TextBox 53">
               <a:extLst>
                 <a:ext uri="{FF2B5EF4-FFF2-40B4-BE49-F238E27FC236}">
-                  <a16:creationId xmlns="" xmlns:a16="http://schemas.microsoft.com/office/drawing/2014/main" id="{2C2792B5-BDC3-A31B-DD00-EF83B137EF0E}"/>
+                  <a16:creationId xmlns:a16="http://schemas.microsoft.com/office/drawing/2014/main" id="{2C2792B5-BDC3-A31B-DD00-EF83B137EF0E}"/>
                 </a:ext>
               </a:extLst>
             </p:cNvPr>
@@ -35670,7 +34100,7 @@
             <p:cNvPr id="34" name="TextBox 54">
               <a:extLst>
                 <a:ext uri="{FF2B5EF4-FFF2-40B4-BE49-F238E27FC236}">
-                  <a16:creationId xmlns="" xmlns:a16="http://schemas.microsoft.com/office/drawing/2014/main" id="{1B6C4880-A844-E813-ABC4-C0DDD91DD990}"/>
+                  <a16:creationId xmlns:a16="http://schemas.microsoft.com/office/drawing/2014/main" id="{1B6C4880-A844-E813-ABC4-C0DDD91DD990}"/>
                 </a:ext>
               </a:extLst>
             </p:cNvPr>
@@ -35719,14 +34149,14 @@
           <p:nvPr>
             <p:extLst>
               <p:ext uri="{D42A27DB-BD31-4B8C-83A1-F6EECF244321}">
-                <p14:modId xmlns:p14="http://schemas.microsoft.com/office/powerpoint/2010/main" val="2209568224"/>
+                <p14:modId xmlns:p14="http://schemas.microsoft.com/office/powerpoint/2010/main" val="2334133963"/>
               </p:ext>
             </p:extLst>
           </p:nvPr>
         </p:nvGraphicFramePr>
         <p:xfrm>
           <a:off x="255581" y="1670475"/>
-          <a:ext cx="11618756" cy="4405712"/>
+          <a:ext cx="11618756" cy="4034872"/>
         </p:xfrm>
         <a:graphic>
           <a:graphicData uri="http://schemas.openxmlformats.org/drawingml/2006/table">
@@ -35735,12 +34165,48 @@
                 <a:tableStyleId>{5C22544A-7EE6-4342-B048-85BDC9FD1C3A}</a:tableStyleId>
               </a:tblPr>
               <a:tblGrid>
-                <a:gridCol w="1801568"/>
-                <a:gridCol w="1880558"/>
-                <a:gridCol w="1923691"/>
-                <a:gridCol w="1820173"/>
-                <a:gridCol w="1837427"/>
-                <a:gridCol w="2355339"/>
+                <a:gridCol w="1801568">
+                  <a:extLst>
+                    <a:ext uri="{9D8B030D-6E8A-4147-A177-3AD203B41FA5}">
+                      <a16:colId xmlns:a16="http://schemas.microsoft.com/office/drawing/2014/main" val="20000"/>
+                    </a:ext>
+                  </a:extLst>
+                </a:gridCol>
+                <a:gridCol w="1880558">
+                  <a:extLst>
+                    <a:ext uri="{9D8B030D-6E8A-4147-A177-3AD203B41FA5}">
+                      <a16:colId xmlns:a16="http://schemas.microsoft.com/office/drawing/2014/main" val="20001"/>
+                    </a:ext>
+                  </a:extLst>
+                </a:gridCol>
+                <a:gridCol w="1923691">
+                  <a:extLst>
+                    <a:ext uri="{9D8B030D-6E8A-4147-A177-3AD203B41FA5}">
+                      <a16:colId xmlns:a16="http://schemas.microsoft.com/office/drawing/2014/main" val="20002"/>
+                    </a:ext>
+                  </a:extLst>
+                </a:gridCol>
+                <a:gridCol w="1820173">
+                  <a:extLst>
+                    <a:ext uri="{9D8B030D-6E8A-4147-A177-3AD203B41FA5}">
+                      <a16:colId xmlns:a16="http://schemas.microsoft.com/office/drawing/2014/main" val="20003"/>
+                    </a:ext>
+                  </a:extLst>
+                </a:gridCol>
+                <a:gridCol w="1837427">
+                  <a:extLst>
+                    <a:ext uri="{9D8B030D-6E8A-4147-A177-3AD203B41FA5}">
+                      <a16:colId xmlns:a16="http://schemas.microsoft.com/office/drawing/2014/main" val="20004"/>
+                    </a:ext>
+                  </a:extLst>
+                </a:gridCol>
+                <a:gridCol w="2355339">
+                  <a:extLst>
+                    <a:ext uri="{9D8B030D-6E8A-4147-A177-3AD203B41FA5}">
+                      <a16:colId xmlns:a16="http://schemas.microsoft.com/office/drawing/2014/main" val="20005"/>
+                    </a:ext>
+                  </a:extLst>
+                </a:gridCol>
               </a:tblGrid>
               <a:tr h="370840">
                 <a:tc>
@@ -35750,7 +34216,7 @@
                     <a:p>
                       <a:pPr algn="ctr" rtl="0"/>
                       <a:r>
-                        <a:rPr lang="en-US" sz="1800" b="1" u="none" kern="1200" dirty="0" smtClean="0">
+                        <a:rPr lang="en-US" sz="1800" b="1" u="none" kern="1200" dirty="0">
                           <a:solidFill>
                             <a:schemeClr val="tx1"/>
                           </a:solidFill>
@@ -35817,7 +34283,7 @@
                     <a:p>
                       <a:pPr algn="ctr" rtl="0"/>
                       <a:r>
-                        <a:rPr lang="en-US" sz="1800" b="1" u="none" kern="1200" dirty="0" smtClean="0">
+                        <a:rPr lang="en-US" sz="1800" b="1" u="none" kern="1200" dirty="0">
                           <a:solidFill>
                             <a:schemeClr val="tx1"/>
                           </a:solidFill>
@@ -35884,7 +34350,7 @@
                     <a:p>
                       <a:pPr algn="ctr" rtl="0"/>
                       <a:r>
-                        <a:rPr lang="en-US" sz="1800" b="1" u="none" kern="1200" dirty="0" smtClean="0">
+                        <a:rPr lang="en-US" sz="1800" b="1" u="none" kern="1200" dirty="0">
                           <a:solidFill>
                             <a:schemeClr val="tx1"/>
                           </a:solidFill>
@@ -35951,7 +34417,7 @@
                     <a:p>
                       <a:pPr algn="ctr" rtl="0"/>
                       <a:r>
-                        <a:rPr lang="en-US" sz="1800" b="1" u="none" kern="1200" dirty="0" smtClean="0">
+                        <a:rPr lang="en-US" sz="1800" b="1" u="none" kern="1200" dirty="0">
                           <a:solidFill>
                             <a:schemeClr val="tx1"/>
                           </a:solidFill>
@@ -36018,7 +34484,7 @@
                     <a:p>
                       <a:pPr algn="ctr" rtl="0"/>
                       <a:r>
-                        <a:rPr lang="en-US" sz="1800" b="1" u="none" kern="1200" dirty="0" smtClean="0">
+                        <a:rPr lang="en-US" sz="1800" b="1" u="none" kern="1200" dirty="0">
                           <a:solidFill>
                             <a:schemeClr val="tx1"/>
                           </a:solidFill>
@@ -36134,6 +34600,11 @@
                     <a:noFill/>
                   </a:tcPr>
                 </a:tc>
+                <a:extLst>
+                  <a:ext uri="{0D108BD9-81ED-4DB2-BD59-A6C34878D82A}">
+                    <a16:rowId xmlns:a16="http://schemas.microsoft.com/office/drawing/2014/main" val="10000"/>
+                  </a:ext>
+                </a:extLst>
               </a:tr>
               <a:tr h="348656">
                 <a:tc>
@@ -36158,7 +34629,7 @@
                         <a:tabLst/>
                         <a:defRPr/>
                       </a:pPr>
-                      <a:endParaRPr lang="he-IL" sz="1400" kern="1200" dirty="0" smtClean="0">
+                      <a:endParaRPr lang="he-IL" sz="1400" kern="1200" dirty="0">
                         <a:solidFill>
                           <a:schemeClr val="tx1"/>
                         </a:solidFill>
@@ -36399,7 +34870,7 @@
                     <a:p>
                       <a:pPr algn="ctr" rtl="0"/>
                       <a:r>
-                        <a:rPr lang="en-US" sz="1400" dirty="0" smtClean="0"/>
+                        <a:rPr lang="en-US" sz="1400" dirty="0"/>
                         <a:t>Sasha</a:t>
                       </a:r>
                       <a:endParaRPr lang="he-IL" sz="1400" dirty="0"/>
@@ -36457,7 +34928,7 @@
                     <a:p>
                       <a:pPr algn="l" rtl="0"/>
                       <a:r>
-                        <a:rPr lang="en-US" sz="1400" b="1" dirty="0" smtClean="0"/>
+                        <a:rPr lang="en-US" sz="1400" b="1" dirty="0"/>
                         <a:t>Tests plan</a:t>
                       </a:r>
                       <a:endParaRPr lang="he-IL" sz="1400" b="1" dirty="0"/>
@@ -36503,6 +34974,11 @@
                     <a:noFill/>
                   </a:tcPr>
                 </a:tc>
+                <a:extLst>
+                  <a:ext uri="{0D108BD9-81ED-4DB2-BD59-A6C34878D82A}">
+                    <a16:rowId xmlns:a16="http://schemas.microsoft.com/office/drawing/2014/main" val="10001"/>
+                  </a:ext>
+                </a:extLst>
               </a:tr>
               <a:tr h="348656">
                 <a:tc>
@@ -36527,7 +35003,7 @@
                         <a:tabLst/>
                         <a:defRPr/>
                       </a:pPr>
-                      <a:endParaRPr lang="he-IL" sz="1400" kern="1200" dirty="0" smtClean="0">
+                      <a:endParaRPr lang="he-IL" sz="1400" kern="1200" dirty="0">
                         <a:solidFill>
                           <a:schemeClr val="tx1"/>
                         </a:solidFill>
@@ -36592,7 +35068,7 @@
                         <a:buNone/>
                       </a:pPr>
                       <a:r>
-                        <a:rPr lang="en-US" sz="1400" kern="1200" dirty="0" smtClean="0">
+                        <a:rPr lang="en-US" sz="1400" kern="1200" dirty="0">
                           <a:solidFill>
                             <a:schemeClr val="tx1"/>
                           </a:solidFill>
@@ -36667,7 +35143,7 @@
                         <a:buNone/>
                       </a:pPr>
                       <a:r>
-                        <a:rPr lang="en-US" sz="1400" dirty="0" smtClean="0">
+                        <a:rPr lang="en-US" sz="1400" dirty="0">
                           <a:solidFill>
                             <a:schemeClr val="tx1"/>
                           </a:solidFill>
@@ -36733,7 +35209,7 @@
                     <a:p>
                       <a:pPr algn="ctr"/>
                       <a:r>
-                        <a:rPr lang="en-US" sz="1400" dirty="0" smtClean="0"/>
+                        <a:rPr lang="en-US" sz="1400" dirty="0"/>
                         <a:t>V2 - Amit</a:t>
                       </a:r>
                       <a:endParaRPr lang="he-IL" sz="1400" dirty="0"/>
@@ -36791,7 +35267,7 @@
                     <a:p>
                       <a:pPr algn="ctr" rtl="0"/>
                       <a:r>
-                        <a:rPr lang="en-US" sz="1400" dirty="0" smtClean="0"/>
+                        <a:rPr lang="en-US" sz="1400" dirty="0"/>
                         <a:t>V2 Draft</a:t>
                       </a:r>
                       <a:endParaRPr lang="he-IL" sz="1400" dirty="0"/>
@@ -36849,7 +35325,7 @@
                     <a:p>
                       <a:pPr algn="l" rtl="0"/>
                       <a:r>
-                        <a:rPr lang="en-US" sz="1400" b="1" dirty="0" smtClean="0">
+                        <a:rPr lang="en-US" sz="1400" b="1" dirty="0">
                           <a:solidFill>
                             <a:schemeClr val="tx1"/>
                           </a:solidFill>
@@ -36903,6 +35379,11 @@
                     <a:noFill/>
                   </a:tcPr>
                 </a:tc>
+                <a:extLst>
+                  <a:ext uri="{0D108BD9-81ED-4DB2-BD59-A6C34878D82A}">
+                    <a16:rowId xmlns:a16="http://schemas.microsoft.com/office/drawing/2014/main" val="10002"/>
+                  </a:ext>
+                </a:extLst>
               </a:tr>
               <a:tr h="370840">
                 <a:tc>
@@ -36928,7 +35409,7 @@
                         <a:defRPr/>
                       </a:pPr>
                       <a:r>
-                        <a:rPr lang="en-US" sz="1400" kern="1200" dirty="0" smtClean="0">
+                        <a:rPr lang="en-US" sz="1400" kern="1200" dirty="0">
                           <a:solidFill>
                             <a:schemeClr val="tx1"/>
                           </a:solidFill>
@@ -36938,7 +35419,7 @@
                         </a:rPr>
                         <a:t>V3 - Tom</a:t>
                       </a:r>
-                      <a:endParaRPr lang="he-IL" sz="1400" kern="1200" dirty="0" smtClean="0">
+                      <a:endParaRPr lang="he-IL" sz="1400" kern="1200" dirty="0">
                         <a:solidFill>
                           <a:schemeClr val="tx1"/>
                         </a:solidFill>
@@ -37016,14 +35497,14 @@
                         <a:defRPr/>
                       </a:pPr>
                       <a:r>
-                        <a:rPr lang="en-US" sz="1400" dirty="0" smtClean="0">
+                        <a:rPr lang="en-US" sz="1400" dirty="0">
                           <a:solidFill>
                             <a:schemeClr val="tx1"/>
                           </a:solidFill>
                         </a:rPr>
                         <a:t>V3 Draft</a:t>
                       </a:r>
-                      <a:endParaRPr lang="he-IL" sz="1400" dirty="0" smtClean="0">
+                      <a:endParaRPr lang="he-IL" sz="1400" dirty="0">
                         <a:solidFill>
                           <a:schemeClr val="tx1"/>
                         </a:solidFill>
@@ -37085,7 +35566,7 @@
                         <a:buNone/>
                       </a:pPr>
                       <a:r>
-                        <a:rPr lang="en-US" sz="1400" dirty="0" smtClean="0">
+                        <a:rPr lang="en-US" sz="1400" dirty="0">
                           <a:solidFill>
                             <a:schemeClr val="tx1"/>
                           </a:solidFill>
@@ -37151,7 +35632,7 @@
                     <a:p>
                       <a:pPr algn="ctr"/>
                       <a:r>
-                        <a:rPr lang="en-US" sz="1400" dirty="0" smtClean="0"/>
+                        <a:rPr lang="en-US" sz="1400" dirty="0"/>
                         <a:t>V2 Draft</a:t>
                       </a:r>
                       <a:endParaRPr lang="he-IL" sz="1400" dirty="0"/>
@@ -37263,7 +35744,7 @@
                     <a:p>
                       <a:pPr algn="l" rtl="0"/>
                       <a:r>
-                        <a:rPr lang="en-US" sz="1400" b="1" dirty="0" smtClean="0">
+                        <a:rPr lang="en-US" sz="1400" b="1" dirty="0">
                           <a:solidFill>
                             <a:schemeClr val="tx1"/>
                           </a:solidFill>
@@ -37313,6 +35794,11 @@
                     <a:noFill/>
                   </a:tcPr>
                 </a:tc>
+                <a:extLst>
+                  <a:ext uri="{0D108BD9-81ED-4DB2-BD59-A6C34878D82A}">
+                    <a16:rowId xmlns:a16="http://schemas.microsoft.com/office/drawing/2014/main" val="10003"/>
+                  </a:ext>
+                </a:extLst>
               </a:tr>
               <a:tr h="370840">
                 <a:tc>
@@ -37338,7 +35824,7 @@
                         <a:defRPr/>
                       </a:pPr>
                       <a:r>
-                        <a:rPr lang="en-US" sz="1400" kern="1200" dirty="0" smtClean="0">
+                        <a:rPr lang="en-US" sz="1400" kern="1200" dirty="0">
                           <a:solidFill>
                             <a:schemeClr val="tx1"/>
                           </a:solidFill>
@@ -37348,7 +35834,7 @@
                         </a:rPr>
                         <a:t>V3 – Amit</a:t>
                       </a:r>
-                      <a:endParaRPr lang="he-IL" sz="1400" kern="1200" dirty="0" smtClean="0">
+                      <a:endParaRPr lang="he-IL" sz="1400" kern="1200" dirty="0">
                         <a:solidFill>
                           <a:schemeClr val="tx1"/>
                         </a:solidFill>
@@ -37426,14 +35912,14 @@
                         <a:defRPr/>
                       </a:pPr>
                       <a:r>
-                        <a:rPr lang="en-US" sz="1400" dirty="0" smtClean="0">
+                        <a:rPr lang="en-US" sz="1400" dirty="0">
                           <a:solidFill>
                             <a:schemeClr val="tx1"/>
                           </a:solidFill>
                         </a:rPr>
                         <a:t>V3 Draft</a:t>
                       </a:r>
-                      <a:endParaRPr lang="he-IL" sz="1400" dirty="0" smtClean="0">
+                      <a:endParaRPr lang="he-IL" sz="1400" dirty="0">
                         <a:solidFill>
                           <a:schemeClr val="tx1"/>
                         </a:solidFill>
@@ -37495,7 +35981,7 @@
                         <a:buNone/>
                       </a:pPr>
                       <a:r>
-                        <a:rPr lang="en-US" sz="1400" dirty="0" smtClean="0">
+                        <a:rPr lang="en-US" sz="1400" dirty="0">
                           <a:solidFill>
                             <a:schemeClr val="tx1"/>
                           </a:solidFill>
@@ -37561,7 +36047,7 @@
                     <a:p>
                       <a:pPr algn="ctr"/>
                       <a:r>
-                        <a:rPr lang="en-US" sz="1400" dirty="0" smtClean="0"/>
+                        <a:rPr lang="en-US" sz="1400" dirty="0"/>
                         <a:t>V2 Draft</a:t>
                       </a:r>
                       <a:endParaRPr lang="he-IL" sz="1400" dirty="0"/>
@@ -37673,7 +36159,7 @@
                     <a:p>
                       <a:pPr algn="l" rtl="0"/>
                       <a:r>
-                        <a:rPr lang="en-US" sz="1400" b="1" dirty="0" smtClean="0"/>
+                        <a:rPr lang="en-US" sz="1400" b="1" dirty="0"/>
                         <a:t>Demo</a:t>
                       </a:r>
                       <a:endParaRPr lang="he-IL" sz="1400" b="1" dirty="0"/>
@@ -37719,6 +36205,11 @@
                     <a:noFill/>
                   </a:tcPr>
                 </a:tc>
+                <a:extLst>
+                  <a:ext uri="{0D108BD9-81ED-4DB2-BD59-A6C34878D82A}">
+                    <a16:rowId xmlns:a16="http://schemas.microsoft.com/office/drawing/2014/main" val="10004"/>
+                  </a:ext>
+                </a:extLst>
               </a:tr>
               <a:tr h="370840">
                 <a:tc>
@@ -37743,7 +36234,7 @@
                         <a:tabLst/>
                         <a:defRPr/>
                       </a:pPr>
-                      <a:endParaRPr lang="he-IL" sz="1400" kern="1200" dirty="0" smtClean="0">
+                      <a:endParaRPr lang="he-IL" sz="1400" kern="1200" dirty="0">
                         <a:solidFill>
                           <a:schemeClr val="tx1"/>
                         </a:solidFill>
@@ -37808,7 +36299,7 @@
                         <a:buNone/>
                       </a:pPr>
                       <a:r>
-                        <a:rPr lang="en-US" sz="1400" kern="1200" dirty="0" smtClean="0">
+                        <a:rPr lang="en-US" sz="1400" kern="1200" dirty="0">
                           <a:solidFill>
                             <a:schemeClr val="tx1"/>
                           </a:solidFill>
@@ -37880,7 +36371,7 @@
                     <a:p>
                       <a:pPr algn="ctr"/>
                       <a:r>
-                        <a:rPr lang="en-US" sz="1400" dirty="0" smtClean="0"/>
+                        <a:rPr lang="en-US" sz="1400" dirty="0"/>
                         <a:t>Draft</a:t>
                       </a:r>
                       <a:endParaRPr lang="he-IL" sz="1400" dirty="0"/>
@@ -38062,7 +36553,7 @@
                         <a:defRPr/>
                       </a:pPr>
                       <a:r>
-                        <a:rPr lang="en-US" sz="1400" b="1" kern="1200" dirty="0" smtClean="0">
+                        <a:rPr lang="en-US" sz="1400" b="1" kern="1200" dirty="0">
                           <a:solidFill>
                             <a:schemeClr val="tx1"/>
                           </a:solidFill>
@@ -38072,7 +36563,7 @@
                         </a:rPr>
                         <a:t>User Guideline</a:t>
                       </a:r>
-                      <a:endParaRPr lang="he-IL" sz="1400" b="1" kern="1200" dirty="0" smtClean="0">
+                      <a:endParaRPr lang="he-IL" sz="1400" b="1" kern="1200" dirty="0">
                         <a:solidFill>
                           <a:schemeClr val="tx1"/>
                         </a:solidFill>
@@ -38122,6 +36613,11 @@
                     <a:noFill/>
                   </a:tcPr>
                 </a:tc>
+                <a:extLst>
+                  <a:ext uri="{0D108BD9-81ED-4DB2-BD59-A6C34878D82A}">
+                    <a16:rowId xmlns:a16="http://schemas.microsoft.com/office/drawing/2014/main" val="10005"/>
+                  </a:ext>
+                </a:extLst>
               </a:tr>
               <a:tr h="370840">
                 <a:tc>
@@ -38146,7 +36642,7 @@
                         <a:tabLst/>
                         <a:defRPr/>
                       </a:pPr>
-                      <a:endParaRPr lang="he-IL" sz="1400" kern="1200" dirty="0" smtClean="0">
+                      <a:endParaRPr lang="he-IL" sz="1400" kern="1200" dirty="0">
                         <a:solidFill>
                           <a:schemeClr val="tx1"/>
                         </a:solidFill>
@@ -38211,7 +36707,7 @@
                         <a:buNone/>
                       </a:pPr>
                       <a:r>
-                        <a:rPr lang="en-US" sz="1400" kern="1200" dirty="0" smtClean="0">
+                        <a:rPr lang="en-US" sz="1400" kern="1200" dirty="0">
                           <a:solidFill>
                             <a:schemeClr val="tx1"/>
                           </a:solidFill>
@@ -38283,7 +36779,7 @@
                     <a:p>
                       <a:pPr algn="ctr"/>
                       <a:r>
-                        <a:rPr lang="en-US" sz="1400" dirty="0" smtClean="0"/>
+                        <a:rPr lang="en-US" sz="1400" dirty="0"/>
                         <a:t>Draft</a:t>
                       </a:r>
                       <a:endParaRPr lang="he-IL" sz="1400" dirty="0"/>
@@ -38449,7 +36945,7 @@
                     <a:p>
                       <a:pPr algn="l" rtl="0"/>
                       <a:r>
-                        <a:rPr lang="en-US" sz="1400" b="1" kern="1200" dirty="0" smtClean="0">
+                        <a:rPr lang="en-US" sz="1400" b="1" kern="1200" dirty="0">
                           <a:solidFill>
                             <a:schemeClr val="tx1"/>
                           </a:solidFill>
@@ -38509,6 +37005,11 @@
                     <a:noFill/>
                   </a:tcPr>
                 </a:tc>
+                <a:extLst>
+                  <a:ext uri="{0D108BD9-81ED-4DB2-BD59-A6C34878D82A}">
+                    <a16:rowId xmlns:a16="http://schemas.microsoft.com/office/drawing/2014/main" val="10006"/>
+                  </a:ext>
+                </a:extLst>
               </a:tr>
               <a:tr h="370840">
                 <a:tc>
@@ -38533,7 +37034,7 @@
                         <a:tabLst/>
                         <a:defRPr/>
                       </a:pPr>
-                      <a:endParaRPr lang="he-IL" sz="1400" kern="1200" dirty="0" smtClean="0">
+                      <a:endParaRPr lang="he-IL" sz="1400" kern="1200" dirty="0">
                         <a:solidFill>
                           <a:schemeClr val="tx1"/>
                         </a:solidFill>
@@ -38597,17 +37098,6 @@
                         <a:buFont typeface="Arial" panose="020B0604020202020204" pitchFamily="34" charset="0"/>
                         <a:buNone/>
                       </a:pPr>
-                      <a:r>
-                        <a:rPr lang="en-US" sz="1400" kern="1200" dirty="0" smtClean="0">
-                          <a:solidFill>
-                            <a:schemeClr val="tx1"/>
-                          </a:solidFill>
-                          <a:latin typeface="+mn-lt"/>
-                          <a:ea typeface="+mn-ea"/>
-                          <a:cs typeface="+mn-cs"/>
-                        </a:rPr>
-                        <a:t>Amit</a:t>
-                      </a:r>
                       <a:endParaRPr lang="he-IL" sz="1400" kern="1200" dirty="0">
                         <a:solidFill>
                           <a:schemeClr val="tx1"/>
@@ -38670,8 +37160,8 @@
                     <a:p>
                       <a:pPr algn="ctr"/>
                       <a:r>
-                        <a:rPr lang="en-US" sz="1400" dirty="0" smtClean="0"/>
-                        <a:t>Draft</a:t>
+                        <a:rPr lang="en-US" sz="1400" dirty="0"/>
+                        <a:t>Tom</a:t>
                       </a:r>
                       <a:endParaRPr lang="he-IL" sz="1400" dirty="0"/>
                     </a:p>
@@ -38714,7 +37204,7 @@
                       <a:prstDash val="solid"/>
                     </a:lnBlToTr>
                     <a:solidFill>
-                      <a:schemeClr val="accent3">
+                      <a:schemeClr val="accent1">
                         <a:lumMod val="40000"/>
                         <a:lumOff val="60000"/>
                       </a:schemeClr>
@@ -38727,6 +37217,10 @@
                     <a:lstStyle/>
                     <a:p>
                       <a:pPr algn="ctr"/>
+                      <a:r>
+                        <a:rPr lang="en-US" sz="1400" dirty="0"/>
+                        <a:t>Draft</a:t>
+                      </a:r>
                       <a:endParaRPr lang="he-IL" sz="1400" dirty="0"/>
                     </a:p>
                   </a:txBody>
@@ -38852,7 +37346,7 @@
                         <a:defRPr/>
                       </a:pPr>
                       <a:r>
-                        <a:rPr lang="en-US" sz="1400" b="1" kern="1200" dirty="0" smtClean="0">
+                        <a:rPr lang="en-US" sz="1400" b="1" kern="1200" dirty="0">
                           <a:solidFill>
                             <a:schemeClr val="tx1"/>
                           </a:solidFill>
@@ -38860,9 +37354,9 @@
                           <a:ea typeface="+mn-ea"/>
                           <a:cs typeface="+mn-cs"/>
                         </a:rPr>
-                        <a:t>Programmer Guideline</a:t>
+                        <a:t>Tests report (EXCEL)</a:t>
                       </a:r>
-                      <a:endParaRPr lang="he-IL" sz="1400" b="1" kern="1200" dirty="0" smtClean="0">
+                      <a:endParaRPr lang="he-IL" sz="1400" b="1" kern="1200" dirty="0">
                         <a:solidFill>
                           <a:schemeClr val="tx1"/>
                         </a:solidFill>
@@ -38912,6 +37406,11 @@
                     <a:noFill/>
                   </a:tcPr>
                 </a:tc>
+                <a:extLst>
+                  <a:ext uri="{0D108BD9-81ED-4DB2-BD59-A6C34878D82A}">
+                    <a16:rowId xmlns:a16="http://schemas.microsoft.com/office/drawing/2014/main" val="10008"/>
+                  </a:ext>
+                </a:extLst>
               </a:tr>
               <a:tr h="370840">
                 <a:tc>
@@ -38936,7 +37435,7 @@
                         <a:tabLst/>
                         <a:defRPr/>
                       </a:pPr>
-                      <a:endParaRPr lang="he-IL" sz="1400" kern="1200" dirty="0" smtClean="0">
+                      <a:endParaRPr lang="he-IL" sz="1400" kern="1200" dirty="0">
                         <a:solidFill>
                           <a:schemeClr val="tx1"/>
                         </a:solidFill>
@@ -39061,10 +37560,6 @@
                     <a:lstStyle/>
                     <a:p>
                       <a:pPr algn="ctr"/>
-                      <a:r>
-                        <a:rPr lang="en-US" sz="1400" dirty="0" smtClean="0"/>
-                        <a:t>Tom</a:t>
-                      </a:r>
                       <a:endParaRPr lang="he-IL" sz="1400" dirty="0"/>
                     </a:p>
                   </a:txBody>
@@ -39119,10 +37614,6 @@
                     <a:lstStyle/>
                     <a:p>
                       <a:pPr algn="ctr"/>
-                      <a:r>
-                        <a:rPr lang="en-US" sz="1400" dirty="0" smtClean="0"/>
-                        <a:t>Draft</a:t>
-                      </a:r>
                       <a:endParaRPr lang="he-IL" sz="1400" dirty="0"/>
                     </a:p>
                   </a:txBody>
@@ -39164,7 +37655,7 @@
                       <a:prstDash val="solid"/>
                     </a:lnBlToTr>
                     <a:solidFill>
-                      <a:schemeClr val="accent3">
+                      <a:schemeClr val="accent1">
                         <a:lumMod val="40000"/>
                         <a:lumOff val="60000"/>
                       </a:schemeClr>
@@ -39177,6 +37668,10 @@
                     <a:lstStyle/>
                     <a:p>
                       <a:pPr algn="ctr" rtl="0"/>
+                      <a:r>
+                        <a:rPr lang="en-US" sz="1400" dirty="0"/>
+                        <a:t>Done</a:t>
+                      </a:r>
                       <a:endParaRPr lang="he-IL" sz="1400" dirty="0"/>
                     </a:p>
                   </a:txBody>
@@ -39218,7 +37713,7 @@
                       <a:prstDash val="solid"/>
                     </a:lnBlToTr>
                     <a:solidFill>
-                      <a:schemeClr val="accent3">
+                      <a:schemeClr val="accent1">
                         <a:lumMod val="40000"/>
                         <a:lumOff val="60000"/>
                       </a:schemeClr>
@@ -39230,25 +37725,9 @@
                     <a:bodyPr/>
                     <a:lstStyle/>
                     <a:p>
-                      <a:pPr marL="0" marR="0" indent="0" algn="l" defTabSz="457200" rtl="1" eaLnBrk="1" fontAlgn="auto" latinLnBrk="0" hangingPunct="1">
-                        <a:lnSpc>
-                          <a:spcPct val="100000"/>
-                        </a:lnSpc>
-                        <a:spcBef>
-                          <a:spcPts val="0"/>
-                        </a:spcBef>
-                        <a:spcAft>
-                          <a:spcPts val="0"/>
-                        </a:spcAft>
-                        <a:buClrTx/>
-                        <a:buSzTx/>
-                        <a:buFontTx/>
-                        <a:buNone/>
-                        <a:tabLst/>
-                        <a:defRPr/>
-                      </a:pPr>
+                      <a:pPr algn="l" rtl="0"/>
                       <a:r>
-                        <a:rPr lang="en-US" sz="1400" b="1" kern="1200" dirty="0" smtClean="0">
+                        <a:rPr lang="en-US" sz="1400" b="1" kern="1200" dirty="0">
                           <a:solidFill>
                             <a:schemeClr val="tx1"/>
                           </a:solidFill>
@@ -39256,9 +37735,9 @@
                           <a:ea typeface="+mn-ea"/>
                           <a:cs typeface="+mn-cs"/>
                         </a:rPr>
-                        <a:t>Tests report (EXCEL)</a:t>
+                        <a:t>Presentation</a:t>
                       </a:r>
-                      <a:endParaRPr lang="he-IL" sz="1400" b="1" kern="1200" dirty="0" smtClean="0">
+                      <a:endParaRPr lang="he-IL" sz="1400" b="1" kern="1200" dirty="0">
                         <a:solidFill>
                           <a:schemeClr val="tx1"/>
                         </a:solidFill>
@@ -39308,6 +37787,11 @@
                     <a:noFill/>
                   </a:tcPr>
                 </a:tc>
+                <a:extLst>
+                  <a:ext uri="{0D108BD9-81ED-4DB2-BD59-A6C34878D82A}">
+                    <a16:rowId xmlns:a16="http://schemas.microsoft.com/office/drawing/2014/main" val="10009"/>
+                  </a:ext>
+                </a:extLst>
               </a:tr>
               <a:tr h="370840">
                 <a:tc>
@@ -39332,7 +37816,7 @@
                         <a:tabLst/>
                         <a:defRPr/>
                       </a:pPr>
-                      <a:endParaRPr lang="he-IL" sz="1400" kern="1200" dirty="0" smtClean="0">
+                      <a:endParaRPr lang="he-IL" sz="1400" kern="1200" dirty="0">
                         <a:solidFill>
                           <a:schemeClr val="tx1"/>
                         </a:solidFill>
@@ -39566,7 +38050,7 @@
                     <a:p>
                       <a:pPr algn="ctr" rtl="0"/>
                       <a:r>
-                        <a:rPr lang="en-US" sz="1400" dirty="0" smtClean="0"/>
+                        <a:rPr lang="en-US" sz="1400" dirty="0"/>
                         <a:t>Done</a:t>
                       </a:r>
                       <a:endParaRPr lang="he-IL" sz="1400" dirty="0"/>
@@ -39624,383 +38108,7 @@
                     <a:p>
                       <a:pPr algn="l" rtl="0"/>
                       <a:r>
-                        <a:rPr lang="en-US" sz="1400" b="1" kern="1200" dirty="0" smtClean="0">
-                          <a:solidFill>
-                            <a:schemeClr val="tx1"/>
-                          </a:solidFill>
-                          <a:latin typeface="+mn-lt"/>
-                          <a:ea typeface="+mn-ea"/>
-                          <a:cs typeface="+mn-cs"/>
-                        </a:rPr>
-                        <a:t>Presentation</a:t>
-                      </a:r>
-                      <a:endParaRPr lang="he-IL" sz="1400" b="1" kern="1200" dirty="0">
-                        <a:solidFill>
-                          <a:schemeClr val="tx1"/>
-                        </a:solidFill>
-                        <a:latin typeface="+mn-lt"/>
-                        <a:ea typeface="+mn-ea"/>
-                        <a:cs typeface="+mn-cs"/>
-                      </a:endParaRPr>
-                    </a:p>
-                  </a:txBody>
-                  <a:tcPr>
-                    <a:lnL w="12700" cap="flat" cmpd="sng" algn="ctr">
-                      <a:noFill/>
-                      <a:prstDash val="solid"/>
-                      <a:round/>
-                      <a:headEnd type="none" w="med" len="med"/>
-                      <a:tailEnd type="none" w="med" len="med"/>
-                    </a:lnL>
-                    <a:lnR w="12700" cap="flat" cmpd="sng" algn="ctr">
-                      <a:noFill/>
-                      <a:prstDash val="solid"/>
-                      <a:round/>
-                      <a:headEnd type="none" w="med" len="med"/>
-                      <a:tailEnd type="none" w="med" len="med"/>
-                    </a:lnR>
-                    <a:lnT w="12700" cap="flat" cmpd="sng" algn="ctr">
-                      <a:noFill/>
-                      <a:prstDash val="solid"/>
-                      <a:round/>
-                      <a:headEnd type="none" w="med" len="med"/>
-                      <a:tailEnd type="none" w="med" len="med"/>
-                    </a:lnT>
-                    <a:lnB w="12700" cap="flat" cmpd="sng" algn="ctr">
-                      <a:noFill/>
-                      <a:prstDash val="solid"/>
-                      <a:round/>
-                      <a:headEnd type="none" w="med" len="med"/>
-                      <a:tailEnd type="none" w="med" len="med"/>
-                    </a:lnB>
-                    <a:lnTlToBr w="12700" cmpd="sng">
-                      <a:noFill/>
-                      <a:prstDash val="solid"/>
-                    </a:lnTlToBr>
-                    <a:lnBlToTr w="12700" cmpd="sng">
-                      <a:noFill/>
-                      <a:prstDash val="solid"/>
-                    </a:lnBlToTr>
-                    <a:noFill/>
-                  </a:tcPr>
-                </a:tc>
-              </a:tr>
-              <a:tr h="370840">
-                <a:tc>
-                  <a:txBody>
-                    <a:bodyPr/>
-                    <a:lstStyle/>
-                    <a:p>
-                      <a:pPr marL="0" marR="0" indent="0" algn="ctr" defTabSz="457200" rtl="0" eaLnBrk="1" fontAlgn="auto" latinLnBrk="0" hangingPunct="1">
-                        <a:lnSpc>
-                          <a:spcPct val="100000"/>
-                        </a:lnSpc>
-                        <a:spcBef>
-                          <a:spcPts val="0"/>
-                        </a:spcBef>
-                        <a:spcAft>
-                          <a:spcPts val="0"/>
-                        </a:spcAft>
-                        <a:buClrTx/>
-                        <a:buSzTx/>
-                        <a:buFont typeface="Arial" panose="020B0604020202020204" pitchFamily="34" charset="0"/>
-                        <a:buNone/>
-                        <a:tabLst/>
-                        <a:defRPr/>
-                      </a:pPr>
-                      <a:endParaRPr lang="he-IL" sz="1400" kern="1200" dirty="0" smtClean="0">
-                        <a:solidFill>
-                          <a:schemeClr val="tx1"/>
-                        </a:solidFill>
-                        <a:latin typeface="+mn-lt"/>
-                        <a:ea typeface="+mn-ea"/>
-                        <a:cs typeface="+mn-cs"/>
-                      </a:endParaRPr>
-                    </a:p>
-                  </a:txBody>
-                  <a:tcPr>
-                    <a:lnL w="12700" cap="flat" cmpd="sng" algn="ctr">
-                      <a:noFill/>
-                      <a:prstDash val="solid"/>
-                      <a:round/>
-                      <a:headEnd type="none" w="med" len="med"/>
-                      <a:tailEnd type="none" w="med" len="med"/>
-                    </a:lnL>
-                    <a:lnR w="12700" cap="flat" cmpd="sng" algn="ctr">
-                      <a:noFill/>
-                      <a:prstDash val="solid"/>
-                      <a:round/>
-                      <a:headEnd type="none" w="med" len="med"/>
-                      <a:tailEnd type="none" w="med" len="med"/>
-                    </a:lnR>
-                    <a:lnT w="12700" cap="flat" cmpd="sng" algn="ctr">
-                      <a:noFill/>
-                      <a:prstDash val="solid"/>
-                      <a:round/>
-                      <a:headEnd type="none" w="med" len="med"/>
-                      <a:tailEnd type="none" w="med" len="med"/>
-                    </a:lnT>
-                    <a:lnB w="12700" cap="flat" cmpd="sng" algn="ctr">
-                      <a:noFill/>
-                      <a:prstDash val="solid"/>
-                      <a:round/>
-                      <a:headEnd type="none" w="med" len="med"/>
-                      <a:tailEnd type="none" w="med" len="med"/>
-                    </a:lnB>
-                    <a:lnTlToBr w="12700" cmpd="sng">
-                      <a:noFill/>
-                      <a:prstDash val="solid"/>
-                    </a:lnTlToBr>
-                    <a:lnBlToTr w="12700" cmpd="sng">
-                      <a:noFill/>
-                      <a:prstDash val="solid"/>
-                    </a:lnBlToTr>
-                    <a:solidFill>
-                      <a:schemeClr val="accent1">
-                        <a:lumMod val="40000"/>
-                        <a:lumOff val="60000"/>
-                      </a:schemeClr>
-                    </a:solidFill>
-                  </a:tcPr>
-                </a:tc>
-                <a:tc>
-                  <a:txBody>
-                    <a:bodyPr/>
-                    <a:lstStyle/>
-                    <a:p>
-                      <a:pPr marL="0" indent="0" algn="ctr" defTabSz="457200" rtl="0" eaLnBrk="1" latinLnBrk="0" hangingPunct="1">
-                        <a:buFont typeface="Arial" panose="020B0604020202020204" pitchFamily="34" charset="0"/>
-                        <a:buNone/>
-                      </a:pPr>
-                      <a:endParaRPr lang="he-IL" sz="1400" kern="1200" dirty="0">
-                        <a:solidFill>
-                          <a:schemeClr val="tx1"/>
-                        </a:solidFill>
-                        <a:latin typeface="+mn-lt"/>
-                        <a:ea typeface="+mn-ea"/>
-                        <a:cs typeface="+mn-cs"/>
-                      </a:endParaRPr>
-                    </a:p>
-                  </a:txBody>
-                  <a:tcPr>
-                    <a:lnL w="12700" cap="flat" cmpd="sng" algn="ctr">
-                      <a:noFill/>
-                      <a:prstDash val="solid"/>
-                      <a:round/>
-                      <a:headEnd type="none" w="med" len="med"/>
-                      <a:tailEnd type="none" w="med" len="med"/>
-                    </a:lnL>
-                    <a:lnR w="12700" cap="flat" cmpd="sng" algn="ctr">
-                      <a:noFill/>
-                      <a:prstDash val="solid"/>
-                      <a:round/>
-                      <a:headEnd type="none" w="med" len="med"/>
-                      <a:tailEnd type="none" w="med" len="med"/>
-                    </a:lnR>
-                    <a:lnT w="12700" cap="flat" cmpd="sng" algn="ctr">
-                      <a:noFill/>
-                      <a:prstDash val="solid"/>
-                      <a:round/>
-                      <a:headEnd type="none" w="med" len="med"/>
-                      <a:tailEnd type="none" w="med" len="med"/>
-                    </a:lnT>
-                    <a:lnB w="12700" cap="flat" cmpd="sng" algn="ctr">
-                      <a:noFill/>
-                      <a:prstDash val="solid"/>
-                      <a:round/>
-                      <a:headEnd type="none" w="med" len="med"/>
-                      <a:tailEnd type="none" w="med" len="med"/>
-                    </a:lnB>
-                    <a:lnTlToBr w="12700" cmpd="sng">
-                      <a:noFill/>
-                      <a:prstDash val="solid"/>
-                    </a:lnTlToBr>
-                    <a:lnBlToTr w="12700" cmpd="sng">
-                      <a:noFill/>
-                      <a:prstDash val="solid"/>
-                    </a:lnBlToTr>
-                    <a:solidFill>
-                      <a:schemeClr val="accent1">
-                        <a:lumMod val="40000"/>
-                        <a:lumOff val="60000"/>
-                      </a:schemeClr>
-                    </a:solidFill>
-                  </a:tcPr>
-                </a:tc>
-                <a:tc>
-                  <a:txBody>
-                    <a:bodyPr/>
-                    <a:lstStyle/>
-                    <a:p>
-                      <a:pPr algn="ctr"/>
-                      <a:endParaRPr lang="he-IL" sz="1400" dirty="0"/>
-                    </a:p>
-                  </a:txBody>
-                  <a:tcPr>
-                    <a:lnL w="12700" cap="flat" cmpd="sng" algn="ctr">
-                      <a:noFill/>
-                      <a:prstDash val="solid"/>
-                      <a:round/>
-                      <a:headEnd type="none" w="med" len="med"/>
-                      <a:tailEnd type="none" w="med" len="med"/>
-                    </a:lnL>
-                    <a:lnR w="12700" cap="flat" cmpd="sng" algn="ctr">
-                      <a:noFill/>
-                      <a:prstDash val="solid"/>
-                      <a:round/>
-                      <a:headEnd type="none" w="med" len="med"/>
-                      <a:tailEnd type="none" w="med" len="med"/>
-                    </a:lnR>
-                    <a:lnT w="12700" cap="flat" cmpd="sng" algn="ctr">
-                      <a:noFill/>
-                      <a:prstDash val="solid"/>
-                      <a:round/>
-                      <a:headEnd type="none" w="med" len="med"/>
-                      <a:tailEnd type="none" w="med" len="med"/>
-                    </a:lnT>
-                    <a:lnB w="12700" cap="flat" cmpd="sng" algn="ctr">
-                      <a:noFill/>
-                      <a:prstDash val="solid"/>
-                      <a:round/>
-                      <a:headEnd type="none" w="med" len="med"/>
-                      <a:tailEnd type="none" w="med" len="med"/>
-                    </a:lnB>
-                    <a:lnTlToBr w="12700" cmpd="sng">
-                      <a:noFill/>
-                      <a:prstDash val="solid"/>
-                    </a:lnTlToBr>
-                    <a:lnBlToTr w="12700" cmpd="sng">
-                      <a:noFill/>
-                      <a:prstDash val="solid"/>
-                    </a:lnBlToTr>
-                    <a:solidFill>
-                      <a:schemeClr val="accent1">
-                        <a:lumMod val="40000"/>
-                        <a:lumOff val="60000"/>
-                      </a:schemeClr>
-                    </a:solidFill>
-                  </a:tcPr>
-                </a:tc>
-                <a:tc>
-                  <a:txBody>
-                    <a:bodyPr/>
-                    <a:lstStyle/>
-                    <a:p>
-                      <a:pPr algn="ctr"/>
-                      <a:endParaRPr lang="he-IL" sz="1400" dirty="0"/>
-                    </a:p>
-                  </a:txBody>
-                  <a:tcPr>
-                    <a:lnL w="12700" cap="flat" cmpd="sng" algn="ctr">
-                      <a:noFill/>
-                      <a:prstDash val="solid"/>
-                      <a:round/>
-                      <a:headEnd type="none" w="med" len="med"/>
-                      <a:tailEnd type="none" w="med" len="med"/>
-                    </a:lnL>
-                    <a:lnR w="12700" cap="flat" cmpd="sng" algn="ctr">
-                      <a:noFill/>
-                      <a:prstDash val="solid"/>
-                      <a:round/>
-                      <a:headEnd type="none" w="med" len="med"/>
-                      <a:tailEnd type="none" w="med" len="med"/>
-                    </a:lnR>
-                    <a:lnT w="12700" cap="flat" cmpd="sng" algn="ctr">
-                      <a:noFill/>
-                      <a:prstDash val="solid"/>
-                      <a:round/>
-                      <a:headEnd type="none" w="med" len="med"/>
-                      <a:tailEnd type="none" w="med" len="med"/>
-                    </a:lnT>
-                    <a:lnB w="12700" cap="flat" cmpd="sng" algn="ctr">
-                      <a:noFill/>
-                      <a:prstDash val="solid"/>
-                      <a:round/>
-                      <a:headEnd type="none" w="med" len="med"/>
-                      <a:tailEnd type="none" w="med" len="med"/>
-                    </a:lnB>
-                    <a:lnTlToBr w="12700" cmpd="sng">
-                      <a:noFill/>
-                      <a:prstDash val="solid"/>
-                    </a:lnTlToBr>
-                    <a:lnBlToTr w="12700" cmpd="sng">
-                      <a:noFill/>
-                      <a:prstDash val="solid"/>
-                    </a:lnBlToTr>
-                    <a:solidFill>
-                      <a:schemeClr val="accent1">
-                        <a:lumMod val="40000"/>
-                        <a:lumOff val="60000"/>
-                      </a:schemeClr>
-                    </a:solidFill>
-                  </a:tcPr>
-                </a:tc>
-                <a:tc>
-                  <a:txBody>
-                    <a:bodyPr/>
-                    <a:lstStyle/>
-                    <a:p>
-                      <a:pPr algn="ctr" rtl="0"/>
-                      <a:r>
-                        <a:rPr lang="en-US" sz="1400" dirty="0" smtClean="0"/>
-                        <a:t>Done</a:t>
-                      </a:r>
-                      <a:endParaRPr lang="he-IL" sz="1400" dirty="0"/>
-                    </a:p>
-                  </a:txBody>
-                  <a:tcPr>
-                    <a:lnL w="12700" cap="flat" cmpd="sng" algn="ctr">
-                      <a:noFill/>
-                      <a:prstDash val="solid"/>
-                      <a:round/>
-                      <a:headEnd type="none" w="med" len="med"/>
-                      <a:tailEnd type="none" w="med" len="med"/>
-                    </a:lnL>
-                    <a:lnR w="12700" cap="flat" cmpd="sng" algn="ctr">
-                      <a:noFill/>
-                      <a:prstDash val="solid"/>
-                      <a:round/>
-                      <a:headEnd type="none" w="med" len="med"/>
-                      <a:tailEnd type="none" w="med" len="med"/>
-                    </a:lnR>
-                    <a:lnT w="12700" cap="flat" cmpd="sng" algn="ctr">
-                      <a:noFill/>
-                      <a:prstDash val="solid"/>
-                      <a:round/>
-                      <a:headEnd type="none" w="med" len="med"/>
-                      <a:tailEnd type="none" w="med" len="med"/>
-                    </a:lnT>
-                    <a:lnB w="12700" cap="flat" cmpd="sng" algn="ctr">
-                      <a:noFill/>
-                      <a:prstDash val="solid"/>
-                      <a:round/>
-                      <a:headEnd type="none" w="med" len="med"/>
-                      <a:tailEnd type="none" w="med" len="med"/>
-                    </a:lnB>
-                    <a:lnTlToBr w="12700" cmpd="sng">
-                      <a:noFill/>
-                      <a:prstDash val="solid"/>
-                    </a:lnTlToBr>
-                    <a:lnBlToTr w="12700" cmpd="sng">
-                      <a:noFill/>
-                      <a:prstDash val="solid"/>
-                    </a:lnBlToTr>
-                    <a:solidFill>
-                      <a:schemeClr val="accent1">
-                        <a:lumMod val="40000"/>
-                        <a:lumOff val="60000"/>
-                      </a:schemeClr>
-                    </a:solidFill>
-                  </a:tcPr>
-                </a:tc>
-                <a:tc>
-                  <a:txBody>
-                    <a:bodyPr/>
-                    <a:lstStyle/>
-                    <a:p>
-                      <a:pPr algn="l" rtl="0"/>
-                      <a:r>
-                        <a:rPr lang="en-US" sz="1400" b="1" kern="1200" dirty="0" smtClean="0">
+                        <a:rPr lang="en-US" sz="1400" b="1" kern="1200" dirty="0">
                           <a:solidFill>
                             <a:schemeClr val="tx1"/>
                           </a:solidFill>
@@ -40060,6 +38168,11 @@
                     <a:noFill/>
                   </a:tcPr>
                 </a:tc>
+                <a:extLst>
+                  <a:ext uri="{0D108BD9-81ED-4DB2-BD59-A6C34878D82A}">
+                    <a16:rowId xmlns:a16="http://schemas.microsoft.com/office/drawing/2014/main" val="10010"/>
+                  </a:ext>
+                </a:extLst>
               </a:tr>
               <a:tr h="370840">
                 <a:tc>
@@ -40085,7 +38198,7 @@
                         <a:defRPr/>
                       </a:pPr>
                       <a:r>
-                        <a:rPr lang="en-US" sz="1400" kern="1200" dirty="0" smtClean="0">
+                        <a:rPr lang="en-US" sz="1400" kern="1200" dirty="0">
                           <a:solidFill>
                             <a:schemeClr val="dk1"/>
                           </a:solidFill>
@@ -40095,7 +38208,7 @@
                         </a:rPr>
                         <a:t>TBA</a:t>
                       </a:r>
-                      <a:endParaRPr lang="he-IL" sz="1400" kern="1200" dirty="0" smtClean="0">
+                      <a:endParaRPr lang="he-IL" sz="1400" kern="1200" dirty="0">
                         <a:solidFill>
                           <a:schemeClr val="tx1"/>
                         </a:solidFill>
@@ -40160,7 +38273,7 @@
                         <a:buNone/>
                       </a:pPr>
                       <a:r>
-                        <a:rPr lang="en-US" sz="1400" kern="1200" dirty="0" smtClean="0">
+                        <a:rPr lang="en-US" sz="1400" kern="1200" dirty="0">
                           <a:solidFill>
                             <a:schemeClr val="tx1"/>
                           </a:solidFill>
@@ -40394,7 +38507,7 @@
                     <a:p>
                       <a:pPr algn="l" rtl="0"/>
                       <a:r>
-                        <a:rPr lang="en-US" sz="1400" b="1" kern="1200" dirty="0" smtClean="0">
+                        <a:rPr lang="en-US" sz="1400" b="1" kern="1200" dirty="0">
                           <a:solidFill>
                             <a:schemeClr val="tx1"/>
                           </a:solidFill>
@@ -40454,6 +38567,11 @@
                     <a:noFill/>
                   </a:tcPr>
                 </a:tc>
+                <a:extLst>
+                  <a:ext uri="{0D108BD9-81ED-4DB2-BD59-A6C34878D82A}">
+                    <a16:rowId xmlns:a16="http://schemas.microsoft.com/office/drawing/2014/main" val="10011"/>
+                  </a:ext>
+                </a:extLst>
               </a:tr>
             </a:tbl>
           </a:graphicData>
@@ -40469,13 +38587,6 @@
   <p:clrMapOvr>
     <a:masterClrMapping/>
   </p:clrMapOvr>
-  <p:timing>
-    <p:tnLst>
-      <p:par>
-        <p:cTn id="1" dur="indefinite" restart="never" nodeType="tmRoot"/>
-      </p:par>
-    </p:tnLst>
-  </p:timing>
 </p:sld>
 </file>
 

--- a/Docs/ProjectGantt.pptx
+++ b/Docs/ProjectGantt.pptx
@@ -206,7 +206,7 @@
           <a:p>
             <a:fld id="{75E34E56-B615-49A0-8EF1-E9F65D11ACC1}" type="datetimeFigureOut">
               <a:rPr lang="he-IL" smtClean="0"/>
-              <a:t>י"ט/ניסן/תשפ"ג</a:t>
+              <a:t>ח'/אייר/תשפ"ג</a:t>
             </a:fld>
             <a:endParaRPr lang="he-IL"/>
           </a:p>
@@ -1532,7 +1532,7 @@
           <a:p>
             <a:fld id="{62679F71-E552-4891-A71A-015ADD22FDD3}" type="datetimeFigureOut">
               <a:rPr lang="he-IL" smtClean="0"/>
-              <a:t>י"ט/ניסן/תשפ"ג</a:t>
+              <a:t>ח'/אייר/תשפ"ג</a:t>
             </a:fld>
             <a:endParaRPr lang="he-IL"/>
           </a:p>
@@ -1783,7 +1783,7 @@
           <a:p>
             <a:fld id="{62679F71-E552-4891-A71A-015ADD22FDD3}" type="datetimeFigureOut">
               <a:rPr lang="he-IL" smtClean="0"/>
-              <a:t>י"ט/ניסן/תשפ"ג</a:t>
+              <a:t>ח'/אייר/תשפ"ג</a:t>
             </a:fld>
             <a:endParaRPr lang="he-IL"/>
           </a:p>
@@ -2097,7 +2097,7 @@
           <a:p>
             <a:fld id="{62679F71-E552-4891-A71A-015ADD22FDD3}" type="datetimeFigureOut">
               <a:rPr lang="he-IL" smtClean="0"/>
-              <a:t>י"ט/ניסן/תשפ"ג</a:t>
+              <a:t>ח'/אייר/תשפ"ג</a:t>
             </a:fld>
             <a:endParaRPr lang="he-IL"/>
           </a:p>
@@ -2438,7 +2438,7 @@
           <a:p>
             <a:fld id="{62679F71-E552-4891-A71A-015ADD22FDD3}" type="datetimeFigureOut">
               <a:rPr lang="he-IL" smtClean="0"/>
-              <a:t>י"ט/ניסן/תשפ"ג</a:t>
+              <a:t>ח'/אייר/תשפ"ג</a:t>
             </a:fld>
             <a:endParaRPr lang="he-IL"/>
           </a:p>
@@ -2752,7 +2752,7 @@
           <a:p>
             <a:fld id="{62679F71-E552-4891-A71A-015ADD22FDD3}" type="datetimeFigureOut">
               <a:rPr lang="he-IL" smtClean="0"/>
-              <a:t>י"ט/ניסן/תשפ"ג</a:t>
+              <a:t>ח'/אייר/תשפ"ג</a:t>
             </a:fld>
             <a:endParaRPr lang="he-IL"/>
           </a:p>
@@ -3145,7 +3145,7 @@
           <a:p>
             <a:fld id="{62679F71-E552-4891-A71A-015ADD22FDD3}" type="datetimeFigureOut">
               <a:rPr lang="he-IL" smtClean="0"/>
-              <a:t>י"ט/ניסן/תשפ"ג</a:t>
+              <a:t>ח'/אייר/תשפ"ג</a:t>
             </a:fld>
             <a:endParaRPr lang="he-IL"/>
           </a:p>
@@ -3315,7 +3315,7 @@
           <a:p>
             <a:fld id="{62679F71-E552-4891-A71A-015ADD22FDD3}" type="datetimeFigureOut">
               <a:rPr lang="he-IL" smtClean="0"/>
-              <a:t>י"ט/ניסן/תשפ"ג</a:t>
+              <a:t>ח'/אייר/תשפ"ג</a:t>
             </a:fld>
             <a:endParaRPr lang="he-IL"/>
           </a:p>
@@ -3495,7 +3495,7 @@
           <a:p>
             <a:fld id="{62679F71-E552-4891-A71A-015ADD22FDD3}" type="datetimeFigureOut">
               <a:rPr lang="he-IL" smtClean="0"/>
-              <a:t>י"ט/ניסן/תשפ"ג</a:t>
+              <a:t>ח'/אייר/תשפ"ג</a:t>
             </a:fld>
             <a:endParaRPr lang="he-IL"/>
           </a:p>
@@ -3671,7 +3671,7 @@
           <a:p>
             <a:fld id="{62679F71-E552-4891-A71A-015ADD22FDD3}" type="datetimeFigureOut">
               <a:rPr lang="he-IL" smtClean="0"/>
-              <a:t>י"ט/ניסן/תשפ"ג</a:t>
+              <a:t>ח'/אייר/תשפ"ג</a:t>
             </a:fld>
             <a:endParaRPr lang="he-IL"/>
           </a:p>
@@ -3918,7 +3918,7 @@
           <a:p>
             <a:fld id="{62679F71-E552-4891-A71A-015ADD22FDD3}" type="datetimeFigureOut">
               <a:rPr lang="he-IL" smtClean="0"/>
-              <a:t>י"ט/ניסן/תשפ"ג</a:t>
+              <a:t>ח'/אייר/תשפ"ג</a:t>
             </a:fld>
             <a:endParaRPr lang="he-IL"/>
           </a:p>
@@ -4150,7 +4150,7 @@
           <a:p>
             <a:fld id="{62679F71-E552-4891-A71A-015ADD22FDD3}" type="datetimeFigureOut">
               <a:rPr lang="he-IL" smtClean="0"/>
-              <a:t>י"ט/ניסן/תשפ"ג</a:t>
+              <a:t>ח'/אייר/תשפ"ג</a:t>
             </a:fld>
             <a:endParaRPr lang="he-IL"/>
           </a:p>
@@ -4524,7 +4524,7 @@
           <a:p>
             <a:fld id="{62679F71-E552-4891-A71A-015ADD22FDD3}" type="datetimeFigureOut">
               <a:rPr lang="he-IL" smtClean="0"/>
-              <a:t>י"ט/ניסן/תשפ"ג</a:t>
+              <a:t>ח'/אייר/תשפ"ג</a:t>
             </a:fld>
             <a:endParaRPr lang="he-IL"/>
           </a:p>
@@ -4647,7 +4647,7 @@
           <a:p>
             <a:fld id="{62679F71-E552-4891-A71A-015ADD22FDD3}" type="datetimeFigureOut">
               <a:rPr lang="he-IL" smtClean="0"/>
-              <a:t>י"ט/ניסן/תשפ"ג</a:t>
+              <a:t>ח'/אייר/תשפ"ג</a:t>
             </a:fld>
             <a:endParaRPr lang="he-IL"/>
           </a:p>
@@ -4742,7 +4742,7 @@
           <a:p>
             <a:fld id="{62679F71-E552-4891-A71A-015ADD22FDD3}" type="datetimeFigureOut">
               <a:rPr lang="he-IL" smtClean="0"/>
-              <a:t>י"ט/ניסן/תשפ"ג</a:t>
+              <a:t>ח'/אייר/תשפ"ג</a:t>
             </a:fld>
             <a:endParaRPr lang="he-IL"/>
           </a:p>
@@ -4997,7 +4997,7 @@
           <a:p>
             <a:fld id="{62679F71-E552-4891-A71A-015ADD22FDD3}" type="datetimeFigureOut">
               <a:rPr lang="he-IL" smtClean="0"/>
-              <a:t>י"ט/ניסן/תשפ"ג</a:t>
+              <a:t>ח'/אייר/תשפ"ג</a:t>
             </a:fld>
             <a:endParaRPr lang="he-IL"/>
           </a:p>
@@ -5260,7 +5260,7 @@
           <a:p>
             <a:fld id="{62679F71-E552-4891-A71A-015ADD22FDD3}" type="datetimeFigureOut">
               <a:rPr lang="he-IL" smtClean="0"/>
-              <a:t>י"ט/ניסן/תשפ"ג</a:t>
+              <a:t>ח'/אייר/תשפ"ג</a:t>
             </a:fld>
             <a:endParaRPr lang="he-IL"/>
           </a:p>
@@ -6003,7 +6003,7 @@
           <a:p>
             <a:fld id="{62679F71-E552-4891-A71A-015ADD22FDD3}" type="datetimeFigureOut">
               <a:rPr lang="he-IL" smtClean="0"/>
-              <a:t>י"ט/ניסן/תשפ"ג</a:t>
+              <a:t>ח'/אייר/תשפ"ג</a:t>
             </a:fld>
             <a:endParaRPr lang="he-IL"/>
           </a:p>
@@ -15304,7 +15304,7 @@
           <p:nvPr>
             <p:extLst>
               <p:ext uri="{D42A27DB-BD31-4B8C-83A1-F6EECF244321}">
-                <p14:modId xmlns:p14="http://schemas.microsoft.com/office/powerpoint/2010/main" val="1690527499"/>
+                <p14:modId xmlns:p14="http://schemas.microsoft.com/office/powerpoint/2010/main" val="284853062"/>
               </p:ext>
             </p:extLst>
           </p:nvPr>
@@ -17846,14 +17846,6 @@
                         <a:tabLst/>
                         <a:defRPr/>
                       </a:pPr>
-                      <a:r>
-                        <a:rPr lang="en-US" sz="1400" dirty="0"/>
-                        <a:t>Team</a:t>
-                      </a:r>
-                      <a:r>
-                        <a:rPr lang="en-US" sz="1400" baseline="0" dirty="0"/>
-                        <a:t> (TBA)</a:t>
-                      </a:r>
                       <a:endParaRPr lang="he-IL" sz="1400" dirty="0"/>
                     </a:p>
                   </a:txBody>
@@ -17907,7 +17899,27 @@
                     <a:bodyPr/>
                     <a:lstStyle/>
                     <a:p>
-                      <a:pPr algn="ctr" rtl="0"/>
+                      <a:pPr marL="0" marR="0" lvl="0" indent="0" algn="ctr" defTabSz="457200" rtl="0" eaLnBrk="1" fontAlgn="auto" latinLnBrk="0" hangingPunct="1">
+                        <a:lnSpc>
+                          <a:spcPct val="100000"/>
+                        </a:lnSpc>
+                        <a:spcBef>
+                          <a:spcPts val="0"/>
+                        </a:spcBef>
+                        <a:spcAft>
+                          <a:spcPts val="0"/>
+                        </a:spcAft>
+                        <a:buClrTx/>
+                        <a:buSzTx/>
+                        <a:buFontTx/>
+                        <a:buNone/>
+                        <a:tabLst/>
+                        <a:defRPr/>
+                      </a:pPr>
+                      <a:r>
+                        <a:rPr lang="en-US" sz="1400" dirty="0"/>
+                        <a:t>Team</a:t>
+                      </a:r>
                       <a:endParaRPr lang="he-IL" sz="1400" dirty="0"/>
                     </a:p>
                   </a:txBody>
@@ -17949,7 +17961,7 @@
                       <a:prstDash val="solid"/>
                     </a:lnBlToTr>
                     <a:solidFill>
-                      <a:schemeClr val="accent3">
+                      <a:schemeClr val="accent1">
                         <a:lumMod val="40000"/>
                         <a:lumOff val="60000"/>
                       </a:schemeClr>
